--- a/baocao.pptx
+++ b/baocao.pptx
@@ -141,8 +141,8 @@
           <c:layoutTarget val="inner"/>
           <c:xMode val="edge"/>
           <c:yMode val="edge"/>
-          <c:x val="0.17713558374647614"/>
-          <c:y val="0.16690569498690114"/>
+          <c:x val="0.18756932391893233"/>
+          <c:y val="0.1628797580706515"/>
           <c:w val="0.76775222349843164"/>
           <c:h val="0.83309419655876349"/>
         </c:manualLayout>
@@ -323,11 +323,11 @@
         </c:dLbls>
         <c:gapWidth val="150"/>
         <c:overlap val="100"/>
-        <c:axId val="174393344"/>
-        <c:axId val="177615936"/>
+        <c:axId val="126285824"/>
+        <c:axId val="172176448"/>
       </c:barChart>
       <c:catAx>
-        <c:axId val="174393344"/>
+        <c:axId val="126285824"/>
         <c:scaling>
           <c:orientation val="maxMin"/>
         </c:scaling>
@@ -349,7 +349,7 @@
             <a:endParaRPr lang="en-US"/>
           </a:p>
         </c:txPr>
-        <c:crossAx val="177615936"/>
+        <c:crossAx val="172176448"/>
         <c:crosses val="autoZero"/>
         <c:auto val="1"/>
         <c:lblAlgn val="ctr"/>
@@ -357,7 +357,7 @@
         <c:noMultiLvlLbl val="0"/>
       </c:catAx>
       <c:valAx>
-        <c:axId val="177615936"/>
+        <c:axId val="172176448"/>
         <c:scaling>
           <c:orientation val="minMax"/>
           <c:max val="43822"/>
@@ -370,7 +370,7 @@
         <c:majorTickMark val="out"/>
         <c:minorTickMark val="none"/>
         <c:tickLblPos val="nextTo"/>
-        <c:crossAx val="174393344"/>
+        <c:crossAx val="126285824"/>
         <c:crosses val="autoZero"/>
         <c:crossBetween val="between"/>
       </c:valAx>
@@ -1247,510 +1247,6 @@
         <p:txBody>
           <a:bodyPr/>
           <a:lstStyle/>
-          <a:p>
-            <a:r>
-              <a:rPr lang="en-US" sz="1200" kern="1200" smtClean="0">
-                <a:solidFill>
-                  <a:schemeClr val="tx1"/>
-                </a:solidFill>
-                <a:effectLst/>
-                <a:latin typeface="+mn-lt"/>
-                <a:ea typeface="+mn-ea"/>
-                <a:cs typeface="+mn-cs"/>
-              </a:rPr>
-              <a:t>Ngày bắt đầu</a:t>
-            </a:r>
-          </a:p>
-          <a:p>
-            <a:r>
-              <a:rPr lang="en-US" sz="1200" kern="1200" smtClean="0">
-                <a:solidFill>
-                  <a:schemeClr val="tx1"/>
-                </a:solidFill>
-                <a:effectLst/>
-                <a:latin typeface="+mn-lt"/>
-                <a:ea typeface="+mn-ea"/>
-                <a:cs typeface="+mn-cs"/>
-              </a:rPr>
-              <a:t>Ngày kết thúc</a:t>
-            </a:r>
-          </a:p>
-          <a:p>
-            <a:r>
-              <a:rPr lang="en-US" sz="1200" kern="1200" smtClean="0">
-                <a:solidFill>
-                  <a:schemeClr val="tx1"/>
-                </a:solidFill>
-                <a:effectLst/>
-                <a:latin typeface="+mn-lt"/>
-                <a:ea typeface="+mn-ea"/>
-                <a:cs typeface="+mn-cs"/>
-              </a:rPr>
-              <a:t>Thời gian hoàn thành</a:t>
-            </a:r>
-          </a:p>
-          <a:p>
-            <a:r>
-              <a:rPr lang="en-US" sz="1200" kern="1200" smtClean="0">
-                <a:solidFill>
-                  <a:schemeClr val="tx1"/>
-                </a:solidFill>
-                <a:effectLst/>
-                <a:latin typeface="+mn-lt"/>
-                <a:ea typeface="+mn-ea"/>
-                <a:cs typeface="+mn-cs"/>
-              </a:rPr>
-              <a:t>Mô tả</a:t>
-            </a:r>
-          </a:p>
-          <a:p>
-            <a:r>
-              <a:rPr lang="en-US" sz="1200" kern="1200" smtClean="0">
-                <a:solidFill>
-                  <a:schemeClr val="tx1"/>
-                </a:solidFill>
-                <a:effectLst/>
-                <a:latin typeface="+mn-lt"/>
-                <a:ea typeface="+mn-ea"/>
-                <a:cs typeface="+mn-cs"/>
-              </a:rPr>
-              <a:t>14/10/2019</a:t>
-            </a:r>
-          </a:p>
-          <a:p>
-            <a:r>
-              <a:rPr lang="en-US" sz="1200" kern="1200" smtClean="0">
-                <a:solidFill>
-                  <a:schemeClr val="tx1"/>
-                </a:solidFill>
-                <a:effectLst/>
-                <a:latin typeface="+mn-lt"/>
-                <a:ea typeface="+mn-ea"/>
-                <a:cs typeface="+mn-cs"/>
-              </a:rPr>
-              <a:t>21/10/2019</a:t>
-            </a:r>
-          </a:p>
-          <a:p>
-            <a:r>
-              <a:rPr lang="en-US" sz="1200" kern="1200" smtClean="0">
-                <a:solidFill>
-                  <a:schemeClr val="tx1"/>
-                </a:solidFill>
-                <a:effectLst/>
-                <a:latin typeface="+mn-lt"/>
-                <a:ea typeface="+mn-ea"/>
-                <a:cs typeface="+mn-cs"/>
-              </a:rPr>
-              <a:t>7</a:t>
-            </a:r>
-          </a:p>
-          <a:p>
-            <a:r>
-              <a:rPr lang="en-US" sz="1200" kern="1200" smtClean="0">
-                <a:solidFill>
-                  <a:schemeClr val="tx1"/>
-                </a:solidFill>
-                <a:effectLst/>
-                <a:latin typeface="+mn-lt"/>
-                <a:ea typeface="+mn-ea"/>
-                <a:cs typeface="+mn-cs"/>
-              </a:rPr>
-              <a:t>Đặt vấn đề</a:t>
-            </a:r>
-          </a:p>
-          <a:p>
-            <a:r>
-              <a:rPr lang="en-US" sz="1200" kern="1200" smtClean="0">
-                <a:solidFill>
-                  <a:schemeClr val="tx1"/>
-                </a:solidFill>
-                <a:effectLst/>
-                <a:latin typeface="+mn-lt"/>
-                <a:ea typeface="+mn-ea"/>
-                <a:cs typeface="+mn-cs"/>
-              </a:rPr>
-              <a:t>22/10/2019</a:t>
-            </a:r>
-          </a:p>
-          <a:p>
-            <a:r>
-              <a:rPr lang="en-US" sz="1200" kern="1200" smtClean="0">
-                <a:solidFill>
-                  <a:schemeClr val="tx1"/>
-                </a:solidFill>
-                <a:effectLst/>
-                <a:latin typeface="+mn-lt"/>
-                <a:ea typeface="+mn-ea"/>
-                <a:cs typeface="+mn-cs"/>
-              </a:rPr>
-              <a:t>28/10/2019</a:t>
-            </a:r>
-          </a:p>
-          <a:p>
-            <a:r>
-              <a:rPr lang="en-US" sz="1200" kern="1200" smtClean="0">
-                <a:solidFill>
-                  <a:schemeClr val="tx1"/>
-                </a:solidFill>
-                <a:effectLst/>
-                <a:latin typeface="+mn-lt"/>
-                <a:ea typeface="+mn-ea"/>
-                <a:cs typeface="+mn-cs"/>
-              </a:rPr>
-              <a:t>6</a:t>
-            </a:r>
-          </a:p>
-          <a:p>
-            <a:r>
-              <a:rPr lang="en-US" sz="1200" kern="1200" smtClean="0">
-                <a:solidFill>
-                  <a:schemeClr val="tx1"/>
-                </a:solidFill>
-                <a:effectLst/>
-                <a:latin typeface="+mn-lt"/>
-                <a:ea typeface="+mn-ea"/>
-                <a:cs typeface="+mn-cs"/>
-              </a:rPr>
-              <a:t>Tổng quan về đề tài</a:t>
-            </a:r>
-          </a:p>
-          <a:p>
-            <a:r>
-              <a:rPr lang="en-US" sz="1200" kern="1200" smtClean="0">
-                <a:solidFill>
-                  <a:schemeClr val="tx1"/>
-                </a:solidFill>
-                <a:effectLst/>
-                <a:latin typeface="+mn-lt"/>
-                <a:ea typeface="+mn-ea"/>
-                <a:cs typeface="+mn-cs"/>
-              </a:rPr>
-              <a:t>29/10/2019</a:t>
-            </a:r>
-          </a:p>
-          <a:p>
-            <a:r>
-              <a:rPr lang="en-US" sz="1200" kern="1200" smtClean="0">
-                <a:solidFill>
-                  <a:schemeClr val="tx1"/>
-                </a:solidFill>
-                <a:effectLst/>
-                <a:latin typeface="+mn-lt"/>
-                <a:ea typeface="+mn-ea"/>
-                <a:cs typeface="+mn-cs"/>
-              </a:rPr>
-              <a:t>06/11/2019</a:t>
-            </a:r>
-          </a:p>
-          <a:p>
-            <a:r>
-              <a:rPr lang="en-US" sz="1200" kern="1200" smtClean="0">
-                <a:solidFill>
-                  <a:schemeClr val="tx1"/>
-                </a:solidFill>
-                <a:effectLst/>
-                <a:latin typeface="+mn-lt"/>
-                <a:ea typeface="+mn-ea"/>
-                <a:cs typeface="+mn-cs"/>
-              </a:rPr>
-              <a:t>9</a:t>
-            </a:r>
-          </a:p>
-          <a:p>
-            <a:r>
-              <a:rPr lang="en-US" sz="1200" kern="1200" smtClean="0">
-                <a:solidFill>
-                  <a:schemeClr val="tx1"/>
-                </a:solidFill>
-                <a:effectLst/>
-                <a:latin typeface="+mn-lt"/>
-                <a:ea typeface="+mn-ea"/>
-                <a:cs typeface="+mn-cs"/>
-              </a:rPr>
-              <a:t>Phân tích và thiết kế hệ thống</a:t>
-            </a:r>
-          </a:p>
-          <a:p>
-            <a:r>
-              <a:rPr lang="en-US" sz="1200" kern="1200" smtClean="0">
-                <a:solidFill>
-                  <a:schemeClr val="tx1"/>
-                </a:solidFill>
-                <a:effectLst/>
-                <a:latin typeface="+mn-lt"/>
-                <a:ea typeface="+mn-ea"/>
-                <a:cs typeface="+mn-cs"/>
-              </a:rPr>
-              <a:t>07/11/2019</a:t>
-            </a:r>
-          </a:p>
-          <a:p>
-            <a:r>
-              <a:rPr lang="en-US" sz="1200" kern="1200" smtClean="0">
-                <a:solidFill>
-                  <a:schemeClr val="tx1"/>
-                </a:solidFill>
-                <a:effectLst/>
-                <a:latin typeface="+mn-lt"/>
-                <a:ea typeface="+mn-ea"/>
-                <a:cs typeface="+mn-cs"/>
-              </a:rPr>
-              <a:t>27/11/2019</a:t>
-            </a:r>
-          </a:p>
-          <a:p>
-            <a:r>
-              <a:rPr lang="en-US" sz="1200" kern="1200" smtClean="0">
-                <a:solidFill>
-                  <a:schemeClr val="tx1"/>
-                </a:solidFill>
-                <a:effectLst/>
-                <a:latin typeface="+mn-lt"/>
-                <a:ea typeface="+mn-ea"/>
-                <a:cs typeface="+mn-cs"/>
-              </a:rPr>
-              <a:t>20</a:t>
-            </a:r>
-          </a:p>
-          <a:p>
-            <a:r>
-              <a:rPr lang="en-US" sz="1200" kern="1200" smtClean="0">
-                <a:solidFill>
-                  <a:schemeClr val="tx1"/>
-                </a:solidFill>
-                <a:effectLst/>
-                <a:latin typeface="+mn-lt"/>
-                <a:ea typeface="+mn-ea"/>
-                <a:cs typeface="+mn-cs"/>
-              </a:rPr>
-              <a:t>Mô hình hóa yêu cầu</a:t>
-            </a:r>
-          </a:p>
-          <a:p>
-            <a:r>
-              <a:rPr lang="en-US" sz="1200" kern="1200" smtClean="0">
-                <a:solidFill>
-                  <a:schemeClr val="tx1"/>
-                </a:solidFill>
-                <a:effectLst/>
-                <a:latin typeface="+mn-lt"/>
-                <a:ea typeface="+mn-ea"/>
-                <a:cs typeface="+mn-cs"/>
-              </a:rPr>
-              <a:t>28/11/2019</a:t>
-            </a:r>
-          </a:p>
-          <a:p>
-            <a:r>
-              <a:rPr lang="en-US" sz="1200" kern="1200" smtClean="0">
-                <a:solidFill>
-                  <a:schemeClr val="tx1"/>
-                </a:solidFill>
-                <a:effectLst/>
-                <a:latin typeface="+mn-lt"/>
-                <a:ea typeface="+mn-ea"/>
-                <a:cs typeface="+mn-cs"/>
-              </a:rPr>
-              <a:t>02/12/2019</a:t>
-            </a:r>
-          </a:p>
-          <a:p>
-            <a:r>
-              <a:rPr lang="en-US" sz="1200" kern="1200" smtClean="0">
-                <a:solidFill>
-                  <a:schemeClr val="tx1"/>
-                </a:solidFill>
-                <a:effectLst/>
-                <a:latin typeface="+mn-lt"/>
-                <a:ea typeface="+mn-ea"/>
-                <a:cs typeface="+mn-cs"/>
-              </a:rPr>
-              <a:t>4</a:t>
-            </a:r>
-          </a:p>
-          <a:p>
-            <a:r>
-              <a:rPr lang="en-US" sz="1200" kern="1200" smtClean="0">
-                <a:solidFill>
-                  <a:schemeClr val="tx1"/>
-                </a:solidFill>
-                <a:effectLst/>
-                <a:latin typeface="+mn-lt"/>
-                <a:ea typeface="+mn-ea"/>
-                <a:cs typeface="+mn-cs"/>
-              </a:rPr>
-              <a:t>Class Diagram</a:t>
-            </a:r>
-          </a:p>
-          <a:p>
-            <a:r>
-              <a:rPr lang="en-US" sz="1200" kern="1200" smtClean="0">
-                <a:solidFill>
-                  <a:schemeClr val="tx1"/>
-                </a:solidFill>
-                <a:effectLst/>
-                <a:latin typeface="+mn-lt"/>
-                <a:ea typeface="+mn-ea"/>
-                <a:cs typeface="+mn-cs"/>
-              </a:rPr>
-              <a:t>03/12/2019</a:t>
-            </a:r>
-          </a:p>
-          <a:p>
-            <a:r>
-              <a:rPr lang="en-US" sz="1200" kern="1200" smtClean="0">
-                <a:solidFill>
-                  <a:schemeClr val="tx1"/>
-                </a:solidFill>
-                <a:effectLst/>
-                <a:latin typeface="+mn-lt"/>
-                <a:ea typeface="+mn-ea"/>
-                <a:cs typeface="+mn-cs"/>
-              </a:rPr>
-              <a:t>08/12/2019</a:t>
-            </a:r>
-          </a:p>
-          <a:p>
-            <a:r>
-              <a:rPr lang="en-US" sz="1200" kern="1200" smtClean="0">
-                <a:solidFill>
-                  <a:schemeClr val="tx1"/>
-                </a:solidFill>
-                <a:effectLst/>
-                <a:latin typeface="+mn-lt"/>
-                <a:ea typeface="+mn-ea"/>
-                <a:cs typeface="+mn-cs"/>
-              </a:rPr>
-              <a:t>5</a:t>
-            </a:r>
-          </a:p>
-          <a:p>
-            <a:r>
-              <a:rPr lang="en-US" sz="1200" kern="1200" smtClean="0">
-                <a:solidFill>
-                  <a:schemeClr val="tx1"/>
-                </a:solidFill>
-                <a:effectLst/>
-                <a:latin typeface="+mn-lt"/>
-                <a:ea typeface="+mn-ea"/>
-                <a:cs typeface="+mn-cs"/>
-              </a:rPr>
-              <a:t>Database Design</a:t>
-            </a:r>
-          </a:p>
-          <a:p>
-            <a:r>
-              <a:rPr lang="en-US" sz="1200" kern="1200" smtClean="0">
-                <a:solidFill>
-                  <a:schemeClr val="tx1"/>
-                </a:solidFill>
-                <a:effectLst/>
-                <a:latin typeface="+mn-lt"/>
-                <a:ea typeface="+mn-ea"/>
-                <a:cs typeface="+mn-cs"/>
-              </a:rPr>
-              <a:t>09/12/2019</a:t>
-            </a:r>
-          </a:p>
-          <a:p>
-            <a:r>
-              <a:rPr lang="en-US" sz="1200" kern="1200" smtClean="0">
-                <a:solidFill>
-                  <a:schemeClr val="tx1"/>
-                </a:solidFill>
-                <a:effectLst/>
-                <a:latin typeface="+mn-lt"/>
-                <a:ea typeface="+mn-ea"/>
-                <a:cs typeface="+mn-cs"/>
-              </a:rPr>
-              <a:t>14/12/2019</a:t>
-            </a:r>
-          </a:p>
-          <a:p>
-            <a:r>
-              <a:rPr lang="en-US" sz="1200" kern="1200" smtClean="0">
-                <a:solidFill>
-                  <a:schemeClr val="tx1"/>
-                </a:solidFill>
-                <a:effectLst/>
-                <a:latin typeface="+mn-lt"/>
-                <a:ea typeface="+mn-ea"/>
-                <a:cs typeface="+mn-cs"/>
-              </a:rPr>
-              <a:t>5</a:t>
-            </a:r>
-          </a:p>
-          <a:p>
-            <a:r>
-              <a:rPr lang="en-US" sz="1200" kern="1200" smtClean="0">
-                <a:solidFill>
-                  <a:schemeClr val="tx1"/>
-                </a:solidFill>
-                <a:effectLst/>
-                <a:latin typeface="+mn-lt"/>
-                <a:ea typeface="+mn-ea"/>
-                <a:cs typeface="+mn-cs"/>
-              </a:rPr>
-              <a:t>Hoàn thành bài báo cáo</a:t>
-            </a:r>
-          </a:p>
-          <a:p>
-            <a:r>
-              <a:rPr lang="en-US" sz="1200" kern="1200" smtClean="0">
-                <a:solidFill>
-                  <a:schemeClr val="tx1"/>
-                </a:solidFill>
-                <a:effectLst/>
-                <a:latin typeface="+mn-lt"/>
-                <a:ea typeface="+mn-ea"/>
-                <a:cs typeface="+mn-cs"/>
-              </a:rPr>
-              <a:t>15/12/2019</a:t>
-            </a:r>
-          </a:p>
-          <a:p>
-            <a:r>
-              <a:rPr lang="en-US" sz="1200" kern="1200" smtClean="0">
-                <a:solidFill>
-                  <a:schemeClr val="tx1"/>
-                </a:solidFill>
-                <a:effectLst/>
-                <a:latin typeface="+mn-lt"/>
-                <a:ea typeface="+mn-ea"/>
-                <a:cs typeface="+mn-cs"/>
-              </a:rPr>
-              <a:t>22/12/2019</a:t>
-            </a:r>
-          </a:p>
-          <a:p>
-            <a:r>
-              <a:rPr lang="en-US" sz="1200" kern="1200" smtClean="0">
-                <a:solidFill>
-                  <a:schemeClr val="tx1"/>
-                </a:solidFill>
-                <a:effectLst/>
-                <a:latin typeface="+mn-lt"/>
-                <a:ea typeface="+mn-ea"/>
-                <a:cs typeface="+mn-cs"/>
-              </a:rPr>
-              <a:t>7</a:t>
-            </a:r>
-          </a:p>
-          <a:p>
-            <a:r>
-              <a:rPr lang="en-US" sz="1200" kern="1200" smtClean="0">
-                <a:solidFill>
-                  <a:schemeClr val="tx1"/>
-                </a:solidFill>
-                <a:effectLst/>
-                <a:latin typeface="+mn-lt"/>
-                <a:ea typeface="+mn-ea"/>
-                <a:cs typeface="+mn-cs"/>
-              </a:rPr>
-              <a:t>Hiện thực trang web</a:t>
-            </a:r>
-          </a:p>
           <a:p>
             <a:endParaRPr lang="en-US"/>
           </a:p>
@@ -9784,18 +9280,1376 @@
             <p:ph idx="1"/>
             <p:extLst>
               <p:ext uri="{D42A27DB-BD31-4B8C-83A1-F6EECF244321}">
-                <p14:modId xmlns:p14="http://schemas.microsoft.com/office/powerpoint/2010/main" val="91914660"/>
+                <p14:modId xmlns:p14="http://schemas.microsoft.com/office/powerpoint/2010/main" val="1110792373"/>
               </p:ext>
             </p:extLst>
           </p:nvPr>
         </p:nvGraphicFramePr>
         <p:xfrm>
-          <a:off x="395536" y="548680"/>
-          <a:ext cx="8301608" cy="5616624"/>
+          <a:off x="467544" y="620688"/>
+          <a:ext cx="8301608" cy="3154640"/>
         </p:xfrm>
         <a:graphic>
           <a:graphicData uri="http://schemas.openxmlformats.org/drawingml/2006/chart">
             <c:chart xmlns:c="http://schemas.openxmlformats.org/drawingml/2006/chart" xmlns:r="http://schemas.openxmlformats.org/officeDocument/2006/relationships" r:id="rId3"/>
+          </a:graphicData>
+        </a:graphic>
+      </p:graphicFrame>
+      <p:graphicFrame>
+        <p:nvGraphicFramePr>
+          <p:cNvPr id="3" name="Table 2"/>
+          <p:cNvGraphicFramePr>
+            <a:graphicFrameLocks noGrp="1"/>
+          </p:cNvGraphicFramePr>
+          <p:nvPr>
+            <p:extLst>
+              <p:ext uri="{D42A27DB-BD31-4B8C-83A1-F6EECF244321}">
+                <p14:modId xmlns:p14="http://schemas.microsoft.com/office/powerpoint/2010/main" val="3875799295"/>
+              </p:ext>
+            </p:extLst>
+          </p:nvPr>
+        </p:nvGraphicFramePr>
+        <p:xfrm>
+          <a:off x="755576" y="4437112"/>
+          <a:ext cx="7776865" cy="1935099"/>
+        </p:xfrm>
+        <a:graphic>
+          <a:graphicData uri="http://schemas.openxmlformats.org/drawingml/2006/table">
+            <a:tbl>
+              <a:tblPr firstRow="1" firstCol="1" bandRow="1">
+                <a:tableStyleId>{5C22544A-7EE6-4342-B048-85BDC9FD1C3A}</a:tableStyleId>
+              </a:tblPr>
+              <a:tblGrid>
+                <a:gridCol w="1187042"/>
+                <a:gridCol w="1361605"/>
+                <a:gridCol w="1115470"/>
+                <a:gridCol w="1267341"/>
+                <a:gridCol w="2845407"/>
+              </a:tblGrid>
+              <a:tr h="385572">
+                <a:tc>
+                  <a:txBody>
+                    <a:bodyPr/>
+                    <a:lstStyle/>
+                    <a:p>
+                      <a:pPr algn="l">
+                        <a:lnSpc>
+                          <a:spcPct val="115000"/>
+                        </a:lnSpc>
+                        <a:spcAft>
+                          <a:spcPts val="0"/>
+                        </a:spcAft>
+                      </a:pPr>
+                      <a:r>
+                        <a:rPr lang="en-US" sz="1100">
+                          <a:effectLst/>
+                        </a:rPr>
+                        <a:t>Nhiệm vụ</a:t>
+                      </a:r>
+                      <a:endParaRPr lang="en-US" sz="1300">
+                        <a:effectLst/>
+                        <a:latin typeface="Times New Roman"/>
+                        <a:ea typeface="Calibri"/>
+                        <a:cs typeface="Times New Roman"/>
+                      </a:endParaRPr>
+                    </a:p>
+                  </a:txBody>
+                  <a:tcPr marL="68580" marR="68580" marT="0" marB="0" anchor="b"/>
+                </a:tc>
+                <a:tc>
+                  <a:txBody>
+                    <a:bodyPr/>
+                    <a:lstStyle/>
+                    <a:p>
+                      <a:pPr algn="l">
+                        <a:lnSpc>
+                          <a:spcPct val="115000"/>
+                        </a:lnSpc>
+                        <a:spcAft>
+                          <a:spcPts val="0"/>
+                        </a:spcAft>
+                      </a:pPr>
+                      <a:r>
+                        <a:rPr lang="en-US" sz="1100">
+                          <a:effectLst/>
+                        </a:rPr>
+                        <a:t>Ngày bắt đầu</a:t>
+                      </a:r>
+                      <a:endParaRPr lang="en-US" sz="1300">
+                        <a:effectLst/>
+                        <a:latin typeface="Times New Roman"/>
+                        <a:ea typeface="Calibri"/>
+                        <a:cs typeface="Times New Roman"/>
+                      </a:endParaRPr>
+                    </a:p>
+                  </a:txBody>
+                  <a:tcPr marL="68580" marR="68580" marT="0" marB="0" anchor="b"/>
+                </a:tc>
+                <a:tc>
+                  <a:txBody>
+                    <a:bodyPr/>
+                    <a:lstStyle/>
+                    <a:p>
+                      <a:pPr algn="l">
+                        <a:lnSpc>
+                          <a:spcPct val="115000"/>
+                        </a:lnSpc>
+                        <a:spcAft>
+                          <a:spcPts val="0"/>
+                        </a:spcAft>
+                      </a:pPr>
+                      <a:r>
+                        <a:rPr lang="en-US" sz="1100">
+                          <a:effectLst/>
+                        </a:rPr>
+                        <a:t>Ngày kết thúc</a:t>
+                      </a:r>
+                      <a:endParaRPr lang="en-US" sz="1300">
+                        <a:effectLst/>
+                        <a:latin typeface="Times New Roman"/>
+                        <a:ea typeface="Calibri"/>
+                        <a:cs typeface="Times New Roman"/>
+                      </a:endParaRPr>
+                    </a:p>
+                  </a:txBody>
+                  <a:tcPr marL="68580" marR="68580" marT="0" marB="0" anchor="b"/>
+                </a:tc>
+                <a:tc>
+                  <a:txBody>
+                    <a:bodyPr/>
+                    <a:lstStyle/>
+                    <a:p>
+                      <a:pPr algn="l">
+                        <a:lnSpc>
+                          <a:spcPct val="115000"/>
+                        </a:lnSpc>
+                        <a:spcAft>
+                          <a:spcPts val="0"/>
+                        </a:spcAft>
+                      </a:pPr>
+                      <a:r>
+                        <a:rPr lang="en-US" sz="1100">
+                          <a:effectLst/>
+                        </a:rPr>
+                        <a:t>Thời gian hoàn thành</a:t>
+                      </a:r>
+                      <a:endParaRPr lang="en-US" sz="1300">
+                        <a:effectLst/>
+                        <a:latin typeface="Times New Roman"/>
+                        <a:ea typeface="Calibri"/>
+                        <a:cs typeface="Times New Roman"/>
+                      </a:endParaRPr>
+                    </a:p>
+                  </a:txBody>
+                  <a:tcPr marL="68580" marR="68580" marT="0" marB="0" anchor="b"/>
+                </a:tc>
+                <a:tc>
+                  <a:txBody>
+                    <a:bodyPr/>
+                    <a:lstStyle/>
+                    <a:p>
+                      <a:pPr algn="l">
+                        <a:lnSpc>
+                          <a:spcPct val="115000"/>
+                        </a:lnSpc>
+                        <a:spcAft>
+                          <a:spcPts val="0"/>
+                        </a:spcAft>
+                      </a:pPr>
+                      <a:r>
+                        <a:rPr lang="en-US" sz="1100">
+                          <a:effectLst/>
+                        </a:rPr>
+                        <a:t>Mô tả</a:t>
+                      </a:r>
+                      <a:endParaRPr lang="en-US" sz="1300">
+                        <a:effectLst/>
+                        <a:latin typeface="Times New Roman"/>
+                        <a:ea typeface="Calibri"/>
+                        <a:cs typeface="Times New Roman"/>
+                      </a:endParaRPr>
+                    </a:p>
+                  </a:txBody>
+                  <a:tcPr marL="68580" marR="68580" marT="0" marB="0" anchor="b"/>
+                </a:tc>
+              </a:tr>
+              <a:tr h="180975">
+                <a:tc>
+                  <a:txBody>
+                    <a:bodyPr/>
+                    <a:lstStyle/>
+                    <a:p>
+                      <a:pPr algn="l">
+                        <a:lnSpc>
+                          <a:spcPct val="115000"/>
+                        </a:lnSpc>
+                        <a:spcAft>
+                          <a:spcPts val="0"/>
+                        </a:spcAft>
+                      </a:pPr>
+                      <a:r>
+                        <a:rPr lang="en-US" sz="1100">
+                          <a:effectLst/>
+                        </a:rPr>
+                        <a:t>1</a:t>
+                      </a:r>
+                      <a:endParaRPr lang="en-US" sz="1300">
+                        <a:effectLst/>
+                        <a:latin typeface="Times New Roman"/>
+                        <a:ea typeface="Calibri"/>
+                        <a:cs typeface="Times New Roman"/>
+                      </a:endParaRPr>
+                    </a:p>
+                  </a:txBody>
+                  <a:tcPr marL="68580" marR="68580" marT="0" marB="0" anchor="b"/>
+                </a:tc>
+                <a:tc>
+                  <a:txBody>
+                    <a:bodyPr/>
+                    <a:lstStyle/>
+                    <a:p>
+                      <a:pPr algn="l">
+                        <a:lnSpc>
+                          <a:spcPct val="115000"/>
+                        </a:lnSpc>
+                        <a:spcAft>
+                          <a:spcPts val="0"/>
+                        </a:spcAft>
+                      </a:pPr>
+                      <a:r>
+                        <a:rPr lang="en-US" sz="1100">
+                          <a:effectLst/>
+                        </a:rPr>
+                        <a:t>14/10/2019</a:t>
+                      </a:r>
+                      <a:endParaRPr lang="en-US" sz="1300">
+                        <a:effectLst/>
+                        <a:latin typeface="Times New Roman"/>
+                        <a:ea typeface="Calibri"/>
+                        <a:cs typeface="Times New Roman"/>
+                      </a:endParaRPr>
+                    </a:p>
+                  </a:txBody>
+                  <a:tcPr marL="68580" marR="68580" marT="0" marB="0" anchor="b"/>
+                </a:tc>
+                <a:tc>
+                  <a:txBody>
+                    <a:bodyPr/>
+                    <a:lstStyle/>
+                    <a:p>
+                      <a:pPr algn="l">
+                        <a:lnSpc>
+                          <a:spcPct val="115000"/>
+                        </a:lnSpc>
+                        <a:spcAft>
+                          <a:spcPts val="0"/>
+                        </a:spcAft>
+                      </a:pPr>
+                      <a:r>
+                        <a:rPr lang="en-US" sz="1100">
+                          <a:effectLst/>
+                        </a:rPr>
+                        <a:t>21/10/2019</a:t>
+                      </a:r>
+                      <a:endParaRPr lang="en-US" sz="1300">
+                        <a:effectLst/>
+                        <a:latin typeface="Times New Roman"/>
+                        <a:ea typeface="Calibri"/>
+                        <a:cs typeface="Times New Roman"/>
+                      </a:endParaRPr>
+                    </a:p>
+                  </a:txBody>
+                  <a:tcPr marL="68580" marR="68580" marT="0" marB="0" anchor="b"/>
+                </a:tc>
+                <a:tc>
+                  <a:txBody>
+                    <a:bodyPr/>
+                    <a:lstStyle/>
+                    <a:p>
+                      <a:pPr algn="l">
+                        <a:lnSpc>
+                          <a:spcPct val="115000"/>
+                        </a:lnSpc>
+                        <a:spcAft>
+                          <a:spcPts val="0"/>
+                        </a:spcAft>
+                      </a:pPr>
+                      <a:r>
+                        <a:rPr lang="en-US" sz="1100">
+                          <a:effectLst/>
+                        </a:rPr>
+                        <a:t>7</a:t>
+                      </a:r>
+                      <a:endParaRPr lang="en-US" sz="1300">
+                        <a:effectLst/>
+                        <a:latin typeface="Times New Roman"/>
+                        <a:ea typeface="Calibri"/>
+                        <a:cs typeface="Times New Roman"/>
+                      </a:endParaRPr>
+                    </a:p>
+                  </a:txBody>
+                  <a:tcPr marL="68580" marR="68580" marT="0" marB="0" anchor="b"/>
+                </a:tc>
+                <a:tc>
+                  <a:txBody>
+                    <a:bodyPr/>
+                    <a:lstStyle/>
+                    <a:p>
+                      <a:pPr algn="l">
+                        <a:lnSpc>
+                          <a:spcPct val="115000"/>
+                        </a:lnSpc>
+                        <a:spcAft>
+                          <a:spcPts val="0"/>
+                        </a:spcAft>
+                      </a:pPr>
+                      <a:r>
+                        <a:rPr lang="en-US" sz="1100">
+                          <a:effectLst/>
+                        </a:rPr>
+                        <a:t>Đặt vấn đề</a:t>
+                      </a:r>
+                      <a:endParaRPr lang="en-US" sz="1300">
+                        <a:effectLst/>
+                        <a:latin typeface="Times New Roman"/>
+                        <a:ea typeface="Calibri"/>
+                        <a:cs typeface="Times New Roman"/>
+                      </a:endParaRPr>
+                    </a:p>
+                  </a:txBody>
+                  <a:tcPr marL="68580" marR="68580" marT="0" marB="0" anchor="b"/>
+                </a:tc>
+              </a:tr>
+              <a:tr h="200025">
+                <a:tc>
+                  <a:txBody>
+                    <a:bodyPr/>
+                    <a:lstStyle/>
+                    <a:p>
+                      <a:pPr algn="l">
+                        <a:lnSpc>
+                          <a:spcPct val="115000"/>
+                        </a:lnSpc>
+                        <a:spcAft>
+                          <a:spcPts val="0"/>
+                        </a:spcAft>
+                      </a:pPr>
+                      <a:r>
+                        <a:rPr lang="en-US" sz="1100">
+                          <a:effectLst/>
+                        </a:rPr>
+                        <a:t>2</a:t>
+                      </a:r>
+                      <a:endParaRPr lang="en-US" sz="1300">
+                        <a:effectLst/>
+                        <a:latin typeface="Times New Roman"/>
+                        <a:ea typeface="Calibri"/>
+                        <a:cs typeface="Times New Roman"/>
+                      </a:endParaRPr>
+                    </a:p>
+                  </a:txBody>
+                  <a:tcPr marL="68580" marR="68580" marT="0" marB="0" anchor="b"/>
+                </a:tc>
+                <a:tc>
+                  <a:txBody>
+                    <a:bodyPr/>
+                    <a:lstStyle/>
+                    <a:p>
+                      <a:pPr algn="l">
+                        <a:lnSpc>
+                          <a:spcPct val="115000"/>
+                        </a:lnSpc>
+                        <a:spcAft>
+                          <a:spcPts val="0"/>
+                        </a:spcAft>
+                      </a:pPr>
+                      <a:r>
+                        <a:rPr lang="en-US" sz="1100">
+                          <a:effectLst/>
+                        </a:rPr>
+                        <a:t>22/10/2019</a:t>
+                      </a:r>
+                      <a:endParaRPr lang="en-US" sz="1300">
+                        <a:effectLst/>
+                        <a:latin typeface="Times New Roman"/>
+                        <a:ea typeface="Calibri"/>
+                        <a:cs typeface="Times New Roman"/>
+                      </a:endParaRPr>
+                    </a:p>
+                  </a:txBody>
+                  <a:tcPr marL="68580" marR="68580" marT="0" marB="0" anchor="b"/>
+                </a:tc>
+                <a:tc>
+                  <a:txBody>
+                    <a:bodyPr/>
+                    <a:lstStyle/>
+                    <a:p>
+                      <a:pPr algn="l">
+                        <a:lnSpc>
+                          <a:spcPct val="115000"/>
+                        </a:lnSpc>
+                        <a:spcAft>
+                          <a:spcPts val="0"/>
+                        </a:spcAft>
+                      </a:pPr>
+                      <a:r>
+                        <a:rPr lang="en-US" sz="1100">
+                          <a:effectLst/>
+                        </a:rPr>
+                        <a:t>28/10/2019</a:t>
+                      </a:r>
+                      <a:endParaRPr lang="en-US" sz="1300">
+                        <a:effectLst/>
+                        <a:latin typeface="Times New Roman"/>
+                        <a:ea typeface="Calibri"/>
+                        <a:cs typeface="Times New Roman"/>
+                      </a:endParaRPr>
+                    </a:p>
+                  </a:txBody>
+                  <a:tcPr marL="68580" marR="68580" marT="0" marB="0" anchor="b"/>
+                </a:tc>
+                <a:tc>
+                  <a:txBody>
+                    <a:bodyPr/>
+                    <a:lstStyle/>
+                    <a:p>
+                      <a:pPr algn="l">
+                        <a:lnSpc>
+                          <a:spcPct val="115000"/>
+                        </a:lnSpc>
+                        <a:spcAft>
+                          <a:spcPts val="0"/>
+                        </a:spcAft>
+                      </a:pPr>
+                      <a:r>
+                        <a:rPr lang="en-US" sz="1100">
+                          <a:effectLst/>
+                        </a:rPr>
+                        <a:t>6</a:t>
+                      </a:r>
+                      <a:endParaRPr lang="en-US" sz="1300">
+                        <a:effectLst/>
+                        <a:latin typeface="Times New Roman"/>
+                        <a:ea typeface="Calibri"/>
+                        <a:cs typeface="Times New Roman"/>
+                      </a:endParaRPr>
+                    </a:p>
+                  </a:txBody>
+                  <a:tcPr marL="68580" marR="68580" marT="0" marB="0" anchor="b"/>
+                </a:tc>
+                <a:tc>
+                  <a:txBody>
+                    <a:bodyPr/>
+                    <a:lstStyle/>
+                    <a:p>
+                      <a:pPr algn="l">
+                        <a:lnSpc>
+                          <a:spcPct val="115000"/>
+                        </a:lnSpc>
+                        <a:spcAft>
+                          <a:spcPts val="0"/>
+                        </a:spcAft>
+                      </a:pPr>
+                      <a:r>
+                        <a:rPr lang="en-US" sz="1100">
+                          <a:effectLst/>
+                        </a:rPr>
+                        <a:t>Tổng quan về đề tài</a:t>
+                      </a:r>
+                      <a:endParaRPr lang="en-US" sz="1300">
+                        <a:effectLst/>
+                        <a:latin typeface="Times New Roman"/>
+                        <a:ea typeface="Calibri"/>
+                        <a:cs typeface="Times New Roman"/>
+                      </a:endParaRPr>
+                    </a:p>
+                  </a:txBody>
+                  <a:tcPr marL="68580" marR="68580" marT="0" marB="0" anchor="b"/>
+                </a:tc>
+              </a:tr>
+              <a:tr h="190500">
+                <a:tc>
+                  <a:txBody>
+                    <a:bodyPr/>
+                    <a:lstStyle/>
+                    <a:p>
+                      <a:pPr algn="l">
+                        <a:lnSpc>
+                          <a:spcPct val="115000"/>
+                        </a:lnSpc>
+                        <a:spcAft>
+                          <a:spcPts val="0"/>
+                        </a:spcAft>
+                      </a:pPr>
+                      <a:r>
+                        <a:rPr lang="en-US" sz="1100">
+                          <a:effectLst/>
+                        </a:rPr>
+                        <a:t>3</a:t>
+                      </a:r>
+                      <a:endParaRPr lang="en-US" sz="1300">
+                        <a:effectLst/>
+                        <a:latin typeface="Times New Roman"/>
+                        <a:ea typeface="Calibri"/>
+                        <a:cs typeface="Times New Roman"/>
+                      </a:endParaRPr>
+                    </a:p>
+                  </a:txBody>
+                  <a:tcPr marL="68580" marR="68580" marT="0" marB="0" anchor="b"/>
+                </a:tc>
+                <a:tc>
+                  <a:txBody>
+                    <a:bodyPr/>
+                    <a:lstStyle/>
+                    <a:p>
+                      <a:pPr algn="l">
+                        <a:lnSpc>
+                          <a:spcPct val="115000"/>
+                        </a:lnSpc>
+                        <a:spcAft>
+                          <a:spcPts val="0"/>
+                        </a:spcAft>
+                      </a:pPr>
+                      <a:r>
+                        <a:rPr lang="en-US" sz="1100">
+                          <a:effectLst/>
+                        </a:rPr>
+                        <a:t>29/10/2019</a:t>
+                      </a:r>
+                      <a:endParaRPr lang="en-US" sz="1300">
+                        <a:effectLst/>
+                        <a:latin typeface="Times New Roman"/>
+                        <a:ea typeface="Calibri"/>
+                        <a:cs typeface="Times New Roman"/>
+                      </a:endParaRPr>
+                    </a:p>
+                  </a:txBody>
+                  <a:tcPr marL="68580" marR="68580" marT="0" marB="0" anchor="b"/>
+                </a:tc>
+                <a:tc>
+                  <a:txBody>
+                    <a:bodyPr/>
+                    <a:lstStyle/>
+                    <a:p>
+                      <a:pPr algn="l">
+                        <a:lnSpc>
+                          <a:spcPct val="115000"/>
+                        </a:lnSpc>
+                        <a:spcAft>
+                          <a:spcPts val="0"/>
+                        </a:spcAft>
+                      </a:pPr>
+                      <a:r>
+                        <a:rPr lang="en-US" sz="1100">
+                          <a:effectLst/>
+                        </a:rPr>
+                        <a:t>06/11/2019</a:t>
+                      </a:r>
+                      <a:endParaRPr lang="en-US" sz="1300">
+                        <a:effectLst/>
+                        <a:latin typeface="Times New Roman"/>
+                        <a:ea typeface="Calibri"/>
+                        <a:cs typeface="Times New Roman"/>
+                      </a:endParaRPr>
+                    </a:p>
+                  </a:txBody>
+                  <a:tcPr marL="68580" marR="68580" marT="0" marB="0" anchor="b"/>
+                </a:tc>
+                <a:tc>
+                  <a:txBody>
+                    <a:bodyPr/>
+                    <a:lstStyle/>
+                    <a:p>
+                      <a:pPr algn="l">
+                        <a:lnSpc>
+                          <a:spcPct val="115000"/>
+                        </a:lnSpc>
+                        <a:spcAft>
+                          <a:spcPts val="0"/>
+                        </a:spcAft>
+                      </a:pPr>
+                      <a:r>
+                        <a:rPr lang="en-US" sz="1100">
+                          <a:effectLst/>
+                        </a:rPr>
+                        <a:t>9</a:t>
+                      </a:r>
+                      <a:endParaRPr lang="en-US" sz="1300">
+                        <a:effectLst/>
+                        <a:latin typeface="Times New Roman"/>
+                        <a:ea typeface="Calibri"/>
+                        <a:cs typeface="Times New Roman"/>
+                      </a:endParaRPr>
+                    </a:p>
+                  </a:txBody>
+                  <a:tcPr marL="68580" marR="68580" marT="0" marB="0" anchor="b"/>
+                </a:tc>
+                <a:tc>
+                  <a:txBody>
+                    <a:bodyPr/>
+                    <a:lstStyle/>
+                    <a:p>
+                      <a:pPr algn="l">
+                        <a:lnSpc>
+                          <a:spcPct val="115000"/>
+                        </a:lnSpc>
+                        <a:spcAft>
+                          <a:spcPts val="0"/>
+                        </a:spcAft>
+                      </a:pPr>
+                      <a:r>
+                        <a:rPr lang="en-US" sz="1100">
+                          <a:effectLst/>
+                        </a:rPr>
+                        <a:t>Phân tích và thiết kế hệ thống</a:t>
+                      </a:r>
+                      <a:endParaRPr lang="en-US" sz="1300">
+                        <a:effectLst/>
+                        <a:latin typeface="Times New Roman"/>
+                        <a:ea typeface="Calibri"/>
+                        <a:cs typeface="Times New Roman"/>
+                      </a:endParaRPr>
+                    </a:p>
+                  </a:txBody>
+                  <a:tcPr marL="68580" marR="68580" marT="0" marB="0" anchor="b"/>
+                </a:tc>
+              </a:tr>
+              <a:tr h="152400">
+                <a:tc>
+                  <a:txBody>
+                    <a:bodyPr/>
+                    <a:lstStyle/>
+                    <a:p>
+                      <a:pPr algn="l">
+                        <a:lnSpc>
+                          <a:spcPct val="115000"/>
+                        </a:lnSpc>
+                        <a:spcAft>
+                          <a:spcPts val="0"/>
+                        </a:spcAft>
+                      </a:pPr>
+                      <a:r>
+                        <a:rPr lang="en-US" sz="1100">
+                          <a:effectLst/>
+                        </a:rPr>
+                        <a:t>4</a:t>
+                      </a:r>
+                      <a:endParaRPr lang="en-US" sz="1300">
+                        <a:effectLst/>
+                        <a:latin typeface="Times New Roman"/>
+                        <a:ea typeface="Calibri"/>
+                        <a:cs typeface="Times New Roman"/>
+                      </a:endParaRPr>
+                    </a:p>
+                  </a:txBody>
+                  <a:tcPr marL="68580" marR="68580" marT="0" marB="0"/>
+                </a:tc>
+                <a:tc>
+                  <a:txBody>
+                    <a:bodyPr/>
+                    <a:lstStyle/>
+                    <a:p>
+                      <a:pPr algn="l">
+                        <a:lnSpc>
+                          <a:spcPct val="115000"/>
+                        </a:lnSpc>
+                        <a:spcAft>
+                          <a:spcPts val="0"/>
+                        </a:spcAft>
+                      </a:pPr>
+                      <a:r>
+                        <a:rPr lang="en-US" sz="1100">
+                          <a:effectLst/>
+                        </a:rPr>
+                        <a:t>07/11/2019</a:t>
+                      </a:r>
+                      <a:endParaRPr lang="en-US" sz="1300">
+                        <a:effectLst/>
+                        <a:latin typeface="Times New Roman"/>
+                        <a:ea typeface="Calibri"/>
+                        <a:cs typeface="Times New Roman"/>
+                      </a:endParaRPr>
+                    </a:p>
+                  </a:txBody>
+                  <a:tcPr marL="68580" marR="68580" marT="0" marB="0"/>
+                </a:tc>
+                <a:tc>
+                  <a:txBody>
+                    <a:bodyPr/>
+                    <a:lstStyle/>
+                    <a:p>
+                      <a:pPr algn="l">
+                        <a:lnSpc>
+                          <a:spcPct val="115000"/>
+                        </a:lnSpc>
+                        <a:spcAft>
+                          <a:spcPts val="0"/>
+                        </a:spcAft>
+                      </a:pPr>
+                      <a:r>
+                        <a:rPr lang="en-US" sz="1100">
+                          <a:effectLst/>
+                        </a:rPr>
+                        <a:t>27/11/2019</a:t>
+                      </a:r>
+                      <a:endParaRPr lang="en-US" sz="1300">
+                        <a:effectLst/>
+                        <a:latin typeface="Times New Roman"/>
+                        <a:ea typeface="Calibri"/>
+                        <a:cs typeface="Times New Roman"/>
+                      </a:endParaRPr>
+                    </a:p>
+                  </a:txBody>
+                  <a:tcPr marL="68580" marR="68580" marT="0" marB="0"/>
+                </a:tc>
+                <a:tc>
+                  <a:txBody>
+                    <a:bodyPr/>
+                    <a:lstStyle/>
+                    <a:p>
+                      <a:pPr algn="l">
+                        <a:lnSpc>
+                          <a:spcPct val="115000"/>
+                        </a:lnSpc>
+                        <a:spcAft>
+                          <a:spcPts val="0"/>
+                        </a:spcAft>
+                      </a:pPr>
+                      <a:r>
+                        <a:rPr lang="en-US" sz="1100">
+                          <a:effectLst/>
+                        </a:rPr>
+                        <a:t>20</a:t>
+                      </a:r>
+                      <a:endParaRPr lang="en-US" sz="1300">
+                        <a:effectLst/>
+                        <a:latin typeface="Times New Roman"/>
+                        <a:ea typeface="Calibri"/>
+                        <a:cs typeface="Times New Roman"/>
+                      </a:endParaRPr>
+                    </a:p>
+                  </a:txBody>
+                  <a:tcPr marL="68580" marR="68580" marT="0" marB="0"/>
+                </a:tc>
+                <a:tc>
+                  <a:txBody>
+                    <a:bodyPr/>
+                    <a:lstStyle/>
+                    <a:p>
+                      <a:pPr algn="l">
+                        <a:lnSpc>
+                          <a:spcPct val="115000"/>
+                        </a:lnSpc>
+                        <a:spcAft>
+                          <a:spcPts val="0"/>
+                        </a:spcAft>
+                      </a:pPr>
+                      <a:r>
+                        <a:rPr lang="en-US" sz="1100">
+                          <a:effectLst/>
+                        </a:rPr>
+                        <a:t>Mô hình hóa yêu cầu</a:t>
+                      </a:r>
+                      <a:endParaRPr lang="en-US" sz="1300">
+                        <a:effectLst/>
+                        <a:latin typeface="Times New Roman"/>
+                        <a:ea typeface="Calibri"/>
+                        <a:cs typeface="Times New Roman"/>
+                      </a:endParaRPr>
+                    </a:p>
+                  </a:txBody>
+                  <a:tcPr marL="68580" marR="68580" marT="0" marB="0"/>
+                </a:tc>
+              </a:tr>
+              <a:tr h="190500">
+                <a:tc>
+                  <a:txBody>
+                    <a:bodyPr/>
+                    <a:lstStyle/>
+                    <a:p>
+                      <a:pPr algn="l">
+                        <a:lnSpc>
+                          <a:spcPct val="115000"/>
+                        </a:lnSpc>
+                        <a:spcAft>
+                          <a:spcPts val="0"/>
+                        </a:spcAft>
+                      </a:pPr>
+                      <a:r>
+                        <a:rPr lang="en-US" sz="1100">
+                          <a:effectLst/>
+                        </a:rPr>
+                        <a:t>5</a:t>
+                      </a:r>
+                      <a:endParaRPr lang="en-US" sz="1300">
+                        <a:effectLst/>
+                        <a:latin typeface="Times New Roman"/>
+                        <a:ea typeface="Calibri"/>
+                        <a:cs typeface="Times New Roman"/>
+                      </a:endParaRPr>
+                    </a:p>
+                  </a:txBody>
+                  <a:tcPr marL="68580" marR="68580" marT="0" marB="0" anchor="b"/>
+                </a:tc>
+                <a:tc>
+                  <a:txBody>
+                    <a:bodyPr/>
+                    <a:lstStyle/>
+                    <a:p>
+                      <a:pPr algn="l">
+                        <a:lnSpc>
+                          <a:spcPct val="115000"/>
+                        </a:lnSpc>
+                        <a:spcAft>
+                          <a:spcPts val="0"/>
+                        </a:spcAft>
+                      </a:pPr>
+                      <a:r>
+                        <a:rPr lang="en-US" sz="1100">
+                          <a:effectLst/>
+                        </a:rPr>
+                        <a:t>28/11/2019</a:t>
+                      </a:r>
+                      <a:endParaRPr lang="en-US" sz="1300">
+                        <a:effectLst/>
+                        <a:latin typeface="Times New Roman"/>
+                        <a:ea typeface="Calibri"/>
+                        <a:cs typeface="Times New Roman"/>
+                      </a:endParaRPr>
+                    </a:p>
+                  </a:txBody>
+                  <a:tcPr marL="68580" marR="68580" marT="0" marB="0" anchor="b"/>
+                </a:tc>
+                <a:tc>
+                  <a:txBody>
+                    <a:bodyPr/>
+                    <a:lstStyle/>
+                    <a:p>
+                      <a:pPr algn="l">
+                        <a:lnSpc>
+                          <a:spcPct val="115000"/>
+                        </a:lnSpc>
+                        <a:spcAft>
+                          <a:spcPts val="0"/>
+                        </a:spcAft>
+                      </a:pPr>
+                      <a:r>
+                        <a:rPr lang="en-US" sz="1100">
+                          <a:effectLst/>
+                        </a:rPr>
+                        <a:t>02/12/2019</a:t>
+                      </a:r>
+                      <a:endParaRPr lang="en-US" sz="1300">
+                        <a:effectLst/>
+                        <a:latin typeface="Times New Roman"/>
+                        <a:ea typeface="Calibri"/>
+                        <a:cs typeface="Times New Roman"/>
+                      </a:endParaRPr>
+                    </a:p>
+                  </a:txBody>
+                  <a:tcPr marL="68580" marR="68580" marT="0" marB="0" anchor="b"/>
+                </a:tc>
+                <a:tc>
+                  <a:txBody>
+                    <a:bodyPr/>
+                    <a:lstStyle/>
+                    <a:p>
+                      <a:pPr algn="l">
+                        <a:lnSpc>
+                          <a:spcPct val="115000"/>
+                        </a:lnSpc>
+                        <a:spcAft>
+                          <a:spcPts val="0"/>
+                        </a:spcAft>
+                      </a:pPr>
+                      <a:r>
+                        <a:rPr lang="en-US" sz="1100">
+                          <a:effectLst/>
+                        </a:rPr>
+                        <a:t>4</a:t>
+                      </a:r>
+                      <a:endParaRPr lang="en-US" sz="1300">
+                        <a:effectLst/>
+                        <a:latin typeface="Times New Roman"/>
+                        <a:ea typeface="Calibri"/>
+                        <a:cs typeface="Times New Roman"/>
+                      </a:endParaRPr>
+                    </a:p>
+                  </a:txBody>
+                  <a:tcPr marL="68580" marR="68580" marT="0" marB="0" anchor="b"/>
+                </a:tc>
+                <a:tc>
+                  <a:txBody>
+                    <a:bodyPr/>
+                    <a:lstStyle/>
+                    <a:p>
+                      <a:pPr algn="l">
+                        <a:lnSpc>
+                          <a:spcPct val="115000"/>
+                        </a:lnSpc>
+                        <a:spcAft>
+                          <a:spcPts val="0"/>
+                        </a:spcAft>
+                      </a:pPr>
+                      <a:r>
+                        <a:rPr lang="en-US" sz="1100">
+                          <a:effectLst/>
+                        </a:rPr>
+                        <a:t>Class Diagram</a:t>
+                      </a:r>
+                      <a:endParaRPr lang="en-US" sz="1300">
+                        <a:effectLst/>
+                        <a:latin typeface="Times New Roman"/>
+                        <a:ea typeface="Calibri"/>
+                        <a:cs typeface="Times New Roman"/>
+                      </a:endParaRPr>
+                    </a:p>
+                  </a:txBody>
+                  <a:tcPr marL="68580" marR="68580" marT="0" marB="0" anchor="b"/>
+                </a:tc>
+              </a:tr>
+              <a:tr h="190500">
+                <a:tc>
+                  <a:txBody>
+                    <a:bodyPr/>
+                    <a:lstStyle/>
+                    <a:p>
+                      <a:pPr algn="l">
+                        <a:lnSpc>
+                          <a:spcPct val="115000"/>
+                        </a:lnSpc>
+                        <a:spcAft>
+                          <a:spcPts val="0"/>
+                        </a:spcAft>
+                      </a:pPr>
+                      <a:r>
+                        <a:rPr lang="en-US" sz="1100">
+                          <a:effectLst/>
+                        </a:rPr>
+                        <a:t>6</a:t>
+                      </a:r>
+                      <a:endParaRPr lang="en-US" sz="1300">
+                        <a:effectLst/>
+                        <a:latin typeface="Times New Roman"/>
+                        <a:ea typeface="Calibri"/>
+                        <a:cs typeface="Times New Roman"/>
+                      </a:endParaRPr>
+                    </a:p>
+                  </a:txBody>
+                  <a:tcPr marL="68580" marR="68580" marT="0" marB="0" anchor="b"/>
+                </a:tc>
+                <a:tc>
+                  <a:txBody>
+                    <a:bodyPr/>
+                    <a:lstStyle/>
+                    <a:p>
+                      <a:pPr algn="l">
+                        <a:lnSpc>
+                          <a:spcPct val="115000"/>
+                        </a:lnSpc>
+                        <a:spcAft>
+                          <a:spcPts val="0"/>
+                        </a:spcAft>
+                      </a:pPr>
+                      <a:r>
+                        <a:rPr lang="en-US" sz="1100">
+                          <a:effectLst/>
+                        </a:rPr>
+                        <a:t>03/12/2019</a:t>
+                      </a:r>
+                      <a:endParaRPr lang="en-US" sz="1300">
+                        <a:effectLst/>
+                        <a:latin typeface="Times New Roman"/>
+                        <a:ea typeface="Calibri"/>
+                        <a:cs typeface="Times New Roman"/>
+                      </a:endParaRPr>
+                    </a:p>
+                  </a:txBody>
+                  <a:tcPr marL="68580" marR="68580" marT="0" marB="0" anchor="b"/>
+                </a:tc>
+                <a:tc>
+                  <a:txBody>
+                    <a:bodyPr/>
+                    <a:lstStyle/>
+                    <a:p>
+                      <a:pPr algn="l">
+                        <a:lnSpc>
+                          <a:spcPct val="115000"/>
+                        </a:lnSpc>
+                        <a:spcAft>
+                          <a:spcPts val="0"/>
+                        </a:spcAft>
+                      </a:pPr>
+                      <a:r>
+                        <a:rPr lang="en-US" sz="1100">
+                          <a:effectLst/>
+                        </a:rPr>
+                        <a:t>08/12/2019</a:t>
+                      </a:r>
+                      <a:endParaRPr lang="en-US" sz="1300">
+                        <a:effectLst/>
+                        <a:latin typeface="Times New Roman"/>
+                        <a:ea typeface="Calibri"/>
+                        <a:cs typeface="Times New Roman"/>
+                      </a:endParaRPr>
+                    </a:p>
+                  </a:txBody>
+                  <a:tcPr marL="68580" marR="68580" marT="0" marB="0" anchor="b"/>
+                </a:tc>
+                <a:tc>
+                  <a:txBody>
+                    <a:bodyPr/>
+                    <a:lstStyle/>
+                    <a:p>
+                      <a:pPr algn="l">
+                        <a:lnSpc>
+                          <a:spcPct val="115000"/>
+                        </a:lnSpc>
+                        <a:spcAft>
+                          <a:spcPts val="0"/>
+                        </a:spcAft>
+                      </a:pPr>
+                      <a:r>
+                        <a:rPr lang="en-US" sz="1100">
+                          <a:effectLst/>
+                        </a:rPr>
+                        <a:t>5</a:t>
+                      </a:r>
+                      <a:endParaRPr lang="en-US" sz="1300">
+                        <a:effectLst/>
+                        <a:latin typeface="Times New Roman"/>
+                        <a:ea typeface="Calibri"/>
+                        <a:cs typeface="Times New Roman"/>
+                      </a:endParaRPr>
+                    </a:p>
+                  </a:txBody>
+                  <a:tcPr marL="68580" marR="68580" marT="0" marB="0" anchor="b"/>
+                </a:tc>
+                <a:tc>
+                  <a:txBody>
+                    <a:bodyPr/>
+                    <a:lstStyle/>
+                    <a:p>
+                      <a:pPr algn="l">
+                        <a:lnSpc>
+                          <a:spcPct val="115000"/>
+                        </a:lnSpc>
+                        <a:spcAft>
+                          <a:spcPts val="0"/>
+                        </a:spcAft>
+                      </a:pPr>
+                      <a:r>
+                        <a:rPr lang="en-US" sz="1100">
+                          <a:effectLst/>
+                        </a:rPr>
+                        <a:t>Database Design</a:t>
+                      </a:r>
+                      <a:endParaRPr lang="en-US" sz="1300">
+                        <a:effectLst/>
+                        <a:latin typeface="Times New Roman"/>
+                        <a:ea typeface="Calibri"/>
+                        <a:cs typeface="Times New Roman"/>
+                      </a:endParaRPr>
+                    </a:p>
+                  </a:txBody>
+                  <a:tcPr marL="68580" marR="68580" marT="0" marB="0" anchor="b"/>
+                </a:tc>
+              </a:tr>
+              <a:tr h="190500">
+                <a:tc>
+                  <a:txBody>
+                    <a:bodyPr/>
+                    <a:lstStyle/>
+                    <a:p>
+                      <a:pPr algn="l">
+                        <a:lnSpc>
+                          <a:spcPct val="115000"/>
+                        </a:lnSpc>
+                        <a:spcAft>
+                          <a:spcPts val="0"/>
+                        </a:spcAft>
+                      </a:pPr>
+                      <a:r>
+                        <a:rPr lang="en-US" sz="1100">
+                          <a:effectLst/>
+                        </a:rPr>
+                        <a:t>7</a:t>
+                      </a:r>
+                      <a:endParaRPr lang="en-US" sz="1300">
+                        <a:effectLst/>
+                        <a:latin typeface="Times New Roman"/>
+                        <a:ea typeface="Calibri"/>
+                        <a:cs typeface="Times New Roman"/>
+                      </a:endParaRPr>
+                    </a:p>
+                  </a:txBody>
+                  <a:tcPr marL="68580" marR="68580" marT="0" marB="0" anchor="b"/>
+                </a:tc>
+                <a:tc>
+                  <a:txBody>
+                    <a:bodyPr/>
+                    <a:lstStyle/>
+                    <a:p>
+                      <a:pPr algn="l">
+                        <a:lnSpc>
+                          <a:spcPct val="115000"/>
+                        </a:lnSpc>
+                        <a:spcAft>
+                          <a:spcPts val="0"/>
+                        </a:spcAft>
+                      </a:pPr>
+                      <a:r>
+                        <a:rPr lang="en-US" sz="1100">
+                          <a:effectLst/>
+                        </a:rPr>
+                        <a:t>09/12/2019</a:t>
+                      </a:r>
+                      <a:endParaRPr lang="en-US" sz="1300">
+                        <a:effectLst/>
+                        <a:latin typeface="Times New Roman"/>
+                        <a:ea typeface="Calibri"/>
+                        <a:cs typeface="Times New Roman"/>
+                      </a:endParaRPr>
+                    </a:p>
+                  </a:txBody>
+                  <a:tcPr marL="68580" marR="68580" marT="0" marB="0" anchor="b"/>
+                </a:tc>
+                <a:tc>
+                  <a:txBody>
+                    <a:bodyPr/>
+                    <a:lstStyle/>
+                    <a:p>
+                      <a:pPr algn="l">
+                        <a:lnSpc>
+                          <a:spcPct val="115000"/>
+                        </a:lnSpc>
+                        <a:spcAft>
+                          <a:spcPts val="0"/>
+                        </a:spcAft>
+                      </a:pPr>
+                      <a:r>
+                        <a:rPr lang="en-US" sz="1100">
+                          <a:effectLst/>
+                        </a:rPr>
+                        <a:t>14/12/2019</a:t>
+                      </a:r>
+                      <a:endParaRPr lang="en-US" sz="1300">
+                        <a:effectLst/>
+                        <a:latin typeface="Times New Roman"/>
+                        <a:ea typeface="Calibri"/>
+                        <a:cs typeface="Times New Roman"/>
+                      </a:endParaRPr>
+                    </a:p>
+                  </a:txBody>
+                  <a:tcPr marL="68580" marR="68580" marT="0" marB="0" anchor="b"/>
+                </a:tc>
+                <a:tc>
+                  <a:txBody>
+                    <a:bodyPr/>
+                    <a:lstStyle/>
+                    <a:p>
+                      <a:pPr algn="l">
+                        <a:lnSpc>
+                          <a:spcPct val="115000"/>
+                        </a:lnSpc>
+                        <a:spcAft>
+                          <a:spcPts val="0"/>
+                        </a:spcAft>
+                      </a:pPr>
+                      <a:r>
+                        <a:rPr lang="en-US" sz="1100">
+                          <a:effectLst/>
+                        </a:rPr>
+                        <a:t>5</a:t>
+                      </a:r>
+                      <a:endParaRPr lang="en-US" sz="1300">
+                        <a:effectLst/>
+                        <a:latin typeface="Times New Roman"/>
+                        <a:ea typeface="Calibri"/>
+                        <a:cs typeface="Times New Roman"/>
+                      </a:endParaRPr>
+                    </a:p>
+                  </a:txBody>
+                  <a:tcPr marL="68580" marR="68580" marT="0" marB="0" anchor="b"/>
+                </a:tc>
+                <a:tc>
+                  <a:txBody>
+                    <a:bodyPr/>
+                    <a:lstStyle/>
+                    <a:p>
+                      <a:pPr algn="l">
+                        <a:lnSpc>
+                          <a:spcPct val="115000"/>
+                        </a:lnSpc>
+                        <a:spcAft>
+                          <a:spcPts val="0"/>
+                        </a:spcAft>
+                      </a:pPr>
+                      <a:r>
+                        <a:rPr lang="en-US" sz="1100">
+                          <a:effectLst/>
+                        </a:rPr>
+                        <a:t>Hoàn thành bài báo cáo</a:t>
+                      </a:r>
+                      <a:endParaRPr lang="en-US" sz="1300">
+                        <a:effectLst/>
+                        <a:latin typeface="Times New Roman"/>
+                        <a:ea typeface="Calibri"/>
+                        <a:cs typeface="Times New Roman"/>
+                      </a:endParaRPr>
+                    </a:p>
+                  </a:txBody>
+                  <a:tcPr marL="68580" marR="68580" marT="0" marB="0" anchor="b"/>
+                </a:tc>
+              </a:tr>
+              <a:tr h="190500">
+                <a:tc>
+                  <a:txBody>
+                    <a:bodyPr/>
+                    <a:lstStyle/>
+                    <a:p>
+                      <a:pPr algn="l">
+                        <a:lnSpc>
+                          <a:spcPct val="115000"/>
+                        </a:lnSpc>
+                        <a:spcAft>
+                          <a:spcPts val="0"/>
+                        </a:spcAft>
+                      </a:pPr>
+                      <a:r>
+                        <a:rPr lang="en-US" sz="1100">
+                          <a:effectLst/>
+                        </a:rPr>
+                        <a:t>8</a:t>
+                      </a:r>
+                      <a:endParaRPr lang="en-US" sz="1300">
+                        <a:effectLst/>
+                        <a:latin typeface="Times New Roman"/>
+                        <a:ea typeface="Calibri"/>
+                        <a:cs typeface="Times New Roman"/>
+                      </a:endParaRPr>
+                    </a:p>
+                  </a:txBody>
+                  <a:tcPr marL="68580" marR="68580" marT="0" marB="0" anchor="b"/>
+                </a:tc>
+                <a:tc>
+                  <a:txBody>
+                    <a:bodyPr/>
+                    <a:lstStyle/>
+                    <a:p>
+                      <a:pPr algn="l">
+                        <a:lnSpc>
+                          <a:spcPct val="115000"/>
+                        </a:lnSpc>
+                        <a:spcAft>
+                          <a:spcPts val="0"/>
+                        </a:spcAft>
+                      </a:pPr>
+                      <a:r>
+                        <a:rPr lang="en-US" sz="1100">
+                          <a:effectLst/>
+                        </a:rPr>
+                        <a:t>15/12/2019</a:t>
+                      </a:r>
+                      <a:endParaRPr lang="en-US" sz="1300">
+                        <a:effectLst/>
+                        <a:latin typeface="Times New Roman"/>
+                        <a:ea typeface="Calibri"/>
+                        <a:cs typeface="Times New Roman"/>
+                      </a:endParaRPr>
+                    </a:p>
+                  </a:txBody>
+                  <a:tcPr marL="68580" marR="68580" marT="0" marB="0" anchor="b"/>
+                </a:tc>
+                <a:tc>
+                  <a:txBody>
+                    <a:bodyPr/>
+                    <a:lstStyle/>
+                    <a:p>
+                      <a:pPr algn="l">
+                        <a:lnSpc>
+                          <a:spcPct val="115000"/>
+                        </a:lnSpc>
+                        <a:spcAft>
+                          <a:spcPts val="0"/>
+                        </a:spcAft>
+                      </a:pPr>
+                      <a:r>
+                        <a:rPr lang="en-US" sz="1100">
+                          <a:effectLst/>
+                        </a:rPr>
+                        <a:t>22/12/2019</a:t>
+                      </a:r>
+                      <a:endParaRPr lang="en-US" sz="1300">
+                        <a:effectLst/>
+                        <a:latin typeface="Times New Roman"/>
+                        <a:ea typeface="Calibri"/>
+                        <a:cs typeface="Times New Roman"/>
+                      </a:endParaRPr>
+                    </a:p>
+                  </a:txBody>
+                  <a:tcPr marL="68580" marR="68580" marT="0" marB="0" anchor="b"/>
+                </a:tc>
+                <a:tc>
+                  <a:txBody>
+                    <a:bodyPr/>
+                    <a:lstStyle/>
+                    <a:p>
+                      <a:pPr algn="l">
+                        <a:lnSpc>
+                          <a:spcPct val="115000"/>
+                        </a:lnSpc>
+                        <a:spcAft>
+                          <a:spcPts val="0"/>
+                        </a:spcAft>
+                      </a:pPr>
+                      <a:r>
+                        <a:rPr lang="en-US" sz="1100">
+                          <a:effectLst/>
+                        </a:rPr>
+                        <a:t>7</a:t>
+                      </a:r>
+                      <a:endParaRPr lang="en-US" sz="1300">
+                        <a:effectLst/>
+                        <a:latin typeface="Times New Roman"/>
+                        <a:ea typeface="Calibri"/>
+                        <a:cs typeface="Times New Roman"/>
+                      </a:endParaRPr>
+                    </a:p>
+                  </a:txBody>
+                  <a:tcPr marL="68580" marR="68580" marT="0" marB="0" anchor="b"/>
+                </a:tc>
+                <a:tc>
+                  <a:txBody>
+                    <a:bodyPr/>
+                    <a:lstStyle/>
+                    <a:p>
+                      <a:pPr algn="l">
+                        <a:lnSpc>
+                          <a:spcPct val="115000"/>
+                        </a:lnSpc>
+                        <a:spcAft>
+                          <a:spcPts val="0"/>
+                        </a:spcAft>
+                      </a:pPr>
+                      <a:r>
+                        <a:rPr lang="en-US" sz="1100">
+                          <a:effectLst/>
+                        </a:rPr>
+                        <a:t>Hiện thực trang web</a:t>
+                      </a:r>
+                      <a:endParaRPr lang="en-US" sz="1300">
+                        <a:effectLst/>
+                        <a:latin typeface="Times New Roman"/>
+                        <a:ea typeface="Calibri"/>
+                        <a:cs typeface="Times New Roman"/>
+                      </a:endParaRPr>
+                    </a:p>
+                  </a:txBody>
+                  <a:tcPr marL="68580" marR="68580" marT="0" marB="0" anchor="b"/>
+                </a:tc>
+              </a:tr>
+            </a:tbl>
           </a:graphicData>
         </a:graphic>
       </p:graphicFrame>
@@ -9885,7 +10739,7 @@
       </p:sp>
       <p:pic>
         <p:nvPicPr>
-          <p:cNvPr id="2050" name="Picture 2"/>
+          <p:cNvPr id="1026" name="Picture 2"/>
           <p:cNvPicPr>
             <a:picLocks noChangeAspect="1" noChangeArrowheads="1"/>
           </p:cNvPicPr>
@@ -9906,8 +10760,8 @@
         </p:blipFill>
         <p:spPr bwMode="auto">
           <a:xfrm>
-            <a:off x="379626" y="1124744"/>
-            <a:ext cx="8391525" cy="4962525"/>
+            <a:off x="4544" y="836712"/>
+            <a:ext cx="9139456" cy="5760640"/>
           </a:xfrm>
           <a:prstGeom prst="rect">
             <a:avLst/>

--- a/baocao.pptx
+++ b/baocao.pptx
@@ -9,8 +9,8 @@
   </p:notesMasterIdLst>
   <p:sldIdLst>
     <p:sldId id="256" r:id="rId2"/>
-    <p:sldId id="257" r:id="rId3"/>
-    <p:sldId id="258" r:id="rId4"/>
+    <p:sldId id="258" r:id="rId3"/>
+    <p:sldId id="257" r:id="rId4"/>
     <p:sldId id="259" r:id="rId5"/>
     <p:sldId id="260" r:id="rId6"/>
     <p:sldId id="261" r:id="rId7"/>
@@ -323,11 +323,11 @@
         </c:dLbls>
         <c:gapWidth val="150"/>
         <c:overlap val="100"/>
-        <c:axId val="126285824"/>
-        <c:axId val="172176448"/>
+        <c:axId val="121547264"/>
+        <c:axId val="168506432"/>
       </c:barChart>
       <c:catAx>
-        <c:axId val="126285824"/>
+        <c:axId val="121547264"/>
         <c:scaling>
           <c:orientation val="maxMin"/>
         </c:scaling>
@@ -349,7 +349,7 @@
             <a:endParaRPr lang="en-US"/>
           </a:p>
         </c:txPr>
-        <c:crossAx val="172176448"/>
+        <c:crossAx val="168506432"/>
         <c:crosses val="autoZero"/>
         <c:auto val="1"/>
         <c:lblAlgn val="ctr"/>
@@ -357,7 +357,7 @@
         <c:noMultiLvlLbl val="0"/>
       </c:catAx>
       <c:valAx>
-        <c:axId val="172176448"/>
+        <c:axId val="168506432"/>
         <c:scaling>
           <c:orientation val="minMax"/>
           <c:max val="43822"/>
@@ -370,7 +370,7 @@
         <c:majorTickMark val="out"/>
         <c:minorTickMark val="none"/>
         <c:tickLblPos val="nextTo"/>
-        <c:crossAx val="126285824"/>
+        <c:crossAx val="121547264"/>
         <c:crosses val="autoZero"/>
         <c:crossBetween val="between"/>
       </c:valAx>
@@ -839,7 +839,7 @@
           <a:p>
             <a:fld id="{779830E7-2CEB-45E4-A46C-10A5090F7B89}" type="slidenum">
               <a:rPr lang="en-US" smtClean="0"/>
-              <a:t>3</a:t>
+              <a:t>2</a:t>
             </a:fld>
             <a:endParaRPr lang="en-US"/>
           </a:p>
@@ -8613,7 +8613,7 @@
         </p:nvSpPr>
         <p:spPr>
           <a:xfrm>
-            <a:off x="467544" y="188640"/>
+            <a:off x="529208" y="57944"/>
             <a:ext cx="8229600" cy="763488"/>
           </a:xfrm>
         </p:spPr>
@@ -8626,7 +8626,7 @@
                 <a:latin typeface="Times New Roman" pitchFamily="18" charset="0"/>
                 <a:cs typeface="Times New Roman" pitchFamily="18" charset="0"/>
               </a:rPr>
-              <a:t>Các bước thực hiện </a:t>
+              <a:t>Đặc tả yêu cầu bài toán</a:t>
             </a:r>
             <a:endParaRPr lang="en-US" sz="3000" b="1">
               <a:latin typeface="Times New Roman" pitchFamily="18" charset="0"/>
@@ -8647,143 +8647,140 @@
         </p:nvSpPr>
         <p:spPr>
           <a:xfrm>
-            <a:off x="395536" y="1196753"/>
-            <a:ext cx="8229600" cy="4525963"/>
+            <a:off x="457200" y="3284983"/>
+            <a:ext cx="8229600" cy="2841181"/>
           </a:xfrm>
         </p:spPr>
         <p:txBody>
-          <a:bodyPr/>
+          <a:bodyPr>
+            <a:normAutofit/>
+          </a:bodyPr>
           <a:lstStyle/>
           <a:p>
             <a:r>
-              <a:rPr lang="vi-VN">
+              <a:rPr lang="en-US" smtClean="0">
                 <a:solidFill>
                   <a:schemeClr val="tx1"/>
                 </a:solidFill>
-                <a:latin typeface="+mn-lt"/>
-              </a:rPr>
-              <a:t>Vấn đề đặt ra</a:t>
-            </a:r>
-          </a:p>
-          <a:p>
-            <a:r>
-              <a:rPr lang="vi-VN">
+                <a:latin typeface="Times New Roman" pitchFamily="18" charset="0"/>
+                <a:cs typeface="Times New Roman" pitchFamily="18" charset="0"/>
+              </a:rPr>
+              <a:t>Mục đích đồ án:</a:t>
+            </a:r>
+          </a:p>
+          <a:p>
+            <a:pPr>
+              <a:buFontTx/>
+              <a:buChar char="-"/>
+            </a:pPr>
+            <a:r>
+              <a:rPr lang="en-US" smtClean="0">
                 <a:solidFill>
                   <a:schemeClr val="tx1"/>
                 </a:solidFill>
-                <a:latin typeface="+mn-lt"/>
-              </a:rPr>
-              <a:t>Những yêu cầu về phần mềm</a:t>
-            </a:r>
-          </a:p>
-          <a:p>
-            <a:r>
-              <a:rPr lang="vi-VN">
+                <a:latin typeface="Times New Roman" pitchFamily="18" charset="0"/>
+                <a:cs typeface="Times New Roman" pitchFamily="18" charset="0"/>
+              </a:rPr>
+              <a:t>Nhằm giúp khách hàng có thể đặt vé online một cách nhanh nhất, thuận tiện và an toàn nhất.</a:t>
+            </a:r>
+          </a:p>
+          <a:p>
+            <a:pPr>
+              <a:buFontTx/>
+              <a:buChar char="-"/>
+            </a:pPr>
+            <a:r>
+              <a:rPr lang="en-US" smtClean="0">
                 <a:solidFill>
                   <a:schemeClr val="tx1"/>
                 </a:solidFill>
-                <a:latin typeface="+mn-lt"/>
-              </a:rPr>
-              <a:t>Kế hoạch hoành thành dự án (grant)</a:t>
-            </a:r>
-          </a:p>
-          <a:p>
-            <a:r>
-              <a:rPr lang="vi-VN">
-                <a:solidFill>
-                  <a:schemeClr val="tx1"/>
-                </a:solidFill>
-                <a:latin typeface="+mn-lt"/>
-              </a:rPr>
-              <a:t>Mô hình hóa yêu cầu (use case, acitivity diagram)</a:t>
-            </a:r>
-          </a:p>
-          <a:p>
-            <a:r>
-              <a:rPr lang="vi-VN">
-                <a:solidFill>
-                  <a:schemeClr val="tx1"/>
-                </a:solidFill>
-                <a:latin typeface="+mn-lt"/>
-              </a:rPr>
-              <a:t>Mô hình khái niệm (domain model)</a:t>
-            </a:r>
-          </a:p>
-          <a:p>
-            <a:r>
-              <a:rPr lang="vi-VN">
-                <a:solidFill>
-                  <a:schemeClr val="tx1"/>
-                </a:solidFill>
-                <a:latin typeface="+mn-lt"/>
-              </a:rPr>
-              <a:t>Biểu đồ trình tự (sequence diagram)</a:t>
-            </a:r>
-          </a:p>
-          <a:p>
-            <a:r>
-              <a:rPr lang="vi-VN">
-                <a:solidFill>
-                  <a:schemeClr val="tx1"/>
-                </a:solidFill>
-                <a:latin typeface="+mn-lt"/>
-              </a:rPr>
-              <a:t>Biểu đồ lớp (class diagram)</a:t>
-            </a:r>
-          </a:p>
-          <a:p>
-            <a:r>
-              <a:rPr lang="vi-VN">
-                <a:solidFill>
-                  <a:schemeClr val="tx1"/>
-                </a:solidFill>
-                <a:latin typeface="+mn-lt"/>
-              </a:rPr>
-              <a:t>Thiết kế database</a:t>
-            </a:r>
-          </a:p>
-          <a:p>
-            <a:r>
-              <a:rPr lang="vi-VN">
-                <a:solidFill>
-                  <a:schemeClr val="tx1"/>
-                </a:solidFill>
-                <a:latin typeface="+mn-lt"/>
-              </a:rPr>
-              <a:t>Thiết kế giao diện</a:t>
-            </a:r>
-          </a:p>
-          <a:p>
-            <a:r>
-              <a:rPr lang="vi-VN">
-                <a:solidFill>
-                  <a:schemeClr val="tx1"/>
-                </a:solidFill>
-                <a:latin typeface="+mn-lt"/>
-              </a:rPr>
-              <a:t>Triển khai</a:t>
-            </a:r>
+                <a:latin typeface="Times New Roman" pitchFamily="18" charset="0"/>
+                <a:cs typeface="Times New Roman" pitchFamily="18" charset="0"/>
+              </a:rPr>
+              <a:t>Trang web với đầy đủ thông tin về giá cả, loại Tour, lịch trình nhằm đáp ứng tốt nhất cho khách hàng.</a:t>
+            </a:r>
+          </a:p>
+          <a:p>
+            <a:pPr>
+              <a:buFontTx/>
+              <a:buChar char="-"/>
+            </a:pPr>
             <a:endParaRPr lang="en-US">
               <a:solidFill>
                 <a:schemeClr val="tx1"/>
               </a:solidFill>
-              <a:latin typeface="+mn-lt"/>
+              <a:latin typeface="Times New Roman" pitchFamily="18" charset="0"/>
+              <a:cs typeface="Times New Roman" pitchFamily="18" charset="0"/>
             </a:endParaRPr>
           </a:p>
-          <a:p>
-            <a:endParaRPr lang="en-US">
-              <a:solidFill>
-                <a:schemeClr val="tx1"/>
-              </a:solidFill>
-              <a:latin typeface="+mn-lt"/>
-            </a:endParaRPr>
+        </p:txBody>
+      </p:sp>
+      <p:sp>
+        <p:nvSpPr>
+          <p:cNvPr id="4" name="TextBox 3"/>
+          <p:cNvSpPr txBox="1"/>
+          <p:nvPr/>
+        </p:nvSpPr>
+        <p:spPr>
+          <a:xfrm>
+            <a:off x="539552" y="836712"/>
+            <a:ext cx="7776864" cy="2308324"/>
+          </a:xfrm>
+          <a:prstGeom prst="rect">
+            <a:avLst/>
+          </a:prstGeom>
+          <a:noFill/>
+        </p:spPr>
+        <p:txBody>
+          <a:bodyPr wrap="square" rtlCol="0">
+            <a:spAutoFit/>
+          </a:bodyPr>
+          <a:lstStyle/>
+          <a:p>
+            <a:pPr marL="285750" indent="-285750">
+              <a:buFont typeface="Arial" pitchFamily="34" charset="0"/>
+              <a:buChar char="•"/>
+            </a:pPr>
+            <a:r>
+              <a:rPr lang="en-US" sz="2400" smtClean="0">
+                <a:latin typeface="Times New Roman" pitchFamily="18" charset="0"/>
+                <a:cs typeface="Times New Roman" pitchFamily="18" charset="0"/>
+              </a:rPr>
+              <a:t>Đặt vấn đề : </a:t>
+            </a:r>
+          </a:p>
+          <a:p>
+            <a:pPr marL="285750" indent="-285750">
+              <a:buFontTx/>
+              <a:buChar char="-"/>
+            </a:pPr>
+            <a:r>
+              <a:rPr lang="en-US" sz="2400" smtClean="0">
+                <a:latin typeface="Times New Roman" pitchFamily="18" charset="0"/>
+                <a:cs typeface="Times New Roman" pitchFamily="18" charset="0"/>
+              </a:rPr>
+              <a:t>Xã hội ngày càng hiện đại hóa, mạng Internet đã trở thành một thành phần thiết yếu trong cuộc sống.</a:t>
+            </a:r>
+          </a:p>
+          <a:p>
+            <a:pPr marL="285750" indent="-285750">
+              <a:buFontTx/>
+              <a:buChar char="-"/>
+            </a:pPr>
+            <a:r>
+              <a:rPr lang="en-US" sz="2400" smtClean="0">
+                <a:latin typeface="Times New Roman" pitchFamily="18" charset="0"/>
+                <a:cs typeface="Times New Roman" pitchFamily="18" charset="0"/>
+              </a:rPr>
+              <a:t>Về lĩnh vực du lịch cần phải chú ý về việc quảng bá và giới thiệu cho khách hàng một cách hiệu quả và kịp thời là yếu tố quyết định đến lợi nhuận của công ti.</a:t>
+            </a:r>
           </a:p>
         </p:txBody>
       </p:sp>
     </p:spTree>
     <p:extLst>
       <p:ext uri="{BB962C8B-B14F-4D97-AF65-F5344CB8AC3E}">
-        <p14:creationId xmlns:p14="http://schemas.microsoft.com/office/powerpoint/2010/main" val="4182659277"/>
+        <p14:creationId xmlns:p14="http://schemas.microsoft.com/office/powerpoint/2010/main" val="2607676577"/>
       </p:ext>
     </p:extLst>
   </p:cSld>
@@ -8829,7 +8826,7 @@
         </p:nvSpPr>
         <p:spPr>
           <a:xfrm>
-            <a:off x="529208" y="57944"/>
+            <a:off x="467544" y="188640"/>
             <a:ext cx="8229600" cy="763488"/>
           </a:xfrm>
         </p:spPr>
@@ -8842,7 +8839,7 @@
                 <a:latin typeface="Times New Roman" pitchFamily="18" charset="0"/>
                 <a:cs typeface="Times New Roman" pitchFamily="18" charset="0"/>
               </a:rPr>
-              <a:t>Đặc tả yêu cầu bài toán</a:t>
+              <a:t>Các bước thực hiện </a:t>
             </a:r>
             <a:endParaRPr lang="en-US" sz="3000" b="1">
               <a:latin typeface="Times New Roman" pitchFamily="18" charset="0"/>
@@ -8863,140 +8860,143 @@
         </p:nvSpPr>
         <p:spPr>
           <a:xfrm>
-            <a:off x="457200" y="3284983"/>
-            <a:ext cx="8229600" cy="2841181"/>
+            <a:off x="395536" y="1196753"/>
+            <a:ext cx="8229600" cy="4525963"/>
           </a:xfrm>
         </p:spPr>
         <p:txBody>
-          <a:bodyPr>
-            <a:normAutofit/>
-          </a:bodyPr>
+          <a:bodyPr/>
           <a:lstStyle/>
           <a:p>
             <a:r>
-              <a:rPr lang="en-US" smtClean="0">
+              <a:rPr lang="vi-VN">
                 <a:solidFill>
                   <a:schemeClr val="tx1"/>
                 </a:solidFill>
-                <a:latin typeface="Times New Roman" pitchFamily="18" charset="0"/>
-                <a:cs typeface="Times New Roman" pitchFamily="18" charset="0"/>
-              </a:rPr>
-              <a:t>Mục đích đồ án:</a:t>
-            </a:r>
-          </a:p>
-          <a:p>
-            <a:pPr>
-              <a:buFontTx/>
-              <a:buChar char="-"/>
-            </a:pPr>
-            <a:r>
-              <a:rPr lang="en-US" smtClean="0">
+                <a:latin typeface="+mn-lt"/>
+              </a:rPr>
+              <a:t>Vấn đề đặt ra</a:t>
+            </a:r>
+          </a:p>
+          <a:p>
+            <a:r>
+              <a:rPr lang="vi-VN">
                 <a:solidFill>
                   <a:schemeClr val="tx1"/>
                 </a:solidFill>
-                <a:latin typeface="Times New Roman" pitchFamily="18" charset="0"/>
-                <a:cs typeface="Times New Roman" pitchFamily="18" charset="0"/>
-              </a:rPr>
-              <a:t>Nhằm giúp khách hàng có thể đặt vé online một cách nhanh nhất, thuận tiện và an toàn nhất.</a:t>
-            </a:r>
-          </a:p>
-          <a:p>
-            <a:pPr>
-              <a:buFontTx/>
-              <a:buChar char="-"/>
-            </a:pPr>
-            <a:r>
-              <a:rPr lang="en-US" smtClean="0">
+                <a:latin typeface="+mn-lt"/>
+              </a:rPr>
+              <a:t>Những yêu cầu về phần mềm</a:t>
+            </a:r>
+          </a:p>
+          <a:p>
+            <a:r>
+              <a:rPr lang="vi-VN">
                 <a:solidFill>
                   <a:schemeClr val="tx1"/>
                 </a:solidFill>
-                <a:latin typeface="Times New Roman" pitchFamily="18" charset="0"/>
-                <a:cs typeface="Times New Roman" pitchFamily="18" charset="0"/>
-              </a:rPr>
-              <a:t>Trang web với đầy đủ thông tin về giá cả, loại Tour, lịch trình nhằm đáp ứng tốt nhất cho khách hàng.</a:t>
-            </a:r>
-          </a:p>
-          <a:p>
-            <a:pPr>
-              <a:buFontTx/>
-              <a:buChar char="-"/>
-            </a:pPr>
+                <a:latin typeface="+mn-lt"/>
+              </a:rPr>
+              <a:t>Kế hoạch hoành thành dự án (grant)</a:t>
+            </a:r>
+          </a:p>
+          <a:p>
+            <a:r>
+              <a:rPr lang="vi-VN">
+                <a:solidFill>
+                  <a:schemeClr val="tx1"/>
+                </a:solidFill>
+                <a:latin typeface="+mn-lt"/>
+              </a:rPr>
+              <a:t>Mô hình hóa yêu cầu (use case, acitivity diagram)</a:t>
+            </a:r>
+          </a:p>
+          <a:p>
+            <a:r>
+              <a:rPr lang="vi-VN">
+                <a:solidFill>
+                  <a:schemeClr val="tx1"/>
+                </a:solidFill>
+                <a:latin typeface="+mn-lt"/>
+              </a:rPr>
+              <a:t>Mô hình khái niệm (domain model)</a:t>
+            </a:r>
+          </a:p>
+          <a:p>
+            <a:r>
+              <a:rPr lang="vi-VN">
+                <a:solidFill>
+                  <a:schemeClr val="tx1"/>
+                </a:solidFill>
+                <a:latin typeface="+mn-lt"/>
+              </a:rPr>
+              <a:t>Biểu đồ trình tự (sequence diagram)</a:t>
+            </a:r>
+          </a:p>
+          <a:p>
+            <a:r>
+              <a:rPr lang="vi-VN">
+                <a:solidFill>
+                  <a:schemeClr val="tx1"/>
+                </a:solidFill>
+                <a:latin typeface="+mn-lt"/>
+              </a:rPr>
+              <a:t>Biểu đồ lớp (class diagram)</a:t>
+            </a:r>
+          </a:p>
+          <a:p>
+            <a:r>
+              <a:rPr lang="vi-VN">
+                <a:solidFill>
+                  <a:schemeClr val="tx1"/>
+                </a:solidFill>
+                <a:latin typeface="+mn-lt"/>
+              </a:rPr>
+              <a:t>Thiết kế database</a:t>
+            </a:r>
+          </a:p>
+          <a:p>
+            <a:r>
+              <a:rPr lang="vi-VN">
+                <a:solidFill>
+                  <a:schemeClr val="tx1"/>
+                </a:solidFill>
+                <a:latin typeface="+mn-lt"/>
+              </a:rPr>
+              <a:t>Thiết kế giao diện</a:t>
+            </a:r>
+          </a:p>
+          <a:p>
+            <a:r>
+              <a:rPr lang="vi-VN">
+                <a:solidFill>
+                  <a:schemeClr val="tx1"/>
+                </a:solidFill>
+                <a:latin typeface="+mn-lt"/>
+              </a:rPr>
+              <a:t>Triển khai</a:t>
+            </a:r>
             <a:endParaRPr lang="en-US">
               <a:solidFill>
                 <a:schemeClr val="tx1"/>
               </a:solidFill>
-              <a:latin typeface="Times New Roman" pitchFamily="18" charset="0"/>
-              <a:cs typeface="Times New Roman" pitchFamily="18" charset="0"/>
+              <a:latin typeface="+mn-lt"/>
             </a:endParaRPr>
           </a:p>
-        </p:txBody>
-      </p:sp>
-      <p:sp>
-        <p:nvSpPr>
-          <p:cNvPr id="4" name="TextBox 3"/>
-          <p:cNvSpPr txBox="1"/>
-          <p:nvPr/>
-        </p:nvSpPr>
-        <p:spPr>
-          <a:xfrm>
-            <a:off x="539552" y="836712"/>
-            <a:ext cx="7776864" cy="2308324"/>
-          </a:xfrm>
-          <a:prstGeom prst="rect">
-            <a:avLst/>
-          </a:prstGeom>
-          <a:noFill/>
-        </p:spPr>
-        <p:txBody>
-          <a:bodyPr wrap="square" rtlCol="0">
-            <a:spAutoFit/>
-          </a:bodyPr>
-          <a:lstStyle/>
-          <a:p>
-            <a:pPr marL="285750" indent="-285750">
-              <a:buFont typeface="Arial" pitchFamily="34" charset="0"/>
-              <a:buChar char="•"/>
-            </a:pPr>
-            <a:r>
-              <a:rPr lang="en-US" sz="2400" smtClean="0">
-                <a:latin typeface="Times New Roman" pitchFamily="18" charset="0"/>
-                <a:cs typeface="Times New Roman" pitchFamily="18" charset="0"/>
-              </a:rPr>
-              <a:t>Đặt vấn đề : </a:t>
-            </a:r>
-          </a:p>
-          <a:p>
-            <a:pPr marL="285750" indent="-285750">
-              <a:buFontTx/>
-              <a:buChar char="-"/>
-            </a:pPr>
-            <a:r>
-              <a:rPr lang="en-US" sz="2400" smtClean="0">
-                <a:latin typeface="Times New Roman" pitchFamily="18" charset="0"/>
-                <a:cs typeface="Times New Roman" pitchFamily="18" charset="0"/>
-              </a:rPr>
-              <a:t>Xã hội ngày càng hiện đại hóa, mạng Internet đã trở thành một thành phần thiết yếu trong cuộc sống.</a:t>
-            </a:r>
-          </a:p>
-          <a:p>
-            <a:pPr marL="285750" indent="-285750">
-              <a:buFontTx/>
-              <a:buChar char="-"/>
-            </a:pPr>
-            <a:r>
-              <a:rPr lang="en-US" sz="2400" smtClean="0">
-                <a:latin typeface="Times New Roman" pitchFamily="18" charset="0"/>
-                <a:cs typeface="Times New Roman" pitchFamily="18" charset="0"/>
-              </a:rPr>
-              <a:t>Về lĩnh vực du lịch cần phải chú ý về việc quảng bá và giới thiệu cho khách hàng một cách hiệu quả và kịp thời là yếu tố quyết định đến lợi nhuận của công ti.</a:t>
-            </a:r>
+          <a:p>
+            <a:endParaRPr lang="en-US">
+              <a:solidFill>
+                <a:schemeClr val="tx1"/>
+              </a:solidFill>
+              <a:latin typeface="+mn-lt"/>
+            </a:endParaRPr>
           </a:p>
         </p:txBody>
       </p:sp>
     </p:spTree>
     <p:extLst>
       <p:ext uri="{BB962C8B-B14F-4D97-AF65-F5344CB8AC3E}">
-        <p14:creationId xmlns:p14="http://schemas.microsoft.com/office/powerpoint/2010/main" val="2607676577"/>
+        <p14:creationId xmlns:p14="http://schemas.microsoft.com/office/powerpoint/2010/main" val="4182659277"/>
       </p:ext>
     </p:extLst>
   </p:cSld>

--- a/baocao.pptx
+++ b/baocao.pptx
@@ -5,7 +5,7 @@
     <p:sldMasterId id="2147483708" r:id="rId1"/>
   </p:sldMasterIdLst>
   <p:notesMasterIdLst>
-    <p:notesMasterId r:id="rId13"/>
+    <p:notesMasterId r:id="rId17"/>
   </p:notesMasterIdLst>
   <p:sldIdLst>
     <p:sldId id="256" r:id="rId2"/>
@@ -15,10 +15,14 @@
     <p:sldId id="260" r:id="rId6"/>
     <p:sldId id="261" r:id="rId7"/>
     <p:sldId id="266" r:id="rId8"/>
-    <p:sldId id="263" r:id="rId9"/>
-    <p:sldId id="262" r:id="rId10"/>
-    <p:sldId id="264" r:id="rId11"/>
-    <p:sldId id="265" r:id="rId12"/>
+    <p:sldId id="267" r:id="rId9"/>
+    <p:sldId id="268" r:id="rId10"/>
+    <p:sldId id="269" r:id="rId11"/>
+    <p:sldId id="263" r:id="rId12"/>
+    <p:sldId id="262" r:id="rId13"/>
+    <p:sldId id="264" r:id="rId14"/>
+    <p:sldId id="265" r:id="rId15"/>
+    <p:sldId id="270" r:id="rId16"/>
   </p:sldIdLst>
   <p:sldSz cx="9144000" cy="6858000" type="screen4x3"/>
   <p:notesSz cx="6858000" cy="9144000"/>
@@ -141,8 +145,8 @@
           <c:layoutTarget val="inner"/>
           <c:xMode val="edge"/>
           <c:yMode val="edge"/>
-          <c:x val="0.18756932391893233"/>
-          <c:y val="0.1628797580706515"/>
+          <c:x val="0.17380090700500433"/>
+          <c:y val="9.4440887074277891E-2"/>
           <c:w val="0.76775222349843164"/>
           <c:h val="0.83309419655876349"/>
         </c:manualLayout>
@@ -323,11 +327,11 @@
         </c:dLbls>
         <c:gapWidth val="150"/>
         <c:overlap val="100"/>
-        <c:axId val="121547264"/>
-        <c:axId val="168506432"/>
+        <c:axId val="141101056"/>
+        <c:axId val="139940928"/>
       </c:barChart>
       <c:catAx>
-        <c:axId val="121547264"/>
+        <c:axId val="141101056"/>
         <c:scaling>
           <c:orientation val="maxMin"/>
         </c:scaling>
@@ -349,7 +353,7 @@
             <a:endParaRPr lang="en-US"/>
           </a:p>
         </c:txPr>
-        <c:crossAx val="168506432"/>
+        <c:crossAx val="139940928"/>
         <c:crosses val="autoZero"/>
         <c:auto val="1"/>
         <c:lblAlgn val="ctr"/>
@@ -357,7 +361,7 @@
         <c:noMultiLvlLbl val="0"/>
       </c:catAx>
       <c:valAx>
-        <c:axId val="168506432"/>
+        <c:axId val="139940928"/>
         <c:scaling>
           <c:orientation val="minMax"/>
           <c:max val="43822"/>
@@ -370,7 +374,7 @@
         <c:majorTickMark val="out"/>
         <c:minorTickMark val="none"/>
         <c:tickLblPos val="nextTo"/>
-        <c:crossAx val="121547264"/>
+        <c:crossAx val="141101056"/>
         <c:crosses val="autoZero"/>
         <c:crossBetween val="between"/>
       </c:valAx>
@@ -762,7 +766,12 @@
             <p:ph type="sldImg"/>
           </p:nvPr>
         </p:nvSpPr>
-        <p:spPr/>
+        <p:spPr>
+          <a:xfrm>
+            <a:off x="1143000" y="685800"/>
+            <a:ext cx="4572000" cy="3429000"/>
+          </a:xfrm>
+        </p:spPr>
       </p:sp>
       <p:sp>
         <p:nvSpPr>
@@ -849,6 +858,1037 @@
     <p:extLst>
       <p:ext uri="{BB962C8B-B14F-4D97-AF65-F5344CB8AC3E}">
         <p14:creationId xmlns:p14="http://schemas.microsoft.com/office/powerpoint/2010/main" val="1686967915"/>
+      </p:ext>
+    </p:extLst>
+  </p:cSld>
+  <p:clrMapOvr>
+    <a:masterClrMapping/>
+  </p:clrMapOvr>
+</p:notes>
+</file>
+
+<file path=ppt/notesSlides/notesSlide10.xml><?xml version="1.0" encoding="utf-8"?>
+<p:notes xmlns:a="http://schemas.openxmlformats.org/drawingml/2006/main" xmlns:r="http://schemas.openxmlformats.org/officeDocument/2006/relationships" xmlns:p="http://schemas.openxmlformats.org/presentationml/2006/main">
+  <p:cSld>
+    <p:spTree>
+      <p:nvGrpSpPr>
+        <p:cNvPr id="1" name=""/>
+        <p:cNvGrpSpPr/>
+        <p:nvPr/>
+      </p:nvGrpSpPr>
+      <p:grpSpPr>
+        <a:xfrm>
+          <a:off x="0" y="0"/>
+          <a:ext cx="0" cy="0"/>
+          <a:chOff x="0" y="0"/>
+          <a:chExt cx="0" cy="0"/>
+        </a:xfrm>
+      </p:grpSpPr>
+      <p:sp>
+        <p:nvSpPr>
+          <p:cNvPr id="2" name="Slide Image Placeholder 1"/>
+          <p:cNvSpPr>
+            <a:spLocks noGrp="1" noRot="1" noChangeAspect="1"/>
+          </p:cNvSpPr>
+          <p:nvPr>
+            <p:ph type="sldImg"/>
+          </p:nvPr>
+        </p:nvSpPr>
+        <p:spPr>
+          <a:xfrm>
+            <a:off x="1143000" y="685800"/>
+            <a:ext cx="4572000" cy="3429000"/>
+          </a:xfrm>
+        </p:spPr>
+      </p:sp>
+      <p:sp>
+        <p:nvSpPr>
+          <p:cNvPr id="3" name="Notes Placeholder 2"/>
+          <p:cNvSpPr>
+            <a:spLocks noGrp="1"/>
+          </p:cNvSpPr>
+          <p:nvPr>
+            <p:ph type="body" idx="1"/>
+          </p:nvPr>
+        </p:nvSpPr>
+        <p:spPr/>
+        <p:txBody>
+          <a:bodyPr/>
+          <a:lstStyle/>
+          <a:p>
+            <a:pPr lvl="1"/>
+            <a:r>
+              <a:rPr lang="en-US" sz="1200" b="1" kern="1200" smtClean="0">
+                <a:solidFill>
+                  <a:schemeClr val="tx1"/>
+                </a:solidFill>
+                <a:effectLst/>
+                <a:latin typeface="+mn-lt"/>
+                <a:ea typeface="+mn-ea"/>
+                <a:cs typeface="+mn-cs"/>
+              </a:rPr>
+              <a:t>Đặc tả Use Case “quản lý Tour”</a:t>
+            </a:r>
+          </a:p>
+          <a:p>
+            <a:r>
+              <a:rPr lang="en-US" sz="1200" kern="1200" smtClean="0">
+                <a:solidFill>
+                  <a:schemeClr val="tx1"/>
+                </a:solidFill>
+                <a:effectLst/>
+                <a:latin typeface="+mn-lt"/>
+                <a:ea typeface="+mn-ea"/>
+                <a:cs typeface="+mn-cs"/>
+              </a:rPr>
+              <a:t>- Tác nhân: người quản lý</a:t>
+            </a:r>
+          </a:p>
+          <a:p>
+            <a:r>
+              <a:rPr lang="en-US" sz="1200" kern="1200" smtClean="0">
+                <a:solidFill>
+                  <a:schemeClr val="tx1"/>
+                </a:solidFill>
+                <a:effectLst/>
+                <a:latin typeface="+mn-lt"/>
+                <a:ea typeface="+mn-ea"/>
+                <a:cs typeface="+mn-cs"/>
+              </a:rPr>
+              <a:t>- Mô tả khái quát: Các tour được chia ra thành từng danh mục, người quản trị cần quản lý danh mục với các thao tác: Thêm tour, sửa thông tin tour, xóa tour ra khỏi danh mục.</a:t>
+            </a:r>
+          </a:p>
+          <a:p>
+            <a:r>
+              <a:rPr lang="en-US" sz="1200" kern="1200" smtClean="0">
+                <a:solidFill>
+                  <a:schemeClr val="tx1"/>
+                </a:solidFill>
+                <a:effectLst/>
+                <a:latin typeface="+mn-lt"/>
+                <a:ea typeface="+mn-ea"/>
+                <a:cs typeface="+mn-cs"/>
+              </a:rPr>
+              <a:t>- Điều kiện đầu vào: Ca sử dụng bắt đầu khi người quản lý đăng nhập vào hệ thống thành công và chọn quản lý danh mục.</a:t>
+            </a:r>
+          </a:p>
+          <a:p>
+            <a:r>
+              <a:rPr lang="en-US" sz="1200" kern="1200" smtClean="0">
+                <a:solidFill>
+                  <a:schemeClr val="tx1"/>
+                </a:solidFill>
+                <a:effectLst/>
+                <a:latin typeface="+mn-lt"/>
+                <a:ea typeface="+mn-ea"/>
+                <a:cs typeface="+mn-cs"/>
+              </a:rPr>
+              <a:t> </a:t>
+            </a:r>
+          </a:p>
+          <a:p>
+            <a:pPr lvl="0"/>
+            <a:r>
+              <a:rPr lang="en-US" sz="1200" kern="1200" smtClean="0">
+                <a:solidFill>
+                  <a:schemeClr val="tx1"/>
+                </a:solidFill>
+                <a:effectLst/>
+                <a:latin typeface="+mn-lt"/>
+                <a:ea typeface="+mn-ea"/>
+                <a:cs typeface="+mn-cs"/>
+              </a:rPr>
+              <a:t>Dòng sự kiện chính :</a:t>
+            </a:r>
+          </a:p>
+          <a:p>
+            <a:pPr lvl="0"/>
+            <a:r>
+              <a:rPr lang="en-US" sz="1200" kern="1200" smtClean="0">
+                <a:solidFill>
+                  <a:schemeClr val="tx1"/>
+                </a:solidFill>
+                <a:effectLst/>
+                <a:latin typeface="+mn-lt"/>
+                <a:ea typeface="+mn-ea"/>
+                <a:cs typeface="+mn-cs"/>
+              </a:rPr>
+              <a:t>Ca sử dụng bắt đầu khi người quản lý đăng nhập vào hệ thống.</a:t>
+            </a:r>
+          </a:p>
+          <a:p>
+            <a:pPr lvl="0"/>
+            <a:r>
+              <a:rPr lang="en-US" sz="1200" kern="1200" smtClean="0">
+                <a:solidFill>
+                  <a:schemeClr val="tx1"/>
+                </a:solidFill>
+                <a:effectLst/>
+                <a:latin typeface="+mn-lt"/>
+                <a:ea typeface="+mn-ea"/>
+                <a:cs typeface="+mn-cs"/>
+              </a:rPr>
+              <a:t>Hệ thống kiểm tra mật khẩu đúng hiển thị danh sách danh mục.</a:t>
+            </a:r>
+          </a:p>
+          <a:p>
+            <a:pPr lvl="0"/>
+            <a:r>
+              <a:rPr lang="en-US" sz="1200" kern="1200" smtClean="0">
+                <a:solidFill>
+                  <a:schemeClr val="tx1"/>
+                </a:solidFill>
+                <a:effectLst/>
+                <a:latin typeface="+mn-lt"/>
+                <a:ea typeface="+mn-ea"/>
+                <a:cs typeface="+mn-cs"/>
+              </a:rPr>
+              <a:t>Hệ thống hiển thị chức năng người dùng có thể: Thêm, sửa, xóa tour + Nếu chọn “Thêm mới” thì sự kiện con “Thêm mới tour” được thực hiện.</a:t>
+            </a:r>
+          </a:p>
+          <a:p>
+            <a:r>
+              <a:rPr lang="en-US" sz="1200" kern="1200" smtClean="0">
+                <a:solidFill>
+                  <a:schemeClr val="tx1"/>
+                </a:solidFill>
+                <a:effectLst/>
+                <a:latin typeface="+mn-lt"/>
+                <a:ea typeface="+mn-ea"/>
+                <a:cs typeface="+mn-cs"/>
+              </a:rPr>
+              <a:t>+ Nếu chọn “Sửa” thì sự kiện con “Sửa thông tin tour” được thực hiện.</a:t>
+            </a:r>
+          </a:p>
+          <a:p>
+            <a:r>
+              <a:rPr lang="en-US" sz="1200" kern="1200" smtClean="0">
+                <a:solidFill>
+                  <a:schemeClr val="tx1"/>
+                </a:solidFill>
+                <a:effectLst/>
+                <a:latin typeface="+mn-lt"/>
+                <a:ea typeface="+mn-ea"/>
+                <a:cs typeface="+mn-cs"/>
+              </a:rPr>
+              <a:t>+ Nếu chọn “Xóa” thì sự kiện con “Xóa tour” được thực hiện.</a:t>
+            </a:r>
+          </a:p>
+          <a:p>
+            <a:r>
+              <a:rPr lang="en-US" sz="1200" kern="1200" smtClean="0">
+                <a:solidFill>
+                  <a:schemeClr val="tx1"/>
+                </a:solidFill>
+                <a:effectLst/>
+                <a:latin typeface="+mn-lt"/>
+                <a:ea typeface="+mn-ea"/>
+                <a:cs typeface="+mn-cs"/>
+              </a:rPr>
+              <a:t>+ Nếu chọn “Thoát” thì Ca sử dụng sẽ kết thúc.</a:t>
+            </a:r>
+          </a:p>
+          <a:p>
+            <a:pPr lvl="0"/>
+            <a:r>
+              <a:rPr lang="en-US" sz="1200" kern="1200" smtClean="0">
+                <a:solidFill>
+                  <a:schemeClr val="tx1"/>
+                </a:solidFill>
+                <a:effectLst/>
+                <a:latin typeface="+mn-lt"/>
+                <a:ea typeface="+mn-ea"/>
+                <a:cs typeface="+mn-cs"/>
+              </a:rPr>
+              <a:t>Dòng sự kiện con:</a:t>
+            </a:r>
+          </a:p>
+          <a:p>
+            <a:pPr lvl="0"/>
+            <a:r>
+              <a:rPr lang="en-US" sz="1200" kern="1200" smtClean="0">
+                <a:solidFill>
+                  <a:schemeClr val="tx1"/>
+                </a:solidFill>
+                <a:effectLst/>
+                <a:latin typeface="+mn-lt"/>
+                <a:ea typeface="+mn-ea"/>
+                <a:cs typeface="+mn-cs"/>
+              </a:rPr>
+              <a:t>Thêm mới tour trong danh mục:</a:t>
+            </a:r>
+          </a:p>
+          <a:p>
+            <a:pPr lvl="0"/>
+            <a:r>
+              <a:rPr lang="en-US" sz="1200" kern="1200" smtClean="0">
+                <a:solidFill>
+                  <a:schemeClr val="tx1"/>
+                </a:solidFill>
+                <a:effectLst/>
+                <a:latin typeface="+mn-lt"/>
+                <a:ea typeface="+mn-ea"/>
+                <a:cs typeface="+mn-cs"/>
+              </a:rPr>
+              <a:t>Hệ thống hiển thị from nhập thông tin tour.</a:t>
+            </a:r>
+          </a:p>
+          <a:p>
+            <a:pPr lvl="0"/>
+            <a:r>
+              <a:rPr lang="en-US" sz="1200" kern="1200" smtClean="0">
+                <a:solidFill>
+                  <a:schemeClr val="tx1"/>
+                </a:solidFill>
+                <a:effectLst/>
+                <a:latin typeface="+mn-lt"/>
+                <a:ea typeface="+mn-ea"/>
+                <a:cs typeface="+mn-cs"/>
+              </a:rPr>
+              <a:t>Người quản lý nhập thông tin tour.</a:t>
+            </a:r>
+          </a:p>
+          <a:p>
+            <a:pPr lvl="0"/>
+            <a:r>
+              <a:rPr lang="en-US" sz="1200" kern="1200" smtClean="0">
+                <a:solidFill>
+                  <a:schemeClr val="tx1"/>
+                </a:solidFill>
+                <a:effectLst/>
+                <a:latin typeface="+mn-lt"/>
+                <a:ea typeface="+mn-ea"/>
+                <a:cs typeface="+mn-cs"/>
+              </a:rPr>
+              <a:t>Nhấp nút lưu thông tin.</a:t>
+            </a:r>
+          </a:p>
+          <a:p>
+            <a:pPr lvl="0"/>
+            <a:r>
+              <a:rPr lang="en-US" sz="1200" kern="1200" smtClean="0">
+                <a:solidFill>
+                  <a:schemeClr val="tx1"/>
+                </a:solidFill>
+                <a:effectLst/>
+                <a:latin typeface="+mn-lt"/>
+                <a:ea typeface="+mn-ea"/>
+                <a:cs typeface="+mn-cs"/>
+              </a:rPr>
+              <a:t>Nếu nhập thành công thì thực hiện bước tiếp theo. Nếu sai thực hiện dòng sự kiện rẽ nhánh A1.</a:t>
+            </a:r>
+          </a:p>
+          <a:p>
+            <a:pPr lvl="0"/>
+            <a:r>
+              <a:rPr lang="en-US" sz="1200" kern="1200" smtClean="0">
+                <a:solidFill>
+                  <a:schemeClr val="tx1"/>
+                </a:solidFill>
+                <a:effectLst/>
+                <a:latin typeface="+mn-lt"/>
+                <a:ea typeface="+mn-ea"/>
+                <a:cs typeface="+mn-cs"/>
+              </a:rPr>
+              <a:t>Lưu thông tin tour.</a:t>
+            </a:r>
+          </a:p>
+          <a:p>
+            <a:pPr lvl="0"/>
+            <a:r>
+              <a:rPr lang="en-US" sz="1200" b="1" kern="1200" smtClean="0">
+                <a:solidFill>
+                  <a:schemeClr val="tx1"/>
+                </a:solidFill>
+                <a:effectLst/>
+                <a:latin typeface="+mn-lt"/>
+                <a:ea typeface="+mn-ea"/>
+                <a:cs typeface="+mn-cs"/>
+              </a:rPr>
+              <a:t>Biểu đồ Use case “Thêm Tour”</a:t>
+            </a:r>
+          </a:p>
+          <a:p>
+            <a:pPr lvl="0"/>
+            <a:r>
+              <a:rPr lang="en-US" sz="1200" kern="1200" smtClean="0">
+                <a:solidFill>
+                  <a:schemeClr val="tx1"/>
+                </a:solidFill>
+                <a:effectLst/>
+                <a:latin typeface="+mn-lt"/>
+                <a:ea typeface="+mn-ea"/>
+                <a:cs typeface="+mn-cs"/>
+              </a:rPr>
+              <a:t>Sửa thông tin Tour:</a:t>
+            </a:r>
+          </a:p>
+          <a:p>
+            <a:pPr lvl="0"/>
+            <a:r>
+              <a:rPr lang="en-US" sz="1200" kern="1200" smtClean="0">
+                <a:solidFill>
+                  <a:schemeClr val="tx1"/>
+                </a:solidFill>
+                <a:effectLst/>
+                <a:latin typeface="+mn-lt"/>
+                <a:ea typeface="+mn-ea"/>
+                <a:cs typeface="+mn-cs"/>
+              </a:rPr>
+              <a:t>Hệ thống hiển thị from sửa thông tin tour.</a:t>
+            </a:r>
+          </a:p>
+          <a:p>
+            <a:pPr lvl="0"/>
+            <a:r>
+              <a:rPr lang="en-US" sz="1200" kern="1200" smtClean="0">
+                <a:solidFill>
+                  <a:schemeClr val="tx1"/>
+                </a:solidFill>
+                <a:effectLst/>
+                <a:latin typeface="+mn-lt"/>
+                <a:ea typeface="+mn-ea"/>
+                <a:cs typeface="+mn-cs"/>
+              </a:rPr>
+              <a:t>Người quản lý nhập thông tin cần thay đổi.</a:t>
+            </a:r>
+          </a:p>
+          <a:p>
+            <a:pPr lvl="0"/>
+            <a:r>
+              <a:rPr lang="en-US" sz="1200" kern="1200" smtClean="0">
+                <a:solidFill>
+                  <a:schemeClr val="tx1"/>
+                </a:solidFill>
+                <a:effectLst/>
+                <a:latin typeface="+mn-lt"/>
+                <a:ea typeface="+mn-ea"/>
+                <a:cs typeface="+mn-cs"/>
+              </a:rPr>
+              <a:t>Nhấn nút lưu thông tin.</a:t>
+            </a:r>
+          </a:p>
+          <a:p>
+            <a:pPr lvl="0"/>
+            <a:r>
+              <a:rPr lang="en-US" sz="1200" kern="1200" smtClean="0">
+                <a:solidFill>
+                  <a:schemeClr val="tx1"/>
+                </a:solidFill>
+                <a:effectLst/>
+                <a:latin typeface="+mn-lt"/>
+                <a:ea typeface="+mn-ea"/>
+                <a:cs typeface="+mn-cs"/>
+              </a:rPr>
+              <a:t>Nếu việc sửa thành công thì thực hiên bước tiếp theo. Nếu sai thực hiện dòng sự kiện rẽ nhánh A1.</a:t>
+            </a:r>
+          </a:p>
+          <a:p>
+            <a:pPr lvl="0"/>
+            <a:r>
+              <a:rPr lang="en-US" sz="1200" kern="1200" smtClean="0">
+                <a:solidFill>
+                  <a:schemeClr val="tx1"/>
+                </a:solidFill>
+                <a:effectLst/>
+                <a:latin typeface="+mn-lt"/>
+                <a:ea typeface="+mn-ea"/>
+                <a:cs typeface="+mn-cs"/>
+              </a:rPr>
+              <a:t>Lưu thông tin tour.</a:t>
+            </a:r>
+          </a:p>
+          <a:p>
+            <a:pPr lvl="0"/>
+            <a:r>
+              <a:rPr lang="en-US" sz="1200" b="1" kern="1200" smtClean="0">
+                <a:solidFill>
+                  <a:schemeClr val="tx1"/>
+                </a:solidFill>
+                <a:effectLst/>
+                <a:latin typeface="+mn-lt"/>
+                <a:ea typeface="+mn-ea"/>
+                <a:cs typeface="+mn-cs"/>
+              </a:rPr>
+              <a:t>Biểu đồ Use case “Sửa Tour”</a:t>
+            </a:r>
+          </a:p>
+          <a:p>
+            <a:pPr lvl="0"/>
+            <a:r>
+              <a:rPr lang="en-US" sz="1200" kern="1200" smtClean="0">
+                <a:solidFill>
+                  <a:schemeClr val="tx1"/>
+                </a:solidFill>
+                <a:effectLst/>
+                <a:latin typeface="+mn-lt"/>
+                <a:ea typeface="+mn-ea"/>
+                <a:cs typeface="+mn-cs"/>
+              </a:rPr>
+              <a:t>Xóa tour:</a:t>
+            </a:r>
+          </a:p>
+          <a:p>
+            <a:pPr lvl="0"/>
+            <a:r>
+              <a:rPr lang="en-US" sz="1200" kern="1200" smtClean="0">
+                <a:solidFill>
+                  <a:schemeClr val="tx1"/>
+                </a:solidFill>
+                <a:effectLst/>
+                <a:latin typeface="+mn-lt"/>
+                <a:ea typeface="+mn-ea"/>
+                <a:cs typeface="+mn-cs"/>
+              </a:rPr>
+              <a:t>Người quản lý chọn tour cần xóa.</a:t>
+            </a:r>
+          </a:p>
+          <a:p>
+            <a:pPr lvl="0"/>
+            <a:r>
+              <a:rPr lang="en-US" sz="1200" kern="1200" smtClean="0">
+                <a:solidFill>
+                  <a:schemeClr val="tx1"/>
+                </a:solidFill>
+                <a:effectLst/>
+                <a:latin typeface="+mn-lt"/>
+                <a:ea typeface="+mn-ea"/>
+                <a:cs typeface="+mn-cs"/>
+              </a:rPr>
+              <a:t>Nhấn nút xóa để thực hiện loại tour.</a:t>
+            </a:r>
+          </a:p>
+          <a:p>
+            <a:pPr lvl="0"/>
+            <a:r>
+              <a:rPr lang="en-US" sz="1200" kern="1200" smtClean="0">
+                <a:solidFill>
+                  <a:schemeClr val="tx1"/>
+                </a:solidFill>
+                <a:effectLst/>
+                <a:latin typeface="+mn-lt"/>
+                <a:ea typeface="+mn-ea"/>
+                <a:cs typeface="+mn-cs"/>
+              </a:rPr>
+              <a:t>Hệ thống hiển thị thông tin báo xác nhận loại bỏ. Nếu người quản trị đồng ý thì hệ thống thông báo tour đã được xóa. Nếu không đồng ý thì hệ thống hiển thị lại danh sách tour.</a:t>
+            </a:r>
+          </a:p>
+          <a:p>
+            <a:pPr lvl="0"/>
+            <a:r>
+              <a:rPr lang="en-US" sz="1200" kern="1200" smtClean="0">
+                <a:solidFill>
+                  <a:schemeClr val="tx1"/>
+                </a:solidFill>
+                <a:effectLst/>
+                <a:latin typeface="+mn-lt"/>
+                <a:ea typeface="+mn-ea"/>
+                <a:cs typeface="+mn-cs"/>
+              </a:rPr>
+              <a:t>Ca sử dụng kết thúc.</a:t>
+            </a:r>
+          </a:p>
+          <a:p>
+            <a:endParaRPr lang="en-US"/>
+          </a:p>
+        </p:txBody>
+      </p:sp>
+      <p:sp>
+        <p:nvSpPr>
+          <p:cNvPr id="4" name="Slide Number Placeholder 3"/>
+          <p:cNvSpPr>
+            <a:spLocks noGrp="1"/>
+          </p:cNvSpPr>
+          <p:nvPr>
+            <p:ph type="sldNum" sz="quarter" idx="10"/>
+          </p:nvPr>
+        </p:nvSpPr>
+        <p:spPr/>
+        <p:txBody>
+          <a:bodyPr/>
+          <a:lstStyle/>
+          <a:p>
+            <a:fld id="{779830E7-2CEB-45E4-A46C-10A5090F7B89}" type="slidenum">
+              <a:rPr lang="en-US" smtClean="0"/>
+              <a:t>13</a:t>
+            </a:fld>
+            <a:endParaRPr lang="en-US"/>
+          </a:p>
+        </p:txBody>
+      </p:sp>
+    </p:spTree>
+    <p:extLst>
+      <p:ext uri="{BB962C8B-B14F-4D97-AF65-F5344CB8AC3E}">
+        <p14:creationId xmlns:p14="http://schemas.microsoft.com/office/powerpoint/2010/main" val="3709275"/>
+      </p:ext>
+    </p:extLst>
+  </p:cSld>
+  <p:clrMapOvr>
+    <a:masterClrMapping/>
+  </p:clrMapOvr>
+</p:notes>
+</file>
+
+<file path=ppt/notesSlides/notesSlide11.xml><?xml version="1.0" encoding="utf-8"?>
+<p:notes xmlns:a="http://schemas.openxmlformats.org/drawingml/2006/main" xmlns:r="http://schemas.openxmlformats.org/officeDocument/2006/relationships" xmlns:p="http://schemas.openxmlformats.org/presentationml/2006/main">
+  <p:cSld>
+    <p:spTree>
+      <p:nvGrpSpPr>
+        <p:cNvPr id="1" name=""/>
+        <p:cNvGrpSpPr/>
+        <p:nvPr/>
+      </p:nvGrpSpPr>
+      <p:grpSpPr>
+        <a:xfrm>
+          <a:off x="0" y="0"/>
+          <a:ext cx="0" cy="0"/>
+          <a:chOff x="0" y="0"/>
+          <a:chExt cx="0" cy="0"/>
+        </a:xfrm>
+      </p:grpSpPr>
+      <p:sp>
+        <p:nvSpPr>
+          <p:cNvPr id="2" name="Slide Image Placeholder 1"/>
+          <p:cNvSpPr>
+            <a:spLocks noGrp="1" noRot="1" noChangeAspect="1"/>
+          </p:cNvSpPr>
+          <p:nvPr>
+            <p:ph type="sldImg"/>
+          </p:nvPr>
+        </p:nvSpPr>
+        <p:spPr>
+          <a:xfrm>
+            <a:off x="1143000" y="685800"/>
+            <a:ext cx="4572000" cy="3429000"/>
+          </a:xfrm>
+        </p:spPr>
+      </p:sp>
+      <p:sp>
+        <p:nvSpPr>
+          <p:cNvPr id="3" name="Notes Placeholder 2"/>
+          <p:cNvSpPr>
+            <a:spLocks noGrp="1"/>
+          </p:cNvSpPr>
+          <p:nvPr>
+            <p:ph type="body" idx="1"/>
+          </p:nvPr>
+        </p:nvSpPr>
+        <p:spPr/>
+        <p:txBody>
+          <a:bodyPr/>
+          <a:lstStyle/>
+          <a:p>
+            <a:pPr lvl="0"/>
+            <a:r>
+              <a:rPr lang="en-US" sz="1200" kern="1200" smtClean="0">
+                <a:solidFill>
+                  <a:schemeClr val="tx1"/>
+                </a:solidFill>
+                <a:effectLst/>
+                <a:latin typeface="+mn-lt"/>
+                <a:ea typeface="+mn-ea"/>
+                <a:cs typeface="+mn-cs"/>
+              </a:rPr>
+              <a:t>Use case thanh toán.</a:t>
+            </a:r>
+          </a:p>
+          <a:p>
+            <a:r>
+              <a:rPr lang="en-US" sz="1200" kern="1200" smtClean="0">
+                <a:solidFill>
+                  <a:schemeClr val="tx1"/>
+                </a:solidFill>
+                <a:effectLst/>
+                <a:latin typeface="+mn-lt"/>
+                <a:ea typeface="+mn-ea"/>
+                <a:cs typeface="+mn-cs"/>
+              </a:rPr>
+              <a:t>- Tác nhân: Khách hàng.</a:t>
+            </a:r>
+          </a:p>
+          <a:p>
+            <a:r>
+              <a:rPr lang="en-US" sz="1200" kern="1200" smtClean="0">
+                <a:solidFill>
+                  <a:schemeClr val="tx1"/>
+                </a:solidFill>
+                <a:effectLst/>
+                <a:latin typeface="+mn-lt"/>
+                <a:ea typeface="+mn-ea"/>
+                <a:cs typeface="+mn-cs"/>
+              </a:rPr>
+              <a:t>- Mô tả khái quát: Ca sử dụng cho phép khách hàng tạo đơn hàng và một số thông tin mặc định của đơn hàng.</a:t>
+            </a:r>
+          </a:p>
+          <a:p>
+            <a:r>
+              <a:rPr lang="en-US" sz="1200" kern="1200" smtClean="0">
+                <a:solidFill>
+                  <a:schemeClr val="tx1"/>
+                </a:solidFill>
+                <a:effectLst/>
+                <a:latin typeface="+mn-lt"/>
+                <a:ea typeface="+mn-ea"/>
+                <a:cs typeface="+mn-cs"/>
+              </a:rPr>
+              <a:t>- Điều kiện đầu vào: Khách hàng đã chọn đặt tour</a:t>
+            </a:r>
+          </a:p>
+          <a:p>
+            <a:pPr lvl="0"/>
+            <a:r>
+              <a:rPr lang="en-US" sz="1200" kern="1200" smtClean="0">
+                <a:solidFill>
+                  <a:schemeClr val="tx1"/>
+                </a:solidFill>
+                <a:effectLst/>
+                <a:latin typeface="+mn-lt"/>
+                <a:ea typeface="+mn-ea"/>
+                <a:cs typeface="+mn-cs"/>
+              </a:rPr>
+              <a:t>Dòng sự kiện chính:</a:t>
+            </a:r>
+          </a:p>
+          <a:p>
+            <a:r>
+              <a:rPr lang="en-US" sz="1200" kern="1200" smtClean="0">
+                <a:solidFill>
+                  <a:schemeClr val="tx1"/>
+                </a:solidFill>
+                <a:effectLst/>
+                <a:latin typeface="+mn-lt"/>
+                <a:ea typeface="+mn-ea"/>
+                <a:cs typeface="+mn-cs"/>
+              </a:rPr>
+              <a:t>- Khách hàng nhấn “Thanh toán” để tạo đơn hàng.</a:t>
+            </a:r>
+          </a:p>
+          <a:p>
+            <a:r>
+              <a:rPr lang="en-US" sz="1200" kern="1200" smtClean="0">
+                <a:solidFill>
+                  <a:schemeClr val="tx1"/>
+                </a:solidFill>
+                <a:effectLst/>
+                <a:latin typeface="+mn-lt"/>
+                <a:ea typeface="+mn-ea"/>
+                <a:cs typeface="+mn-cs"/>
+              </a:rPr>
+              <a:t>- Form thanh toán xuất hiện, hệ thống hiển thị đơn hàng và một số thông tin mặc định của đơn hàng.</a:t>
+            </a:r>
+          </a:p>
+          <a:p>
+            <a:r>
+              <a:rPr lang="en-US" sz="1200" kern="1200" smtClean="0">
+                <a:solidFill>
+                  <a:schemeClr val="tx1"/>
+                </a:solidFill>
+                <a:effectLst/>
+                <a:latin typeface="+mn-lt"/>
+                <a:ea typeface="+mn-ea"/>
+                <a:cs typeface="+mn-cs"/>
+              </a:rPr>
+              <a:t>- Khách hàng nhận tiếp các thông tin: họ tên, số tài khoản, phương thức thanh toán, địa chỉ giao hàng, thời gian giao hàng, số điện thoại để hoàn thành đơn hàng.</a:t>
+            </a:r>
+          </a:p>
+          <a:p>
+            <a:r>
+              <a:rPr lang="en-US" sz="1200" kern="1200" smtClean="0">
+                <a:solidFill>
+                  <a:schemeClr val="tx1"/>
+                </a:solidFill>
+                <a:effectLst/>
+                <a:latin typeface="+mn-lt"/>
+                <a:ea typeface="+mn-ea"/>
+                <a:cs typeface="+mn-cs"/>
+              </a:rPr>
+              <a:t>- Chọn gửi đơn hàng, nếu đơn hàng đã nhập đúng. Nếu nhập sai thì thực hiện dòng sự kiện rẽ nhánh A1.</a:t>
+            </a:r>
+          </a:p>
+          <a:p>
+            <a:r>
+              <a:rPr lang="en-US" sz="1200" kern="1200" smtClean="0">
+                <a:solidFill>
+                  <a:schemeClr val="tx1"/>
+                </a:solidFill>
+                <a:effectLst/>
+                <a:latin typeface="+mn-lt"/>
+                <a:ea typeface="+mn-ea"/>
+                <a:cs typeface="+mn-cs"/>
+              </a:rPr>
+              <a:t>- Hệ thống kiểm tra số tài khoản của khách hàng và phương thức thanh toán.  Nếu hợp lệ thì hệ thống thông báo giao dịch thành công. Nếu sai thì thực hiện dòng sự kiện luồng rẽ nhánh A2.</a:t>
+            </a:r>
+          </a:p>
+          <a:p>
+            <a:r>
+              <a:rPr lang="en-US" sz="1200" kern="1200" smtClean="0">
+                <a:solidFill>
+                  <a:schemeClr val="tx1"/>
+                </a:solidFill>
+                <a:effectLst/>
+                <a:latin typeface="+mn-lt"/>
+                <a:ea typeface="+mn-ea"/>
+                <a:cs typeface="+mn-cs"/>
+              </a:rPr>
+              <a:t>- Ca sử dụng kết thúc.</a:t>
+            </a:r>
+          </a:p>
+          <a:p>
+            <a:pPr lvl="0"/>
+            <a:r>
+              <a:rPr lang="en-US" sz="1200" kern="1200" smtClean="0">
+                <a:solidFill>
+                  <a:schemeClr val="tx1"/>
+                </a:solidFill>
+                <a:effectLst/>
+                <a:latin typeface="+mn-lt"/>
+                <a:ea typeface="+mn-ea"/>
+                <a:cs typeface="+mn-cs"/>
+              </a:rPr>
+              <a:t>Dòng sự kiện phụ:</a:t>
+            </a:r>
+          </a:p>
+          <a:p>
+            <a:pPr lvl="0"/>
+            <a:r>
+              <a:rPr lang="en-US" sz="1200" kern="1200" smtClean="0">
+                <a:solidFill>
+                  <a:schemeClr val="tx1"/>
+                </a:solidFill>
+                <a:effectLst/>
+                <a:latin typeface="+mn-lt"/>
+                <a:ea typeface="+mn-ea"/>
+                <a:cs typeface="+mn-cs"/>
+              </a:rPr>
+              <a:t>Dòng sự kiện rẽ nhánh A1: Đơn hàng nhập sai.</a:t>
+            </a:r>
+          </a:p>
+          <a:p>
+            <a:pPr lvl="0"/>
+            <a:r>
+              <a:rPr lang="en-US" sz="1200" kern="1200" smtClean="0">
+                <a:solidFill>
+                  <a:schemeClr val="tx1"/>
+                </a:solidFill>
+                <a:effectLst/>
+                <a:latin typeface="+mn-lt"/>
+                <a:ea typeface="+mn-ea"/>
+                <a:cs typeface="+mn-cs"/>
+              </a:rPr>
+              <a:t>Hệ thống thông báo việc tạo đơn hàng không thành công.</a:t>
+            </a:r>
+          </a:p>
+          <a:p>
+            <a:pPr lvl="0"/>
+            <a:r>
+              <a:rPr lang="en-US" sz="1200" kern="1200" smtClean="0">
+                <a:solidFill>
+                  <a:schemeClr val="tx1"/>
+                </a:solidFill>
+                <a:effectLst/>
+                <a:latin typeface="+mn-lt"/>
+                <a:ea typeface="+mn-ea"/>
+                <a:cs typeface="+mn-cs"/>
+              </a:rPr>
+              <a:t>Hệ thống hiển thị lại form nhập thông tin và các trường nhập sai.</a:t>
+            </a:r>
+          </a:p>
+          <a:p>
+            <a:pPr lvl="0"/>
+            <a:r>
+              <a:rPr lang="en-US" sz="1200" kern="1200" smtClean="0">
+                <a:solidFill>
+                  <a:schemeClr val="tx1"/>
+                </a:solidFill>
+                <a:effectLst/>
+                <a:latin typeface="+mn-lt"/>
+                <a:ea typeface="+mn-ea"/>
+                <a:cs typeface="+mn-cs"/>
+              </a:rPr>
+              <a:t>Khách hàng nhập lại thông tin, nếu muốn ngưng giao dịch thì thực hiện dòng sự kiện rẽ nhánh A3</a:t>
+            </a:r>
+          </a:p>
+          <a:p>
+            <a:pPr lvl="0"/>
+            <a:r>
+              <a:rPr lang="en-US" sz="1200" kern="1200" smtClean="0">
+                <a:solidFill>
+                  <a:schemeClr val="tx1"/>
+                </a:solidFill>
+                <a:effectLst/>
+                <a:latin typeface="+mn-lt"/>
+                <a:ea typeface="+mn-ea"/>
+                <a:cs typeface="+mn-cs"/>
+              </a:rPr>
+              <a:t>Quay lại bước 4 của dòng sự kiện chính.</a:t>
+            </a:r>
+          </a:p>
+          <a:p>
+            <a:pPr lvl="0"/>
+            <a:r>
+              <a:rPr lang="en-US" sz="1200" kern="1200" smtClean="0">
+                <a:solidFill>
+                  <a:schemeClr val="tx1"/>
+                </a:solidFill>
+                <a:effectLst/>
+                <a:latin typeface="+mn-lt"/>
+                <a:ea typeface="+mn-ea"/>
+                <a:cs typeface="+mn-cs"/>
+              </a:rPr>
+              <a:t>Dòng sự kiện rẽ nhánh A2: tài khoản không hợp lệ</a:t>
+            </a:r>
+          </a:p>
+          <a:p>
+            <a:pPr lvl="0"/>
+            <a:r>
+              <a:rPr lang="en-US" sz="1200" kern="1200" smtClean="0">
+                <a:solidFill>
+                  <a:schemeClr val="tx1"/>
+                </a:solidFill>
+                <a:effectLst/>
+                <a:latin typeface="+mn-lt"/>
+                <a:ea typeface="+mn-ea"/>
+                <a:cs typeface="+mn-cs"/>
+              </a:rPr>
+              <a:t>Hệ thống báo phương thức thanh toán và tài khoản của quý khách không hợp lệ.</a:t>
+            </a:r>
+          </a:p>
+          <a:p>
+            <a:pPr lvl="0"/>
+            <a:r>
+              <a:rPr lang="en-US" sz="1200" kern="1200" smtClean="0">
+                <a:solidFill>
+                  <a:schemeClr val="tx1"/>
+                </a:solidFill>
+                <a:effectLst/>
+                <a:latin typeface="+mn-lt"/>
+                <a:ea typeface="+mn-ea"/>
+                <a:cs typeface="+mn-cs"/>
+              </a:rPr>
+              <a:t>Khách hàng nhập lại thông tin nếu muốn mua hàng, nếu muốn ngưng giao dịch thì thực hiện dòng sự kiện rẽ nhánh A3.</a:t>
+            </a:r>
+          </a:p>
+          <a:p>
+            <a:pPr lvl="0"/>
+            <a:r>
+              <a:rPr lang="en-US" sz="1200" kern="1200" smtClean="0">
+                <a:solidFill>
+                  <a:schemeClr val="tx1"/>
+                </a:solidFill>
+                <a:effectLst/>
+                <a:latin typeface="+mn-lt"/>
+                <a:ea typeface="+mn-ea"/>
+                <a:cs typeface="+mn-cs"/>
+              </a:rPr>
+              <a:t>Quay lại bước 4 của dòng sự kiện chính.</a:t>
+            </a:r>
+          </a:p>
+          <a:p>
+            <a:pPr lvl="0"/>
+            <a:r>
+              <a:rPr lang="en-US" sz="1200" kern="1200" smtClean="0">
+                <a:solidFill>
+                  <a:schemeClr val="tx1"/>
+                </a:solidFill>
+                <a:effectLst/>
+                <a:latin typeface="+mn-lt"/>
+                <a:ea typeface="+mn-ea"/>
+                <a:cs typeface="+mn-cs"/>
+              </a:rPr>
+              <a:t>Dòng sự kiện rẽ nhánh A3: Khách hàng hủy đơn hàng.</a:t>
+            </a:r>
+          </a:p>
+          <a:p>
+            <a:pPr lvl="0"/>
+            <a:r>
+              <a:rPr lang="en-US" sz="1200" kern="1200" smtClean="0">
+                <a:solidFill>
+                  <a:schemeClr val="tx1"/>
+                </a:solidFill>
+                <a:effectLst/>
+                <a:latin typeface="+mn-lt"/>
+                <a:ea typeface="+mn-ea"/>
+                <a:cs typeface="+mn-cs"/>
+              </a:rPr>
+              <a:t>Khách hàng nhấn hủy bỏ đơn hàng.</a:t>
+            </a:r>
+          </a:p>
+          <a:p>
+            <a:pPr lvl="0"/>
+            <a:r>
+              <a:rPr lang="en-US" sz="1200" kern="1200" smtClean="0">
+                <a:solidFill>
+                  <a:schemeClr val="tx1"/>
+                </a:solidFill>
+                <a:effectLst/>
+                <a:latin typeface="+mn-lt"/>
+                <a:ea typeface="+mn-ea"/>
+                <a:cs typeface="+mn-cs"/>
+              </a:rPr>
+              <a:t>Hệ thống hiển thị các sản phẩm để khách hàng thực hiện giao dịch mới.</a:t>
+            </a:r>
+          </a:p>
+          <a:p>
+            <a:pPr lvl="0"/>
+            <a:r>
+              <a:rPr lang="en-US" sz="1200" kern="1200" smtClean="0">
+                <a:solidFill>
+                  <a:schemeClr val="tx1"/>
+                </a:solidFill>
+                <a:effectLst/>
+                <a:latin typeface="+mn-lt"/>
+                <a:ea typeface="+mn-ea"/>
+                <a:cs typeface="+mn-cs"/>
+              </a:rPr>
+              <a:t>Ca sử dụng kết thúc</a:t>
+            </a:r>
+          </a:p>
+          <a:p>
+            <a:r>
+              <a:rPr lang="en-US" sz="1200" kern="1200" smtClean="0">
+                <a:solidFill>
+                  <a:schemeClr val="tx1"/>
+                </a:solidFill>
+                <a:effectLst/>
+                <a:latin typeface="+mn-lt"/>
+                <a:ea typeface="+mn-ea"/>
+                <a:cs typeface="+mn-cs"/>
+              </a:rPr>
+              <a:t> </a:t>
+            </a:r>
+          </a:p>
+          <a:p>
+            <a:endParaRPr lang="en-US"/>
+          </a:p>
+        </p:txBody>
+      </p:sp>
+      <p:sp>
+        <p:nvSpPr>
+          <p:cNvPr id="4" name="Slide Number Placeholder 3"/>
+          <p:cNvSpPr>
+            <a:spLocks noGrp="1"/>
+          </p:cNvSpPr>
+          <p:nvPr>
+            <p:ph type="sldNum" sz="quarter" idx="10"/>
+          </p:nvPr>
+        </p:nvSpPr>
+        <p:spPr/>
+        <p:txBody>
+          <a:bodyPr/>
+          <a:lstStyle/>
+          <a:p>
+            <a:fld id="{779830E7-2CEB-45E4-A46C-10A5090F7B89}" type="slidenum">
+              <a:rPr lang="en-US" smtClean="0"/>
+              <a:t>14</a:t>
+            </a:fld>
+            <a:endParaRPr lang="en-US"/>
+          </a:p>
+        </p:txBody>
+      </p:sp>
+    </p:spTree>
+    <p:extLst>
+      <p:ext uri="{BB962C8B-B14F-4D97-AF65-F5344CB8AC3E}">
+        <p14:creationId xmlns:p14="http://schemas.microsoft.com/office/powerpoint/2010/main" val="602758219"/>
       </p:ext>
     </p:extLst>
   </p:cSld>
@@ -885,7 +1925,12 @@
             <p:ph type="sldImg"/>
           </p:nvPr>
         </p:nvSpPr>
-        <p:spPr/>
+        <p:spPr>
+          <a:xfrm>
+            <a:off x="1143000" y="685800"/>
+            <a:ext cx="4572000" cy="3429000"/>
+          </a:xfrm>
+        </p:spPr>
       </p:sp>
       <p:sp>
         <p:nvSpPr>
@@ -1231,7 +2276,12 @@
             <p:ph type="sldImg"/>
           </p:nvPr>
         </p:nvSpPr>
-        <p:spPr/>
+        <p:spPr>
+          <a:xfrm>
+            <a:off x="1143000" y="685800"/>
+            <a:ext cx="4572000" cy="3429000"/>
+          </a:xfrm>
+        </p:spPr>
       </p:sp>
       <p:sp>
         <p:nvSpPr>
@@ -1315,7 +2365,12 @@
             <p:ph type="sldImg"/>
           </p:nvPr>
         </p:nvSpPr>
-        <p:spPr/>
+        <p:spPr>
+          <a:xfrm>
+            <a:off x="1143000" y="685800"/>
+            <a:ext cx="4572000" cy="3429000"/>
+          </a:xfrm>
+        </p:spPr>
       </p:sp>
       <p:sp>
         <p:nvSpPr>
@@ -1331,167 +2386,6 @@
         <p:txBody>
           <a:bodyPr/>
           <a:lstStyle/>
-          <a:p>
-            <a:pPr lvl="1"/>
-            <a:r>
-              <a:rPr lang="en-US" sz="1200" b="1" kern="1200" smtClean="0">
-                <a:solidFill>
-                  <a:schemeClr val="tx1"/>
-                </a:solidFill>
-                <a:effectLst/>
-                <a:latin typeface="+mn-lt"/>
-                <a:ea typeface="+mn-ea"/>
-                <a:cs typeface="+mn-cs"/>
-              </a:rPr>
-              <a:t>Đặc tả Use Case “Tìm kiếm”</a:t>
-            </a:r>
-          </a:p>
-          <a:p>
-            <a:pPr lvl="0"/>
-            <a:r>
-              <a:rPr lang="en-US" sz="1200" kern="1200" smtClean="0">
-                <a:solidFill>
-                  <a:schemeClr val="tx1"/>
-                </a:solidFill>
-                <a:effectLst/>
-                <a:latin typeface="+mn-lt"/>
-                <a:ea typeface="+mn-ea"/>
-                <a:cs typeface="+mn-cs"/>
-              </a:rPr>
-              <a:t>Tác nhân: Khách hàng, Admin.</a:t>
-            </a:r>
-          </a:p>
-          <a:p>
-            <a:pPr lvl="0"/>
-            <a:r>
-              <a:rPr lang="en-US" sz="1200" kern="1200" smtClean="0">
-                <a:solidFill>
-                  <a:schemeClr val="tx1"/>
-                </a:solidFill>
-                <a:effectLst/>
-                <a:latin typeface="+mn-lt"/>
-                <a:ea typeface="+mn-ea"/>
-                <a:cs typeface="+mn-cs"/>
-              </a:rPr>
-              <a:t>Mô tả khái quát: Thông tin cần tìm kiếm được hiển thị.</a:t>
-            </a:r>
-          </a:p>
-          <a:p>
-            <a:pPr lvl="0"/>
-            <a:r>
-              <a:rPr lang="en-US" sz="1200" kern="1200" smtClean="0">
-                <a:solidFill>
-                  <a:schemeClr val="tx1"/>
-                </a:solidFill>
-                <a:effectLst/>
-                <a:latin typeface="+mn-lt"/>
-                <a:ea typeface="+mn-ea"/>
-                <a:cs typeface="+mn-cs"/>
-              </a:rPr>
-              <a:t>Điều kiện đầu vào: Người dùng truy cập vào hệ thống website nhập thông tin cần tìm kiếm, hệ thống sẽ tự động thực hiện yêu cầu tìm kiếm.</a:t>
-            </a:r>
-          </a:p>
-          <a:p>
-            <a:pPr lvl="0"/>
-            <a:r>
-              <a:rPr lang="en-US" sz="1200" kern="1200" smtClean="0">
-                <a:solidFill>
-                  <a:schemeClr val="tx1"/>
-                </a:solidFill>
-                <a:effectLst/>
-                <a:latin typeface="+mn-lt"/>
-                <a:ea typeface="+mn-ea"/>
-                <a:cs typeface="+mn-cs"/>
-              </a:rPr>
-              <a:t>Dòng sự kiện chính:</a:t>
-            </a:r>
-          </a:p>
-          <a:p>
-            <a:r>
-              <a:rPr lang="en-US" sz="1200" kern="1200" smtClean="0">
-                <a:solidFill>
-                  <a:schemeClr val="tx1"/>
-                </a:solidFill>
-                <a:effectLst/>
-                <a:latin typeface="+mn-lt"/>
-                <a:ea typeface="+mn-ea"/>
-                <a:cs typeface="+mn-cs"/>
-              </a:rPr>
-              <a:t>- Ca sử dụng bắt đầu khi người dùng truy cập vào website của hệ thống và chọn tìm kiếm. Sau đó người dùng điền từ khóa và hệ thống sẽ kiểm tra nếu từ khóa hợp lệ:</a:t>
-            </a:r>
-          </a:p>
-          <a:p>
-            <a:r>
-              <a:rPr lang="en-US" sz="1200" kern="1200" smtClean="0">
-                <a:solidFill>
-                  <a:schemeClr val="tx1"/>
-                </a:solidFill>
-                <a:effectLst/>
-                <a:latin typeface="+mn-lt"/>
-                <a:ea typeface="+mn-ea"/>
-                <a:cs typeface="+mn-cs"/>
-              </a:rPr>
-              <a:t>+ Hệ thống bắt đầu hiển thị thông tin sản phẩm hoặc thông tin bài viết được tìm thấy.</a:t>
-            </a:r>
-          </a:p>
-          <a:p>
-            <a:r>
-              <a:rPr lang="en-US" sz="1200" kern="1200" smtClean="0">
-                <a:solidFill>
-                  <a:schemeClr val="tx1"/>
-                </a:solidFill>
-                <a:effectLst/>
-                <a:latin typeface="+mn-lt"/>
-                <a:ea typeface="+mn-ea"/>
-                <a:cs typeface="+mn-cs"/>
-              </a:rPr>
-              <a:t>+ Người dùng có thể chọn xem thông tin hoặc chọn “Thoát” khi đó ca sử dụng kết thúc.</a:t>
-            </a:r>
-          </a:p>
-          <a:p>
-            <a:pPr lvl="0"/>
-            <a:r>
-              <a:rPr lang="en-US" sz="1200" kern="1200" smtClean="0">
-                <a:solidFill>
-                  <a:schemeClr val="tx1"/>
-                </a:solidFill>
-                <a:effectLst/>
-                <a:latin typeface="+mn-lt"/>
-                <a:ea typeface="+mn-ea"/>
-                <a:cs typeface="+mn-cs"/>
-              </a:rPr>
-              <a:t>Dòng sự kiện phụ:</a:t>
-            </a:r>
-          </a:p>
-          <a:p>
-            <a:pPr lvl="0"/>
-            <a:r>
-              <a:rPr lang="en-US" sz="1200" kern="1200" smtClean="0">
-                <a:solidFill>
-                  <a:schemeClr val="tx1"/>
-                </a:solidFill>
-                <a:effectLst/>
-                <a:latin typeface="+mn-lt"/>
-                <a:ea typeface="+mn-ea"/>
-                <a:cs typeface="+mn-cs"/>
-              </a:rPr>
-              <a:t>Từ khóa không hợp lệ:</a:t>
-            </a:r>
-          </a:p>
-          <a:p>
-            <a:r>
-              <a:rPr lang="en-US" sz="1200" kern="1200" smtClean="0">
-                <a:solidFill>
-                  <a:schemeClr val="tx1"/>
-                </a:solidFill>
-                <a:effectLst/>
-                <a:latin typeface="+mn-lt"/>
-                <a:ea typeface="+mn-ea"/>
-                <a:cs typeface="+mn-cs"/>
-              </a:rPr>
-              <a:t>+ Người dùng có thể điền lại từ khóa hoặc hủy bỏ tìm kiếm, khi đó ca sử dụng kết thúc.</a:t>
-            </a:r>
-          </a:p>
           <a:p>
             <a:endParaRPr lang="en-US"/>
           </a:p>
@@ -1514,7 +2408,7 @@
           <a:p>
             <a:fld id="{779830E7-2CEB-45E4-A46C-10A5090F7B89}" type="slidenum">
               <a:rPr lang="en-US" smtClean="0"/>
-              <a:t>8</a:t>
+              <a:t>7</a:t>
             </a:fld>
             <a:endParaRPr lang="en-US"/>
           </a:p>
@@ -1523,7 +2417,7 @@
     </p:spTree>
     <p:extLst>
       <p:ext uri="{BB962C8B-B14F-4D97-AF65-F5344CB8AC3E}">
-        <p14:creationId xmlns:p14="http://schemas.microsoft.com/office/powerpoint/2010/main" val="347563953"/>
+        <p14:creationId xmlns:p14="http://schemas.microsoft.com/office/powerpoint/2010/main" val="3159996418"/>
       </p:ext>
     </p:extLst>
   </p:cSld>
@@ -1588,11 +2482,10 @@
                 <a:ea typeface="+mn-ea"/>
                 <a:cs typeface="+mn-cs"/>
               </a:rPr>
-              <a:t>Đặc tả Use Case “Đặt Tour”</a:t>
-            </a:r>
-          </a:p>
-          <a:p>
-            <a:pPr lvl="0"/>
+              <a:t>Đặc tả Use Case “Đăng nhập”</a:t>
+            </a:r>
+          </a:p>
+          <a:p>
             <a:r>
               <a:rPr lang="en-US" sz="1200" kern="1200" smtClean="0">
                 <a:solidFill>
@@ -1603,11 +2496,10 @@
                 <a:ea typeface="+mn-ea"/>
                 <a:cs typeface="+mn-cs"/>
               </a:rPr>
-              <a:t>Tác nhân: khách hàng.</a:t>
-            </a:r>
-          </a:p>
-          <a:p>
-            <a:pPr lvl="0"/>
+              <a:t>-	Tác nhân: Admin, Khách hàng thành viên.</a:t>
+            </a:r>
+          </a:p>
+          <a:p>
             <a:r>
               <a:rPr lang="en-US" sz="1200" kern="1200" smtClean="0">
                 <a:solidFill>
@@ -1618,11 +2510,10 @@
                 <a:ea typeface="+mn-ea"/>
                 <a:cs typeface="+mn-cs"/>
               </a:rPr>
-              <a:t>Mô tả khái quát: Ca sử dụng cho phép khách hàng chọn tour.</a:t>
-            </a:r>
-          </a:p>
-          <a:p>
-            <a:pPr lvl="0"/>
+              <a:t>-	Mô tả khái quát:</a:t>
+            </a:r>
+          </a:p>
+          <a:p>
             <a:r>
               <a:rPr lang="en-US" sz="1200" kern="1200" smtClean="0">
                 <a:solidFill>
@@ -1633,11 +2524,10 @@
                 <a:ea typeface="+mn-ea"/>
                 <a:cs typeface="+mn-cs"/>
               </a:rPr>
-              <a:t>Điều kiện đầu vào: Ca sử dụng bắt đầu khi sản phẩm cần chọn đã hiển thị trên hệ thống.</a:t>
-            </a:r>
-          </a:p>
-          <a:p>
-            <a:pPr lvl="0"/>
+              <a:t>+ Admin truy cập vào trang quản trị để quản lý hệ thống của mình.</a:t>
+            </a:r>
+          </a:p>
+          <a:p>
             <a:r>
               <a:rPr lang="en-US" sz="1200" kern="1200" smtClean="0">
                 <a:solidFill>
@@ -1648,11 +2538,10 @@
                 <a:ea typeface="+mn-ea"/>
                 <a:cs typeface="+mn-cs"/>
               </a:rPr>
-              <a:t>Dòng sự kiện chính:</a:t>
-            </a:r>
-          </a:p>
-          <a:p>
-            <a:pPr lvl="0"/>
+              <a:t>+ Khách hàng thành viên đăng nhập vào hệ thống.</a:t>
+            </a:r>
+          </a:p>
+          <a:p>
             <a:r>
               <a:rPr lang="en-US" sz="1200" kern="1200" smtClean="0">
                 <a:solidFill>
@@ -1663,11 +2552,10 @@
                 <a:ea typeface="+mn-ea"/>
                 <a:cs typeface="+mn-cs"/>
               </a:rPr>
-              <a:t>Khách hàng chọn vào mục tour.</a:t>
-            </a:r>
-          </a:p>
-          <a:p>
-            <a:pPr lvl="0"/>
+              <a:t>Điều kiện đầu vào: Ca sử dụng bắt đầu khi người dùng muốn đăng nhập vào hệ thống.</a:t>
+            </a:r>
+          </a:p>
+          <a:p>
             <a:r>
               <a:rPr lang="en-US" sz="1200" kern="1200" smtClean="0">
                 <a:solidFill>
@@ -1678,11 +2566,10 @@
                 <a:ea typeface="+mn-ea"/>
                 <a:cs typeface="+mn-cs"/>
               </a:rPr>
-              <a:t>Hệ thống hiển thị các tour có trong đã chọn.</a:t>
-            </a:r>
-          </a:p>
-          <a:p>
-            <a:pPr lvl="0"/>
+              <a:t>-	Dòng sự kiện chính:</a:t>
+            </a:r>
+          </a:p>
+          <a:p>
             <a:r>
               <a:rPr lang="en-US" sz="1200" kern="1200" smtClean="0">
                 <a:solidFill>
@@ -1693,11 +2580,10 @@
                 <a:ea typeface="+mn-ea"/>
                 <a:cs typeface="+mn-cs"/>
               </a:rPr>
-              <a:t>Khách hàng xem thông tin về tour cần đặt.</a:t>
-            </a:r>
-          </a:p>
-          <a:p>
-            <a:pPr lvl="0"/>
+              <a:t>+ Hệ thống yêu cầu nhập tên đăng nhập và mật khẩu.</a:t>
+            </a:r>
+          </a:p>
+          <a:p>
             <a:r>
               <a:rPr lang="en-US" sz="1200" kern="1200" smtClean="0">
                 <a:solidFill>
@@ -1708,11 +2594,10 @@
                 <a:ea typeface="+mn-ea"/>
                 <a:cs typeface="+mn-cs"/>
               </a:rPr>
-              <a:t>Nếu hệ thống hiển thị có tour, khách hàng chọn vào tour cụ thể cần đặt.</a:t>
-            </a:r>
-          </a:p>
-          <a:p>
-            <a:pPr lvl="0"/>
+              <a:t>+ Người dùng nhập tên đăng nhập và mật khẩu.</a:t>
+            </a:r>
+          </a:p>
+          <a:p>
             <a:r>
               <a:rPr lang="en-US" sz="1200" kern="1200" smtClean="0">
                 <a:solidFill>
@@ -1723,11 +2608,10 @@
                 <a:ea typeface="+mn-ea"/>
                 <a:cs typeface="+mn-cs"/>
               </a:rPr>
-              <a:t>Ca sử dụng kết thúc</a:t>
-            </a:r>
-          </a:p>
-          <a:p>
-            <a:pPr lvl="0"/>
+              <a:t>+ Hệ thống kiểm tra tên và mật khẩu vừa nhập, nếu đúng sẽ cho phép vào hệ thống.</a:t>
+            </a:r>
+          </a:p>
+          <a:p>
             <a:r>
               <a:rPr lang="en-US" sz="1200" kern="1200" smtClean="0">
                 <a:solidFill>
@@ -1738,11 +2622,10 @@
                 <a:ea typeface="+mn-ea"/>
                 <a:cs typeface="+mn-cs"/>
               </a:rPr>
-              <a:t>Dòng sự kiện phụ:</a:t>
-            </a:r>
-          </a:p>
-          <a:p>
-            <a:pPr lvl="0"/>
+              <a:t>-	Dòng sự kiện phụ:</a:t>
+            </a:r>
+          </a:p>
+          <a:p>
             <a:r>
               <a:rPr lang="en-US" sz="1200" kern="1200" smtClean="0">
                 <a:solidFill>
@@ -1753,11 +2636,10 @@
                 <a:ea typeface="+mn-ea"/>
                 <a:cs typeface="+mn-cs"/>
               </a:rPr>
-              <a:t>Khách chọn đặt tour ở mục khác.</a:t>
-            </a:r>
-          </a:p>
-          <a:p>
-            <a:pPr lvl="0"/>
+              <a:t>+ Nếu trong kịch bản chính tên hoặc mật khẩu bị sai thì hệ thống báo lỗi.</a:t>
+            </a:r>
+          </a:p>
+          <a:p>
             <a:r>
               <a:rPr lang="en-US" sz="1200" kern="1200" smtClean="0">
                 <a:solidFill>
@@ -1768,7 +2650,7 @@
                 <a:ea typeface="+mn-ea"/>
                 <a:cs typeface="+mn-cs"/>
               </a:rPr>
-              <a:t>Hệ thống hiển thị có tour đó.</a:t>
+              <a:t>+ Người dùng có thể nhập lại hoặc hủy bỏ việc đăng nhập khi đó ca sử dụng sẽ kết thúc.</a:t>
             </a:r>
           </a:p>
           <a:p>
@@ -1793,7 +2675,7 @@
           <a:p>
             <a:fld id="{779830E7-2CEB-45E4-A46C-10A5090F7B89}" type="slidenum">
               <a:rPr lang="en-US" smtClean="0"/>
-              <a:t>9</a:t>
+              <a:t>8</a:t>
             </a:fld>
             <a:endParaRPr lang="en-US"/>
           </a:p>
@@ -1802,7 +2684,7 @@
     </p:spTree>
     <p:extLst>
       <p:ext uri="{BB962C8B-B14F-4D97-AF65-F5344CB8AC3E}">
-        <p14:creationId xmlns:p14="http://schemas.microsoft.com/office/powerpoint/2010/main" val="3248751063"/>
+        <p14:creationId xmlns:p14="http://schemas.microsoft.com/office/powerpoint/2010/main" val="3768976908"/>
       </p:ext>
     </p:extLst>
   </p:cSld>
@@ -1856,479 +2738,6 @@
           <a:bodyPr/>
           <a:lstStyle/>
           <a:p>
-            <a:pPr lvl="1"/>
-            <a:r>
-              <a:rPr lang="en-US" sz="1200" b="1" kern="1200" smtClean="0">
-                <a:solidFill>
-                  <a:schemeClr val="tx1"/>
-                </a:solidFill>
-                <a:effectLst/>
-                <a:latin typeface="+mn-lt"/>
-                <a:ea typeface="+mn-ea"/>
-                <a:cs typeface="+mn-cs"/>
-              </a:rPr>
-              <a:t>Đặc tả Use Case “quản lý Tour”</a:t>
-            </a:r>
-          </a:p>
-          <a:p>
-            <a:r>
-              <a:rPr lang="en-US" sz="1200" kern="1200" smtClean="0">
-                <a:solidFill>
-                  <a:schemeClr val="tx1"/>
-                </a:solidFill>
-                <a:effectLst/>
-                <a:latin typeface="+mn-lt"/>
-                <a:ea typeface="+mn-ea"/>
-                <a:cs typeface="+mn-cs"/>
-              </a:rPr>
-              <a:t>- Tác nhân: người quản lý</a:t>
-            </a:r>
-          </a:p>
-          <a:p>
-            <a:r>
-              <a:rPr lang="en-US" sz="1200" kern="1200" smtClean="0">
-                <a:solidFill>
-                  <a:schemeClr val="tx1"/>
-                </a:solidFill>
-                <a:effectLst/>
-                <a:latin typeface="+mn-lt"/>
-                <a:ea typeface="+mn-ea"/>
-                <a:cs typeface="+mn-cs"/>
-              </a:rPr>
-              <a:t>- Mô tả khái quát: Các tour được chia ra thành từng danh mục, người quản trị cần quản lý danh mục với các thao tác: Thêm tour, sửa thông tin tour, xóa tour ra khỏi danh mục.</a:t>
-            </a:r>
-          </a:p>
-          <a:p>
-            <a:r>
-              <a:rPr lang="en-US" sz="1200" kern="1200" smtClean="0">
-                <a:solidFill>
-                  <a:schemeClr val="tx1"/>
-                </a:solidFill>
-                <a:effectLst/>
-                <a:latin typeface="+mn-lt"/>
-                <a:ea typeface="+mn-ea"/>
-                <a:cs typeface="+mn-cs"/>
-              </a:rPr>
-              <a:t>- Điều kiện đầu vào: Ca sử dụng bắt đầu khi người quản lý đăng nhập vào hệ thống thành công và chọn quản lý danh mục.</a:t>
-            </a:r>
-          </a:p>
-          <a:p>
-            <a:r>
-              <a:rPr lang="en-US" sz="1200" kern="1200" smtClean="0">
-                <a:solidFill>
-                  <a:schemeClr val="tx1"/>
-                </a:solidFill>
-                <a:effectLst/>
-                <a:latin typeface="+mn-lt"/>
-                <a:ea typeface="+mn-ea"/>
-                <a:cs typeface="+mn-cs"/>
-              </a:rPr>
-              <a:t> </a:t>
-            </a:r>
-          </a:p>
-          <a:p>
-            <a:pPr lvl="0"/>
-            <a:r>
-              <a:rPr lang="en-US" sz="1200" kern="1200" smtClean="0">
-                <a:solidFill>
-                  <a:schemeClr val="tx1"/>
-                </a:solidFill>
-                <a:effectLst/>
-                <a:latin typeface="+mn-lt"/>
-                <a:ea typeface="+mn-ea"/>
-                <a:cs typeface="+mn-cs"/>
-              </a:rPr>
-              <a:t>Dòng sự kiện chính :</a:t>
-            </a:r>
-          </a:p>
-          <a:p>
-            <a:pPr lvl="0"/>
-            <a:r>
-              <a:rPr lang="en-US" sz="1200" kern="1200" smtClean="0">
-                <a:solidFill>
-                  <a:schemeClr val="tx1"/>
-                </a:solidFill>
-                <a:effectLst/>
-                <a:latin typeface="+mn-lt"/>
-                <a:ea typeface="+mn-ea"/>
-                <a:cs typeface="+mn-cs"/>
-              </a:rPr>
-              <a:t>Ca sử dụng bắt đầu khi người quản lý đăng nhập vào hệ thống.</a:t>
-            </a:r>
-          </a:p>
-          <a:p>
-            <a:pPr lvl="0"/>
-            <a:r>
-              <a:rPr lang="en-US" sz="1200" kern="1200" smtClean="0">
-                <a:solidFill>
-                  <a:schemeClr val="tx1"/>
-                </a:solidFill>
-                <a:effectLst/>
-                <a:latin typeface="+mn-lt"/>
-                <a:ea typeface="+mn-ea"/>
-                <a:cs typeface="+mn-cs"/>
-              </a:rPr>
-              <a:t>Hệ thống kiểm tra mật khẩu đúng hiển thị danh sách danh mục.</a:t>
-            </a:r>
-          </a:p>
-          <a:p>
-            <a:pPr lvl="0"/>
-            <a:r>
-              <a:rPr lang="en-US" sz="1200" kern="1200" smtClean="0">
-                <a:solidFill>
-                  <a:schemeClr val="tx1"/>
-                </a:solidFill>
-                <a:effectLst/>
-                <a:latin typeface="+mn-lt"/>
-                <a:ea typeface="+mn-ea"/>
-                <a:cs typeface="+mn-cs"/>
-              </a:rPr>
-              <a:t>Hệ thống hiển thị chức năng người dùng có thể: Thêm, sửa, xóa tour + Nếu chọn “Thêm mới” thì sự kiện con “Thêm mới tour” được thực hiện.</a:t>
-            </a:r>
-          </a:p>
-          <a:p>
-            <a:r>
-              <a:rPr lang="en-US" sz="1200" kern="1200" smtClean="0">
-                <a:solidFill>
-                  <a:schemeClr val="tx1"/>
-                </a:solidFill>
-                <a:effectLst/>
-                <a:latin typeface="+mn-lt"/>
-                <a:ea typeface="+mn-ea"/>
-                <a:cs typeface="+mn-cs"/>
-              </a:rPr>
-              <a:t>+ Nếu chọn “Sửa” thì sự kiện con “Sửa thông tin tour” được thực hiện.</a:t>
-            </a:r>
-          </a:p>
-          <a:p>
-            <a:r>
-              <a:rPr lang="en-US" sz="1200" kern="1200" smtClean="0">
-                <a:solidFill>
-                  <a:schemeClr val="tx1"/>
-                </a:solidFill>
-                <a:effectLst/>
-                <a:latin typeface="+mn-lt"/>
-                <a:ea typeface="+mn-ea"/>
-                <a:cs typeface="+mn-cs"/>
-              </a:rPr>
-              <a:t>+ Nếu chọn “Xóa” thì sự kiện con “Xóa tour” được thực hiện.</a:t>
-            </a:r>
-          </a:p>
-          <a:p>
-            <a:r>
-              <a:rPr lang="en-US" sz="1200" kern="1200" smtClean="0">
-                <a:solidFill>
-                  <a:schemeClr val="tx1"/>
-                </a:solidFill>
-                <a:effectLst/>
-                <a:latin typeface="+mn-lt"/>
-                <a:ea typeface="+mn-ea"/>
-                <a:cs typeface="+mn-cs"/>
-              </a:rPr>
-              <a:t>+ Nếu chọn “Thoát” thì Ca sử dụng sẽ kết thúc.</a:t>
-            </a:r>
-          </a:p>
-          <a:p>
-            <a:pPr lvl="0"/>
-            <a:r>
-              <a:rPr lang="en-US" sz="1200" kern="1200" smtClean="0">
-                <a:solidFill>
-                  <a:schemeClr val="tx1"/>
-                </a:solidFill>
-                <a:effectLst/>
-                <a:latin typeface="+mn-lt"/>
-                <a:ea typeface="+mn-ea"/>
-                <a:cs typeface="+mn-cs"/>
-              </a:rPr>
-              <a:t>Dòng sự kiện con:</a:t>
-            </a:r>
-          </a:p>
-          <a:p>
-            <a:pPr lvl="0"/>
-            <a:r>
-              <a:rPr lang="en-US" sz="1200" kern="1200" smtClean="0">
-                <a:solidFill>
-                  <a:schemeClr val="tx1"/>
-                </a:solidFill>
-                <a:effectLst/>
-                <a:latin typeface="+mn-lt"/>
-                <a:ea typeface="+mn-ea"/>
-                <a:cs typeface="+mn-cs"/>
-              </a:rPr>
-              <a:t>Thêm mới tour trong danh mục:</a:t>
-            </a:r>
-          </a:p>
-          <a:p>
-            <a:pPr lvl="0"/>
-            <a:r>
-              <a:rPr lang="en-US" sz="1200" kern="1200" smtClean="0">
-                <a:solidFill>
-                  <a:schemeClr val="tx1"/>
-                </a:solidFill>
-                <a:effectLst/>
-                <a:latin typeface="+mn-lt"/>
-                <a:ea typeface="+mn-ea"/>
-                <a:cs typeface="+mn-cs"/>
-              </a:rPr>
-              <a:t>Hệ thống hiển thị from nhập thông tin tour.</a:t>
-            </a:r>
-          </a:p>
-          <a:p>
-            <a:pPr lvl="0"/>
-            <a:r>
-              <a:rPr lang="en-US" sz="1200" kern="1200" smtClean="0">
-                <a:solidFill>
-                  <a:schemeClr val="tx1"/>
-                </a:solidFill>
-                <a:effectLst/>
-                <a:latin typeface="+mn-lt"/>
-                <a:ea typeface="+mn-ea"/>
-                <a:cs typeface="+mn-cs"/>
-              </a:rPr>
-              <a:t>Người quản lý nhập thông tin tour.</a:t>
-            </a:r>
-          </a:p>
-          <a:p>
-            <a:pPr lvl="0"/>
-            <a:r>
-              <a:rPr lang="en-US" sz="1200" kern="1200" smtClean="0">
-                <a:solidFill>
-                  <a:schemeClr val="tx1"/>
-                </a:solidFill>
-                <a:effectLst/>
-                <a:latin typeface="+mn-lt"/>
-                <a:ea typeface="+mn-ea"/>
-                <a:cs typeface="+mn-cs"/>
-              </a:rPr>
-              <a:t>Nhấp nút lưu thông tin.</a:t>
-            </a:r>
-          </a:p>
-          <a:p>
-            <a:pPr lvl="0"/>
-            <a:r>
-              <a:rPr lang="en-US" sz="1200" kern="1200" smtClean="0">
-                <a:solidFill>
-                  <a:schemeClr val="tx1"/>
-                </a:solidFill>
-                <a:effectLst/>
-                <a:latin typeface="+mn-lt"/>
-                <a:ea typeface="+mn-ea"/>
-                <a:cs typeface="+mn-cs"/>
-              </a:rPr>
-              <a:t>Nếu nhập thành công thì thực hiện bước tiếp theo. Nếu sai thực hiện dòng sự kiện rẽ nhánh A1.</a:t>
-            </a:r>
-          </a:p>
-          <a:p>
-            <a:pPr lvl="0"/>
-            <a:r>
-              <a:rPr lang="en-US" sz="1200" kern="1200" smtClean="0">
-                <a:solidFill>
-                  <a:schemeClr val="tx1"/>
-                </a:solidFill>
-                <a:effectLst/>
-                <a:latin typeface="+mn-lt"/>
-                <a:ea typeface="+mn-ea"/>
-                <a:cs typeface="+mn-cs"/>
-              </a:rPr>
-              <a:t>Lưu thông tin tour.</a:t>
-            </a:r>
-          </a:p>
-          <a:p>
-            <a:pPr lvl="0"/>
-            <a:r>
-              <a:rPr lang="en-US" sz="1200" b="1" kern="1200" smtClean="0">
-                <a:solidFill>
-                  <a:schemeClr val="tx1"/>
-                </a:solidFill>
-                <a:effectLst/>
-                <a:latin typeface="+mn-lt"/>
-                <a:ea typeface="+mn-ea"/>
-                <a:cs typeface="+mn-cs"/>
-              </a:rPr>
-              <a:t>Biểu đồ Use case “Thêm Tour”</a:t>
-            </a:r>
-          </a:p>
-          <a:p>
-            <a:pPr lvl="0"/>
-            <a:r>
-              <a:rPr lang="en-US" sz="1200" kern="1200" smtClean="0">
-                <a:solidFill>
-                  <a:schemeClr val="tx1"/>
-                </a:solidFill>
-                <a:effectLst/>
-                <a:latin typeface="+mn-lt"/>
-                <a:ea typeface="+mn-ea"/>
-                <a:cs typeface="+mn-cs"/>
-              </a:rPr>
-              <a:t>Sửa thông tin Tour:</a:t>
-            </a:r>
-          </a:p>
-          <a:p>
-            <a:pPr lvl="0"/>
-            <a:r>
-              <a:rPr lang="en-US" sz="1200" kern="1200" smtClean="0">
-                <a:solidFill>
-                  <a:schemeClr val="tx1"/>
-                </a:solidFill>
-                <a:effectLst/>
-                <a:latin typeface="+mn-lt"/>
-                <a:ea typeface="+mn-ea"/>
-                <a:cs typeface="+mn-cs"/>
-              </a:rPr>
-              <a:t>Hệ thống hiển thị from sửa thông tin tour.</a:t>
-            </a:r>
-          </a:p>
-          <a:p>
-            <a:pPr lvl="0"/>
-            <a:r>
-              <a:rPr lang="en-US" sz="1200" kern="1200" smtClean="0">
-                <a:solidFill>
-                  <a:schemeClr val="tx1"/>
-                </a:solidFill>
-                <a:effectLst/>
-                <a:latin typeface="+mn-lt"/>
-                <a:ea typeface="+mn-ea"/>
-                <a:cs typeface="+mn-cs"/>
-              </a:rPr>
-              <a:t>Người quản lý nhập thông tin cần thay đổi.</a:t>
-            </a:r>
-          </a:p>
-          <a:p>
-            <a:pPr lvl="0"/>
-            <a:r>
-              <a:rPr lang="en-US" sz="1200" kern="1200" smtClean="0">
-                <a:solidFill>
-                  <a:schemeClr val="tx1"/>
-                </a:solidFill>
-                <a:effectLst/>
-                <a:latin typeface="+mn-lt"/>
-                <a:ea typeface="+mn-ea"/>
-                <a:cs typeface="+mn-cs"/>
-              </a:rPr>
-              <a:t>Nhấn nút lưu thông tin.</a:t>
-            </a:r>
-          </a:p>
-          <a:p>
-            <a:pPr lvl="0"/>
-            <a:r>
-              <a:rPr lang="en-US" sz="1200" kern="1200" smtClean="0">
-                <a:solidFill>
-                  <a:schemeClr val="tx1"/>
-                </a:solidFill>
-                <a:effectLst/>
-                <a:latin typeface="+mn-lt"/>
-                <a:ea typeface="+mn-ea"/>
-                <a:cs typeface="+mn-cs"/>
-              </a:rPr>
-              <a:t>Nếu việc sửa thành công thì thực hiên bước tiếp theo. Nếu sai thực hiện dòng sự kiện rẽ nhánh A1.</a:t>
-            </a:r>
-          </a:p>
-          <a:p>
-            <a:pPr lvl="0"/>
-            <a:r>
-              <a:rPr lang="en-US" sz="1200" kern="1200" smtClean="0">
-                <a:solidFill>
-                  <a:schemeClr val="tx1"/>
-                </a:solidFill>
-                <a:effectLst/>
-                <a:latin typeface="+mn-lt"/>
-                <a:ea typeface="+mn-ea"/>
-                <a:cs typeface="+mn-cs"/>
-              </a:rPr>
-              <a:t>Lưu thông tin tour.</a:t>
-            </a:r>
-          </a:p>
-          <a:p>
-            <a:pPr lvl="0"/>
-            <a:r>
-              <a:rPr lang="en-US" sz="1200" b="1" kern="1200" smtClean="0">
-                <a:solidFill>
-                  <a:schemeClr val="tx1"/>
-                </a:solidFill>
-                <a:effectLst/>
-                <a:latin typeface="+mn-lt"/>
-                <a:ea typeface="+mn-ea"/>
-                <a:cs typeface="+mn-cs"/>
-              </a:rPr>
-              <a:t>Biểu đồ Use case “Sửa Tour”</a:t>
-            </a:r>
-          </a:p>
-          <a:p>
-            <a:pPr lvl="0"/>
-            <a:r>
-              <a:rPr lang="en-US" sz="1200" kern="1200" smtClean="0">
-                <a:solidFill>
-                  <a:schemeClr val="tx1"/>
-                </a:solidFill>
-                <a:effectLst/>
-                <a:latin typeface="+mn-lt"/>
-                <a:ea typeface="+mn-ea"/>
-                <a:cs typeface="+mn-cs"/>
-              </a:rPr>
-              <a:t>Xóa tour:</a:t>
-            </a:r>
-          </a:p>
-          <a:p>
-            <a:pPr lvl="0"/>
-            <a:r>
-              <a:rPr lang="en-US" sz="1200" kern="1200" smtClean="0">
-                <a:solidFill>
-                  <a:schemeClr val="tx1"/>
-                </a:solidFill>
-                <a:effectLst/>
-                <a:latin typeface="+mn-lt"/>
-                <a:ea typeface="+mn-ea"/>
-                <a:cs typeface="+mn-cs"/>
-              </a:rPr>
-              <a:t>Người quản lý chọn tour cần xóa.</a:t>
-            </a:r>
-          </a:p>
-          <a:p>
-            <a:pPr lvl="0"/>
-            <a:r>
-              <a:rPr lang="en-US" sz="1200" kern="1200" smtClean="0">
-                <a:solidFill>
-                  <a:schemeClr val="tx1"/>
-                </a:solidFill>
-                <a:effectLst/>
-                <a:latin typeface="+mn-lt"/>
-                <a:ea typeface="+mn-ea"/>
-                <a:cs typeface="+mn-cs"/>
-              </a:rPr>
-              <a:t>Nhấn nút xóa để thực hiện loại tour.</a:t>
-            </a:r>
-          </a:p>
-          <a:p>
-            <a:pPr lvl="0"/>
-            <a:r>
-              <a:rPr lang="en-US" sz="1200" kern="1200" smtClean="0">
-                <a:solidFill>
-                  <a:schemeClr val="tx1"/>
-                </a:solidFill>
-                <a:effectLst/>
-                <a:latin typeface="+mn-lt"/>
-                <a:ea typeface="+mn-ea"/>
-                <a:cs typeface="+mn-cs"/>
-              </a:rPr>
-              <a:t>Hệ thống hiển thị thông tin báo xác nhận loại bỏ. Nếu người quản trị đồng ý thì hệ thống thông báo tour đã được xóa. Nếu không đồng ý thì hệ thống hiển thị lại danh sách tour.</a:t>
-            </a:r>
-          </a:p>
-          <a:p>
-            <a:pPr lvl="0"/>
-            <a:r>
-              <a:rPr lang="en-US" sz="1200" kern="1200" smtClean="0">
-                <a:solidFill>
-                  <a:schemeClr val="tx1"/>
-                </a:solidFill>
-                <a:effectLst/>
-                <a:latin typeface="+mn-lt"/>
-                <a:ea typeface="+mn-ea"/>
-                <a:cs typeface="+mn-cs"/>
-              </a:rPr>
-              <a:t>Ca sử dụng kết thúc.</a:t>
-            </a:r>
-          </a:p>
-          <a:p>
             <a:endParaRPr lang="en-US"/>
           </a:p>
         </p:txBody>
@@ -2350,7 +2759,7 @@
           <a:p>
             <a:fld id="{779830E7-2CEB-45E4-A46C-10A5090F7B89}" type="slidenum">
               <a:rPr lang="en-US" smtClean="0"/>
-              <a:t>10</a:t>
+              <a:t>9</a:t>
             </a:fld>
             <a:endParaRPr lang="en-US"/>
           </a:p>
@@ -2359,7 +2768,7 @@
     </p:spTree>
     <p:extLst>
       <p:ext uri="{BB962C8B-B14F-4D97-AF65-F5344CB8AC3E}">
-        <p14:creationId xmlns:p14="http://schemas.microsoft.com/office/powerpoint/2010/main" val="3709275"/>
+        <p14:creationId xmlns:p14="http://schemas.microsoft.com/office/powerpoint/2010/main" val="1566593338"/>
       </p:ext>
     </p:extLst>
   </p:cSld>
@@ -2413,9 +2822,9 @@
           <a:bodyPr/>
           <a:lstStyle/>
           <a:p>
-            <a:pPr lvl="0"/>
-            <a:r>
-              <a:rPr lang="en-US" sz="1200" kern="1200" smtClean="0">
+            <a:pPr lvl="1"/>
+            <a:r>
+              <a:rPr lang="en-US" sz="1200" b="1" kern="1200" smtClean="0">
                 <a:solidFill>
                   <a:schemeClr val="tx1"/>
                 </a:solidFill>
@@ -2424,10 +2833,11 @@
                 <a:ea typeface="+mn-ea"/>
                 <a:cs typeface="+mn-cs"/>
               </a:rPr>
-              <a:t>Use case thanh toán.</a:t>
-            </a:r>
-          </a:p>
-          <a:p>
+              <a:t>Đặc tả Use Case “Cập nhật thông tin”</a:t>
+            </a:r>
+          </a:p>
+          <a:p>
+            <a:pPr lvl="0"/>
             <a:r>
               <a:rPr lang="en-US" sz="1200" kern="1200" smtClean="0">
                 <a:solidFill>
@@ -2438,10 +2848,11 @@
                 <a:ea typeface="+mn-ea"/>
                 <a:cs typeface="+mn-cs"/>
               </a:rPr>
-              <a:t>- Tác nhân: Khách hàng.</a:t>
-            </a:r>
-          </a:p>
-          <a:p>
+              <a:t>Tác nhân: Khách hàng.</a:t>
+            </a:r>
+          </a:p>
+          <a:p>
+            <a:pPr lvl="0"/>
             <a:r>
               <a:rPr lang="en-US" sz="1200" kern="1200" smtClean="0">
                 <a:solidFill>
@@ -2452,10 +2863,11 @@
                 <a:ea typeface="+mn-ea"/>
                 <a:cs typeface="+mn-cs"/>
               </a:rPr>
-              <a:t>- Mô tả khái quát: Ca sử dụng cho phép khách hàng tạo đơn hàng và một số thông tin mặc định của đơn hàng.</a:t>
-            </a:r>
-          </a:p>
-          <a:p>
+              <a:t>Mô tả khái quát: cho phép khách chỉnh sửa thông tin thành viên của hệ thống.</a:t>
+            </a:r>
+          </a:p>
+          <a:p>
+            <a:pPr lvl="0"/>
             <a:r>
               <a:rPr lang="en-US" sz="1200" kern="1200" smtClean="0">
                 <a:solidFill>
@@ -2466,7 +2878,7 @@
                 <a:ea typeface="+mn-ea"/>
                 <a:cs typeface="+mn-cs"/>
               </a:rPr>
-              <a:t>- Điều kiện đầu vào: Khách hàng đã chọn đặt tour</a:t>
+              <a:t>Điều kiện đầu vào: Ca sử dụng bắt đầu khi khách hàng truy cập vào hệ thống và chọn cập nhật thông tin.</a:t>
             </a:r>
           </a:p>
           <a:p>
@@ -2485,6 +2897,7 @@
             </a:r>
           </a:p>
           <a:p>
+            <a:pPr lvl="0"/>
             <a:r>
               <a:rPr lang="en-US" sz="1200" kern="1200" smtClean="0">
                 <a:solidFill>
@@ -2495,10 +2908,11 @@
                 <a:ea typeface="+mn-ea"/>
                 <a:cs typeface="+mn-cs"/>
               </a:rPr>
-              <a:t>- Khách hàng nhấn “Thanh toán” để tạo đơn hàng.</a:t>
-            </a:r>
-          </a:p>
-          <a:p>
+              <a:t>Khách hàng chọn cập nhật thông tin.</a:t>
+            </a:r>
+          </a:p>
+          <a:p>
+            <a:pPr lvl="0"/>
             <a:r>
               <a:rPr lang="en-US" sz="1200" kern="1200" smtClean="0">
                 <a:solidFill>
@@ -2509,10 +2923,11 @@
                 <a:ea typeface="+mn-ea"/>
                 <a:cs typeface="+mn-cs"/>
               </a:rPr>
-              <a:t>- Form thanh toán xuất hiện, hệ thống hiển thị đơn hàng và một số thông tin mặc định của đơn hàng.</a:t>
-            </a:r>
-          </a:p>
-          <a:p>
+              <a:t>Form cập nhật thông tin hiển thị.</a:t>
+            </a:r>
+          </a:p>
+          <a:p>
+            <a:pPr lvl="0"/>
             <a:r>
               <a:rPr lang="en-US" sz="1200" kern="1200" smtClean="0">
                 <a:solidFill>
@@ -2523,10 +2938,11 @@
                 <a:ea typeface="+mn-ea"/>
                 <a:cs typeface="+mn-cs"/>
               </a:rPr>
-              <a:t>- Khách hàng nhận tiếp các thông tin: họ tên, số tài khoản, phương thức thanh toán, địa chỉ giao hàng, thời gian giao hàng, số điện thoại để hoàn thành đơn hàng.</a:t>
-            </a:r>
-          </a:p>
-          <a:p>
+              <a:t>Khách hàng nhập thông tin cá nhân cần thiết vào form cập nhật thông tin.</a:t>
+            </a:r>
+          </a:p>
+          <a:p>
+            <a:pPr lvl="0"/>
             <a:r>
               <a:rPr lang="en-US" sz="1200" kern="1200" smtClean="0">
                 <a:solidFill>
@@ -2537,10 +2953,11 @@
                 <a:ea typeface="+mn-ea"/>
                 <a:cs typeface="+mn-cs"/>
               </a:rPr>
-              <a:t>- Chọn gửi đơn hàng, nếu đơn hàng đã nhập đúng. Nếu nhập sai thì thực hiện dòng sự kiện rẽ nhánh A1.</a:t>
-            </a:r>
-          </a:p>
-          <a:p>
+              <a:t>Nhấn nút cập nhật thông tin.</a:t>
+            </a:r>
+          </a:p>
+          <a:p>
+            <a:pPr lvl="0"/>
             <a:r>
               <a:rPr lang="en-US" sz="1200" kern="1200" smtClean="0">
                 <a:solidFill>
@@ -2551,10 +2968,11 @@
                 <a:ea typeface="+mn-ea"/>
                 <a:cs typeface="+mn-cs"/>
               </a:rPr>
-              <a:t>- Hệ thống kiểm tra số tài khoản của khách hàng và phương thức thanh toán.  Nếu hợp lệ thì hệ thống thông báo giao dịch thành công. Nếu sai thì thực hiện dòng sự kiện luồng rẽ nhánh A2.</a:t>
-            </a:r>
-          </a:p>
-          <a:p>
+              <a:t>Hệ thống thống báo kết quả quá trình nhập thông tin cá nhân. Nếu thông tin nhập chính xác thì hệ thống cập nhật thông tin khách hàng vào danh sách khách hàng thành viên.</a:t>
+            </a:r>
+          </a:p>
+          <a:p>
+            <a:pPr lvl="0"/>
             <a:r>
               <a:rPr lang="en-US" sz="1200" kern="1200" smtClean="0">
                 <a:solidFill>
@@ -2565,7 +2983,7 @@
                 <a:ea typeface="+mn-ea"/>
                 <a:cs typeface="+mn-cs"/>
               </a:rPr>
-              <a:t>- Ca sử dụng kết thúc.</a:t>
+              <a:t>Ca sử dụng kết thúc khi khách hàng chọn “Thoát”.</a:t>
             </a:r>
           </a:p>
           <a:p>
@@ -2595,11 +3013,10 @@
                 <a:ea typeface="+mn-ea"/>
                 <a:cs typeface="+mn-cs"/>
               </a:rPr>
-              <a:t>Dòng sự kiện rẽ nhánh A1: Đơn hàng nhập sai.</a:t>
-            </a:r>
-          </a:p>
-          <a:p>
-            <a:pPr lvl="0"/>
+              <a:t>Quá trình nhập thông tin không chính xác.</a:t>
+            </a:r>
+          </a:p>
+          <a:p>
             <a:r>
               <a:rPr lang="en-US" sz="1200" kern="1200" smtClean="0">
                 <a:solidFill>
@@ -2610,11 +3027,10 @@
                 <a:ea typeface="+mn-ea"/>
                 <a:cs typeface="+mn-cs"/>
               </a:rPr>
-              <a:t>Hệ thống thông báo việc tạo đơn hàng không thành công.</a:t>
-            </a:r>
-          </a:p>
-          <a:p>
-            <a:pPr lvl="0"/>
+              <a:t>+ Hệ thống thông báo nhập thông tin không chính xác.</a:t>
+            </a:r>
+          </a:p>
+          <a:p>
             <a:r>
               <a:rPr lang="en-US" sz="1200" kern="1200" smtClean="0">
                 <a:solidFill>
@@ -2625,11 +3041,10 @@
                 <a:ea typeface="+mn-ea"/>
                 <a:cs typeface="+mn-cs"/>
               </a:rPr>
-              <a:t>Hệ thống hiển thị lại form nhập thông tin và các trường nhập sai.</a:t>
-            </a:r>
-          </a:p>
-          <a:p>
-            <a:pPr lvl="0"/>
+              <a:t>+ Hệ thống yêu cầu khách hàng xem lại thông tin.</a:t>
+            </a:r>
+          </a:p>
+          <a:p>
             <a:r>
               <a:rPr lang="en-US" sz="1200" kern="1200" smtClean="0">
                 <a:solidFill>
@@ -2640,156 +3055,7 @@
                 <a:ea typeface="+mn-ea"/>
                 <a:cs typeface="+mn-cs"/>
               </a:rPr>
-              <a:t>Khách hàng nhập lại thông tin, nếu muốn ngưng giao dịch thì thực hiện dòng sự kiện rẽ nhánh A3</a:t>
-            </a:r>
-          </a:p>
-          <a:p>
-            <a:pPr lvl="0"/>
-            <a:r>
-              <a:rPr lang="en-US" sz="1200" kern="1200" smtClean="0">
-                <a:solidFill>
-                  <a:schemeClr val="tx1"/>
-                </a:solidFill>
-                <a:effectLst/>
-                <a:latin typeface="+mn-lt"/>
-                <a:ea typeface="+mn-ea"/>
-                <a:cs typeface="+mn-cs"/>
-              </a:rPr>
-              <a:t>Quay lại bước 4 của dòng sự kiện chính.</a:t>
-            </a:r>
-          </a:p>
-          <a:p>
-            <a:pPr lvl="0"/>
-            <a:r>
-              <a:rPr lang="en-US" sz="1200" kern="1200" smtClean="0">
-                <a:solidFill>
-                  <a:schemeClr val="tx1"/>
-                </a:solidFill>
-                <a:effectLst/>
-                <a:latin typeface="+mn-lt"/>
-                <a:ea typeface="+mn-ea"/>
-                <a:cs typeface="+mn-cs"/>
-              </a:rPr>
-              <a:t>Dòng sự kiện rẽ nhánh A2: tài khoản không hợp lệ</a:t>
-            </a:r>
-          </a:p>
-          <a:p>
-            <a:pPr lvl="0"/>
-            <a:r>
-              <a:rPr lang="en-US" sz="1200" kern="1200" smtClean="0">
-                <a:solidFill>
-                  <a:schemeClr val="tx1"/>
-                </a:solidFill>
-                <a:effectLst/>
-                <a:latin typeface="+mn-lt"/>
-                <a:ea typeface="+mn-ea"/>
-                <a:cs typeface="+mn-cs"/>
-              </a:rPr>
-              <a:t>Hệ thống báo phương thức thanh toán và tài khoản của quý khách không hợp lệ.</a:t>
-            </a:r>
-          </a:p>
-          <a:p>
-            <a:pPr lvl="0"/>
-            <a:r>
-              <a:rPr lang="en-US" sz="1200" kern="1200" smtClean="0">
-                <a:solidFill>
-                  <a:schemeClr val="tx1"/>
-                </a:solidFill>
-                <a:effectLst/>
-                <a:latin typeface="+mn-lt"/>
-                <a:ea typeface="+mn-ea"/>
-                <a:cs typeface="+mn-cs"/>
-              </a:rPr>
-              <a:t>Khách hàng nhập lại thông tin nếu muốn mua hàng, nếu muốn ngưng giao dịch thì thực hiện dòng sự kiện rẽ nhánh A3.</a:t>
-            </a:r>
-          </a:p>
-          <a:p>
-            <a:pPr lvl="0"/>
-            <a:r>
-              <a:rPr lang="en-US" sz="1200" kern="1200" smtClean="0">
-                <a:solidFill>
-                  <a:schemeClr val="tx1"/>
-                </a:solidFill>
-                <a:effectLst/>
-                <a:latin typeface="+mn-lt"/>
-                <a:ea typeface="+mn-ea"/>
-                <a:cs typeface="+mn-cs"/>
-              </a:rPr>
-              <a:t>Quay lại bước 4 của dòng sự kiện chính.</a:t>
-            </a:r>
-          </a:p>
-          <a:p>
-            <a:pPr lvl="0"/>
-            <a:r>
-              <a:rPr lang="en-US" sz="1200" kern="1200" smtClean="0">
-                <a:solidFill>
-                  <a:schemeClr val="tx1"/>
-                </a:solidFill>
-                <a:effectLst/>
-                <a:latin typeface="+mn-lt"/>
-                <a:ea typeface="+mn-ea"/>
-                <a:cs typeface="+mn-cs"/>
-              </a:rPr>
-              <a:t>Dòng sự kiện rẽ nhánh A3: Khách hàng hủy đơn hàng.</a:t>
-            </a:r>
-          </a:p>
-          <a:p>
-            <a:pPr lvl="0"/>
-            <a:r>
-              <a:rPr lang="en-US" sz="1200" kern="1200" smtClean="0">
-                <a:solidFill>
-                  <a:schemeClr val="tx1"/>
-                </a:solidFill>
-                <a:effectLst/>
-                <a:latin typeface="+mn-lt"/>
-                <a:ea typeface="+mn-ea"/>
-                <a:cs typeface="+mn-cs"/>
-              </a:rPr>
-              <a:t>Khách hàng nhấn hủy bỏ đơn hàng.</a:t>
-            </a:r>
-          </a:p>
-          <a:p>
-            <a:pPr lvl="0"/>
-            <a:r>
-              <a:rPr lang="en-US" sz="1200" kern="1200" smtClean="0">
-                <a:solidFill>
-                  <a:schemeClr val="tx1"/>
-                </a:solidFill>
-                <a:effectLst/>
-                <a:latin typeface="+mn-lt"/>
-                <a:ea typeface="+mn-ea"/>
-                <a:cs typeface="+mn-cs"/>
-              </a:rPr>
-              <a:t>Hệ thống hiển thị các sản phẩm để khách hàng thực hiện giao dịch mới.</a:t>
-            </a:r>
-          </a:p>
-          <a:p>
-            <a:pPr lvl="0"/>
-            <a:r>
-              <a:rPr lang="en-US" sz="1200" kern="1200" smtClean="0">
-                <a:solidFill>
-                  <a:schemeClr val="tx1"/>
-                </a:solidFill>
-                <a:effectLst/>
-                <a:latin typeface="+mn-lt"/>
-                <a:ea typeface="+mn-ea"/>
-                <a:cs typeface="+mn-cs"/>
-              </a:rPr>
-              <a:t>Ca sử dụng kết thúc</a:t>
-            </a:r>
-          </a:p>
-          <a:p>
-            <a:r>
-              <a:rPr lang="en-US" sz="1200" kern="1200" smtClean="0">
-                <a:solidFill>
-                  <a:schemeClr val="tx1"/>
-                </a:solidFill>
-                <a:effectLst/>
-                <a:latin typeface="+mn-lt"/>
-                <a:ea typeface="+mn-ea"/>
-                <a:cs typeface="+mn-cs"/>
-              </a:rPr>
-              <a:t> </a:t>
+              <a:t>+ Khách hàng đồng ý thì nhập lại thông tin, nếu không đồng ý thì ca sử dụng kết thúc.</a:t>
             </a:r>
           </a:p>
           <a:p>
@@ -2814,7 +3080,7 @@
           <a:p>
             <a:fld id="{779830E7-2CEB-45E4-A46C-10A5090F7B89}" type="slidenum">
               <a:rPr lang="en-US" smtClean="0"/>
-              <a:t>11</a:t>
+              <a:t>10</a:t>
             </a:fld>
             <a:endParaRPr lang="en-US"/>
           </a:p>
@@ -2823,7 +3089,541 @@
     </p:spTree>
     <p:extLst>
       <p:ext uri="{BB962C8B-B14F-4D97-AF65-F5344CB8AC3E}">
-        <p14:creationId xmlns:p14="http://schemas.microsoft.com/office/powerpoint/2010/main" val="602758219"/>
+        <p14:creationId xmlns:p14="http://schemas.microsoft.com/office/powerpoint/2010/main" val="2319338406"/>
+      </p:ext>
+    </p:extLst>
+  </p:cSld>
+  <p:clrMapOvr>
+    <a:masterClrMapping/>
+  </p:clrMapOvr>
+</p:notes>
+</file>
+
+<file path=ppt/notesSlides/notesSlide8.xml><?xml version="1.0" encoding="utf-8"?>
+<p:notes xmlns:a="http://schemas.openxmlformats.org/drawingml/2006/main" xmlns:r="http://schemas.openxmlformats.org/officeDocument/2006/relationships" xmlns:p="http://schemas.openxmlformats.org/presentationml/2006/main">
+  <p:cSld>
+    <p:spTree>
+      <p:nvGrpSpPr>
+        <p:cNvPr id="1" name=""/>
+        <p:cNvGrpSpPr/>
+        <p:nvPr/>
+      </p:nvGrpSpPr>
+      <p:grpSpPr>
+        <a:xfrm>
+          <a:off x="0" y="0"/>
+          <a:ext cx="0" cy="0"/>
+          <a:chOff x="0" y="0"/>
+          <a:chExt cx="0" cy="0"/>
+        </a:xfrm>
+      </p:grpSpPr>
+      <p:sp>
+        <p:nvSpPr>
+          <p:cNvPr id="2" name="Slide Image Placeholder 1"/>
+          <p:cNvSpPr>
+            <a:spLocks noGrp="1" noRot="1" noChangeAspect="1"/>
+          </p:cNvSpPr>
+          <p:nvPr>
+            <p:ph type="sldImg"/>
+          </p:nvPr>
+        </p:nvSpPr>
+        <p:spPr>
+          <a:xfrm>
+            <a:off x="1143000" y="685800"/>
+            <a:ext cx="4572000" cy="3429000"/>
+          </a:xfrm>
+        </p:spPr>
+      </p:sp>
+      <p:sp>
+        <p:nvSpPr>
+          <p:cNvPr id="3" name="Notes Placeholder 2"/>
+          <p:cNvSpPr>
+            <a:spLocks noGrp="1"/>
+          </p:cNvSpPr>
+          <p:nvPr>
+            <p:ph type="body" idx="1"/>
+          </p:nvPr>
+        </p:nvSpPr>
+        <p:spPr/>
+        <p:txBody>
+          <a:bodyPr/>
+          <a:lstStyle/>
+          <a:p>
+            <a:pPr lvl="1"/>
+            <a:r>
+              <a:rPr lang="en-US" sz="1200" b="1" kern="1200" smtClean="0">
+                <a:solidFill>
+                  <a:schemeClr val="tx1"/>
+                </a:solidFill>
+                <a:effectLst/>
+                <a:latin typeface="+mn-lt"/>
+                <a:ea typeface="+mn-ea"/>
+                <a:cs typeface="+mn-cs"/>
+              </a:rPr>
+              <a:t>Đặc tả Use Case “Tìm kiếm”</a:t>
+            </a:r>
+          </a:p>
+          <a:p>
+            <a:pPr lvl="0"/>
+            <a:r>
+              <a:rPr lang="en-US" sz="1200" kern="1200" smtClean="0">
+                <a:solidFill>
+                  <a:schemeClr val="tx1"/>
+                </a:solidFill>
+                <a:effectLst/>
+                <a:latin typeface="+mn-lt"/>
+                <a:ea typeface="+mn-ea"/>
+                <a:cs typeface="+mn-cs"/>
+              </a:rPr>
+              <a:t>Tác nhân: Khách hàng, Admin.</a:t>
+            </a:r>
+          </a:p>
+          <a:p>
+            <a:pPr lvl="0"/>
+            <a:r>
+              <a:rPr lang="en-US" sz="1200" kern="1200" smtClean="0">
+                <a:solidFill>
+                  <a:schemeClr val="tx1"/>
+                </a:solidFill>
+                <a:effectLst/>
+                <a:latin typeface="+mn-lt"/>
+                <a:ea typeface="+mn-ea"/>
+                <a:cs typeface="+mn-cs"/>
+              </a:rPr>
+              <a:t>Mô tả khái quát: Thông tin cần tìm kiếm được hiển thị.</a:t>
+            </a:r>
+          </a:p>
+          <a:p>
+            <a:pPr lvl="0"/>
+            <a:r>
+              <a:rPr lang="en-US" sz="1200" kern="1200" smtClean="0">
+                <a:solidFill>
+                  <a:schemeClr val="tx1"/>
+                </a:solidFill>
+                <a:effectLst/>
+                <a:latin typeface="+mn-lt"/>
+                <a:ea typeface="+mn-ea"/>
+                <a:cs typeface="+mn-cs"/>
+              </a:rPr>
+              <a:t>Điều kiện đầu vào: Người dùng truy cập vào hệ thống website nhập thông tin cần tìm kiếm, hệ thống sẽ tự động thực hiện yêu cầu tìm kiếm.</a:t>
+            </a:r>
+          </a:p>
+          <a:p>
+            <a:pPr lvl="0"/>
+            <a:r>
+              <a:rPr lang="en-US" sz="1200" kern="1200" smtClean="0">
+                <a:solidFill>
+                  <a:schemeClr val="tx1"/>
+                </a:solidFill>
+                <a:effectLst/>
+                <a:latin typeface="+mn-lt"/>
+                <a:ea typeface="+mn-ea"/>
+                <a:cs typeface="+mn-cs"/>
+              </a:rPr>
+              <a:t>Dòng sự kiện chính:</a:t>
+            </a:r>
+          </a:p>
+          <a:p>
+            <a:r>
+              <a:rPr lang="en-US" sz="1200" kern="1200" smtClean="0">
+                <a:solidFill>
+                  <a:schemeClr val="tx1"/>
+                </a:solidFill>
+                <a:effectLst/>
+                <a:latin typeface="+mn-lt"/>
+                <a:ea typeface="+mn-ea"/>
+                <a:cs typeface="+mn-cs"/>
+              </a:rPr>
+              <a:t>- Ca sử dụng bắt đầu khi người dùng truy cập vào website của hệ thống và chọn tìm kiếm. Sau đó người dùng điền từ khóa và hệ thống sẽ kiểm tra nếu từ khóa hợp lệ:</a:t>
+            </a:r>
+          </a:p>
+          <a:p>
+            <a:r>
+              <a:rPr lang="en-US" sz="1200" kern="1200" smtClean="0">
+                <a:solidFill>
+                  <a:schemeClr val="tx1"/>
+                </a:solidFill>
+                <a:effectLst/>
+                <a:latin typeface="+mn-lt"/>
+                <a:ea typeface="+mn-ea"/>
+                <a:cs typeface="+mn-cs"/>
+              </a:rPr>
+              <a:t>+ Hệ thống bắt đầu hiển thị thông tin sản phẩm hoặc thông tin bài viết được tìm thấy.</a:t>
+            </a:r>
+          </a:p>
+          <a:p>
+            <a:r>
+              <a:rPr lang="en-US" sz="1200" kern="1200" smtClean="0">
+                <a:solidFill>
+                  <a:schemeClr val="tx1"/>
+                </a:solidFill>
+                <a:effectLst/>
+                <a:latin typeface="+mn-lt"/>
+                <a:ea typeface="+mn-ea"/>
+                <a:cs typeface="+mn-cs"/>
+              </a:rPr>
+              <a:t>+ Người dùng có thể chọn xem thông tin hoặc chọn “Thoát” khi đó ca sử dụng kết thúc.</a:t>
+            </a:r>
+          </a:p>
+          <a:p>
+            <a:pPr lvl="0"/>
+            <a:r>
+              <a:rPr lang="en-US" sz="1200" kern="1200" smtClean="0">
+                <a:solidFill>
+                  <a:schemeClr val="tx1"/>
+                </a:solidFill>
+                <a:effectLst/>
+                <a:latin typeface="+mn-lt"/>
+                <a:ea typeface="+mn-ea"/>
+                <a:cs typeface="+mn-cs"/>
+              </a:rPr>
+              <a:t>Dòng sự kiện phụ:</a:t>
+            </a:r>
+          </a:p>
+          <a:p>
+            <a:pPr lvl="0"/>
+            <a:r>
+              <a:rPr lang="en-US" sz="1200" kern="1200" smtClean="0">
+                <a:solidFill>
+                  <a:schemeClr val="tx1"/>
+                </a:solidFill>
+                <a:effectLst/>
+                <a:latin typeface="+mn-lt"/>
+                <a:ea typeface="+mn-ea"/>
+                <a:cs typeface="+mn-cs"/>
+              </a:rPr>
+              <a:t>Từ khóa không hợp lệ:</a:t>
+            </a:r>
+          </a:p>
+          <a:p>
+            <a:r>
+              <a:rPr lang="en-US" sz="1200" kern="1200" smtClean="0">
+                <a:solidFill>
+                  <a:schemeClr val="tx1"/>
+                </a:solidFill>
+                <a:effectLst/>
+                <a:latin typeface="+mn-lt"/>
+                <a:ea typeface="+mn-ea"/>
+                <a:cs typeface="+mn-cs"/>
+              </a:rPr>
+              <a:t>+ Người dùng có thể điền lại từ khóa hoặc hủy bỏ tìm kiếm, khi đó ca sử dụng kết thúc.</a:t>
+            </a:r>
+          </a:p>
+          <a:p>
+            <a:endParaRPr lang="en-US"/>
+          </a:p>
+        </p:txBody>
+      </p:sp>
+      <p:sp>
+        <p:nvSpPr>
+          <p:cNvPr id="4" name="Slide Number Placeholder 3"/>
+          <p:cNvSpPr>
+            <a:spLocks noGrp="1"/>
+          </p:cNvSpPr>
+          <p:nvPr>
+            <p:ph type="sldNum" sz="quarter" idx="10"/>
+          </p:nvPr>
+        </p:nvSpPr>
+        <p:spPr/>
+        <p:txBody>
+          <a:bodyPr/>
+          <a:lstStyle/>
+          <a:p>
+            <a:fld id="{779830E7-2CEB-45E4-A46C-10A5090F7B89}" type="slidenum">
+              <a:rPr lang="en-US" smtClean="0"/>
+              <a:t>11</a:t>
+            </a:fld>
+            <a:endParaRPr lang="en-US"/>
+          </a:p>
+        </p:txBody>
+      </p:sp>
+    </p:spTree>
+    <p:extLst>
+      <p:ext uri="{BB962C8B-B14F-4D97-AF65-F5344CB8AC3E}">
+        <p14:creationId xmlns:p14="http://schemas.microsoft.com/office/powerpoint/2010/main" val="347563953"/>
+      </p:ext>
+    </p:extLst>
+  </p:cSld>
+  <p:clrMapOvr>
+    <a:masterClrMapping/>
+  </p:clrMapOvr>
+</p:notes>
+</file>
+
+<file path=ppt/notesSlides/notesSlide9.xml><?xml version="1.0" encoding="utf-8"?>
+<p:notes xmlns:a="http://schemas.openxmlformats.org/drawingml/2006/main" xmlns:r="http://schemas.openxmlformats.org/officeDocument/2006/relationships" xmlns:p="http://schemas.openxmlformats.org/presentationml/2006/main">
+  <p:cSld>
+    <p:spTree>
+      <p:nvGrpSpPr>
+        <p:cNvPr id="1" name=""/>
+        <p:cNvGrpSpPr/>
+        <p:nvPr/>
+      </p:nvGrpSpPr>
+      <p:grpSpPr>
+        <a:xfrm>
+          <a:off x="0" y="0"/>
+          <a:ext cx="0" cy="0"/>
+          <a:chOff x="0" y="0"/>
+          <a:chExt cx="0" cy="0"/>
+        </a:xfrm>
+      </p:grpSpPr>
+      <p:sp>
+        <p:nvSpPr>
+          <p:cNvPr id="2" name="Slide Image Placeholder 1"/>
+          <p:cNvSpPr>
+            <a:spLocks noGrp="1" noRot="1" noChangeAspect="1"/>
+          </p:cNvSpPr>
+          <p:nvPr>
+            <p:ph type="sldImg"/>
+          </p:nvPr>
+        </p:nvSpPr>
+        <p:spPr>
+          <a:xfrm>
+            <a:off x="1143000" y="685800"/>
+            <a:ext cx="4572000" cy="3429000"/>
+          </a:xfrm>
+        </p:spPr>
+      </p:sp>
+      <p:sp>
+        <p:nvSpPr>
+          <p:cNvPr id="3" name="Notes Placeholder 2"/>
+          <p:cNvSpPr>
+            <a:spLocks noGrp="1"/>
+          </p:cNvSpPr>
+          <p:nvPr>
+            <p:ph type="body" idx="1"/>
+          </p:nvPr>
+        </p:nvSpPr>
+        <p:spPr/>
+        <p:txBody>
+          <a:bodyPr/>
+          <a:lstStyle/>
+          <a:p>
+            <a:pPr lvl="1"/>
+            <a:r>
+              <a:rPr lang="en-US" sz="1200" b="1" kern="1200" smtClean="0">
+                <a:solidFill>
+                  <a:schemeClr val="tx1"/>
+                </a:solidFill>
+                <a:effectLst/>
+                <a:latin typeface="+mn-lt"/>
+                <a:ea typeface="+mn-ea"/>
+                <a:cs typeface="+mn-cs"/>
+              </a:rPr>
+              <a:t>Đặc tả Use Case “Đặt Tour”</a:t>
+            </a:r>
+          </a:p>
+          <a:p>
+            <a:pPr lvl="0"/>
+            <a:r>
+              <a:rPr lang="en-US" sz="1200" kern="1200" smtClean="0">
+                <a:solidFill>
+                  <a:schemeClr val="tx1"/>
+                </a:solidFill>
+                <a:effectLst/>
+                <a:latin typeface="+mn-lt"/>
+                <a:ea typeface="+mn-ea"/>
+                <a:cs typeface="+mn-cs"/>
+              </a:rPr>
+              <a:t>Tác nhân: khách hàng.</a:t>
+            </a:r>
+          </a:p>
+          <a:p>
+            <a:pPr lvl="0"/>
+            <a:r>
+              <a:rPr lang="en-US" sz="1200" kern="1200" smtClean="0">
+                <a:solidFill>
+                  <a:schemeClr val="tx1"/>
+                </a:solidFill>
+                <a:effectLst/>
+                <a:latin typeface="+mn-lt"/>
+                <a:ea typeface="+mn-ea"/>
+                <a:cs typeface="+mn-cs"/>
+              </a:rPr>
+              <a:t>Mô tả khái quát: Ca sử dụng cho phép khách hàng chọn tour.</a:t>
+            </a:r>
+          </a:p>
+          <a:p>
+            <a:pPr lvl="0"/>
+            <a:r>
+              <a:rPr lang="en-US" sz="1200" kern="1200" smtClean="0">
+                <a:solidFill>
+                  <a:schemeClr val="tx1"/>
+                </a:solidFill>
+                <a:effectLst/>
+                <a:latin typeface="+mn-lt"/>
+                <a:ea typeface="+mn-ea"/>
+                <a:cs typeface="+mn-cs"/>
+              </a:rPr>
+              <a:t>Điều kiện đầu vào: Ca sử dụng bắt đầu khi sản phẩm cần chọn đã hiển thị trên hệ thống.</a:t>
+            </a:r>
+          </a:p>
+          <a:p>
+            <a:pPr lvl="0"/>
+            <a:r>
+              <a:rPr lang="en-US" sz="1200" kern="1200" smtClean="0">
+                <a:solidFill>
+                  <a:schemeClr val="tx1"/>
+                </a:solidFill>
+                <a:effectLst/>
+                <a:latin typeface="+mn-lt"/>
+                <a:ea typeface="+mn-ea"/>
+                <a:cs typeface="+mn-cs"/>
+              </a:rPr>
+              <a:t>Dòng sự kiện chính:</a:t>
+            </a:r>
+          </a:p>
+          <a:p>
+            <a:pPr lvl="0"/>
+            <a:r>
+              <a:rPr lang="en-US" sz="1200" kern="1200" smtClean="0">
+                <a:solidFill>
+                  <a:schemeClr val="tx1"/>
+                </a:solidFill>
+                <a:effectLst/>
+                <a:latin typeface="+mn-lt"/>
+                <a:ea typeface="+mn-ea"/>
+                <a:cs typeface="+mn-cs"/>
+              </a:rPr>
+              <a:t>Khách hàng chọn vào mục tour.</a:t>
+            </a:r>
+          </a:p>
+          <a:p>
+            <a:pPr lvl="0"/>
+            <a:r>
+              <a:rPr lang="en-US" sz="1200" kern="1200" smtClean="0">
+                <a:solidFill>
+                  <a:schemeClr val="tx1"/>
+                </a:solidFill>
+                <a:effectLst/>
+                <a:latin typeface="+mn-lt"/>
+                <a:ea typeface="+mn-ea"/>
+                <a:cs typeface="+mn-cs"/>
+              </a:rPr>
+              <a:t>Hệ thống hiển thị các tour có trong đã chọn.</a:t>
+            </a:r>
+          </a:p>
+          <a:p>
+            <a:pPr lvl="0"/>
+            <a:r>
+              <a:rPr lang="en-US" sz="1200" kern="1200" smtClean="0">
+                <a:solidFill>
+                  <a:schemeClr val="tx1"/>
+                </a:solidFill>
+                <a:effectLst/>
+                <a:latin typeface="+mn-lt"/>
+                <a:ea typeface="+mn-ea"/>
+                <a:cs typeface="+mn-cs"/>
+              </a:rPr>
+              <a:t>Khách hàng xem thông tin về tour cần đặt.</a:t>
+            </a:r>
+          </a:p>
+          <a:p>
+            <a:pPr lvl="0"/>
+            <a:r>
+              <a:rPr lang="en-US" sz="1200" kern="1200" smtClean="0">
+                <a:solidFill>
+                  <a:schemeClr val="tx1"/>
+                </a:solidFill>
+                <a:effectLst/>
+                <a:latin typeface="+mn-lt"/>
+                <a:ea typeface="+mn-ea"/>
+                <a:cs typeface="+mn-cs"/>
+              </a:rPr>
+              <a:t>Nếu hệ thống hiển thị có tour, khách hàng chọn vào tour cụ thể cần đặt.</a:t>
+            </a:r>
+          </a:p>
+          <a:p>
+            <a:pPr lvl="0"/>
+            <a:r>
+              <a:rPr lang="en-US" sz="1200" kern="1200" smtClean="0">
+                <a:solidFill>
+                  <a:schemeClr val="tx1"/>
+                </a:solidFill>
+                <a:effectLst/>
+                <a:latin typeface="+mn-lt"/>
+                <a:ea typeface="+mn-ea"/>
+                <a:cs typeface="+mn-cs"/>
+              </a:rPr>
+              <a:t>Ca sử dụng kết thúc</a:t>
+            </a:r>
+          </a:p>
+          <a:p>
+            <a:pPr lvl="0"/>
+            <a:r>
+              <a:rPr lang="en-US" sz="1200" kern="1200" smtClean="0">
+                <a:solidFill>
+                  <a:schemeClr val="tx1"/>
+                </a:solidFill>
+                <a:effectLst/>
+                <a:latin typeface="+mn-lt"/>
+                <a:ea typeface="+mn-ea"/>
+                <a:cs typeface="+mn-cs"/>
+              </a:rPr>
+              <a:t>Dòng sự kiện phụ:</a:t>
+            </a:r>
+          </a:p>
+          <a:p>
+            <a:pPr lvl="0"/>
+            <a:r>
+              <a:rPr lang="en-US" sz="1200" kern="1200" smtClean="0">
+                <a:solidFill>
+                  <a:schemeClr val="tx1"/>
+                </a:solidFill>
+                <a:effectLst/>
+                <a:latin typeface="+mn-lt"/>
+                <a:ea typeface="+mn-ea"/>
+                <a:cs typeface="+mn-cs"/>
+              </a:rPr>
+              <a:t>Khách chọn đặt tour ở mục khác.</a:t>
+            </a:r>
+          </a:p>
+          <a:p>
+            <a:pPr lvl="0"/>
+            <a:r>
+              <a:rPr lang="en-US" sz="1200" kern="1200" smtClean="0">
+                <a:solidFill>
+                  <a:schemeClr val="tx1"/>
+                </a:solidFill>
+                <a:effectLst/>
+                <a:latin typeface="+mn-lt"/>
+                <a:ea typeface="+mn-ea"/>
+                <a:cs typeface="+mn-cs"/>
+              </a:rPr>
+              <a:t>Hệ thống hiển thị có tour đó.</a:t>
+            </a:r>
+          </a:p>
+          <a:p>
+            <a:endParaRPr lang="en-US"/>
+          </a:p>
+        </p:txBody>
+      </p:sp>
+      <p:sp>
+        <p:nvSpPr>
+          <p:cNvPr id="4" name="Slide Number Placeholder 3"/>
+          <p:cNvSpPr>
+            <a:spLocks noGrp="1"/>
+          </p:cNvSpPr>
+          <p:nvPr>
+            <p:ph type="sldNum" sz="quarter" idx="10"/>
+          </p:nvPr>
+        </p:nvSpPr>
+        <p:spPr/>
+        <p:txBody>
+          <a:bodyPr/>
+          <a:lstStyle/>
+          <a:p>
+            <a:fld id="{779830E7-2CEB-45E4-A46C-10A5090F7B89}" type="slidenum">
+              <a:rPr lang="en-US" smtClean="0"/>
+              <a:t>12</a:t>
+            </a:fld>
+            <a:endParaRPr lang="en-US"/>
+          </a:p>
+        </p:txBody>
+      </p:sp>
+    </p:spTree>
+    <p:extLst>
+      <p:ext uri="{BB962C8B-B14F-4D97-AF65-F5344CB8AC3E}">
+        <p14:creationId xmlns:p14="http://schemas.microsoft.com/office/powerpoint/2010/main" val="3248751063"/>
       </p:ext>
     </p:extLst>
   </p:cSld>
@@ -3275,7 +4075,7 @@
         </p:nvSpPr>
         <p:spPr>
           <a:xfrm>
-            <a:off x="6629400" y="274639"/>
+            <a:off x="6629400" y="274640"/>
             <a:ext cx="2057400" cy="5851525"/>
           </a:xfrm>
         </p:spPr>
@@ -3303,7 +4103,7 @@
         </p:nvSpPr>
         <p:spPr>
           <a:xfrm>
-            <a:off x="457200" y="274639"/>
+            <a:off x="457200" y="274640"/>
             <a:ext cx="6019800" cy="5851525"/>
           </a:xfrm>
         </p:spPr>
@@ -3633,7 +4433,7 @@
         </p:nvSpPr>
         <p:spPr>
           <a:xfrm>
-            <a:off x="722313" y="1371601"/>
+            <a:off x="722313" y="1371602"/>
             <a:ext cx="7772400" cy="2505075"/>
           </a:xfrm>
         </p:spPr>
@@ -3686,7 +4486,7 @@
         </p:nvSpPr>
         <p:spPr>
           <a:xfrm>
-            <a:off x="722313" y="4068764"/>
+            <a:off x="722313" y="4068765"/>
             <a:ext cx="7772400" cy="1131887"/>
           </a:xfrm>
         </p:spPr>
@@ -3866,7 +4666,7 @@
         </p:nvSpPr>
         <p:spPr>
           <a:xfrm>
-            <a:off x="4495801" y="3924300"/>
+            <a:off x="4495802" y="3924300"/>
             <a:ext cx="84772" cy="84772"/>
           </a:xfrm>
           <a:prstGeom prst="ellipse">
@@ -3966,7 +4766,7 @@
         </p:nvSpPr>
         <p:spPr>
           <a:xfrm>
-            <a:off x="4296729" y="3924300"/>
+            <a:off x="4296730" y="3924300"/>
             <a:ext cx="84772" cy="84772"/>
           </a:xfrm>
           <a:prstGeom prst="ellipse">
@@ -4068,7 +4868,7 @@
         </p:nvSpPr>
         <p:spPr>
           <a:xfrm>
-            <a:off x="4648200" y="1600201"/>
+            <a:off x="4648200" y="1600202"/>
             <a:ext cx="4038600" cy="4525963"/>
           </a:xfrm>
         </p:spPr>
@@ -4327,7 +5127,7 @@
         </p:nvSpPr>
         <p:spPr>
           <a:xfrm>
-            <a:off x="457201" y="1600200"/>
+            <a:off x="457202" y="1600200"/>
             <a:ext cx="4040188" cy="609600"/>
           </a:xfrm>
         </p:spPr>
@@ -4394,7 +5194,7 @@
         </p:nvSpPr>
         <p:spPr>
           <a:xfrm>
-            <a:off x="4648202" y="1600200"/>
+            <a:off x="4648203" y="1600200"/>
             <a:ext cx="4041775" cy="609600"/>
           </a:xfrm>
         </p:spPr>
@@ -4583,7 +5383,7 @@
         </p:nvSpPr>
         <p:spPr>
           <a:xfrm>
-            <a:off x="4672584" y="2212849"/>
+            <a:off x="4672584" y="2212850"/>
             <a:ext cx="4041648" cy="3913187"/>
           </a:xfrm>
         </p:spPr>
@@ -4868,7 +5668,7 @@
         </p:nvSpPr>
         <p:spPr>
           <a:xfrm>
-            <a:off x="5907089" y="266700"/>
+            <a:off x="5907090" y="266700"/>
             <a:ext cx="3008313" cy="2095500"/>
           </a:xfrm>
         </p:spPr>
@@ -4911,7 +5711,7 @@
         </p:nvSpPr>
         <p:spPr>
           <a:xfrm>
-            <a:off x="719138" y="273051"/>
+            <a:off x="719139" y="273052"/>
             <a:ext cx="4995863" cy="5853113"/>
           </a:xfrm>
         </p:spPr>
@@ -4996,7 +5796,7 @@
         </p:nvSpPr>
         <p:spPr>
           <a:xfrm>
-            <a:off x="5907089" y="2438401"/>
+            <a:off x="5907090" y="2438402"/>
             <a:ext cx="3008313" cy="3687763"/>
           </a:xfrm>
         </p:spPr>
@@ -5463,7 +6263,7 @@
         </p:nvSpPr>
         <p:spPr>
           <a:xfrm>
-            <a:off x="457200" y="1600201"/>
+            <a:off x="457200" y="1600202"/>
             <a:ext cx="8229600" cy="4525963"/>
           </a:xfrm>
           <a:prstGeom prst="rect">
@@ -5525,7 +6325,7 @@
         </p:nvSpPr>
         <p:spPr>
           <a:xfrm>
-            <a:off x="6363349" y="6356351"/>
+            <a:off x="6363350" y="6356352"/>
             <a:ext cx="2085975" cy="365125"/>
           </a:xfrm>
           <a:prstGeom prst="rect">
@@ -5568,7 +6368,7 @@
         </p:nvSpPr>
         <p:spPr>
           <a:xfrm>
-            <a:off x="659166" y="6356351"/>
+            <a:off x="659167" y="6356352"/>
             <a:ext cx="2847975" cy="365125"/>
           </a:xfrm>
           <a:prstGeom prst="rect">
@@ -5607,7 +6407,7 @@
         </p:nvSpPr>
         <p:spPr>
           <a:xfrm>
-            <a:off x="8543279" y="6356351"/>
+            <a:off x="8543281" y="6356352"/>
             <a:ext cx="561975" cy="365125"/>
           </a:xfrm>
           <a:prstGeom prst="rect">
@@ -5646,7 +6446,7 @@
         </p:nvSpPr>
         <p:spPr>
           <a:xfrm>
-            <a:off x="8457761" y="6499385"/>
+            <a:off x="8457762" y="6499386"/>
             <a:ext cx="84772" cy="84772"/>
           </a:xfrm>
           <a:prstGeom prst="ellipse">
@@ -5703,7 +6503,7 @@
         </p:nvSpPr>
         <p:spPr>
           <a:xfrm>
-            <a:off x="569119" y="6499385"/>
+            <a:off x="569119" y="6499386"/>
             <a:ext cx="84772" cy="84772"/>
           </a:xfrm>
           <a:prstGeom prst="ellipse">
@@ -6080,7 +6880,7 @@
         </p:nvSpPr>
         <p:spPr>
           <a:xfrm>
-            <a:off x="827584" y="764705"/>
+            <a:off x="827584" y="764706"/>
             <a:ext cx="7772400" cy="1375793"/>
           </a:xfrm>
         </p:spPr>
@@ -6207,6 +7007,1716 @@
 </file>
 
 <file path=ppt/slides/slide10.xml><?xml version="1.0" encoding="utf-8"?>
+<p:sld xmlns:a="http://schemas.openxmlformats.org/drawingml/2006/main" xmlns:r="http://schemas.openxmlformats.org/officeDocument/2006/relationships" xmlns:p="http://schemas.openxmlformats.org/presentationml/2006/main">
+  <p:cSld>
+    <p:spTree>
+      <p:nvGrpSpPr>
+        <p:cNvPr id="1" name=""/>
+        <p:cNvGrpSpPr/>
+        <p:nvPr/>
+      </p:nvGrpSpPr>
+      <p:grpSpPr>
+        <a:xfrm>
+          <a:off x="0" y="0"/>
+          <a:ext cx="0" cy="0"/>
+          <a:chOff x="0" y="0"/>
+          <a:chExt cx="0" cy="0"/>
+        </a:xfrm>
+      </p:grpSpPr>
+      <p:sp>
+        <p:nvSpPr>
+          <p:cNvPr id="2" name="Title 1"/>
+          <p:cNvSpPr>
+            <a:spLocks noGrp="1"/>
+          </p:cNvSpPr>
+          <p:nvPr>
+            <p:ph type="title"/>
+          </p:nvPr>
+        </p:nvSpPr>
+        <p:spPr>
+          <a:xfrm>
+            <a:off x="457200" y="0"/>
+            <a:ext cx="8229600" cy="692696"/>
+          </a:xfrm>
+        </p:spPr>
+        <p:txBody>
+          <a:bodyPr/>
+          <a:lstStyle/>
+          <a:p>
+            <a:r>
+              <a:rPr lang="en-US" sz="3000" b="1" smtClean="0">
+                <a:latin typeface="Times New Roman" pitchFamily="18" charset="0"/>
+                <a:cs typeface="Times New Roman" pitchFamily="18" charset="0"/>
+              </a:rPr>
+              <a:t>Chức năng cập nhật thông tin</a:t>
+            </a:r>
+            <a:endParaRPr lang="en-US" sz="3000" b="1">
+              <a:latin typeface="Times New Roman" pitchFamily="18" charset="0"/>
+              <a:cs typeface="Times New Roman" pitchFamily="18" charset="0"/>
+            </a:endParaRPr>
+          </a:p>
+        </p:txBody>
+      </p:sp>
+      <p:sp>
+        <p:nvSpPr>
+          <p:cNvPr id="3" name="Content Placeholder 2"/>
+          <p:cNvSpPr>
+            <a:spLocks noGrp="1"/>
+          </p:cNvSpPr>
+          <p:nvPr>
+            <p:ph idx="1"/>
+          </p:nvPr>
+        </p:nvSpPr>
+        <p:spPr/>
+        <p:txBody>
+          <a:bodyPr/>
+          <a:lstStyle/>
+          <a:p>
+            <a:endParaRPr lang="en-US">
+              <a:latin typeface="Times New Roman" pitchFamily="18" charset="0"/>
+              <a:cs typeface="Times New Roman" pitchFamily="18" charset="0"/>
+            </a:endParaRPr>
+          </a:p>
+        </p:txBody>
+      </p:sp>
+      <p:pic>
+        <p:nvPicPr>
+          <p:cNvPr id="4" name="Picture 3"/>
+          <p:cNvPicPr/>
+          <p:nvPr/>
+        </p:nvPicPr>
+        <p:blipFill>
+          <a:blip r:embed="rId3">
+            <a:extLst>
+              <a:ext uri="{28A0092B-C50C-407E-A947-70E740481C1C}">
+                <a14:useLocalDpi xmlns:a14="http://schemas.microsoft.com/office/drawing/2010/main" val="0"/>
+              </a:ext>
+            </a:extLst>
+          </a:blip>
+          <a:srcRect/>
+          <a:stretch>
+            <a:fillRect/>
+          </a:stretch>
+        </p:blipFill>
+        <p:spPr bwMode="auto">
+          <a:xfrm>
+            <a:off x="539552" y="1412776"/>
+            <a:ext cx="8280919" cy="3174077"/>
+          </a:xfrm>
+          <a:prstGeom prst="rect">
+            <a:avLst/>
+          </a:prstGeom>
+          <a:noFill/>
+          <a:ln>
+            <a:noFill/>
+          </a:ln>
+        </p:spPr>
+      </p:pic>
+      <p:pic>
+        <p:nvPicPr>
+          <p:cNvPr id="5" name="Picture 4"/>
+          <p:cNvPicPr/>
+          <p:nvPr/>
+        </p:nvPicPr>
+        <p:blipFill>
+          <a:blip r:embed="rId4">
+            <a:extLst>
+              <a:ext uri="{28A0092B-C50C-407E-A947-70E740481C1C}">
+                <a14:useLocalDpi xmlns:a14="http://schemas.microsoft.com/office/drawing/2010/main" val="0"/>
+              </a:ext>
+            </a:extLst>
+          </a:blip>
+          <a:srcRect/>
+          <a:stretch>
+            <a:fillRect/>
+          </a:stretch>
+        </p:blipFill>
+        <p:spPr bwMode="auto">
+          <a:xfrm>
+            <a:off x="539552" y="1412776"/>
+            <a:ext cx="8136904" cy="4536504"/>
+          </a:xfrm>
+          <a:prstGeom prst="rect">
+            <a:avLst/>
+          </a:prstGeom>
+          <a:noFill/>
+          <a:ln>
+            <a:noFill/>
+          </a:ln>
+        </p:spPr>
+      </p:pic>
+      <p:pic>
+        <p:nvPicPr>
+          <p:cNvPr id="6" name="Picture 5" descr="D:\WBN\hethongthongtin\capnhathongtinkhachhang.png"/>
+          <p:cNvPicPr/>
+          <p:nvPr/>
+        </p:nvPicPr>
+        <p:blipFill>
+          <a:blip r:embed="rId5">
+            <a:extLst>
+              <a:ext uri="{28A0092B-C50C-407E-A947-70E740481C1C}">
+                <a14:useLocalDpi xmlns:a14="http://schemas.microsoft.com/office/drawing/2010/main" val="0"/>
+              </a:ext>
+            </a:extLst>
+          </a:blip>
+          <a:srcRect/>
+          <a:stretch>
+            <a:fillRect/>
+          </a:stretch>
+        </p:blipFill>
+        <p:spPr bwMode="auto">
+          <a:xfrm>
+            <a:off x="683568" y="1412777"/>
+            <a:ext cx="7992888" cy="4536504"/>
+          </a:xfrm>
+          <a:prstGeom prst="rect">
+            <a:avLst/>
+          </a:prstGeom>
+          <a:noFill/>
+          <a:ln>
+            <a:noFill/>
+          </a:ln>
+        </p:spPr>
+      </p:pic>
+    </p:spTree>
+    <p:extLst>
+      <p:ext uri="{BB962C8B-B14F-4D97-AF65-F5344CB8AC3E}">
+        <p14:creationId xmlns:p14="http://schemas.microsoft.com/office/powerpoint/2010/main" val="342733713"/>
+      </p:ext>
+    </p:extLst>
+  </p:cSld>
+  <p:clrMapOvr>
+    <a:masterClrMapping/>
+  </p:clrMapOvr>
+  <p:timing>
+    <p:tnLst>
+      <p:par>
+        <p:cTn id="1" dur="indefinite" restart="never" nodeType="tmRoot">
+          <p:childTnLst>
+            <p:seq concurrent="1" nextAc="seek">
+              <p:cTn id="2" dur="indefinite" nodeType="mainSeq">
+                <p:childTnLst>
+                  <p:par>
+                    <p:cTn id="3" fill="hold">
+                      <p:stCondLst>
+                        <p:cond delay="indefinite"/>
+                      </p:stCondLst>
+                      <p:childTnLst>
+                        <p:par>
+                          <p:cTn id="4" fill="hold">
+                            <p:stCondLst>
+                              <p:cond delay="0"/>
+                            </p:stCondLst>
+                            <p:childTnLst>
+                              <p:par>
+                                <p:cTn id="5" presetID="42" presetClass="entr" presetSubtype="0" fill="hold" nodeType="clickEffect">
+                                  <p:stCondLst>
+                                    <p:cond delay="0"/>
+                                  </p:stCondLst>
+                                  <p:childTnLst>
+                                    <p:set>
+                                      <p:cBhvr>
+                                        <p:cTn id="6" dur="1" fill="hold">
+                                          <p:stCondLst>
+                                            <p:cond delay="0"/>
+                                          </p:stCondLst>
+                                        </p:cTn>
+                                        <p:tgtEl>
+                                          <p:spTgt spid="4"/>
+                                        </p:tgtEl>
+                                        <p:attrNameLst>
+                                          <p:attrName>style.visibility</p:attrName>
+                                        </p:attrNameLst>
+                                      </p:cBhvr>
+                                      <p:to>
+                                        <p:strVal val="visible"/>
+                                      </p:to>
+                                    </p:set>
+                                    <p:animEffect transition="in" filter="fade">
+                                      <p:cBhvr>
+                                        <p:cTn id="7" dur="1000"/>
+                                        <p:tgtEl>
+                                          <p:spTgt spid="4"/>
+                                        </p:tgtEl>
+                                      </p:cBhvr>
+                                    </p:animEffect>
+                                    <p:anim calcmode="lin" valueType="num">
+                                      <p:cBhvr>
+                                        <p:cTn id="8" dur="1000" fill="hold"/>
+                                        <p:tgtEl>
+                                          <p:spTgt spid="4"/>
+                                        </p:tgtEl>
+                                        <p:attrNameLst>
+                                          <p:attrName>ppt_x</p:attrName>
+                                        </p:attrNameLst>
+                                      </p:cBhvr>
+                                      <p:tavLst>
+                                        <p:tav tm="0">
+                                          <p:val>
+                                            <p:strVal val="#ppt_x"/>
+                                          </p:val>
+                                        </p:tav>
+                                        <p:tav tm="100000">
+                                          <p:val>
+                                            <p:strVal val="#ppt_x"/>
+                                          </p:val>
+                                        </p:tav>
+                                      </p:tavLst>
+                                    </p:anim>
+                                    <p:anim calcmode="lin" valueType="num">
+                                      <p:cBhvr>
+                                        <p:cTn id="9" dur="1000" fill="hold"/>
+                                        <p:tgtEl>
+                                          <p:spTgt spid="4"/>
+                                        </p:tgtEl>
+                                        <p:attrNameLst>
+                                          <p:attrName>ppt_y</p:attrName>
+                                        </p:attrNameLst>
+                                      </p:cBhvr>
+                                      <p:tavLst>
+                                        <p:tav tm="0">
+                                          <p:val>
+                                            <p:strVal val="#ppt_y+.1"/>
+                                          </p:val>
+                                        </p:tav>
+                                        <p:tav tm="100000">
+                                          <p:val>
+                                            <p:strVal val="#ppt_y"/>
+                                          </p:val>
+                                        </p:tav>
+                                      </p:tavLst>
+                                    </p:anim>
+                                  </p:childTnLst>
+                                </p:cTn>
+                              </p:par>
+                            </p:childTnLst>
+                          </p:cTn>
+                        </p:par>
+                      </p:childTnLst>
+                    </p:cTn>
+                  </p:par>
+                  <p:par>
+                    <p:cTn id="10" fill="hold">
+                      <p:stCondLst>
+                        <p:cond delay="indefinite"/>
+                      </p:stCondLst>
+                      <p:childTnLst>
+                        <p:par>
+                          <p:cTn id="11" fill="hold">
+                            <p:stCondLst>
+                              <p:cond delay="0"/>
+                            </p:stCondLst>
+                            <p:childTnLst>
+                              <p:par>
+                                <p:cTn id="12" presetID="10" presetClass="exit" presetSubtype="0" fill="hold" nodeType="clickEffect">
+                                  <p:stCondLst>
+                                    <p:cond delay="0"/>
+                                  </p:stCondLst>
+                                  <p:childTnLst>
+                                    <p:animEffect transition="out" filter="fade">
+                                      <p:cBhvr>
+                                        <p:cTn id="13" dur="500"/>
+                                        <p:tgtEl>
+                                          <p:spTgt spid="4"/>
+                                        </p:tgtEl>
+                                      </p:cBhvr>
+                                    </p:animEffect>
+                                    <p:set>
+                                      <p:cBhvr>
+                                        <p:cTn id="14" dur="1" fill="hold">
+                                          <p:stCondLst>
+                                            <p:cond delay="499"/>
+                                          </p:stCondLst>
+                                        </p:cTn>
+                                        <p:tgtEl>
+                                          <p:spTgt spid="4"/>
+                                        </p:tgtEl>
+                                        <p:attrNameLst>
+                                          <p:attrName>style.visibility</p:attrName>
+                                        </p:attrNameLst>
+                                      </p:cBhvr>
+                                      <p:to>
+                                        <p:strVal val="hidden"/>
+                                      </p:to>
+                                    </p:set>
+                                  </p:childTnLst>
+                                </p:cTn>
+                              </p:par>
+                            </p:childTnLst>
+                          </p:cTn>
+                        </p:par>
+                      </p:childTnLst>
+                    </p:cTn>
+                  </p:par>
+                  <p:par>
+                    <p:cTn id="15" fill="hold">
+                      <p:stCondLst>
+                        <p:cond delay="indefinite"/>
+                      </p:stCondLst>
+                      <p:childTnLst>
+                        <p:par>
+                          <p:cTn id="16" fill="hold">
+                            <p:stCondLst>
+                              <p:cond delay="0"/>
+                            </p:stCondLst>
+                            <p:childTnLst>
+                              <p:par>
+                                <p:cTn id="17" presetID="21" presetClass="entr" presetSubtype="4" fill="hold" nodeType="clickEffect">
+                                  <p:stCondLst>
+                                    <p:cond delay="0"/>
+                                  </p:stCondLst>
+                                  <p:childTnLst>
+                                    <p:set>
+                                      <p:cBhvr>
+                                        <p:cTn id="18" dur="1" fill="hold">
+                                          <p:stCondLst>
+                                            <p:cond delay="0"/>
+                                          </p:stCondLst>
+                                        </p:cTn>
+                                        <p:tgtEl>
+                                          <p:spTgt spid="5"/>
+                                        </p:tgtEl>
+                                        <p:attrNameLst>
+                                          <p:attrName>style.visibility</p:attrName>
+                                        </p:attrNameLst>
+                                      </p:cBhvr>
+                                      <p:to>
+                                        <p:strVal val="visible"/>
+                                      </p:to>
+                                    </p:set>
+                                    <p:animEffect transition="in" filter="wheel(4)">
+                                      <p:cBhvr>
+                                        <p:cTn id="19" dur="2000"/>
+                                        <p:tgtEl>
+                                          <p:spTgt spid="5"/>
+                                        </p:tgtEl>
+                                      </p:cBhvr>
+                                    </p:animEffect>
+                                  </p:childTnLst>
+                                </p:cTn>
+                              </p:par>
+                            </p:childTnLst>
+                          </p:cTn>
+                        </p:par>
+                      </p:childTnLst>
+                    </p:cTn>
+                  </p:par>
+                  <p:par>
+                    <p:cTn id="20" fill="hold">
+                      <p:stCondLst>
+                        <p:cond delay="indefinite"/>
+                      </p:stCondLst>
+                      <p:childTnLst>
+                        <p:par>
+                          <p:cTn id="21" fill="hold">
+                            <p:stCondLst>
+                              <p:cond delay="0"/>
+                            </p:stCondLst>
+                            <p:childTnLst>
+                              <p:par>
+                                <p:cTn id="22" presetID="13" presetClass="exit" presetSubtype="32" fill="hold" nodeType="clickEffect">
+                                  <p:stCondLst>
+                                    <p:cond delay="0"/>
+                                  </p:stCondLst>
+                                  <p:childTnLst>
+                                    <p:animEffect transition="out" filter="plus(out)">
+                                      <p:cBhvr>
+                                        <p:cTn id="23" dur="2000"/>
+                                        <p:tgtEl>
+                                          <p:spTgt spid="5"/>
+                                        </p:tgtEl>
+                                      </p:cBhvr>
+                                    </p:animEffect>
+                                    <p:set>
+                                      <p:cBhvr>
+                                        <p:cTn id="24" dur="1" fill="hold">
+                                          <p:stCondLst>
+                                            <p:cond delay="1999"/>
+                                          </p:stCondLst>
+                                        </p:cTn>
+                                        <p:tgtEl>
+                                          <p:spTgt spid="5"/>
+                                        </p:tgtEl>
+                                        <p:attrNameLst>
+                                          <p:attrName>style.visibility</p:attrName>
+                                        </p:attrNameLst>
+                                      </p:cBhvr>
+                                      <p:to>
+                                        <p:strVal val="hidden"/>
+                                      </p:to>
+                                    </p:set>
+                                  </p:childTnLst>
+                                </p:cTn>
+                              </p:par>
+                            </p:childTnLst>
+                          </p:cTn>
+                        </p:par>
+                      </p:childTnLst>
+                    </p:cTn>
+                  </p:par>
+                  <p:par>
+                    <p:cTn id="25" fill="hold">
+                      <p:stCondLst>
+                        <p:cond delay="indefinite"/>
+                      </p:stCondLst>
+                      <p:childTnLst>
+                        <p:par>
+                          <p:cTn id="26" fill="hold">
+                            <p:stCondLst>
+                              <p:cond delay="0"/>
+                            </p:stCondLst>
+                            <p:childTnLst>
+                              <p:par>
+                                <p:cTn id="27" presetID="16" presetClass="entr" presetSubtype="21" fill="hold" nodeType="clickEffect">
+                                  <p:stCondLst>
+                                    <p:cond delay="0"/>
+                                  </p:stCondLst>
+                                  <p:childTnLst>
+                                    <p:set>
+                                      <p:cBhvr>
+                                        <p:cTn id="28" dur="1" fill="hold">
+                                          <p:stCondLst>
+                                            <p:cond delay="0"/>
+                                          </p:stCondLst>
+                                        </p:cTn>
+                                        <p:tgtEl>
+                                          <p:spTgt spid="6"/>
+                                        </p:tgtEl>
+                                        <p:attrNameLst>
+                                          <p:attrName>style.visibility</p:attrName>
+                                        </p:attrNameLst>
+                                      </p:cBhvr>
+                                      <p:to>
+                                        <p:strVal val="visible"/>
+                                      </p:to>
+                                    </p:set>
+                                    <p:animEffect transition="in" filter="barn(inVertical)">
+                                      <p:cBhvr>
+                                        <p:cTn id="29" dur="500"/>
+                                        <p:tgtEl>
+                                          <p:spTgt spid="6"/>
+                                        </p:tgtEl>
+                                      </p:cBhvr>
+                                    </p:animEffect>
+                                  </p:childTnLst>
+                                </p:cTn>
+                              </p:par>
+                            </p:childTnLst>
+                          </p:cTn>
+                        </p:par>
+                      </p:childTnLst>
+                    </p:cTn>
+                  </p:par>
+                </p:childTnLst>
+              </p:cTn>
+              <p:prevCondLst>
+                <p:cond evt="onPrev" delay="0">
+                  <p:tgtEl>
+                    <p:sldTgt/>
+                  </p:tgtEl>
+                </p:cond>
+              </p:prevCondLst>
+              <p:nextCondLst>
+                <p:cond evt="onNext" delay="0">
+                  <p:tgtEl>
+                    <p:sldTgt/>
+                  </p:tgtEl>
+                </p:cond>
+              </p:nextCondLst>
+            </p:seq>
+          </p:childTnLst>
+        </p:cTn>
+      </p:par>
+    </p:tnLst>
+  </p:timing>
+</p:sld>
+</file>
+
+<file path=ppt/slides/slide11.xml><?xml version="1.0" encoding="utf-8"?>
+<p:sld xmlns:a="http://schemas.openxmlformats.org/drawingml/2006/main" xmlns:r="http://schemas.openxmlformats.org/officeDocument/2006/relationships" xmlns:p="http://schemas.openxmlformats.org/presentationml/2006/main">
+  <p:cSld>
+    <p:spTree>
+      <p:nvGrpSpPr>
+        <p:cNvPr id="1" name=""/>
+        <p:cNvGrpSpPr/>
+        <p:nvPr/>
+      </p:nvGrpSpPr>
+      <p:grpSpPr>
+        <a:xfrm>
+          <a:off x="0" y="0"/>
+          <a:ext cx="0" cy="0"/>
+          <a:chOff x="0" y="0"/>
+          <a:chExt cx="0" cy="0"/>
+        </a:xfrm>
+      </p:grpSpPr>
+      <p:sp>
+        <p:nvSpPr>
+          <p:cNvPr id="2" name="Title 1"/>
+          <p:cNvSpPr>
+            <a:spLocks noGrp="1"/>
+          </p:cNvSpPr>
+          <p:nvPr>
+            <p:ph type="title"/>
+          </p:nvPr>
+        </p:nvSpPr>
+        <p:spPr>
+          <a:xfrm>
+            <a:off x="395536" y="260649"/>
+            <a:ext cx="8229600" cy="619472"/>
+          </a:xfrm>
+        </p:spPr>
+        <p:txBody>
+          <a:bodyPr/>
+          <a:lstStyle/>
+          <a:p>
+            <a:r>
+              <a:rPr lang="en-US" sz="3000" b="1" smtClean="0">
+                <a:latin typeface="Times New Roman" pitchFamily="18" charset="0"/>
+                <a:cs typeface="Times New Roman" pitchFamily="18" charset="0"/>
+              </a:rPr>
+              <a:t>Chức năng tìm kiếm</a:t>
+            </a:r>
+            <a:endParaRPr lang="en-US" sz="3000" b="1">
+              <a:latin typeface="Times New Roman" pitchFamily="18" charset="0"/>
+              <a:cs typeface="Times New Roman" pitchFamily="18" charset="0"/>
+            </a:endParaRPr>
+          </a:p>
+        </p:txBody>
+      </p:sp>
+      <p:pic>
+        <p:nvPicPr>
+          <p:cNvPr id="4" name="Picture 3" descr="D:\httt\usetimkiem.png"/>
+          <p:cNvPicPr/>
+          <p:nvPr/>
+        </p:nvPicPr>
+        <p:blipFill>
+          <a:blip r:embed="rId3">
+            <a:extLst>
+              <a:ext uri="{28A0092B-C50C-407E-A947-70E740481C1C}">
+                <a14:useLocalDpi xmlns:a14="http://schemas.microsoft.com/office/drawing/2010/main" val="0"/>
+              </a:ext>
+            </a:extLst>
+          </a:blip>
+          <a:srcRect/>
+          <a:stretch>
+            <a:fillRect/>
+          </a:stretch>
+        </p:blipFill>
+        <p:spPr bwMode="auto">
+          <a:xfrm>
+            <a:off x="1115616" y="1484785"/>
+            <a:ext cx="7632848" cy="3528391"/>
+          </a:xfrm>
+          <a:prstGeom prst="rect">
+            <a:avLst/>
+          </a:prstGeom>
+          <a:noFill/>
+          <a:ln>
+            <a:noFill/>
+          </a:ln>
+        </p:spPr>
+      </p:pic>
+      <p:pic>
+        <p:nvPicPr>
+          <p:cNvPr id="5" name="Picture 4" descr="D:\WBN\hethongthongtin\ACT_search.PNG"/>
+          <p:cNvPicPr/>
+          <p:nvPr/>
+        </p:nvPicPr>
+        <p:blipFill>
+          <a:blip r:embed="rId4">
+            <a:extLst>
+              <a:ext uri="{28A0092B-C50C-407E-A947-70E740481C1C}">
+                <a14:useLocalDpi xmlns:a14="http://schemas.microsoft.com/office/drawing/2010/main" val="0"/>
+              </a:ext>
+            </a:extLst>
+          </a:blip>
+          <a:srcRect/>
+          <a:stretch>
+            <a:fillRect/>
+          </a:stretch>
+        </p:blipFill>
+        <p:spPr bwMode="auto">
+          <a:xfrm>
+            <a:off x="323528" y="1124744"/>
+            <a:ext cx="8424936" cy="4968552"/>
+          </a:xfrm>
+          <a:prstGeom prst="rect">
+            <a:avLst/>
+          </a:prstGeom>
+          <a:noFill/>
+          <a:ln>
+            <a:noFill/>
+          </a:ln>
+        </p:spPr>
+      </p:pic>
+      <p:pic>
+        <p:nvPicPr>
+          <p:cNvPr id="6" name="Picture 5" descr="D:\WBN\hethongthongtin\timkiem.png"/>
+          <p:cNvPicPr/>
+          <p:nvPr/>
+        </p:nvPicPr>
+        <p:blipFill>
+          <a:blip r:embed="rId5">
+            <a:extLst>
+              <a:ext uri="{28A0092B-C50C-407E-A947-70E740481C1C}">
+                <a14:useLocalDpi xmlns:a14="http://schemas.microsoft.com/office/drawing/2010/main" val="0"/>
+              </a:ext>
+            </a:extLst>
+          </a:blip>
+          <a:srcRect/>
+          <a:stretch>
+            <a:fillRect/>
+          </a:stretch>
+        </p:blipFill>
+        <p:spPr bwMode="auto">
+          <a:xfrm>
+            <a:off x="539552" y="908720"/>
+            <a:ext cx="8352928" cy="5616625"/>
+          </a:xfrm>
+          <a:prstGeom prst="rect">
+            <a:avLst/>
+          </a:prstGeom>
+          <a:noFill/>
+          <a:ln>
+            <a:noFill/>
+          </a:ln>
+        </p:spPr>
+      </p:pic>
+    </p:spTree>
+    <p:extLst>
+      <p:ext uri="{BB962C8B-B14F-4D97-AF65-F5344CB8AC3E}">
+        <p14:creationId xmlns:p14="http://schemas.microsoft.com/office/powerpoint/2010/main" val="2591037000"/>
+      </p:ext>
+    </p:extLst>
+  </p:cSld>
+  <p:clrMapOvr>
+    <a:masterClrMapping/>
+  </p:clrMapOvr>
+  <p:timing>
+    <p:tnLst>
+      <p:par>
+        <p:cTn id="1" dur="indefinite" restart="never" nodeType="tmRoot">
+          <p:childTnLst>
+            <p:seq concurrent="1" nextAc="seek">
+              <p:cTn id="2" dur="indefinite" nodeType="mainSeq">
+                <p:childTnLst>
+                  <p:par>
+                    <p:cTn id="3" fill="hold">
+                      <p:stCondLst>
+                        <p:cond delay="indefinite"/>
+                      </p:stCondLst>
+                      <p:childTnLst>
+                        <p:par>
+                          <p:cTn id="4" fill="hold">
+                            <p:stCondLst>
+                              <p:cond delay="0"/>
+                            </p:stCondLst>
+                            <p:childTnLst>
+                              <p:par>
+                                <p:cTn id="5" presetID="10" presetClass="exit" presetSubtype="0" fill="hold" nodeType="clickEffect">
+                                  <p:stCondLst>
+                                    <p:cond delay="0"/>
+                                  </p:stCondLst>
+                                  <p:childTnLst>
+                                    <p:animEffect transition="out" filter="fade">
+                                      <p:cBhvr>
+                                        <p:cTn id="6" dur="500"/>
+                                        <p:tgtEl>
+                                          <p:spTgt spid="4"/>
+                                        </p:tgtEl>
+                                      </p:cBhvr>
+                                    </p:animEffect>
+                                    <p:set>
+                                      <p:cBhvr>
+                                        <p:cTn id="7" dur="1" fill="hold">
+                                          <p:stCondLst>
+                                            <p:cond delay="499"/>
+                                          </p:stCondLst>
+                                        </p:cTn>
+                                        <p:tgtEl>
+                                          <p:spTgt spid="4"/>
+                                        </p:tgtEl>
+                                        <p:attrNameLst>
+                                          <p:attrName>style.visibility</p:attrName>
+                                        </p:attrNameLst>
+                                      </p:cBhvr>
+                                      <p:to>
+                                        <p:strVal val="hidden"/>
+                                      </p:to>
+                                    </p:set>
+                                  </p:childTnLst>
+                                </p:cTn>
+                              </p:par>
+                            </p:childTnLst>
+                          </p:cTn>
+                        </p:par>
+                      </p:childTnLst>
+                    </p:cTn>
+                  </p:par>
+                  <p:par>
+                    <p:cTn id="8" fill="hold">
+                      <p:stCondLst>
+                        <p:cond delay="indefinite"/>
+                      </p:stCondLst>
+                      <p:childTnLst>
+                        <p:par>
+                          <p:cTn id="9" fill="hold">
+                            <p:stCondLst>
+                              <p:cond delay="0"/>
+                            </p:stCondLst>
+                            <p:childTnLst>
+                              <p:par>
+                                <p:cTn id="10" presetID="42" presetClass="entr" presetSubtype="0" fill="hold" nodeType="clickEffect">
+                                  <p:stCondLst>
+                                    <p:cond delay="0"/>
+                                  </p:stCondLst>
+                                  <p:childTnLst>
+                                    <p:set>
+                                      <p:cBhvr>
+                                        <p:cTn id="11" dur="1" fill="hold">
+                                          <p:stCondLst>
+                                            <p:cond delay="0"/>
+                                          </p:stCondLst>
+                                        </p:cTn>
+                                        <p:tgtEl>
+                                          <p:spTgt spid="5"/>
+                                        </p:tgtEl>
+                                        <p:attrNameLst>
+                                          <p:attrName>style.visibility</p:attrName>
+                                        </p:attrNameLst>
+                                      </p:cBhvr>
+                                      <p:to>
+                                        <p:strVal val="visible"/>
+                                      </p:to>
+                                    </p:set>
+                                    <p:animEffect transition="in" filter="fade">
+                                      <p:cBhvr>
+                                        <p:cTn id="12" dur="1000"/>
+                                        <p:tgtEl>
+                                          <p:spTgt spid="5"/>
+                                        </p:tgtEl>
+                                      </p:cBhvr>
+                                    </p:animEffect>
+                                    <p:anim calcmode="lin" valueType="num">
+                                      <p:cBhvr>
+                                        <p:cTn id="13" dur="1000" fill="hold"/>
+                                        <p:tgtEl>
+                                          <p:spTgt spid="5"/>
+                                        </p:tgtEl>
+                                        <p:attrNameLst>
+                                          <p:attrName>ppt_x</p:attrName>
+                                        </p:attrNameLst>
+                                      </p:cBhvr>
+                                      <p:tavLst>
+                                        <p:tav tm="0">
+                                          <p:val>
+                                            <p:strVal val="#ppt_x"/>
+                                          </p:val>
+                                        </p:tav>
+                                        <p:tav tm="100000">
+                                          <p:val>
+                                            <p:strVal val="#ppt_x"/>
+                                          </p:val>
+                                        </p:tav>
+                                      </p:tavLst>
+                                    </p:anim>
+                                    <p:anim calcmode="lin" valueType="num">
+                                      <p:cBhvr>
+                                        <p:cTn id="14" dur="1000" fill="hold"/>
+                                        <p:tgtEl>
+                                          <p:spTgt spid="5"/>
+                                        </p:tgtEl>
+                                        <p:attrNameLst>
+                                          <p:attrName>ppt_y</p:attrName>
+                                        </p:attrNameLst>
+                                      </p:cBhvr>
+                                      <p:tavLst>
+                                        <p:tav tm="0">
+                                          <p:val>
+                                            <p:strVal val="#ppt_y+.1"/>
+                                          </p:val>
+                                        </p:tav>
+                                        <p:tav tm="100000">
+                                          <p:val>
+                                            <p:strVal val="#ppt_y"/>
+                                          </p:val>
+                                        </p:tav>
+                                      </p:tavLst>
+                                    </p:anim>
+                                  </p:childTnLst>
+                                </p:cTn>
+                              </p:par>
+                            </p:childTnLst>
+                          </p:cTn>
+                        </p:par>
+                      </p:childTnLst>
+                    </p:cTn>
+                  </p:par>
+                  <p:par>
+                    <p:cTn id="15" fill="hold">
+                      <p:stCondLst>
+                        <p:cond delay="indefinite"/>
+                      </p:stCondLst>
+                      <p:childTnLst>
+                        <p:par>
+                          <p:cTn id="16" fill="hold">
+                            <p:stCondLst>
+                              <p:cond delay="0"/>
+                            </p:stCondLst>
+                            <p:childTnLst>
+                              <p:par>
+                                <p:cTn id="17" presetID="42" presetClass="exit" presetSubtype="0" fill="hold" nodeType="clickEffect">
+                                  <p:stCondLst>
+                                    <p:cond delay="0"/>
+                                  </p:stCondLst>
+                                  <p:childTnLst>
+                                    <p:animEffect transition="out" filter="fade">
+                                      <p:cBhvr>
+                                        <p:cTn id="18" dur="1000"/>
+                                        <p:tgtEl>
+                                          <p:spTgt spid="5"/>
+                                        </p:tgtEl>
+                                      </p:cBhvr>
+                                    </p:animEffect>
+                                    <p:anim calcmode="lin" valueType="num">
+                                      <p:cBhvr>
+                                        <p:cTn id="19" dur="1000"/>
+                                        <p:tgtEl>
+                                          <p:spTgt spid="5"/>
+                                        </p:tgtEl>
+                                        <p:attrNameLst>
+                                          <p:attrName>ppt_x</p:attrName>
+                                        </p:attrNameLst>
+                                      </p:cBhvr>
+                                      <p:tavLst>
+                                        <p:tav tm="0">
+                                          <p:val>
+                                            <p:strVal val="ppt_x"/>
+                                          </p:val>
+                                        </p:tav>
+                                        <p:tav tm="100000">
+                                          <p:val>
+                                            <p:strVal val="ppt_x"/>
+                                          </p:val>
+                                        </p:tav>
+                                      </p:tavLst>
+                                    </p:anim>
+                                    <p:anim calcmode="lin" valueType="num">
+                                      <p:cBhvr>
+                                        <p:cTn id="20" dur="1000"/>
+                                        <p:tgtEl>
+                                          <p:spTgt spid="5"/>
+                                        </p:tgtEl>
+                                        <p:attrNameLst>
+                                          <p:attrName>ppt_y</p:attrName>
+                                        </p:attrNameLst>
+                                      </p:cBhvr>
+                                      <p:tavLst>
+                                        <p:tav tm="0">
+                                          <p:val>
+                                            <p:strVal val="ppt_y"/>
+                                          </p:val>
+                                        </p:tav>
+                                        <p:tav tm="100000">
+                                          <p:val>
+                                            <p:strVal val="ppt_y+.1"/>
+                                          </p:val>
+                                        </p:tav>
+                                      </p:tavLst>
+                                    </p:anim>
+                                    <p:set>
+                                      <p:cBhvr>
+                                        <p:cTn id="21" dur="1" fill="hold">
+                                          <p:stCondLst>
+                                            <p:cond delay="999"/>
+                                          </p:stCondLst>
+                                        </p:cTn>
+                                        <p:tgtEl>
+                                          <p:spTgt spid="5"/>
+                                        </p:tgtEl>
+                                        <p:attrNameLst>
+                                          <p:attrName>style.visibility</p:attrName>
+                                        </p:attrNameLst>
+                                      </p:cBhvr>
+                                      <p:to>
+                                        <p:strVal val="hidden"/>
+                                      </p:to>
+                                    </p:set>
+                                  </p:childTnLst>
+                                </p:cTn>
+                              </p:par>
+                            </p:childTnLst>
+                          </p:cTn>
+                        </p:par>
+                      </p:childTnLst>
+                    </p:cTn>
+                  </p:par>
+                  <p:par>
+                    <p:cTn id="22" fill="hold">
+                      <p:stCondLst>
+                        <p:cond delay="indefinite"/>
+                      </p:stCondLst>
+                      <p:childTnLst>
+                        <p:par>
+                          <p:cTn id="23" fill="hold">
+                            <p:stCondLst>
+                              <p:cond delay="0"/>
+                            </p:stCondLst>
+                            <p:childTnLst>
+                              <p:par>
+                                <p:cTn id="24" presetID="16" presetClass="entr" presetSubtype="21" fill="hold" nodeType="clickEffect">
+                                  <p:stCondLst>
+                                    <p:cond delay="0"/>
+                                  </p:stCondLst>
+                                  <p:childTnLst>
+                                    <p:set>
+                                      <p:cBhvr>
+                                        <p:cTn id="25" dur="1" fill="hold">
+                                          <p:stCondLst>
+                                            <p:cond delay="0"/>
+                                          </p:stCondLst>
+                                        </p:cTn>
+                                        <p:tgtEl>
+                                          <p:spTgt spid="6"/>
+                                        </p:tgtEl>
+                                        <p:attrNameLst>
+                                          <p:attrName>style.visibility</p:attrName>
+                                        </p:attrNameLst>
+                                      </p:cBhvr>
+                                      <p:to>
+                                        <p:strVal val="visible"/>
+                                      </p:to>
+                                    </p:set>
+                                    <p:animEffect transition="in" filter="barn(inVertical)">
+                                      <p:cBhvr>
+                                        <p:cTn id="26" dur="500"/>
+                                        <p:tgtEl>
+                                          <p:spTgt spid="6"/>
+                                        </p:tgtEl>
+                                      </p:cBhvr>
+                                    </p:animEffect>
+                                  </p:childTnLst>
+                                </p:cTn>
+                              </p:par>
+                            </p:childTnLst>
+                          </p:cTn>
+                        </p:par>
+                      </p:childTnLst>
+                    </p:cTn>
+                  </p:par>
+                </p:childTnLst>
+              </p:cTn>
+              <p:prevCondLst>
+                <p:cond evt="onPrev" delay="0">
+                  <p:tgtEl>
+                    <p:sldTgt/>
+                  </p:tgtEl>
+                </p:cond>
+              </p:prevCondLst>
+              <p:nextCondLst>
+                <p:cond evt="onNext" delay="0">
+                  <p:tgtEl>
+                    <p:sldTgt/>
+                  </p:tgtEl>
+                </p:cond>
+              </p:nextCondLst>
+            </p:seq>
+          </p:childTnLst>
+        </p:cTn>
+      </p:par>
+    </p:tnLst>
+  </p:timing>
+</p:sld>
+</file>
+
+<file path=ppt/slides/slide12.xml><?xml version="1.0" encoding="utf-8"?>
+<p:sld xmlns:a="http://schemas.openxmlformats.org/drawingml/2006/main" xmlns:r="http://schemas.openxmlformats.org/officeDocument/2006/relationships" xmlns:p="http://schemas.openxmlformats.org/presentationml/2006/main">
+  <p:cSld>
+    <p:spTree>
+      <p:nvGrpSpPr>
+        <p:cNvPr id="1" name=""/>
+        <p:cNvGrpSpPr/>
+        <p:nvPr/>
+      </p:nvGrpSpPr>
+      <p:grpSpPr>
+        <a:xfrm>
+          <a:off x="0" y="0"/>
+          <a:ext cx="0" cy="0"/>
+          <a:chOff x="0" y="0"/>
+          <a:chExt cx="0" cy="0"/>
+        </a:xfrm>
+      </p:grpSpPr>
+      <p:pic>
+        <p:nvPicPr>
+          <p:cNvPr id="4" name="Content Placeholder 3" descr="D:\httt\use dat tour.png"/>
+          <p:cNvPicPr>
+            <a:picLocks noGrp="1"/>
+          </p:cNvPicPr>
+          <p:nvPr>
+            <p:ph idx="1"/>
+          </p:nvPr>
+        </p:nvPicPr>
+        <p:blipFill>
+          <a:blip r:embed="rId3">
+            <a:extLst>
+              <a:ext uri="{28A0092B-C50C-407E-A947-70E740481C1C}">
+                <a14:useLocalDpi xmlns:a14="http://schemas.microsoft.com/office/drawing/2010/main" val="0"/>
+              </a:ext>
+            </a:extLst>
+          </a:blip>
+          <a:srcRect/>
+          <a:stretch>
+            <a:fillRect/>
+          </a:stretch>
+        </p:blipFill>
+        <p:spPr bwMode="auto">
+          <a:xfrm>
+            <a:off x="395537" y="1196752"/>
+            <a:ext cx="8373815" cy="4608512"/>
+          </a:xfrm>
+          <a:prstGeom prst="rect">
+            <a:avLst/>
+          </a:prstGeom>
+          <a:noFill/>
+          <a:ln>
+            <a:noFill/>
+          </a:ln>
+        </p:spPr>
+      </p:pic>
+      <p:pic>
+        <p:nvPicPr>
+          <p:cNvPr id="7" name="Picture 6" descr="D:\WBN\hethongthongtin\ACT-Dat tour.png"/>
+          <p:cNvPicPr/>
+          <p:nvPr/>
+        </p:nvPicPr>
+        <p:blipFill>
+          <a:blip r:embed="rId4">
+            <a:extLst>
+              <a:ext uri="{28A0092B-C50C-407E-A947-70E740481C1C}">
+                <a14:useLocalDpi xmlns:a14="http://schemas.microsoft.com/office/drawing/2010/main" val="0"/>
+              </a:ext>
+            </a:extLst>
+          </a:blip>
+          <a:srcRect/>
+          <a:stretch>
+            <a:fillRect/>
+          </a:stretch>
+        </p:blipFill>
+        <p:spPr bwMode="auto">
+          <a:xfrm>
+            <a:off x="21706" y="1124745"/>
+            <a:ext cx="9145015" cy="5112568"/>
+          </a:xfrm>
+          <a:prstGeom prst="rect">
+            <a:avLst/>
+          </a:prstGeom>
+          <a:noFill/>
+          <a:ln>
+            <a:noFill/>
+          </a:ln>
+        </p:spPr>
+      </p:pic>
+      <p:pic>
+        <p:nvPicPr>
+          <p:cNvPr id="8" name="Picture 7"/>
+          <p:cNvPicPr/>
+          <p:nvPr/>
+        </p:nvPicPr>
+        <p:blipFill>
+          <a:blip r:embed="rId5">
+            <a:extLst>
+              <a:ext uri="{28A0092B-C50C-407E-A947-70E740481C1C}">
+                <a14:useLocalDpi xmlns:a14="http://schemas.microsoft.com/office/drawing/2010/main" val="0"/>
+              </a:ext>
+            </a:extLst>
+          </a:blip>
+          <a:srcRect/>
+          <a:stretch>
+            <a:fillRect/>
+          </a:stretch>
+        </p:blipFill>
+        <p:spPr bwMode="auto">
+          <a:xfrm>
+            <a:off x="251522" y="1124745"/>
+            <a:ext cx="8784975" cy="5112568"/>
+          </a:xfrm>
+          <a:prstGeom prst="rect">
+            <a:avLst/>
+          </a:prstGeom>
+          <a:noFill/>
+          <a:ln>
+            <a:noFill/>
+          </a:ln>
+        </p:spPr>
+      </p:pic>
+      <p:sp>
+        <p:nvSpPr>
+          <p:cNvPr id="11" name="Title 1"/>
+          <p:cNvSpPr txBox="1">
+            <a:spLocks/>
+          </p:cNvSpPr>
+          <p:nvPr/>
+        </p:nvSpPr>
+        <p:spPr>
+          <a:xfrm>
+            <a:off x="529207" y="0"/>
+            <a:ext cx="8229600" cy="1600200"/>
+          </a:xfrm>
+          <a:prstGeom prst="rect">
+            <a:avLst/>
+          </a:prstGeom>
+        </p:spPr>
+        <p:txBody>
+          <a:bodyPr vert="horz" lIns="91440" tIns="45720" rIns="91440" bIns="45720" rtlCol="0" anchor="b">
+            <a:noAutofit/>
+          </a:bodyPr>
+          <a:lstStyle>
+            <a:lvl1pPr algn="ctr" defTabSz="914400" rtl="0" eaLnBrk="1" latinLnBrk="0" hangingPunct="1">
+              <a:lnSpc>
+                <a:spcPts val="5800"/>
+              </a:lnSpc>
+              <a:spcBef>
+                <a:spcPct val="0"/>
+              </a:spcBef>
+              <a:buNone/>
+              <a:defRPr sz="5400" kern="1200">
+                <a:solidFill>
+                  <a:schemeClr val="tx2"/>
+                </a:solidFill>
+                <a:effectLst>
+                  <a:outerShdw blurRad="63500" dist="38100" dir="5400000" algn="t" rotWithShape="0">
+                    <a:prstClr val="black">
+                      <a:alpha val="25000"/>
+                    </a:prstClr>
+                  </a:outerShdw>
+                </a:effectLst>
+                <a:latin typeface="+mn-lt"/>
+                <a:ea typeface="+mj-ea"/>
+                <a:cs typeface="+mj-cs"/>
+              </a:defRPr>
+            </a:lvl1pPr>
+          </a:lstStyle>
+          <a:p>
+            <a:r>
+              <a:rPr lang="en-US" sz="3000" b="1" smtClean="0">
+                <a:latin typeface="Times New Roman" pitchFamily="18" charset="0"/>
+                <a:cs typeface="Times New Roman" pitchFamily="18" charset="0"/>
+              </a:rPr>
+              <a:t>Chức năng đặt Tour</a:t>
+            </a:r>
+            <a:br>
+              <a:rPr lang="en-US" sz="3000" b="1" smtClean="0">
+                <a:latin typeface="Times New Roman" pitchFamily="18" charset="0"/>
+                <a:cs typeface="Times New Roman" pitchFamily="18" charset="0"/>
+              </a:rPr>
+            </a:br>
+            <a:endParaRPr lang="en-US" sz="3000" b="1">
+              <a:latin typeface="Times New Roman" pitchFamily="18" charset="0"/>
+              <a:cs typeface="Times New Roman" pitchFamily="18" charset="0"/>
+            </a:endParaRPr>
+          </a:p>
+        </p:txBody>
+      </p:sp>
+    </p:spTree>
+    <p:extLst>
+      <p:ext uri="{BB962C8B-B14F-4D97-AF65-F5344CB8AC3E}">
+        <p14:creationId xmlns:p14="http://schemas.microsoft.com/office/powerpoint/2010/main" val="1510012556"/>
+      </p:ext>
+    </p:extLst>
+  </p:cSld>
+  <p:clrMapOvr>
+    <a:masterClrMapping/>
+  </p:clrMapOvr>
+  <p:timing>
+    <p:tnLst>
+      <p:par>
+        <p:cTn id="1" dur="indefinite" restart="never" nodeType="tmRoot">
+          <p:childTnLst>
+            <p:seq concurrent="1" nextAc="seek">
+              <p:cTn id="2" dur="indefinite" nodeType="mainSeq">
+                <p:childTnLst>
+                  <p:par>
+                    <p:cTn id="3" fill="hold">
+                      <p:stCondLst>
+                        <p:cond delay="indefinite"/>
+                      </p:stCondLst>
+                      <p:childTnLst>
+                        <p:par>
+                          <p:cTn id="4" fill="hold">
+                            <p:stCondLst>
+                              <p:cond delay="0"/>
+                            </p:stCondLst>
+                            <p:childTnLst>
+                              <p:par>
+                                <p:cTn id="5" presetID="2" presetClass="exit" presetSubtype="4" fill="hold" nodeType="clickEffect">
+                                  <p:stCondLst>
+                                    <p:cond delay="0"/>
+                                  </p:stCondLst>
+                                  <p:childTnLst>
+                                    <p:anim calcmode="lin" valueType="num">
+                                      <p:cBhvr additive="base">
+                                        <p:cTn id="6" dur="500"/>
+                                        <p:tgtEl>
+                                          <p:spTgt spid="4"/>
+                                        </p:tgtEl>
+                                        <p:attrNameLst>
+                                          <p:attrName>ppt_x</p:attrName>
+                                        </p:attrNameLst>
+                                      </p:cBhvr>
+                                      <p:tavLst>
+                                        <p:tav tm="0">
+                                          <p:val>
+                                            <p:strVal val="ppt_x"/>
+                                          </p:val>
+                                        </p:tav>
+                                        <p:tav tm="100000">
+                                          <p:val>
+                                            <p:strVal val="ppt_x"/>
+                                          </p:val>
+                                        </p:tav>
+                                      </p:tavLst>
+                                    </p:anim>
+                                    <p:anim calcmode="lin" valueType="num">
+                                      <p:cBhvr additive="base">
+                                        <p:cTn id="7" dur="500"/>
+                                        <p:tgtEl>
+                                          <p:spTgt spid="4"/>
+                                        </p:tgtEl>
+                                        <p:attrNameLst>
+                                          <p:attrName>ppt_y</p:attrName>
+                                        </p:attrNameLst>
+                                      </p:cBhvr>
+                                      <p:tavLst>
+                                        <p:tav tm="0">
+                                          <p:val>
+                                            <p:strVal val="ppt_y"/>
+                                          </p:val>
+                                        </p:tav>
+                                        <p:tav tm="100000">
+                                          <p:val>
+                                            <p:strVal val="1+ppt_h/2"/>
+                                          </p:val>
+                                        </p:tav>
+                                      </p:tavLst>
+                                    </p:anim>
+                                    <p:set>
+                                      <p:cBhvr>
+                                        <p:cTn id="8" dur="1" fill="hold">
+                                          <p:stCondLst>
+                                            <p:cond delay="499"/>
+                                          </p:stCondLst>
+                                        </p:cTn>
+                                        <p:tgtEl>
+                                          <p:spTgt spid="4"/>
+                                        </p:tgtEl>
+                                        <p:attrNameLst>
+                                          <p:attrName>style.visibility</p:attrName>
+                                        </p:attrNameLst>
+                                      </p:cBhvr>
+                                      <p:to>
+                                        <p:strVal val="hidden"/>
+                                      </p:to>
+                                    </p:set>
+                                  </p:childTnLst>
+                                </p:cTn>
+                              </p:par>
+                            </p:childTnLst>
+                          </p:cTn>
+                        </p:par>
+                      </p:childTnLst>
+                    </p:cTn>
+                  </p:par>
+                  <p:par>
+                    <p:cTn id="9" fill="hold">
+                      <p:stCondLst>
+                        <p:cond delay="indefinite"/>
+                      </p:stCondLst>
+                      <p:childTnLst>
+                        <p:par>
+                          <p:cTn id="10" fill="hold">
+                            <p:stCondLst>
+                              <p:cond delay="0"/>
+                            </p:stCondLst>
+                            <p:childTnLst>
+                              <p:par>
+                                <p:cTn id="11" presetID="2" presetClass="exit" presetSubtype="4" fill="hold" nodeType="clickEffect">
+                                  <p:stCondLst>
+                                    <p:cond delay="0"/>
+                                  </p:stCondLst>
+                                  <p:childTnLst>
+                                    <p:anim calcmode="lin" valueType="num">
+                                      <p:cBhvr additive="base">
+                                        <p:cTn id="12" dur="500"/>
+                                        <p:tgtEl>
+                                          <p:spTgt spid="4"/>
+                                        </p:tgtEl>
+                                        <p:attrNameLst>
+                                          <p:attrName>ppt_x</p:attrName>
+                                        </p:attrNameLst>
+                                      </p:cBhvr>
+                                      <p:tavLst>
+                                        <p:tav tm="0">
+                                          <p:val>
+                                            <p:strVal val="ppt_x"/>
+                                          </p:val>
+                                        </p:tav>
+                                        <p:tav tm="100000">
+                                          <p:val>
+                                            <p:strVal val="ppt_x"/>
+                                          </p:val>
+                                        </p:tav>
+                                      </p:tavLst>
+                                    </p:anim>
+                                    <p:anim calcmode="lin" valueType="num">
+                                      <p:cBhvr additive="base">
+                                        <p:cTn id="13" dur="500"/>
+                                        <p:tgtEl>
+                                          <p:spTgt spid="4"/>
+                                        </p:tgtEl>
+                                        <p:attrNameLst>
+                                          <p:attrName>ppt_y</p:attrName>
+                                        </p:attrNameLst>
+                                      </p:cBhvr>
+                                      <p:tavLst>
+                                        <p:tav tm="0">
+                                          <p:val>
+                                            <p:strVal val="ppt_y"/>
+                                          </p:val>
+                                        </p:tav>
+                                        <p:tav tm="100000">
+                                          <p:val>
+                                            <p:strVal val="1+ppt_h/2"/>
+                                          </p:val>
+                                        </p:tav>
+                                      </p:tavLst>
+                                    </p:anim>
+                                    <p:set>
+                                      <p:cBhvr>
+                                        <p:cTn id="14" dur="1" fill="hold">
+                                          <p:stCondLst>
+                                            <p:cond delay="499"/>
+                                          </p:stCondLst>
+                                        </p:cTn>
+                                        <p:tgtEl>
+                                          <p:spTgt spid="4"/>
+                                        </p:tgtEl>
+                                        <p:attrNameLst>
+                                          <p:attrName>style.visibility</p:attrName>
+                                        </p:attrNameLst>
+                                      </p:cBhvr>
+                                      <p:to>
+                                        <p:strVal val="hidden"/>
+                                      </p:to>
+                                    </p:set>
+                                  </p:childTnLst>
+                                </p:cTn>
+                              </p:par>
+                            </p:childTnLst>
+                          </p:cTn>
+                        </p:par>
+                      </p:childTnLst>
+                    </p:cTn>
+                  </p:par>
+                  <p:par>
+                    <p:cTn id="15" fill="hold">
+                      <p:stCondLst>
+                        <p:cond delay="indefinite"/>
+                      </p:stCondLst>
+                      <p:childTnLst>
+                        <p:par>
+                          <p:cTn id="16" fill="hold">
+                            <p:stCondLst>
+                              <p:cond delay="0"/>
+                            </p:stCondLst>
+                            <p:childTnLst>
+                              <p:par>
+                                <p:cTn id="17" presetID="31" presetClass="entr" presetSubtype="0" fill="hold" nodeType="clickEffect">
+                                  <p:stCondLst>
+                                    <p:cond delay="0"/>
+                                  </p:stCondLst>
+                                  <p:childTnLst>
+                                    <p:set>
+                                      <p:cBhvr>
+                                        <p:cTn id="18" dur="1" fill="hold">
+                                          <p:stCondLst>
+                                            <p:cond delay="0"/>
+                                          </p:stCondLst>
+                                        </p:cTn>
+                                        <p:tgtEl>
+                                          <p:spTgt spid="7"/>
+                                        </p:tgtEl>
+                                        <p:attrNameLst>
+                                          <p:attrName>style.visibility</p:attrName>
+                                        </p:attrNameLst>
+                                      </p:cBhvr>
+                                      <p:to>
+                                        <p:strVal val="visible"/>
+                                      </p:to>
+                                    </p:set>
+                                    <p:anim calcmode="lin" valueType="num">
+                                      <p:cBhvr>
+                                        <p:cTn id="19" dur="1000" fill="hold"/>
+                                        <p:tgtEl>
+                                          <p:spTgt spid="7"/>
+                                        </p:tgtEl>
+                                        <p:attrNameLst>
+                                          <p:attrName>ppt_w</p:attrName>
+                                        </p:attrNameLst>
+                                      </p:cBhvr>
+                                      <p:tavLst>
+                                        <p:tav tm="0">
+                                          <p:val>
+                                            <p:fltVal val="0"/>
+                                          </p:val>
+                                        </p:tav>
+                                        <p:tav tm="100000">
+                                          <p:val>
+                                            <p:strVal val="#ppt_w"/>
+                                          </p:val>
+                                        </p:tav>
+                                      </p:tavLst>
+                                    </p:anim>
+                                    <p:anim calcmode="lin" valueType="num">
+                                      <p:cBhvr>
+                                        <p:cTn id="20" dur="1000" fill="hold"/>
+                                        <p:tgtEl>
+                                          <p:spTgt spid="7"/>
+                                        </p:tgtEl>
+                                        <p:attrNameLst>
+                                          <p:attrName>ppt_h</p:attrName>
+                                        </p:attrNameLst>
+                                      </p:cBhvr>
+                                      <p:tavLst>
+                                        <p:tav tm="0">
+                                          <p:val>
+                                            <p:fltVal val="0"/>
+                                          </p:val>
+                                        </p:tav>
+                                        <p:tav tm="100000">
+                                          <p:val>
+                                            <p:strVal val="#ppt_h"/>
+                                          </p:val>
+                                        </p:tav>
+                                      </p:tavLst>
+                                    </p:anim>
+                                    <p:anim calcmode="lin" valueType="num">
+                                      <p:cBhvr>
+                                        <p:cTn id="21" dur="1000" fill="hold"/>
+                                        <p:tgtEl>
+                                          <p:spTgt spid="7"/>
+                                        </p:tgtEl>
+                                        <p:attrNameLst>
+                                          <p:attrName>style.rotation</p:attrName>
+                                        </p:attrNameLst>
+                                      </p:cBhvr>
+                                      <p:tavLst>
+                                        <p:tav tm="0">
+                                          <p:val>
+                                            <p:fltVal val="90"/>
+                                          </p:val>
+                                        </p:tav>
+                                        <p:tav tm="100000">
+                                          <p:val>
+                                            <p:fltVal val="0"/>
+                                          </p:val>
+                                        </p:tav>
+                                      </p:tavLst>
+                                    </p:anim>
+                                    <p:animEffect transition="in" filter="fade">
+                                      <p:cBhvr>
+                                        <p:cTn id="22" dur="1000"/>
+                                        <p:tgtEl>
+                                          <p:spTgt spid="7"/>
+                                        </p:tgtEl>
+                                      </p:cBhvr>
+                                    </p:animEffect>
+                                  </p:childTnLst>
+                                </p:cTn>
+                              </p:par>
+                            </p:childTnLst>
+                          </p:cTn>
+                        </p:par>
+                      </p:childTnLst>
+                    </p:cTn>
+                  </p:par>
+                  <p:par>
+                    <p:cTn id="23" fill="hold">
+                      <p:stCondLst>
+                        <p:cond delay="indefinite"/>
+                      </p:stCondLst>
+                      <p:childTnLst>
+                        <p:par>
+                          <p:cTn id="24" fill="hold">
+                            <p:stCondLst>
+                              <p:cond delay="0"/>
+                            </p:stCondLst>
+                            <p:childTnLst>
+                              <p:par>
+                                <p:cTn id="25" presetID="42" presetClass="exit" presetSubtype="0" fill="hold" nodeType="clickEffect">
+                                  <p:stCondLst>
+                                    <p:cond delay="0"/>
+                                  </p:stCondLst>
+                                  <p:childTnLst>
+                                    <p:animEffect transition="out" filter="fade">
+                                      <p:cBhvr>
+                                        <p:cTn id="26" dur="1000"/>
+                                        <p:tgtEl>
+                                          <p:spTgt spid="7"/>
+                                        </p:tgtEl>
+                                      </p:cBhvr>
+                                    </p:animEffect>
+                                    <p:anim calcmode="lin" valueType="num">
+                                      <p:cBhvr>
+                                        <p:cTn id="27" dur="1000"/>
+                                        <p:tgtEl>
+                                          <p:spTgt spid="7"/>
+                                        </p:tgtEl>
+                                        <p:attrNameLst>
+                                          <p:attrName>ppt_x</p:attrName>
+                                        </p:attrNameLst>
+                                      </p:cBhvr>
+                                      <p:tavLst>
+                                        <p:tav tm="0">
+                                          <p:val>
+                                            <p:strVal val="ppt_x"/>
+                                          </p:val>
+                                        </p:tav>
+                                        <p:tav tm="100000">
+                                          <p:val>
+                                            <p:strVal val="ppt_x"/>
+                                          </p:val>
+                                        </p:tav>
+                                      </p:tavLst>
+                                    </p:anim>
+                                    <p:anim calcmode="lin" valueType="num">
+                                      <p:cBhvr>
+                                        <p:cTn id="28" dur="1000"/>
+                                        <p:tgtEl>
+                                          <p:spTgt spid="7"/>
+                                        </p:tgtEl>
+                                        <p:attrNameLst>
+                                          <p:attrName>ppt_y</p:attrName>
+                                        </p:attrNameLst>
+                                      </p:cBhvr>
+                                      <p:tavLst>
+                                        <p:tav tm="0">
+                                          <p:val>
+                                            <p:strVal val="ppt_y"/>
+                                          </p:val>
+                                        </p:tav>
+                                        <p:tav tm="100000">
+                                          <p:val>
+                                            <p:strVal val="ppt_y+.1"/>
+                                          </p:val>
+                                        </p:tav>
+                                      </p:tavLst>
+                                    </p:anim>
+                                    <p:set>
+                                      <p:cBhvr>
+                                        <p:cTn id="29" dur="1" fill="hold">
+                                          <p:stCondLst>
+                                            <p:cond delay="999"/>
+                                          </p:stCondLst>
+                                        </p:cTn>
+                                        <p:tgtEl>
+                                          <p:spTgt spid="7"/>
+                                        </p:tgtEl>
+                                        <p:attrNameLst>
+                                          <p:attrName>style.visibility</p:attrName>
+                                        </p:attrNameLst>
+                                      </p:cBhvr>
+                                      <p:to>
+                                        <p:strVal val="hidden"/>
+                                      </p:to>
+                                    </p:set>
+                                  </p:childTnLst>
+                                </p:cTn>
+                              </p:par>
+                            </p:childTnLst>
+                          </p:cTn>
+                        </p:par>
+                      </p:childTnLst>
+                    </p:cTn>
+                  </p:par>
+                  <p:par>
+                    <p:cTn id="30" fill="hold">
+                      <p:stCondLst>
+                        <p:cond delay="indefinite"/>
+                      </p:stCondLst>
+                      <p:childTnLst>
+                        <p:par>
+                          <p:cTn id="31" fill="hold">
+                            <p:stCondLst>
+                              <p:cond delay="0"/>
+                            </p:stCondLst>
+                            <p:childTnLst>
+                              <p:par>
+                                <p:cTn id="32" presetID="16" presetClass="entr" presetSubtype="21" fill="hold" nodeType="clickEffect">
+                                  <p:stCondLst>
+                                    <p:cond delay="0"/>
+                                  </p:stCondLst>
+                                  <p:childTnLst>
+                                    <p:set>
+                                      <p:cBhvr>
+                                        <p:cTn id="33" dur="1" fill="hold">
+                                          <p:stCondLst>
+                                            <p:cond delay="0"/>
+                                          </p:stCondLst>
+                                        </p:cTn>
+                                        <p:tgtEl>
+                                          <p:spTgt spid="8"/>
+                                        </p:tgtEl>
+                                        <p:attrNameLst>
+                                          <p:attrName>style.visibility</p:attrName>
+                                        </p:attrNameLst>
+                                      </p:cBhvr>
+                                      <p:to>
+                                        <p:strVal val="visible"/>
+                                      </p:to>
+                                    </p:set>
+                                    <p:animEffect transition="in" filter="barn(inVertical)">
+                                      <p:cBhvr>
+                                        <p:cTn id="34" dur="500"/>
+                                        <p:tgtEl>
+                                          <p:spTgt spid="8"/>
+                                        </p:tgtEl>
+                                      </p:cBhvr>
+                                    </p:animEffect>
+                                  </p:childTnLst>
+                                </p:cTn>
+                              </p:par>
+                            </p:childTnLst>
+                          </p:cTn>
+                        </p:par>
+                      </p:childTnLst>
+                    </p:cTn>
+                  </p:par>
+                </p:childTnLst>
+              </p:cTn>
+              <p:prevCondLst>
+                <p:cond evt="onPrev" delay="0">
+                  <p:tgtEl>
+                    <p:sldTgt/>
+                  </p:tgtEl>
+                </p:cond>
+              </p:prevCondLst>
+              <p:nextCondLst>
+                <p:cond evt="onNext" delay="0">
+                  <p:tgtEl>
+                    <p:sldTgt/>
+                  </p:tgtEl>
+                </p:cond>
+              </p:nextCondLst>
+            </p:seq>
+          </p:childTnLst>
+        </p:cTn>
+      </p:par>
+    </p:tnLst>
+  </p:timing>
+</p:sld>
+</file>
+
+<file path=ppt/slides/slide13.xml><?xml version="1.0" encoding="utf-8"?>
 <p:sld xmlns:a="http://schemas.openxmlformats.org/drawingml/2006/main" xmlns:r="http://schemas.openxmlformats.org/officeDocument/2006/relationships" xmlns:p="http://schemas.openxmlformats.org/presentationml/2006/main">
   <p:cSld>
     <p:spTree>
@@ -6310,7 +8820,7 @@
         </p:blipFill>
         <p:spPr bwMode="auto">
           <a:xfrm>
-            <a:off x="1259632" y="1124744"/>
+            <a:off x="1259632" y="1124745"/>
             <a:ext cx="7200800" cy="5040560"/>
           </a:xfrm>
           <a:prstGeom prst="rect">
@@ -6376,7 +8886,7 @@
         </p:blipFill>
         <p:spPr bwMode="auto">
           <a:xfrm>
-            <a:off x="971600" y="1124744"/>
+            <a:off x="971602" y="1124744"/>
             <a:ext cx="7704855" cy="5356401"/>
           </a:xfrm>
           <a:prstGeom prst="rect">
@@ -6409,7 +8919,7 @@
         </p:blipFill>
         <p:spPr bwMode="auto">
           <a:xfrm>
-            <a:off x="683569" y="1124743"/>
+            <a:off x="683569" y="1124744"/>
             <a:ext cx="7272808" cy="5356401"/>
           </a:xfrm>
           <a:prstGeom prst="rect">
@@ -6475,7 +8985,7 @@
         </p:blipFill>
         <p:spPr bwMode="auto">
           <a:xfrm>
-            <a:off x="1691680" y="908720"/>
+            <a:off x="1691680" y="908721"/>
             <a:ext cx="5904656" cy="5572424"/>
           </a:xfrm>
           <a:prstGeom prst="rect">
@@ -6508,7 +9018,7 @@
         </p:blipFill>
         <p:spPr bwMode="auto">
           <a:xfrm>
-            <a:off x="0" y="1124743"/>
+            <a:off x="2" y="1124744"/>
             <a:ext cx="8676455" cy="5040561"/>
           </a:xfrm>
           <a:prstGeom prst="rect">
@@ -6541,7 +9051,7 @@
         </p:blipFill>
         <p:spPr bwMode="auto">
           <a:xfrm>
-            <a:off x="467544" y="908720"/>
+            <a:off x="467544" y="908721"/>
             <a:ext cx="8676456" cy="4536503"/>
           </a:xfrm>
           <a:prstGeom prst="rect">
@@ -6574,7 +9084,7 @@
         </p:blipFill>
         <p:spPr bwMode="auto">
           <a:xfrm>
-            <a:off x="1259633" y="893762"/>
+            <a:off x="1259633" y="893763"/>
             <a:ext cx="6696744" cy="5070475"/>
           </a:xfrm>
           <a:prstGeom prst="rect">
@@ -6607,7 +9117,7 @@
         </p:blipFill>
         <p:spPr bwMode="auto">
           <a:xfrm>
-            <a:off x="971600" y="946785"/>
+            <a:off x="971601" y="946785"/>
             <a:ext cx="6984777" cy="4964430"/>
           </a:xfrm>
           <a:prstGeom prst="rect">
@@ -7998,7 +10508,7 @@
 </p:sld>
 </file>
 
-<file path=ppt/slides/slide11.xml><?xml version="1.0" encoding="utf-8"?>
+<file path=ppt/slides/slide14.xml><?xml version="1.0" encoding="utf-8"?>
 <p:sld xmlns:a="http://schemas.openxmlformats.org/drawingml/2006/main" xmlns:r="http://schemas.openxmlformats.org/officeDocument/2006/relationships" xmlns:p="http://schemas.openxmlformats.org/presentationml/2006/main">
   <p:cSld>
     <p:spTree>
@@ -8068,7 +10578,7 @@
         </p:blipFill>
         <p:spPr bwMode="auto">
           <a:xfrm>
-            <a:off x="899592" y="1484784"/>
+            <a:off x="899592" y="1484785"/>
             <a:ext cx="7632848" cy="2997605"/>
           </a:xfrm>
           <a:prstGeom prst="rect">
@@ -8101,7 +10611,7 @@
         </p:blipFill>
         <p:spPr bwMode="auto">
           <a:xfrm>
-            <a:off x="1897380" y="1484784"/>
+            <a:off x="1897381" y="1484785"/>
             <a:ext cx="5495468" cy="4693603"/>
           </a:xfrm>
           <a:prstGeom prst="rect">
@@ -8584,6 +11094,289 @@
 </p:sld>
 </file>
 
+<file path=ppt/slides/slide15.xml><?xml version="1.0" encoding="utf-8"?>
+<p:sld xmlns:a="http://schemas.openxmlformats.org/drawingml/2006/main" xmlns:r="http://schemas.openxmlformats.org/officeDocument/2006/relationships" xmlns:p="http://schemas.openxmlformats.org/presentationml/2006/main">
+  <p:cSld>
+    <p:spTree>
+      <p:nvGrpSpPr>
+        <p:cNvPr id="1" name=""/>
+        <p:cNvGrpSpPr/>
+        <p:nvPr/>
+      </p:nvGrpSpPr>
+      <p:grpSpPr>
+        <a:xfrm>
+          <a:off x="0" y="0"/>
+          <a:ext cx="0" cy="0"/>
+          <a:chOff x="0" y="0"/>
+          <a:chExt cx="0" cy="0"/>
+        </a:xfrm>
+      </p:grpSpPr>
+      <p:sp>
+        <p:nvSpPr>
+          <p:cNvPr id="2" name="Title 1"/>
+          <p:cNvSpPr>
+            <a:spLocks noGrp="1"/>
+          </p:cNvSpPr>
+          <p:nvPr>
+            <p:ph type="title"/>
+          </p:nvPr>
+        </p:nvSpPr>
+        <p:spPr/>
+        <p:txBody>
+          <a:bodyPr/>
+          <a:lstStyle/>
+          <a:p>
+            <a:r>
+              <a:rPr lang="en-US" smtClean="0"/>
+              <a:t>Thiết kế giao diện</a:t>
+            </a:r>
+            <a:endParaRPr lang="en-US"/>
+          </a:p>
+        </p:txBody>
+      </p:sp>
+      <p:pic>
+        <p:nvPicPr>
+          <p:cNvPr id="4" name="Content Placeholder 3"/>
+          <p:cNvPicPr>
+            <a:picLocks noGrp="1"/>
+          </p:cNvPicPr>
+          <p:nvPr>
+            <p:ph idx="1"/>
+          </p:nvPr>
+        </p:nvPicPr>
+        <p:blipFill>
+          <a:blip r:embed="rId2">
+            <a:extLst>
+              <a:ext uri="{28A0092B-C50C-407E-A947-70E740481C1C}">
+                <a14:useLocalDpi xmlns:a14="http://schemas.microsoft.com/office/drawing/2010/main" val="0"/>
+              </a:ext>
+            </a:extLst>
+          </a:blip>
+          <a:srcRect/>
+          <a:stretch>
+            <a:fillRect/>
+          </a:stretch>
+        </p:blipFill>
+        <p:spPr bwMode="auto">
+          <a:xfrm>
+            <a:off x="457200" y="1833351"/>
+            <a:ext cx="8229600" cy="4059660"/>
+          </a:xfrm>
+          <a:prstGeom prst="rect">
+            <a:avLst/>
+          </a:prstGeom>
+          <a:noFill/>
+          <a:ln>
+            <a:noFill/>
+          </a:ln>
+        </p:spPr>
+      </p:pic>
+      <p:sp>
+        <p:nvSpPr>
+          <p:cNvPr id="5" name="TextBox 4"/>
+          <p:cNvSpPr txBox="1"/>
+          <p:nvPr/>
+        </p:nvSpPr>
+        <p:spPr>
+          <a:xfrm>
+            <a:off x="1259632" y="3496816"/>
+            <a:ext cx="6696744" cy="523220"/>
+          </a:xfrm>
+          <a:prstGeom prst="rect">
+            <a:avLst/>
+          </a:prstGeom>
+        </p:spPr>
+        <p:style>
+          <a:lnRef idx="2">
+            <a:schemeClr val="accent3"/>
+          </a:lnRef>
+          <a:fillRef idx="1">
+            <a:schemeClr val="lt1"/>
+          </a:fillRef>
+          <a:effectRef idx="0">
+            <a:schemeClr val="accent3"/>
+          </a:effectRef>
+          <a:fontRef idx="minor">
+            <a:schemeClr val="dk1"/>
+          </a:fontRef>
+        </p:style>
+        <p:txBody>
+          <a:bodyPr wrap="square" rtlCol="0">
+            <a:spAutoFit/>
+          </a:bodyPr>
+          <a:lstStyle/>
+          <a:p>
+            <a:r>
+              <a:rPr lang="en-US" sz="2800" smtClean="0"/>
+              <a:t>Cảm ơn thầy và </a:t>
+            </a:r>
+            <a:r>
+              <a:rPr lang="en-US" sz="2800" smtClean="0">
+                <a:latin typeface="Times New Roman" pitchFamily="18" charset="0"/>
+                <a:cs typeface="Times New Roman" pitchFamily="18" charset="0"/>
+              </a:rPr>
+              <a:t>mọi</a:t>
+            </a:r>
+            <a:r>
+              <a:rPr lang="en-US" sz="2800" smtClean="0"/>
+              <a:t> người đã lắng nghe!</a:t>
+            </a:r>
+            <a:endParaRPr lang="en-US" sz="2800"/>
+          </a:p>
+        </p:txBody>
+      </p:sp>
+    </p:spTree>
+    <p:extLst>
+      <p:ext uri="{BB962C8B-B14F-4D97-AF65-F5344CB8AC3E}">
+        <p14:creationId xmlns:p14="http://schemas.microsoft.com/office/powerpoint/2010/main" val="616021457"/>
+      </p:ext>
+    </p:extLst>
+  </p:cSld>
+  <p:clrMapOvr>
+    <a:masterClrMapping/>
+  </p:clrMapOvr>
+  <p:timing>
+    <p:tnLst>
+      <p:par>
+        <p:cTn id="1" dur="indefinite" restart="never" nodeType="tmRoot">
+          <p:childTnLst>
+            <p:seq concurrent="1" nextAc="seek">
+              <p:cTn id="2" dur="indefinite" nodeType="mainSeq">
+                <p:childTnLst>
+                  <p:par>
+                    <p:cTn id="3" fill="hold">
+                      <p:stCondLst>
+                        <p:cond delay="indefinite"/>
+                      </p:stCondLst>
+                      <p:childTnLst>
+                        <p:par>
+                          <p:cTn id="4" fill="hold">
+                            <p:stCondLst>
+                              <p:cond delay="0"/>
+                            </p:stCondLst>
+                            <p:childTnLst>
+                              <p:par>
+                                <p:cTn id="5" presetID="6" presetClass="exit" presetSubtype="32" fill="hold" nodeType="clickEffect">
+                                  <p:stCondLst>
+                                    <p:cond delay="0"/>
+                                  </p:stCondLst>
+                                  <p:childTnLst>
+                                    <p:animEffect transition="out" filter="circle(out)">
+                                      <p:cBhvr>
+                                        <p:cTn id="6" dur="2000"/>
+                                        <p:tgtEl>
+                                          <p:spTgt spid="4"/>
+                                        </p:tgtEl>
+                                      </p:cBhvr>
+                                    </p:animEffect>
+                                    <p:set>
+                                      <p:cBhvr>
+                                        <p:cTn id="7" dur="1" fill="hold">
+                                          <p:stCondLst>
+                                            <p:cond delay="1999"/>
+                                          </p:stCondLst>
+                                        </p:cTn>
+                                        <p:tgtEl>
+                                          <p:spTgt spid="4"/>
+                                        </p:tgtEl>
+                                        <p:attrNameLst>
+                                          <p:attrName>style.visibility</p:attrName>
+                                        </p:attrNameLst>
+                                      </p:cBhvr>
+                                      <p:to>
+                                        <p:strVal val="hidden"/>
+                                      </p:to>
+                                    </p:set>
+                                  </p:childTnLst>
+                                </p:cTn>
+                              </p:par>
+                            </p:childTnLst>
+                          </p:cTn>
+                        </p:par>
+                      </p:childTnLst>
+                    </p:cTn>
+                  </p:par>
+                  <p:par>
+                    <p:cTn id="8" fill="hold">
+                      <p:stCondLst>
+                        <p:cond delay="indefinite"/>
+                      </p:stCondLst>
+                      <p:childTnLst>
+                        <p:par>
+                          <p:cTn id="9" fill="hold">
+                            <p:stCondLst>
+                              <p:cond delay="0"/>
+                            </p:stCondLst>
+                            <p:childTnLst>
+                              <p:par>
+                                <p:cTn id="10" presetID="16" presetClass="entr" presetSubtype="21" fill="hold" grpId="0" nodeType="clickEffect">
+                                  <p:stCondLst>
+                                    <p:cond delay="0"/>
+                                  </p:stCondLst>
+                                  <p:childTnLst>
+                                    <p:set>
+                                      <p:cBhvr>
+                                        <p:cTn id="11" dur="1" fill="hold">
+                                          <p:stCondLst>
+                                            <p:cond delay="0"/>
+                                          </p:stCondLst>
+                                        </p:cTn>
+                                        <p:tgtEl>
+                                          <p:spTgt spid="5"/>
+                                        </p:tgtEl>
+                                        <p:attrNameLst>
+                                          <p:attrName>style.visibility</p:attrName>
+                                        </p:attrNameLst>
+                                      </p:cBhvr>
+                                      <p:to>
+                                        <p:strVal val="visible"/>
+                                      </p:to>
+                                    </p:set>
+                                    <p:animEffect transition="in" filter="barn(inVertical)">
+                                      <p:cBhvr>
+                                        <p:cTn id="12" dur="500"/>
+                                        <p:tgtEl>
+                                          <p:spTgt spid="5"/>
+                                        </p:tgtEl>
+                                      </p:cBhvr>
+                                    </p:animEffect>
+                                  </p:childTnLst>
+                                </p:cTn>
+                              </p:par>
+                            </p:childTnLst>
+                          </p:cTn>
+                        </p:par>
+                      </p:childTnLst>
+                    </p:cTn>
+                  </p:par>
+                </p:childTnLst>
+              </p:cTn>
+              <p:prevCondLst>
+                <p:cond evt="onPrev" delay="0">
+                  <p:tgtEl>
+                    <p:sldTgt/>
+                  </p:tgtEl>
+                </p:cond>
+              </p:prevCondLst>
+              <p:nextCondLst>
+                <p:cond evt="onNext" delay="0">
+                  <p:tgtEl>
+                    <p:sldTgt/>
+                  </p:tgtEl>
+                </p:cond>
+              </p:nextCondLst>
+            </p:seq>
+          </p:childTnLst>
+        </p:cTn>
+      </p:par>
+    </p:tnLst>
+    <p:bldLst>
+      <p:bldP spid="5" grpId="0" animBg="1"/>
+    </p:bldLst>
+  </p:timing>
+</p:sld>
+</file>
+
 <file path=ppt/slides/slide2.xml><?xml version="1.0" encoding="utf-8"?>
 <p:sld xmlns:a="http://schemas.openxmlformats.org/drawingml/2006/main" xmlns:r="http://schemas.openxmlformats.org/officeDocument/2006/relationships" xmlns:p="http://schemas.openxmlformats.org/presentationml/2006/main">
   <p:cSld>
@@ -8647,7 +11440,7 @@
         </p:nvSpPr>
         <p:spPr>
           <a:xfrm>
-            <a:off x="457200" y="3284983"/>
+            <a:off x="457200" y="3284984"/>
             <a:ext cx="8229600" cy="2841181"/>
           </a:xfrm>
         </p:spPr>
@@ -8658,7 +11451,7 @@
           <a:lstStyle/>
           <a:p>
             <a:r>
-              <a:rPr lang="en-US" smtClean="0">
+              <a:rPr lang="en-US" b="1" smtClean="0">
                 <a:solidFill>
                   <a:schemeClr val="tx1"/>
                 </a:solidFill>
@@ -8742,7 +11535,7 @@
               <a:buChar char="•"/>
             </a:pPr>
             <a:r>
-              <a:rPr lang="en-US" sz="2400" smtClean="0">
+              <a:rPr lang="en-US" sz="2400" b="1" smtClean="0">
                 <a:latin typeface="Times New Roman" pitchFamily="18" charset="0"/>
                 <a:cs typeface="Times New Roman" pitchFamily="18" charset="0"/>
               </a:rPr>
@@ -8860,7 +11653,7 @@
         </p:nvSpPr>
         <p:spPr>
           <a:xfrm>
-            <a:off x="395536" y="1196753"/>
+            <a:off x="395536" y="1196754"/>
             <a:ext cx="8229600" cy="4525963"/>
           </a:xfrm>
         </p:spPr>
@@ -9042,7 +11835,7 @@
         </p:nvSpPr>
         <p:spPr>
           <a:xfrm>
-            <a:off x="395536" y="908720"/>
+            <a:off x="395536" y="908721"/>
             <a:ext cx="8229600" cy="4525963"/>
           </a:xfrm>
         </p:spPr>
@@ -9062,6 +11855,68 @@
               </a:rPr>
               <a:t>Khách hàng: </a:t>
             </a:r>
+            <a:endParaRPr lang="en-US" smtClean="0">
+              <a:solidFill>
+                <a:schemeClr val="tx1"/>
+              </a:solidFill>
+              <a:latin typeface="Times New Roman" pitchFamily="18" charset="0"/>
+              <a:cs typeface="Times New Roman" pitchFamily="18" charset="0"/>
+            </a:endParaRPr>
+          </a:p>
+          <a:p>
+            <a:pPr lvl="2" indent="-342900">
+              <a:buFontTx/>
+              <a:buChar char="-"/>
+            </a:pPr>
+            <a:r>
+              <a:rPr lang="en-US" sz="2400" smtClean="0">
+                <a:solidFill>
+                  <a:schemeClr val="tx1"/>
+                </a:solidFill>
+                <a:latin typeface="Times New Roman" pitchFamily="18" charset="0"/>
+                <a:cs typeface="Times New Roman" pitchFamily="18" charset="0"/>
+              </a:rPr>
+              <a:t>Đăng nhập</a:t>
+            </a:r>
+          </a:p>
+          <a:p>
+            <a:pPr lvl="2" indent="-342900">
+              <a:buFontTx/>
+              <a:buChar char="-"/>
+            </a:pPr>
+            <a:r>
+              <a:rPr lang="en-US" sz="2400" smtClean="0">
+                <a:solidFill>
+                  <a:schemeClr val="tx1"/>
+                </a:solidFill>
+                <a:latin typeface="Times New Roman" pitchFamily="18" charset="0"/>
+                <a:cs typeface="Times New Roman" pitchFamily="18" charset="0"/>
+              </a:rPr>
+              <a:t>Đăng ký</a:t>
+            </a:r>
+          </a:p>
+          <a:p>
+            <a:pPr lvl="2" indent="-342900">
+              <a:buFontTx/>
+              <a:buChar char="-"/>
+            </a:pPr>
+            <a:r>
+              <a:rPr lang="en-US" sz="2400" smtClean="0">
+                <a:solidFill>
+                  <a:schemeClr val="tx1"/>
+                </a:solidFill>
+                <a:latin typeface="Times New Roman" pitchFamily="18" charset="0"/>
+                <a:cs typeface="Times New Roman" pitchFamily="18" charset="0"/>
+              </a:rPr>
+              <a:t>Cập nhật thông tin</a:t>
+            </a:r>
+            <a:endParaRPr lang="en-US" sz="2400" smtClean="0">
+              <a:solidFill>
+                <a:schemeClr val="tx1"/>
+              </a:solidFill>
+              <a:latin typeface="Times New Roman" pitchFamily="18" charset="0"/>
+              <a:cs typeface="Times New Roman" pitchFamily="18" charset="0"/>
+            </a:endParaRPr>
           </a:p>
           <a:p>
             <a:pPr marL="800100" lvl="2" indent="0">
@@ -9075,7 +11930,17 @@
                 <a:latin typeface="Times New Roman" pitchFamily="18" charset="0"/>
                 <a:cs typeface="Times New Roman" pitchFamily="18" charset="0"/>
               </a:rPr>
-              <a:t>- Xem Tour </a:t>
+              <a:t>-  </a:t>
+            </a:r>
+            <a:r>
+              <a:rPr lang="en-US" sz="2400" smtClean="0">
+                <a:solidFill>
+                  <a:schemeClr val="tx1"/>
+                </a:solidFill>
+                <a:latin typeface="Times New Roman" pitchFamily="18" charset="0"/>
+                <a:cs typeface="Times New Roman" pitchFamily="18" charset="0"/>
+              </a:rPr>
+              <a:t>Tìm kiếm Tour</a:t>
             </a:r>
           </a:p>
           <a:p>
@@ -9090,7 +11955,17 @@
                 <a:latin typeface="Times New Roman" pitchFamily="18" charset="0"/>
                 <a:cs typeface="Times New Roman" pitchFamily="18" charset="0"/>
               </a:rPr>
-              <a:t>- Tìm kiếm Tour</a:t>
+              <a:t>-  Đặt </a:t>
+            </a:r>
+            <a:r>
+              <a:rPr lang="en-US" sz="2400" smtClean="0">
+                <a:solidFill>
+                  <a:schemeClr val="tx1"/>
+                </a:solidFill>
+                <a:latin typeface="Times New Roman" pitchFamily="18" charset="0"/>
+                <a:cs typeface="Times New Roman" pitchFamily="18" charset="0"/>
+              </a:rPr>
+              <a:t>Tour</a:t>
             </a:r>
           </a:p>
           <a:p>
@@ -9105,13 +11980,8 @@
                 <a:latin typeface="Times New Roman" pitchFamily="18" charset="0"/>
                 <a:cs typeface="Times New Roman" pitchFamily="18" charset="0"/>
               </a:rPr>
-              <a:t>-Đặt Tour</a:t>
-            </a:r>
-          </a:p>
-          <a:p>
-            <a:pPr marL="800100" lvl="2" indent="0">
-              <a:buNone/>
-            </a:pPr>
+              <a:t>-  Thanh </a:t>
+            </a:r>
             <a:r>
               <a:rPr lang="en-US" sz="2400" smtClean="0">
                 <a:solidFill>
@@ -9120,7 +11990,7 @@
                 <a:latin typeface="Times New Roman" pitchFamily="18" charset="0"/>
                 <a:cs typeface="Times New Roman" pitchFamily="18" charset="0"/>
               </a:rPr>
-              <a:t>-Thanh toán Tour</a:t>
+              <a:t>toán Tour</a:t>
             </a:r>
           </a:p>
           <a:p>
@@ -9177,7 +12047,7 @@
         </p:nvSpPr>
         <p:spPr>
           <a:xfrm>
-            <a:off x="395536" y="0"/>
+            <a:off x="395536" y="1"/>
             <a:ext cx="8229600" cy="619472"/>
           </a:xfrm>
         </p:spPr>
@@ -9248,7 +12118,7 @@
         </p:nvSpPr>
         <p:spPr>
           <a:xfrm>
-            <a:off x="395536" y="0"/>
+            <a:off x="395536" y="1"/>
             <a:ext cx="8229600" cy="619472"/>
           </a:xfrm>
         </p:spPr>
@@ -9280,13 +12150,13 @@
             <p:ph idx="1"/>
             <p:extLst>
               <p:ext uri="{D42A27DB-BD31-4B8C-83A1-F6EECF244321}">
-                <p14:modId xmlns:p14="http://schemas.microsoft.com/office/powerpoint/2010/main" val="1110792373"/>
+                <p14:modId xmlns:p14="http://schemas.microsoft.com/office/powerpoint/2010/main" val="1005904210"/>
               </p:ext>
             </p:extLst>
           </p:nvPr>
         </p:nvGraphicFramePr>
         <p:xfrm>
-          <a:off x="467544" y="620688"/>
+          <a:off x="467544" y="620689"/>
           <a:ext cx="8301608" cy="3154640"/>
         </p:xfrm>
         <a:graphic>
@@ -9304,14 +12174,14 @@
           <p:nvPr>
             <p:extLst>
               <p:ext uri="{D42A27DB-BD31-4B8C-83A1-F6EECF244321}">
-                <p14:modId xmlns:p14="http://schemas.microsoft.com/office/powerpoint/2010/main" val="3875799295"/>
+                <p14:modId xmlns:p14="http://schemas.microsoft.com/office/powerpoint/2010/main" val="923910855"/>
               </p:ext>
             </p:extLst>
           </p:nvPr>
         </p:nvGraphicFramePr>
         <p:xfrm>
-          <a:off x="755576" y="4437112"/>
-          <a:ext cx="7776865" cy="1935099"/>
+          <a:off x="539552" y="4005064"/>
+          <a:ext cx="7920881" cy="2520277"/>
         </p:xfrm>
         <a:graphic>
           <a:graphicData uri="http://schemas.openxmlformats.org/drawingml/2006/table">
@@ -9320,13 +12190,13 @@
                 <a:tableStyleId>{5C22544A-7EE6-4342-B048-85BDC9FD1C3A}</a:tableStyleId>
               </a:tblPr>
               <a:tblGrid>
-                <a:gridCol w="1187042"/>
-                <a:gridCol w="1361605"/>
-                <a:gridCol w="1115470"/>
-                <a:gridCol w="1267341"/>
-                <a:gridCol w="2845407"/>
+                <a:gridCol w="1209025"/>
+                <a:gridCol w="1386819"/>
+                <a:gridCol w="1136128"/>
+                <a:gridCol w="1290810"/>
+                <a:gridCol w="2898099"/>
               </a:tblGrid>
-              <a:tr h="385572">
+              <a:tr h="452909">
                 <a:tc>
                   <a:txBody>
                     <a:bodyPr/>
@@ -9473,7 +12343,7 @@
                   <a:tcPr marL="68580" marR="68580" marT="0" marB="0" anchor="b"/>
                 </a:tc>
               </a:tr>
-              <a:tr h="180975">
+              <a:tr h="258421">
                 <a:tc>
                   <a:txBody>
                     <a:bodyPr/>
@@ -9620,7 +12490,7 @@
                   <a:tcPr marL="68580" marR="68580" marT="0" marB="0" anchor="b"/>
                 </a:tc>
               </a:tr>
-              <a:tr h="200025">
+              <a:tr h="258421">
                 <a:tc>
                   <a:txBody>
                     <a:bodyPr/>
@@ -9767,7 +12637,7 @@
                   <a:tcPr marL="68580" marR="68580" marT="0" marB="0" anchor="b"/>
                 </a:tc>
               </a:tr>
-              <a:tr h="190500">
+              <a:tr h="258421">
                 <a:tc>
                   <a:txBody>
                     <a:bodyPr/>
@@ -9914,7 +12784,7 @@
                   <a:tcPr marL="68580" marR="68580" marT="0" marB="0" anchor="b"/>
                 </a:tc>
               </a:tr>
-              <a:tr h="152400">
+              <a:tr h="258421">
                 <a:tc>
                   <a:txBody>
                     <a:bodyPr/>
@@ -10061,7 +12931,7 @@
                   <a:tcPr marL="68580" marR="68580" marT="0" marB="0"/>
                 </a:tc>
               </a:tr>
-              <a:tr h="190500">
+              <a:tr h="258421">
                 <a:tc>
                   <a:txBody>
                     <a:bodyPr/>
@@ -10208,7 +13078,7 @@
                   <a:tcPr marL="68580" marR="68580" marT="0" marB="0" anchor="b"/>
                 </a:tc>
               </a:tr>
-              <a:tr h="190500">
+              <a:tr h="258421">
                 <a:tc>
                   <a:txBody>
                     <a:bodyPr/>
@@ -10355,7 +13225,7 @@
                   <a:tcPr marL="68580" marR="68580" marT="0" marB="0" anchor="b"/>
                 </a:tc>
               </a:tr>
-              <a:tr h="190500">
+              <a:tr h="258421">
                 <a:tc>
                   <a:txBody>
                     <a:bodyPr/>
@@ -10502,7 +13372,7 @@
                   <a:tcPr marL="68580" marR="68580" marT="0" marB="0" anchor="b"/>
                 </a:tc>
               </a:tr>
-              <a:tr h="190500">
+              <a:tr h="258421">
                 <a:tc>
                   <a:txBody>
                     <a:bodyPr/>
@@ -10666,7 +13536,121 @@
   <p:timing>
     <p:tnLst>
       <p:par>
-        <p:cTn id="1" dur="indefinite" restart="never" nodeType="tmRoot"/>
+        <p:cTn id="1" dur="indefinite" restart="never" nodeType="tmRoot">
+          <p:childTnLst>
+            <p:seq concurrent="1" nextAc="seek">
+              <p:cTn id="2" dur="indefinite" nodeType="mainSeq">
+                <p:childTnLst>
+                  <p:par>
+                    <p:cTn id="3" fill="hold">
+                      <p:stCondLst>
+                        <p:cond delay="indefinite"/>
+                      </p:stCondLst>
+                      <p:childTnLst>
+                        <p:par>
+                          <p:cTn id="4" fill="hold">
+                            <p:stCondLst>
+                              <p:cond delay="0"/>
+                            </p:stCondLst>
+                            <p:childTnLst>
+                              <p:par>
+                                <p:cTn id="5" presetID="2" presetClass="entr" presetSubtype="4" fill="hold" nodeType="clickEffect">
+                                  <p:stCondLst>
+                                    <p:cond delay="0"/>
+                                  </p:stCondLst>
+                                  <p:childTnLst>
+                                    <p:set>
+                                      <p:cBhvr>
+                                        <p:cTn id="6" dur="1" fill="hold">
+                                          <p:stCondLst>
+                                            <p:cond delay="0"/>
+                                          </p:stCondLst>
+                                        </p:cTn>
+                                        <p:tgtEl>
+                                          <p:spTgt spid="3"/>
+                                        </p:tgtEl>
+                                        <p:attrNameLst>
+                                          <p:attrName>style.visibility</p:attrName>
+                                        </p:attrNameLst>
+                                      </p:cBhvr>
+                                      <p:to>
+                                        <p:strVal val="visible"/>
+                                      </p:to>
+                                    </p:set>
+                                    <p:anim calcmode="lin" valueType="num">
+                                      <p:cBhvr additive="base">
+                                        <p:cTn id="7" dur="500" fill="hold"/>
+                                        <p:tgtEl>
+                                          <p:spTgt spid="3"/>
+                                        </p:tgtEl>
+                                        <p:attrNameLst>
+                                          <p:attrName>ppt_x</p:attrName>
+                                        </p:attrNameLst>
+                                      </p:cBhvr>
+                                      <p:tavLst>
+                                        <p:tav tm="0">
+                                          <p:val>
+                                            <p:strVal val="#ppt_x"/>
+                                          </p:val>
+                                        </p:tav>
+                                        <p:tav tm="100000">
+                                          <p:val>
+                                            <p:strVal val="#ppt_x"/>
+                                          </p:val>
+                                        </p:tav>
+                                      </p:tavLst>
+                                    </p:anim>
+                                    <p:anim calcmode="lin" valueType="num">
+                                      <p:cBhvr additive="base">
+                                        <p:cTn id="8" dur="500" fill="hold"/>
+                                        <p:tgtEl>
+                                          <p:spTgt spid="3"/>
+                                        </p:tgtEl>
+                                        <p:attrNameLst>
+                                          <p:attrName>ppt_y</p:attrName>
+                                        </p:attrNameLst>
+                                      </p:cBhvr>
+                                      <p:tavLst>
+                                        <p:tav tm="0">
+                                          <p:val>
+                                            <p:strVal val="1+#ppt_h/2"/>
+                                          </p:val>
+                                        </p:tav>
+                                        <p:tav tm="100000">
+                                          <p:val>
+                                            <p:strVal val="#ppt_y"/>
+                                          </p:val>
+                                        </p:tav>
+                                      </p:tavLst>
+                                    </p:anim>
+                                  </p:childTnLst>
+                                </p:cTn>
+                              </p:par>
+                            </p:childTnLst>
+                          </p:cTn>
+                        </p:par>
+                      </p:childTnLst>
+                    </p:cTn>
+                  </p:par>
+                </p:childTnLst>
+              </p:cTn>
+              <p:prevCondLst>
+                <p:cond evt="onPrev" delay="0">
+                  <p:tgtEl>
+                    <p:sldTgt/>
+                  </p:tgtEl>
+                </p:cond>
+              </p:prevCondLst>
+              <p:nextCondLst>
+                <p:cond evt="onNext" delay="0">
+                  <p:tgtEl>
+                    <p:sldTgt/>
+                  </p:tgtEl>
+                </p:cond>
+              </p:nextCondLst>
+            </p:seq>
+          </p:childTnLst>
+        </p:cTn>
       </p:par>
     </p:tnLst>
   </p:timing>
@@ -10900,7 +13884,7 @@
           <p:nvPr/>
         </p:nvPicPr>
         <p:blipFill>
-          <a:blip r:embed="rId2">
+          <a:blip r:embed="rId3">
             <a:extLst>
               <a:ext uri="{28A0092B-C50C-407E-A947-70E740481C1C}">
                 <a14:useLocalDpi xmlns:a14="http://schemas.microsoft.com/office/drawing/2010/main" val="0"/>
@@ -10914,7 +13898,7 @@
         </p:blipFill>
         <p:spPr bwMode="auto">
           <a:xfrm>
-            <a:off x="395536" y="1196752"/>
+            <a:off x="395537" y="1196753"/>
             <a:ext cx="8423523" cy="5123681"/>
           </a:xfrm>
           <a:prstGeom prst="rect">
@@ -11004,8 +13988,8 @@
         </p:nvSpPr>
         <p:spPr>
           <a:xfrm>
-            <a:off x="395536" y="260648"/>
-            <a:ext cx="8229600" cy="619472"/>
+            <a:off x="395536" y="116632"/>
+            <a:ext cx="8229600" cy="475456"/>
           </a:xfrm>
         </p:spPr>
         <p:txBody>
@@ -11014,12 +13998,26 @@
           <a:p>
             <a:r>
               <a:rPr lang="en-US" sz="3000" b="1" smtClean="0">
+                <a:effectLst>
+                  <a:outerShdw blurRad="38100" dist="38100" dir="2700000" algn="tl">
+                    <a:srgbClr val="000000">
+                      <a:alpha val="43137"/>
+                    </a:srgbClr>
+                  </a:outerShdw>
+                </a:effectLst>
                 <a:latin typeface="Times New Roman" pitchFamily="18" charset="0"/>
                 <a:cs typeface="Times New Roman" pitchFamily="18" charset="0"/>
               </a:rPr>
-              <a:t>Chức năng tìm kiếm</a:t>
+              <a:t>Chức năng đăng nhập</a:t>
             </a:r>
             <a:endParaRPr lang="en-US" sz="3000" b="1">
+              <a:effectLst>
+                <a:outerShdw blurRad="38100" dist="38100" dir="2700000" algn="tl">
+                  <a:srgbClr val="000000">
+                    <a:alpha val="43137"/>
+                  </a:srgbClr>
+                </a:outerShdw>
+              </a:effectLst>
               <a:latin typeface="Times New Roman" pitchFamily="18" charset="0"/>
               <a:cs typeface="Times New Roman" pitchFamily="18" charset="0"/>
             </a:endParaRPr>
@@ -11028,470 +14026,7 @@
       </p:sp>
       <p:pic>
         <p:nvPicPr>
-          <p:cNvPr id="4" name="Picture 3" descr="D:\httt\usetimkiem.png"/>
-          <p:cNvPicPr/>
-          <p:nvPr/>
-        </p:nvPicPr>
-        <p:blipFill>
-          <a:blip r:embed="rId3">
-            <a:extLst>
-              <a:ext uri="{28A0092B-C50C-407E-A947-70E740481C1C}">
-                <a14:useLocalDpi xmlns:a14="http://schemas.microsoft.com/office/drawing/2010/main" val="0"/>
-              </a:ext>
-            </a:extLst>
-          </a:blip>
-          <a:srcRect/>
-          <a:stretch>
-            <a:fillRect/>
-          </a:stretch>
-        </p:blipFill>
-        <p:spPr bwMode="auto">
-          <a:xfrm>
-            <a:off x="1115616" y="1484784"/>
-            <a:ext cx="7632848" cy="3528391"/>
-          </a:xfrm>
-          <a:prstGeom prst="rect">
-            <a:avLst/>
-          </a:prstGeom>
-          <a:noFill/>
-          <a:ln>
-            <a:noFill/>
-          </a:ln>
-        </p:spPr>
-      </p:pic>
-      <p:pic>
-        <p:nvPicPr>
-          <p:cNvPr id="5" name="Picture 4" descr="D:\WBN\hethongthongtin\ACT_search.PNG"/>
-          <p:cNvPicPr/>
-          <p:nvPr/>
-        </p:nvPicPr>
-        <p:blipFill>
-          <a:blip r:embed="rId4">
-            <a:extLst>
-              <a:ext uri="{28A0092B-C50C-407E-A947-70E740481C1C}">
-                <a14:useLocalDpi xmlns:a14="http://schemas.microsoft.com/office/drawing/2010/main" val="0"/>
-              </a:ext>
-            </a:extLst>
-          </a:blip>
-          <a:srcRect/>
-          <a:stretch>
-            <a:fillRect/>
-          </a:stretch>
-        </p:blipFill>
-        <p:spPr bwMode="auto">
-          <a:xfrm>
-            <a:off x="323528" y="1124744"/>
-            <a:ext cx="8424936" cy="4968552"/>
-          </a:xfrm>
-          <a:prstGeom prst="rect">
-            <a:avLst/>
-          </a:prstGeom>
-          <a:noFill/>
-          <a:ln>
-            <a:noFill/>
-          </a:ln>
-        </p:spPr>
-      </p:pic>
-      <p:pic>
-        <p:nvPicPr>
-          <p:cNvPr id="6" name="Picture 5" descr="D:\WBN\hethongthongtin\timkiem.png"/>
-          <p:cNvPicPr/>
-          <p:nvPr/>
-        </p:nvPicPr>
-        <p:blipFill>
-          <a:blip r:embed="rId5">
-            <a:extLst>
-              <a:ext uri="{28A0092B-C50C-407E-A947-70E740481C1C}">
-                <a14:useLocalDpi xmlns:a14="http://schemas.microsoft.com/office/drawing/2010/main" val="0"/>
-              </a:ext>
-            </a:extLst>
-          </a:blip>
-          <a:srcRect/>
-          <a:stretch>
-            <a:fillRect/>
-          </a:stretch>
-        </p:blipFill>
-        <p:spPr bwMode="auto">
-          <a:xfrm>
-            <a:off x="539552" y="908719"/>
-            <a:ext cx="8352928" cy="5616625"/>
-          </a:xfrm>
-          <a:prstGeom prst="rect">
-            <a:avLst/>
-          </a:prstGeom>
-          <a:noFill/>
-          <a:ln>
-            <a:noFill/>
-          </a:ln>
-        </p:spPr>
-      </p:pic>
-    </p:spTree>
-    <p:extLst>
-      <p:ext uri="{BB962C8B-B14F-4D97-AF65-F5344CB8AC3E}">
-        <p14:creationId xmlns:p14="http://schemas.microsoft.com/office/powerpoint/2010/main" val="2591037000"/>
-      </p:ext>
-    </p:extLst>
-  </p:cSld>
-  <p:clrMapOvr>
-    <a:masterClrMapping/>
-  </p:clrMapOvr>
-  <p:timing>
-    <p:tnLst>
-      <p:par>
-        <p:cTn id="1" dur="indefinite" restart="never" nodeType="tmRoot">
-          <p:childTnLst>
-            <p:seq concurrent="1" nextAc="seek">
-              <p:cTn id="2" dur="indefinite" nodeType="mainSeq">
-                <p:childTnLst>
-                  <p:par>
-                    <p:cTn id="3" fill="hold">
-                      <p:stCondLst>
-                        <p:cond delay="indefinite"/>
-                      </p:stCondLst>
-                      <p:childTnLst>
-                        <p:par>
-                          <p:cTn id="4" fill="hold">
-                            <p:stCondLst>
-                              <p:cond delay="0"/>
-                            </p:stCondLst>
-                            <p:childTnLst>
-                              <p:par>
-                                <p:cTn id="5" presetID="10" presetClass="exit" presetSubtype="0" fill="hold" nodeType="clickEffect">
-                                  <p:stCondLst>
-                                    <p:cond delay="0"/>
-                                  </p:stCondLst>
-                                  <p:childTnLst>
-                                    <p:animEffect transition="out" filter="fade">
-                                      <p:cBhvr>
-                                        <p:cTn id="6" dur="500"/>
-                                        <p:tgtEl>
-                                          <p:spTgt spid="4"/>
-                                        </p:tgtEl>
-                                      </p:cBhvr>
-                                    </p:animEffect>
-                                    <p:set>
-                                      <p:cBhvr>
-                                        <p:cTn id="7" dur="1" fill="hold">
-                                          <p:stCondLst>
-                                            <p:cond delay="499"/>
-                                          </p:stCondLst>
-                                        </p:cTn>
-                                        <p:tgtEl>
-                                          <p:spTgt spid="4"/>
-                                        </p:tgtEl>
-                                        <p:attrNameLst>
-                                          <p:attrName>style.visibility</p:attrName>
-                                        </p:attrNameLst>
-                                      </p:cBhvr>
-                                      <p:to>
-                                        <p:strVal val="hidden"/>
-                                      </p:to>
-                                    </p:set>
-                                  </p:childTnLst>
-                                </p:cTn>
-                              </p:par>
-                            </p:childTnLst>
-                          </p:cTn>
-                        </p:par>
-                      </p:childTnLst>
-                    </p:cTn>
-                  </p:par>
-                  <p:par>
-                    <p:cTn id="8" fill="hold">
-                      <p:stCondLst>
-                        <p:cond delay="indefinite"/>
-                      </p:stCondLst>
-                      <p:childTnLst>
-                        <p:par>
-                          <p:cTn id="9" fill="hold">
-                            <p:stCondLst>
-                              <p:cond delay="0"/>
-                            </p:stCondLst>
-                            <p:childTnLst>
-                              <p:par>
-                                <p:cTn id="10" presetID="42" presetClass="entr" presetSubtype="0" fill="hold" nodeType="clickEffect">
-                                  <p:stCondLst>
-                                    <p:cond delay="0"/>
-                                  </p:stCondLst>
-                                  <p:childTnLst>
-                                    <p:set>
-                                      <p:cBhvr>
-                                        <p:cTn id="11" dur="1" fill="hold">
-                                          <p:stCondLst>
-                                            <p:cond delay="0"/>
-                                          </p:stCondLst>
-                                        </p:cTn>
-                                        <p:tgtEl>
-                                          <p:spTgt spid="5"/>
-                                        </p:tgtEl>
-                                        <p:attrNameLst>
-                                          <p:attrName>style.visibility</p:attrName>
-                                        </p:attrNameLst>
-                                      </p:cBhvr>
-                                      <p:to>
-                                        <p:strVal val="visible"/>
-                                      </p:to>
-                                    </p:set>
-                                    <p:animEffect transition="in" filter="fade">
-                                      <p:cBhvr>
-                                        <p:cTn id="12" dur="1000"/>
-                                        <p:tgtEl>
-                                          <p:spTgt spid="5"/>
-                                        </p:tgtEl>
-                                      </p:cBhvr>
-                                    </p:animEffect>
-                                    <p:anim calcmode="lin" valueType="num">
-                                      <p:cBhvr>
-                                        <p:cTn id="13" dur="1000" fill="hold"/>
-                                        <p:tgtEl>
-                                          <p:spTgt spid="5"/>
-                                        </p:tgtEl>
-                                        <p:attrNameLst>
-                                          <p:attrName>ppt_x</p:attrName>
-                                        </p:attrNameLst>
-                                      </p:cBhvr>
-                                      <p:tavLst>
-                                        <p:tav tm="0">
-                                          <p:val>
-                                            <p:strVal val="#ppt_x"/>
-                                          </p:val>
-                                        </p:tav>
-                                        <p:tav tm="100000">
-                                          <p:val>
-                                            <p:strVal val="#ppt_x"/>
-                                          </p:val>
-                                        </p:tav>
-                                      </p:tavLst>
-                                    </p:anim>
-                                    <p:anim calcmode="lin" valueType="num">
-                                      <p:cBhvr>
-                                        <p:cTn id="14" dur="1000" fill="hold"/>
-                                        <p:tgtEl>
-                                          <p:spTgt spid="5"/>
-                                        </p:tgtEl>
-                                        <p:attrNameLst>
-                                          <p:attrName>ppt_y</p:attrName>
-                                        </p:attrNameLst>
-                                      </p:cBhvr>
-                                      <p:tavLst>
-                                        <p:tav tm="0">
-                                          <p:val>
-                                            <p:strVal val="#ppt_y+.1"/>
-                                          </p:val>
-                                        </p:tav>
-                                        <p:tav tm="100000">
-                                          <p:val>
-                                            <p:strVal val="#ppt_y"/>
-                                          </p:val>
-                                        </p:tav>
-                                      </p:tavLst>
-                                    </p:anim>
-                                  </p:childTnLst>
-                                </p:cTn>
-                              </p:par>
-                            </p:childTnLst>
-                          </p:cTn>
-                        </p:par>
-                      </p:childTnLst>
-                    </p:cTn>
-                  </p:par>
-                  <p:par>
-                    <p:cTn id="15" fill="hold">
-                      <p:stCondLst>
-                        <p:cond delay="indefinite"/>
-                      </p:stCondLst>
-                      <p:childTnLst>
-                        <p:par>
-                          <p:cTn id="16" fill="hold">
-                            <p:stCondLst>
-                              <p:cond delay="0"/>
-                            </p:stCondLst>
-                            <p:childTnLst>
-                              <p:par>
-                                <p:cTn id="17" presetID="42" presetClass="exit" presetSubtype="0" fill="hold" nodeType="clickEffect">
-                                  <p:stCondLst>
-                                    <p:cond delay="0"/>
-                                  </p:stCondLst>
-                                  <p:childTnLst>
-                                    <p:animEffect transition="out" filter="fade">
-                                      <p:cBhvr>
-                                        <p:cTn id="18" dur="1000"/>
-                                        <p:tgtEl>
-                                          <p:spTgt spid="5"/>
-                                        </p:tgtEl>
-                                      </p:cBhvr>
-                                    </p:animEffect>
-                                    <p:anim calcmode="lin" valueType="num">
-                                      <p:cBhvr>
-                                        <p:cTn id="19" dur="1000"/>
-                                        <p:tgtEl>
-                                          <p:spTgt spid="5"/>
-                                        </p:tgtEl>
-                                        <p:attrNameLst>
-                                          <p:attrName>ppt_x</p:attrName>
-                                        </p:attrNameLst>
-                                      </p:cBhvr>
-                                      <p:tavLst>
-                                        <p:tav tm="0">
-                                          <p:val>
-                                            <p:strVal val="ppt_x"/>
-                                          </p:val>
-                                        </p:tav>
-                                        <p:tav tm="100000">
-                                          <p:val>
-                                            <p:strVal val="ppt_x"/>
-                                          </p:val>
-                                        </p:tav>
-                                      </p:tavLst>
-                                    </p:anim>
-                                    <p:anim calcmode="lin" valueType="num">
-                                      <p:cBhvr>
-                                        <p:cTn id="20" dur="1000"/>
-                                        <p:tgtEl>
-                                          <p:spTgt spid="5"/>
-                                        </p:tgtEl>
-                                        <p:attrNameLst>
-                                          <p:attrName>ppt_y</p:attrName>
-                                        </p:attrNameLst>
-                                      </p:cBhvr>
-                                      <p:tavLst>
-                                        <p:tav tm="0">
-                                          <p:val>
-                                            <p:strVal val="ppt_y"/>
-                                          </p:val>
-                                        </p:tav>
-                                        <p:tav tm="100000">
-                                          <p:val>
-                                            <p:strVal val="ppt_y+.1"/>
-                                          </p:val>
-                                        </p:tav>
-                                      </p:tavLst>
-                                    </p:anim>
-                                    <p:set>
-                                      <p:cBhvr>
-                                        <p:cTn id="21" dur="1" fill="hold">
-                                          <p:stCondLst>
-                                            <p:cond delay="999"/>
-                                          </p:stCondLst>
-                                        </p:cTn>
-                                        <p:tgtEl>
-                                          <p:spTgt spid="5"/>
-                                        </p:tgtEl>
-                                        <p:attrNameLst>
-                                          <p:attrName>style.visibility</p:attrName>
-                                        </p:attrNameLst>
-                                      </p:cBhvr>
-                                      <p:to>
-                                        <p:strVal val="hidden"/>
-                                      </p:to>
-                                    </p:set>
-                                  </p:childTnLst>
-                                </p:cTn>
-                              </p:par>
-                            </p:childTnLst>
-                          </p:cTn>
-                        </p:par>
-                      </p:childTnLst>
-                    </p:cTn>
-                  </p:par>
-                  <p:par>
-                    <p:cTn id="22" fill="hold">
-                      <p:stCondLst>
-                        <p:cond delay="indefinite"/>
-                      </p:stCondLst>
-                      <p:childTnLst>
-                        <p:par>
-                          <p:cTn id="23" fill="hold">
-                            <p:stCondLst>
-                              <p:cond delay="0"/>
-                            </p:stCondLst>
-                            <p:childTnLst>
-                              <p:par>
-                                <p:cTn id="24" presetID="16" presetClass="entr" presetSubtype="21" fill="hold" nodeType="clickEffect">
-                                  <p:stCondLst>
-                                    <p:cond delay="0"/>
-                                  </p:stCondLst>
-                                  <p:childTnLst>
-                                    <p:set>
-                                      <p:cBhvr>
-                                        <p:cTn id="25" dur="1" fill="hold">
-                                          <p:stCondLst>
-                                            <p:cond delay="0"/>
-                                          </p:stCondLst>
-                                        </p:cTn>
-                                        <p:tgtEl>
-                                          <p:spTgt spid="6"/>
-                                        </p:tgtEl>
-                                        <p:attrNameLst>
-                                          <p:attrName>style.visibility</p:attrName>
-                                        </p:attrNameLst>
-                                      </p:cBhvr>
-                                      <p:to>
-                                        <p:strVal val="visible"/>
-                                      </p:to>
-                                    </p:set>
-                                    <p:animEffect transition="in" filter="barn(inVertical)">
-                                      <p:cBhvr>
-                                        <p:cTn id="26" dur="500"/>
-                                        <p:tgtEl>
-                                          <p:spTgt spid="6"/>
-                                        </p:tgtEl>
-                                      </p:cBhvr>
-                                    </p:animEffect>
-                                  </p:childTnLst>
-                                </p:cTn>
-                              </p:par>
-                            </p:childTnLst>
-                          </p:cTn>
-                        </p:par>
-                      </p:childTnLst>
-                    </p:cTn>
-                  </p:par>
-                </p:childTnLst>
-              </p:cTn>
-              <p:prevCondLst>
-                <p:cond evt="onPrev" delay="0">
-                  <p:tgtEl>
-                    <p:sldTgt/>
-                  </p:tgtEl>
-                </p:cond>
-              </p:prevCondLst>
-              <p:nextCondLst>
-                <p:cond evt="onNext" delay="0">
-                  <p:tgtEl>
-                    <p:sldTgt/>
-                  </p:tgtEl>
-                </p:cond>
-              </p:nextCondLst>
-            </p:seq>
-          </p:childTnLst>
-        </p:cTn>
-      </p:par>
-    </p:tnLst>
-  </p:timing>
-</p:sld>
-</file>
-
-<file path=ppt/slides/slide9.xml><?xml version="1.0" encoding="utf-8"?>
-<p:sld xmlns:a="http://schemas.openxmlformats.org/drawingml/2006/main" xmlns:r="http://schemas.openxmlformats.org/officeDocument/2006/relationships" xmlns:p="http://schemas.openxmlformats.org/presentationml/2006/main">
-  <p:cSld>
-    <p:spTree>
-      <p:nvGrpSpPr>
-        <p:cNvPr id="1" name=""/>
-        <p:cNvGrpSpPr/>
-        <p:nvPr/>
-      </p:nvGrpSpPr>
-      <p:grpSpPr>
-        <a:xfrm>
-          <a:off x="0" y="0"/>
-          <a:ext cx="0" cy="0"/>
-          <a:chOff x="0" y="0"/>
-          <a:chExt cx="0" cy="0"/>
-        </a:xfrm>
-      </p:grpSpPr>
-      <p:pic>
-        <p:nvPicPr>
-          <p:cNvPr id="4" name="Content Placeholder 3" descr="D:\httt\use dat tour.png"/>
+          <p:cNvPr id="4" name="Content Placeholder 3" descr="D:\httt\dangnhap.png"/>
           <p:cNvPicPr>
             <a:picLocks noGrp="1"/>
           </p:cNvPicPr>
@@ -11514,8 +14049,8 @@
         </p:blipFill>
         <p:spPr bwMode="auto">
           <a:xfrm>
-            <a:off x="395536" y="1196752"/>
-            <a:ext cx="8373814" cy="4608512"/>
+            <a:off x="683568" y="1628800"/>
+            <a:ext cx="8001000" cy="3312368"/>
           </a:xfrm>
           <a:prstGeom prst="rect">
             <a:avLst/>
@@ -11528,7 +14063,7 @@
       </p:pic>
       <p:pic>
         <p:nvPicPr>
-          <p:cNvPr id="7" name="Picture 6" descr="D:\WBN\hethongthongtin\ACT-Dat tour.png"/>
+          <p:cNvPr id="5" name="Picture 4" descr="D:\WBN\hethongthongtin\ACT_Login.PNG"/>
           <p:cNvPicPr/>
           <p:nvPr/>
         </p:nvPicPr>
@@ -11547,8 +14082,8 @@
         </p:blipFill>
         <p:spPr bwMode="auto">
           <a:xfrm>
-            <a:off x="21704" y="1124744"/>
-            <a:ext cx="9145015" cy="5112568"/>
+            <a:off x="1193339" y="1046162"/>
+            <a:ext cx="7051069" cy="5479182"/>
           </a:xfrm>
           <a:prstGeom prst="rect">
             <a:avLst/>
@@ -11561,7 +14096,7 @@
       </p:pic>
       <p:pic>
         <p:nvPicPr>
-          <p:cNvPr id="8" name="Picture 7"/>
+          <p:cNvPr id="6" name="Picture 5"/>
           <p:cNvPicPr/>
           <p:nvPr/>
         </p:nvPicPr>
@@ -11580,8 +14115,8 @@
         </p:blipFill>
         <p:spPr bwMode="auto">
           <a:xfrm>
-            <a:off x="251520" y="1124745"/>
-            <a:ext cx="8784975" cy="5112568"/>
+            <a:off x="1193339" y="1046162"/>
+            <a:ext cx="7051069" cy="4975126"/>
           </a:xfrm>
           <a:prstGeom prst="rect">
             <a:avLst/>
@@ -11592,78 +14127,10 @@
           </a:ln>
         </p:spPr>
       </p:pic>
-      <p:sp>
-        <p:nvSpPr>
-          <p:cNvPr id="11" name="Title 1"/>
-          <p:cNvSpPr txBox="1">
-            <a:spLocks/>
-          </p:cNvSpPr>
-          <p:nvPr/>
-        </p:nvSpPr>
-        <p:spPr>
-          <a:xfrm>
-            <a:off x="529207" y="0"/>
-            <a:ext cx="8229600" cy="1600200"/>
-          </a:xfrm>
-          <a:prstGeom prst="rect">
-            <a:avLst/>
-          </a:prstGeom>
-        </p:spPr>
-        <p:txBody>
-          <a:bodyPr vert="horz" lIns="91440" tIns="45720" rIns="91440" bIns="45720" rtlCol="0" anchor="b">
-            <a:noAutofit/>
-          </a:bodyPr>
-          <a:lstStyle>
-            <a:lvl1pPr algn="ctr" defTabSz="914400" rtl="0" eaLnBrk="1" latinLnBrk="0" hangingPunct="1">
-              <a:lnSpc>
-                <a:spcPts val="5800"/>
-              </a:lnSpc>
-              <a:spcBef>
-                <a:spcPct val="0"/>
-              </a:spcBef>
-              <a:buNone/>
-              <a:defRPr sz="5400" kern="1200">
-                <a:solidFill>
-                  <a:schemeClr val="tx2"/>
-                </a:solidFill>
-                <a:effectLst>
-                  <a:outerShdw blurRad="63500" dist="38100" dir="5400000" algn="t" rotWithShape="0">
-                    <a:prstClr val="black">
-                      <a:alpha val="25000"/>
-                    </a:prstClr>
-                  </a:outerShdw>
-                </a:effectLst>
-                <a:latin typeface="+mn-lt"/>
-                <a:ea typeface="+mj-ea"/>
-                <a:cs typeface="+mj-cs"/>
-              </a:defRPr>
-            </a:lvl1pPr>
-          </a:lstStyle>
-          <a:p>
-            <a:r>
-              <a:rPr lang="en-US" sz="3000" b="1" smtClean="0">
-                <a:latin typeface="Times New Roman" pitchFamily="18" charset="0"/>
-                <a:cs typeface="Times New Roman" pitchFamily="18" charset="0"/>
-              </a:rPr>
-              <a:t>Chức năng đặt Tour</a:t>
-            </a:r>
-            <a:br>
-              <a:rPr lang="en-US" sz="3000" b="1" smtClean="0">
-                <a:latin typeface="Times New Roman" pitchFamily="18" charset="0"/>
-                <a:cs typeface="Times New Roman" pitchFamily="18" charset="0"/>
-              </a:rPr>
-            </a:br>
-            <a:endParaRPr lang="en-US" sz="3000" b="1">
-              <a:latin typeface="Times New Roman" pitchFamily="18" charset="0"/>
-              <a:cs typeface="Times New Roman" pitchFamily="18" charset="0"/>
-            </a:endParaRPr>
-          </a:p>
-        </p:txBody>
-      </p:sp>
     </p:spTree>
     <p:extLst>
       <p:ext uri="{BB962C8B-B14F-4D97-AF65-F5344CB8AC3E}">
-        <p14:creationId xmlns:p14="http://schemas.microsoft.com/office/powerpoint/2010/main" val="1510012556"/>
+        <p14:creationId xmlns:p14="http://schemas.microsoft.com/office/powerpoint/2010/main" val="1097618181"/>
       </p:ext>
     </p:extLst>
   </p:cSld>
@@ -11782,16 +14249,123 @@
                             </p:stCondLst>
                             <p:childTnLst>
                               <p:par>
-                                <p:cTn id="11" presetID="2" presetClass="exit" presetSubtype="4" fill="hold" nodeType="clickEffect">
+                                <p:cTn id="11" presetID="42" presetClass="entr" presetSubtype="0" fill="hold" nodeType="clickEffect">
                                   <p:stCondLst>
                                     <p:cond delay="0"/>
                                   </p:stCondLst>
                                   <p:childTnLst>
+                                    <p:set>
+                                      <p:cBhvr>
+                                        <p:cTn id="12" dur="1" fill="hold">
+                                          <p:stCondLst>
+                                            <p:cond delay="0"/>
+                                          </p:stCondLst>
+                                        </p:cTn>
+                                        <p:tgtEl>
+                                          <p:spTgt spid="5"/>
+                                        </p:tgtEl>
+                                        <p:attrNameLst>
+                                          <p:attrName>style.visibility</p:attrName>
+                                        </p:attrNameLst>
+                                      </p:cBhvr>
+                                      <p:to>
+                                        <p:strVal val="visible"/>
+                                      </p:to>
+                                    </p:set>
+                                    <p:animEffect transition="in" filter="fade">
+                                      <p:cBhvr>
+                                        <p:cTn id="13" dur="1000"/>
+                                        <p:tgtEl>
+                                          <p:spTgt spid="5"/>
+                                        </p:tgtEl>
+                                      </p:cBhvr>
+                                    </p:animEffect>
                                     <p:anim calcmode="lin" valueType="num">
-                                      <p:cBhvr additive="base">
-                                        <p:cTn id="12" dur="500"/>
+                                      <p:cBhvr>
+                                        <p:cTn id="14" dur="1000" fill="hold"/>
                                         <p:tgtEl>
-                                          <p:spTgt spid="4"/>
+                                          <p:spTgt spid="5"/>
+                                        </p:tgtEl>
+                                        <p:attrNameLst>
+                                          <p:attrName>ppt_x</p:attrName>
+                                        </p:attrNameLst>
+                                      </p:cBhvr>
+                                      <p:tavLst>
+                                        <p:tav tm="0">
+                                          <p:val>
+                                            <p:strVal val="#ppt_x"/>
+                                          </p:val>
+                                        </p:tav>
+                                        <p:tav tm="100000">
+                                          <p:val>
+                                            <p:strVal val="#ppt_x"/>
+                                          </p:val>
+                                        </p:tav>
+                                      </p:tavLst>
+                                    </p:anim>
+                                    <p:anim calcmode="lin" valueType="num">
+                                      <p:cBhvr>
+                                        <p:cTn id="15" dur="1000" fill="hold"/>
+                                        <p:tgtEl>
+                                          <p:spTgt spid="5"/>
+                                        </p:tgtEl>
+                                        <p:attrNameLst>
+                                          <p:attrName>ppt_y</p:attrName>
+                                        </p:attrNameLst>
+                                      </p:cBhvr>
+                                      <p:tavLst>
+                                        <p:tav tm="0">
+                                          <p:val>
+                                            <p:strVal val="#ppt_y+.1"/>
+                                          </p:val>
+                                        </p:tav>
+                                        <p:tav tm="100000">
+                                          <p:val>
+                                            <p:strVal val="#ppt_y"/>
+                                          </p:val>
+                                        </p:tav>
+                                      </p:tavLst>
+                                    </p:anim>
+                                  </p:childTnLst>
+                                </p:cTn>
+                              </p:par>
+                            </p:childTnLst>
+                          </p:cTn>
+                        </p:par>
+                      </p:childTnLst>
+                    </p:cTn>
+                  </p:par>
+                  <p:par>
+                    <p:cTn id="16" fill="hold">
+                      <p:stCondLst>
+                        <p:cond delay="indefinite"/>
+                      </p:stCondLst>
+                      <p:childTnLst>
+                        <p:par>
+                          <p:cTn id="17" fill="hold">
+                            <p:stCondLst>
+                              <p:cond delay="0"/>
+                            </p:stCondLst>
+                            <p:childTnLst>
+                              <p:par>
+                                <p:cTn id="18" presetID="42" presetClass="exit" presetSubtype="0" fill="hold" nodeType="clickEffect">
+                                  <p:stCondLst>
+                                    <p:cond delay="0"/>
+                                  </p:stCondLst>
+                                  <p:childTnLst>
+                                    <p:animEffect transition="out" filter="fade">
+                                      <p:cBhvr>
+                                        <p:cTn id="19" dur="1000"/>
+                                        <p:tgtEl>
+                                          <p:spTgt spid="5"/>
+                                        </p:tgtEl>
+                                      </p:cBhvr>
+                                    </p:animEffect>
+                                    <p:anim calcmode="lin" valueType="num">
+                                      <p:cBhvr>
+                                        <p:cTn id="20" dur="1000"/>
+                                        <p:tgtEl>
+                                          <p:spTgt spid="5"/>
                                         </p:tgtEl>
                                         <p:attrNameLst>
                                           <p:attrName>ppt_x</p:attrName>
@@ -11811,10 +14385,10 @@
                                       </p:tavLst>
                                     </p:anim>
                                     <p:anim calcmode="lin" valueType="num">
-                                      <p:cBhvr additive="base">
-                                        <p:cTn id="13" dur="500"/>
+                                      <p:cBhvr>
+                                        <p:cTn id="21" dur="1000"/>
                                         <p:tgtEl>
-                                          <p:spTgt spid="4"/>
+                                          <p:spTgt spid="5"/>
                                         </p:tgtEl>
                                         <p:attrNameLst>
                                           <p:attrName>ppt_y</p:attrName>
@@ -11828,20 +14402,20 @@
                                         </p:tav>
                                         <p:tav tm="100000">
                                           <p:val>
-                                            <p:strVal val="1+ppt_h/2"/>
+                                            <p:strVal val="ppt_y+.1"/>
                                           </p:val>
                                         </p:tav>
                                       </p:tavLst>
                                     </p:anim>
                                     <p:set>
                                       <p:cBhvr>
-                                        <p:cTn id="14" dur="1" fill="hold">
+                                        <p:cTn id="22" dur="1" fill="hold">
                                           <p:stCondLst>
-                                            <p:cond delay="499"/>
+                                            <p:cond delay="999"/>
                                           </p:stCondLst>
                                         </p:cTn>
                                         <p:tgtEl>
-                                          <p:spTgt spid="4"/>
+                                          <p:spTgt spid="5"/>
                                         </p:tgtEl>
                                         <p:attrNameLst>
                                           <p:attrName>style.visibility</p:attrName>
@@ -11851,128 +14425,6 @@
                                         <p:strVal val="hidden"/>
                                       </p:to>
                                     </p:set>
-                                  </p:childTnLst>
-                                </p:cTn>
-                              </p:par>
-                            </p:childTnLst>
-                          </p:cTn>
-                        </p:par>
-                      </p:childTnLst>
-                    </p:cTn>
-                  </p:par>
-                  <p:par>
-                    <p:cTn id="15" fill="hold">
-                      <p:stCondLst>
-                        <p:cond delay="indefinite"/>
-                      </p:stCondLst>
-                      <p:childTnLst>
-                        <p:par>
-                          <p:cTn id="16" fill="hold">
-                            <p:stCondLst>
-                              <p:cond delay="0"/>
-                            </p:stCondLst>
-                            <p:childTnLst>
-                              <p:par>
-                                <p:cTn id="17" presetID="31" presetClass="entr" presetSubtype="0" fill="hold" nodeType="clickEffect">
-                                  <p:stCondLst>
-                                    <p:cond delay="0"/>
-                                  </p:stCondLst>
-                                  <p:childTnLst>
-                                    <p:set>
-                                      <p:cBhvr>
-                                        <p:cTn id="18" dur="1" fill="hold">
-                                          <p:stCondLst>
-                                            <p:cond delay="0"/>
-                                          </p:stCondLst>
-                                        </p:cTn>
-                                        <p:tgtEl>
-                                          <p:spTgt spid="7"/>
-                                        </p:tgtEl>
-                                        <p:attrNameLst>
-                                          <p:attrName>style.visibility</p:attrName>
-                                        </p:attrNameLst>
-                                      </p:cBhvr>
-                                      <p:to>
-                                        <p:strVal val="visible"/>
-                                      </p:to>
-                                    </p:set>
-                                    <p:anim calcmode="lin" valueType="num">
-                                      <p:cBhvr>
-                                        <p:cTn id="19" dur="1000" fill="hold"/>
-                                        <p:tgtEl>
-                                          <p:spTgt spid="7"/>
-                                        </p:tgtEl>
-                                        <p:attrNameLst>
-                                          <p:attrName>ppt_w</p:attrName>
-                                        </p:attrNameLst>
-                                      </p:cBhvr>
-                                      <p:tavLst>
-                                        <p:tav tm="0">
-                                          <p:val>
-                                            <p:fltVal val="0"/>
-                                          </p:val>
-                                        </p:tav>
-                                        <p:tav tm="100000">
-                                          <p:val>
-                                            <p:strVal val="#ppt_w"/>
-                                          </p:val>
-                                        </p:tav>
-                                      </p:tavLst>
-                                    </p:anim>
-                                    <p:anim calcmode="lin" valueType="num">
-                                      <p:cBhvr>
-                                        <p:cTn id="20" dur="1000" fill="hold"/>
-                                        <p:tgtEl>
-                                          <p:spTgt spid="7"/>
-                                        </p:tgtEl>
-                                        <p:attrNameLst>
-                                          <p:attrName>ppt_h</p:attrName>
-                                        </p:attrNameLst>
-                                      </p:cBhvr>
-                                      <p:tavLst>
-                                        <p:tav tm="0">
-                                          <p:val>
-                                            <p:fltVal val="0"/>
-                                          </p:val>
-                                        </p:tav>
-                                        <p:tav tm="100000">
-                                          <p:val>
-                                            <p:strVal val="#ppt_h"/>
-                                          </p:val>
-                                        </p:tav>
-                                      </p:tavLst>
-                                    </p:anim>
-                                    <p:anim calcmode="lin" valueType="num">
-                                      <p:cBhvr>
-                                        <p:cTn id="21" dur="1000" fill="hold"/>
-                                        <p:tgtEl>
-                                          <p:spTgt spid="7"/>
-                                        </p:tgtEl>
-                                        <p:attrNameLst>
-                                          <p:attrName>style.rotation</p:attrName>
-                                        </p:attrNameLst>
-                                      </p:cBhvr>
-                                      <p:tavLst>
-                                        <p:tav tm="0">
-                                          <p:val>
-                                            <p:fltVal val="90"/>
-                                          </p:val>
-                                        </p:tav>
-                                        <p:tav tm="100000">
-                                          <p:val>
-                                            <p:fltVal val="0"/>
-                                          </p:val>
-                                        </p:tav>
-                                      </p:tavLst>
-                                    </p:anim>
-                                    <p:animEffect transition="in" filter="fade">
-                                      <p:cBhvr>
-                                        <p:cTn id="22" dur="1000"/>
-                                        <p:tgtEl>
-                                          <p:spTgt spid="7"/>
-                                        </p:tgtEl>
-                                      </p:cBhvr>
-                                    </p:animEffect>
                                   </p:childTnLst>
                                 </p:cTn>
                               </p:par>
@@ -11995,70 +14447,447 @@
                             </p:stCondLst>
                             <p:childTnLst>
                               <p:par>
-                                <p:cTn id="25" presetID="42" presetClass="exit" presetSubtype="0" fill="hold" nodeType="clickEffect">
+                                <p:cTn id="25" presetID="6" presetClass="entr" presetSubtype="16" fill="hold" nodeType="clickEffect">
+                                  <p:stCondLst>
+                                    <p:cond delay="0"/>
+                                  </p:stCondLst>
+                                  <p:childTnLst>
+                                    <p:set>
+                                      <p:cBhvr>
+                                        <p:cTn id="26" dur="1" fill="hold">
+                                          <p:stCondLst>
+                                            <p:cond delay="0"/>
+                                          </p:stCondLst>
+                                        </p:cTn>
+                                        <p:tgtEl>
+                                          <p:spTgt spid="6"/>
+                                        </p:tgtEl>
+                                        <p:attrNameLst>
+                                          <p:attrName>style.visibility</p:attrName>
+                                        </p:attrNameLst>
+                                      </p:cBhvr>
+                                      <p:to>
+                                        <p:strVal val="visible"/>
+                                      </p:to>
+                                    </p:set>
+                                    <p:animEffect transition="in" filter="circle(in)">
+                                      <p:cBhvr>
+                                        <p:cTn id="27" dur="2000"/>
+                                        <p:tgtEl>
+                                          <p:spTgt spid="6"/>
+                                        </p:tgtEl>
+                                      </p:cBhvr>
+                                    </p:animEffect>
+                                  </p:childTnLst>
+                                </p:cTn>
+                              </p:par>
+                            </p:childTnLst>
+                          </p:cTn>
+                        </p:par>
+                      </p:childTnLst>
+                    </p:cTn>
+                  </p:par>
+                </p:childTnLst>
+              </p:cTn>
+              <p:prevCondLst>
+                <p:cond evt="onPrev" delay="0">
+                  <p:tgtEl>
+                    <p:sldTgt/>
+                  </p:tgtEl>
+                </p:cond>
+              </p:prevCondLst>
+              <p:nextCondLst>
+                <p:cond evt="onNext" delay="0">
+                  <p:tgtEl>
+                    <p:sldTgt/>
+                  </p:tgtEl>
+                </p:cond>
+              </p:nextCondLst>
+            </p:seq>
+          </p:childTnLst>
+        </p:cTn>
+      </p:par>
+    </p:tnLst>
+  </p:timing>
+</p:sld>
+</file>
+
+<file path=ppt/slides/slide9.xml><?xml version="1.0" encoding="utf-8"?>
+<p:sld xmlns:a="http://schemas.openxmlformats.org/drawingml/2006/main" xmlns:r="http://schemas.openxmlformats.org/officeDocument/2006/relationships" xmlns:p="http://schemas.openxmlformats.org/presentationml/2006/main">
+  <p:cSld>
+    <p:spTree>
+      <p:nvGrpSpPr>
+        <p:cNvPr id="1" name=""/>
+        <p:cNvGrpSpPr/>
+        <p:nvPr/>
+      </p:nvGrpSpPr>
+      <p:grpSpPr>
+        <a:xfrm>
+          <a:off x="0" y="0"/>
+          <a:ext cx="0" cy="0"/>
+          <a:chOff x="0" y="0"/>
+          <a:chExt cx="0" cy="0"/>
+        </a:xfrm>
+      </p:grpSpPr>
+      <p:sp>
+        <p:nvSpPr>
+          <p:cNvPr id="5" name="Title 1"/>
+          <p:cNvSpPr>
+            <a:spLocks noGrp="1"/>
+          </p:cNvSpPr>
+          <p:nvPr>
+            <p:ph type="title"/>
+          </p:nvPr>
+        </p:nvSpPr>
+        <p:spPr>
+          <a:xfrm>
+            <a:off x="395536" y="116632"/>
+            <a:ext cx="8229600" cy="475456"/>
+          </a:xfrm>
+        </p:spPr>
+        <p:txBody>
+          <a:bodyPr/>
+          <a:lstStyle/>
+          <a:p>
+            <a:r>
+              <a:rPr lang="en-US" sz="3000" b="1" smtClean="0">
+                <a:effectLst>
+                  <a:outerShdw blurRad="38100" dist="38100" dir="2700000" algn="tl">
+                    <a:srgbClr val="000000">
+                      <a:alpha val="43137"/>
+                    </a:srgbClr>
+                  </a:outerShdw>
+                </a:effectLst>
+                <a:latin typeface="Times New Roman" pitchFamily="18" charset="0"/>
+                <a:cs typeface="Times New Roman" pitchFamily="18" charset="0"/>
+              </a:rPr>
+              <a:t>Chức năng đăng ký</a:t>
+            </a:r>
+            <a:endParaRPr lang="en-US" sz="3000" b="1">
+              <a:effectLst>
+                <a:outerShdw blurRad="38100" dist="38100" dir="2700000" algn="tl">
+                  <a:srgbClr val="000000">
+                    <a:alpha val="43137"/>
+                  </a:srgbClr>
+                </a:outerShdw>
+              </a:effectLst>
+              <a:latin typeface="Times New Roman" pitchFamily="18" charset="0"/>
+              <a:cs typeface="Times New Roman" pitchFamily="18" charset="0"/>
+            </a:endParaRPr>
+          </a:p>
+        </p:txBody>
+      </p:sp>
+      <p:pic>
+        <p:nvPicPr>
+          <p:cNvPr id="6" name="Content Placeholder 5" descr="D:\httt\use đăng ký.png"/>
+          <p:cNvPicPr>
+            <a:picLocks noGrp="1"/>
+          </p:cNvPicPr>
+          <p:nvPr>
+            <p:ph idx="1"/>
+          </p:nvPr>
+        </p:nvPicPr>
+        <p:blipFill>
+          <a:blip r:embed="rId3">
+            <a:extLst>
+              <a:ext uri="{28A0092B-C50C-407E-A947-70E740481C1C}">
+                <a14:useLocalDpi xmlns:a14="http://schemas.microsoft.com/office/drawing/2010/main" val="0"/>
+              </a:ext>
+            </a:extLst>
+          </a:blip>
+          <a:srcRect/>
+          <a:stretch>
+            <a:fillRect/>
+          </a:stretch>
+        </p:blipFill>
+        <p:spPr bwMode="auto">
+          <a:xfrm>
+            <a:off x="683568" y="1700808"/>
+            <a:ext cx="8003232" cy="3130807"/>
+          </a:xfrm>
+          <a:prstGeom prst="rect">
+            <a:avLst/>
+          </a:prstGeom>
+          <a:noFill/>
+          <a:ln>
+            <a:noFill/>
+          </a:ln>
+        </p:spPr>
+      </p:pic>
+      <p:pic>
+        <p:nvPicPr>
+          <p:cNvPr id="7" name="Picture 6" descr="D:\WBN\hethongthongtin\ACT_Register.PNG"/>
+          <p:cNvPicPr/>
+          <p:nvPr/>
+        </p:nvPicPr>
+        <p:blipFill>
+          <a:blip r:embed="rId4">
+            <a:extLst>
+              <a:ext uri="{28A0092B-C50C-407E-A947-70E740481C1C}">
+                <a14:useLocalDpi xmlns:a14="http://schemas.microsoft.com/office/drawing/2010/main" val="0"/>
+              </a:ext>
+            </a:extLst>
+          </a:blip>
+          <a:srcRect/>
+          <a:stretch>
+            <a:fillRect/>
+          </a:stretch>
+        </p:blipFill>
+        <p:spPr bwMode="auto">
+          <a:xfrm>
+            <a:off x="827584" y="692696"/>
+            <a:ext cx="7488832" cy="5184575"/>
+          </a:xfrm>
+          <a:prstGeom prst="rect">
+            <a:avLst/>
+          </a:prstGeom>
+          <a:noFill/>
+          <a:ln>
+            <a:noFill/>
+          </a:ln>
+        </p:spPr>
+      </p:pic>
+      <p:pic>
+        <p:nvPicPr>
+          <p:cNvPr id="8" name="Picture 7"/>
+          <p:cNvPicPr/>
+          <p:nvPr/>
+        </p:nvPicPr>
+        <p:blipFill>
+          <a:blip r:embed="rId5">
+            <a:extLst>
+              <a:ext uri="{28A0092B-C50C-407E-A947-70E740481C1C}">
+                <a14:useLocalDpi xmlns:a14="http://schemas.microsoft.com/office/drawing/2010/main" val="0"/>
+              </a:ext>
+            </a:extLst>
+          </a:blip>
+          <a:srcRect/>
+          <a:stretch>
+            <a:fillRect/>
+          </a:stretch>
+        </p:blipFill>
+        <p:spPr bwMode="auto">
+          <a:xfrm>
+            <a:off x="827584" y="696020"/>
+            <a:ext cx="7416824" cy="5541292"/>
+          </a:xfrm>
+          <a:prstGeom prst="rect">
+            <a:avLst/>
+          </a:prstGeom>
+          <a:noFill/>
+          <a:ln>
+            <a:noFill/>
+          </a:ln>
+        </p:spPr>
+      </p:pic>
+    </p:spTree>
+    <p:extLst>
+      <p:ext uri="{BB962C8B-B14F-4D97-AF65-F5344CB8AC3E}">
+        <p14:creationId xmlns:p14="http://schemas.microsoft.com/office/powerpoint/2010/main" val="212308242"/>
+      </p:ext>
+    </p:extLst>
+  </p:cSld>
+  <p:clrMapOvr>
+    <a:masterClrMapping/>
+  </p:clrMapOvr>
+  <p:timing>
+    <p:tnLst>
+      <p:par>
+        <p:cTn id="1" dur="indefinite" restart="never" nodeType="tmRoot">
+          <p:childTnLst>
+            <p:seq concurrent="1" nextAc="seek">
+              <p:cTn id="2" dur="indefinite" nodeType="mainSeq">
+                <p:childTnLst>
+                  <p:par>
+                    <p:cTn id="3" fill="hold">
+                      <p:stCondLst>
+                        <p:cond delay="indefinite"/>
+                      </p:stCondLst>
+                      <p:childTnLst>
+                        <p:par>
+                          <p:cTn id="4" fill="hold">
+                            <p:stCondLst>
+                              <p:cond delay="0"/>
+                            </p:stCondLst>
+                            <p:childTnLst>
+                              <p:par>
+                                <p:cTn id="5" presetID="22" presetClass="entr" presetSubtype="4" fill="hold" nodeType="clickEffect">
+                                  <p:stCondLst>
+                                    <p:cond delay="0"/>
+                                  </p:stCondLst>
+                                  <p:childTnLst>
+                                    <p:set>
+                                      <p:cBhvr>
+                                        <p:cTn id="6" dur="1" fill="hold">
+                                          <p:stCondLst>
+                                            <p:cond delay="0"/>
+                                          </p:stCondLst>
+                                        </p:cTn>
+                                        <p:tgtEl>
+                                          <p:spTgt spid="6"/>
+                                        </p:tgtEl>
+                                        <p:attrNameLst>
+                                          <p:attrName>style.visibility</p:attrName>
+                                        </p:attrNameLst>
+                                      </p:cBhvr>
+                                      <p:to>
+                                        <p:strVal val="visible"/>
+                                      </p:to>
+                                    </p:set>
+                                    <p:animEffect transition="in" filter="wipe(down)">
+                                      <p:cBhvr>
+                                        <p:cTn id="7" dur="500"/>
+                                        <p:tgtEl>
+                                          <p:spTgt spid="6"/>
+                                        </p:tgtEl>
+                                      </p:cBhvr>
+                                    </p:animEffect>
+                                  </p:childTnLst>
+                                </p:cTn>
+                              </p:par>
+                            </p:childTnLst>
+                          </p:cTn>
+                        </p:par>
+                      </p:childTnLst>
+                    </p:cTn>
+                  </p:par>
+                  <p:par>
+                    <p:cTn id="8" fill="hold">
+                      <p:stCondLst>
+                        <p:cond delay="indefinite"/>
+                      </p:stCondLst>
+                      <p:childTnLst>
+                        <p:par>
+                          <p:cTn id="9" fill="hold">
+                            <p:stCondLst>
+                              <p:cond delay="0"/>
+                            </p:stCondLst>
+                            <p:childTnLst>
+                              <p:par>
+                                <p:cTn id="10" presetID="10" presetClass="exit" presetSubtype="0" fill="hold" nodeType="clickEffect">
                                   <p:stCondLst>
                                     <p:cond delay="0"/>
                                   </p:stCondLst>
                                   <p:childTnLst>
                                     <p:animEffect transition="out" filter="fade">
                                       <p:cBhvr>
-                                        <p:cTn id="26" dur="1000"/>
+                                        <p:cTn id="11" dur="500"/>
+                                        <p:tgtEl>
+                                          <p:spTgt spid="6"/>
+                                        </p:tgtEl>
+                                      </p:cBhvr>
+                                    </p:animEffect>
+                                    <p:set>
+                                      <p:cBhvr>
+                                        <p:cTn id="12" dur="1" fill="hold">
+                                          <p:stCondLst>
+                                            <p:cond delay="499"/>
+                                          </p:stCondLst>
+                                        </p:cTn>
+                                        <p:tgtEl>
+                                          <p:spTgt spid="6"/>
+                                        </p:tgtEl>
+                                        <p:attrNameLst>
+                                          <p:attrName>style.visibility</p:attrName>
+                                        </p:attrNameLst>
+                                      </p:cBhvr>
+                                      <p:to>
+                                        <p:strVal val="hidden"/>
+                                      </p:to>
+                                    </p:set>
+                                  </p:childTnLst>
+                                </p:cTn>
+                              </p:par>
+                            </p:childTnLst>
+                          </p:cTn>
+                        </p:par>
+                      </p:childTnLst>
+                    </p:cTn>
+                  </p:par>
+                  <p:par>
+                    <p:cTn id="13" fill="hold">
+                      <p:stCondLst>
+                        <p:cond delay="indefinite"/>
+                      </p:stCondLst>
+                      <p:childTnLst>
+                        <p:par>
+                          <p:cTn id="14" fill="hold">
+                            <p:stCondLst>
+                              <p:cond delay="0"/>
+                            </p:stCondLst>
+                            <p:childTnLst>
+                              <p:par>
+                                <p:cTn id="15" presetID="21" presetClass="entr" presetSubtype="1" fill="hold" nodeType="clickEffect">
+                                  <p:stCondLst>
+                                    <p:cond delay="0"/>
+                                  </p:stCondLst>
+                                  <p:childTnLst>
+                                    <p:set>
+                                      <p:cBhvr>
+                                        <p:cTn id="16" dur="1" fill="hold">
+                                          <p:stCondLst>
+                                            <p:cond delay="0"/>
+                                          </p:stCondLst>
+                                        </p:cTn>
+                                        <p:tgtEl>
+                                          <p:spTgt spid="7"/>
+                                        </p:tgtEl>
+                                        <p:attrNameLst>
+                                          <p:attrName>style.visibility</p:attrName>
+                                        </p:attrNameLst>
+                                      </p:cBhvr>
+                                      <p:to>
+                                        <p:strVal val="visible"/>
+                                      </p:to>
+                                    </p:set>
+                                    <p:animEffect transition="in" filter="wheel(1)">
+                                      <p:cBhvr>
+                                        <p:cTn id="17" dur="2000"/>
                                         <p:tgtEl>
                                           <p:spTgt spid="7"/>
                                         </p:tgtEl>
                                       </p:cBhvr>
                                     </p:animEffect>
-                                    <p:anim calcmode="lin" valueType="num">
+                                  </p:childTnLst>
+                                </p:cTn>
+                              </p:par>
+                            </p:childTnLst>
+                          </p:cTn>
+                        </p:par>
+                      </p:childTnLst>
+                    </p:cTn>
+                  </p:par>
+                  <p:par>
+                    <p:cTn id="18" fill="hold">
+                      <p:stCondLst>
+                        <p:cond delay="indefinite"/>
+                      </p:stCondLst>
+                      <p:childTnLst>
+                        <p:par>
+                          <p:cTn id="19" fill="hold">
+                            <p:stCondLst>
+                              <p:cond delay="0"/>
+                            </p:stCondLst>
+                            <p:childTnLst>
+                              <p:par>
+                                <p:cTn id="20" presetID="4" presetClass="exit" presetSubtype="32" fill="hold" nodeType="clickEffect">
+                                  <p:stCondLst>
+                                    <p:cond delay="0"/>
+                                  </p:stCondLst>
+                                  <p:childTnLst>
+                                    <p:animEffect transition="out" filter="box(out)">
                                       <p:cBhvr>
-                                        <p:cTn id="27" dur="1000"/>
+                                        <p:cTn id="21" dur="2000"/>
                                         <p:tgtEl>
                                           <p:spTgt spid="7"/>
                                         </p:tgtEl>
-                                        <p:attrNameLst>
-                                          <p:attrName>ppt_x</p:attrName>
-                                        </p:attrNameLst>
                                       </p:cBhvr>
-                                      <p:tavLst>
-                                        <p:tav tm="0">
-                                          <p:val>
-                                            <p:strVal val="ppt_x"/>
-                                          </p:val>
-                                        </p:tav>
-                                        <p:tav tm="100000">
-                                          <p:val>
-                                            <p:strVal val="ppt_x"/>
-                                          </p:val>
-                                        </p:tav>
-                                      </p:tavLst>
-                                    </p:anim>
-                                    <p:anim calcmode="lin" valueType="num">
-                                      <p:cBhvr>
-                                        <p:cTn id="28" dur="1000"/>
-                                        <p:tgtEl>
-                                          <p:spTgt spid="7"/>
-                                        </p:tgtEl>
-                                        <p:attrNameLst>
-                                          <p:attrName>ppt_y</p:attrName>
-                                        </p:attrNameLst>
-                                      </p:cBhvr>
-                                      <p:tavLst>
-                                        <p:tav tm="0">
-                                          <p:val>
-                                            <p:strVal val="ppt_y"/>
-                                          </p:val>
-                                        </p:tav>
-                                        <p:tav tm="100000">
-                                          <p:val>
-                                            <p:strVal val="ppt_y+.1"/>
-                                          </p:val>
-                                        </p:tav>
-                                      </p:tavLst>
-                                    </p:anim>
+                                    </p:animEffect>
                                     <p:set>
                                       <p:cBhvr>
-                                        <p:cTn id="29" dur="1" fill="hold">
+                                        <p:cTn id="22" dur="1" fill="hold">
                                           <p:stCondLst>
-                                            <p:cond delay="999"/>
+                                            <p:cond delay="1999"/>
                                           </p:stCondLst>
                                         </p:cTn>
                                         <p:tgtEl>
@@ -12082,26 +14911,26 @@
                     </p:cTn>
                   </p:par>
                   <p:par>
-                    <p:cTn id="30" fill="hold">
+                    <p:cTn id="23" fill="hold">
                       <p:stCondLst>
                         <p:cond delay="indefinite"/>
                       </p:stCondLst>
                       <p:childTnLst>
                         <p:par>
-                          <p:cTn id="31" fill="hold">
+                          <p:cTn id="24" fill="hold">
                             <p:stCondLst>
                               <p:cond delay="0"/>
                             </p:stCondLst>
                             <p:childTnLst>
                               <p:par>
-                                <p:cTn id="32" presetID="16" presetClass="entr" presetSubtype="21" fill="hold" nodeType="clickEffect">
+                                <p:cTn id="25" presetID="16" presetClass="entr" presetSubtype="21" fill="hold" nodeType="clickEffect">
                                   <p:stCondLst>
                                     <p:cond delay="0"/>
                                   </p:stCondLst>
                                   <p:childTnLst>
                                     <p:set>
                                       <p:cBhvr>
-                                        <p:cTn id="33" dur="1" fill="hold">
+                                        <p:cTn id="26" dur="1" fill="hold">
                                           <p:stCondLst>
                                             <p:cond delay="0"/>
                                           </p:stCondLst>
@@ -12119,7 +14948,7 @@
                                     </p:set>
                                     <p:animEffect transition="in" filter="barn(inVertical)">
                                       <p:cBhvr>
-                                        <p:cTn id="34" dur="500"/>
+                                        <p:cTn id="27" dur="500"/>
                                         <p:tgtEl>
                                           <p:spTgt spid="8"/>
                                         </p:tgtEl>

--- a/baocao.pptx
+++ b/baocao.pptx
@@ -5,7 +5,7 @@
     <p:sldMasterId id="2147483708" r:id="rId1"/>
   </p:sldMasterIdLst>
   <p:notesMasterIdLst>
-    <p:notesMasterId r:id="rId17"/>
+    <p:notesMasterId r:id="rId18"/>
   </p:notesMasterIdLst>
   <p:sldIdLst>
     <p:sldId id="256" r:id="rId2"/>
@@ -15,14 +15,15 @@
     <p:sldId id="260" r:id="rId6"/>
     <p:sldId id="261" r:id="rId7"/>
     <p:sldId id="266" r:id="rId8"/>
-    <p:sldId id="267" r:id="rId9"/>
-    <p:sldId id="268" r:id="rId10"/>
-    <p:sldId id="269" r:id="rId11"/>
-    <p:sldId id="263" r:id="rId12"/>
-    <p:sldId id="262" r:id="rId13"/>
-    <p:sldId id="264" r:id="rId14"/>
-    <p:sldId id="265" r:id="rId15"/>
-    <p:sldId id="270" r:id="rId16"/>
+    <p:sldId id="271" r:id="rId9"/>
+    <p:sldId id="267" r:id="rId10"/>
+    <p:sldId id="268" r:id="rId11"/>
+    <p:sldId id="269" r:id="rId12"/>
+    <p:sldId id="263" r:id="rId13"/>
+    <p:sldId id="262" r:id="rId14"/>
+    <p:sldId id="264" r:id="rId15"/>
+    <p:sldId id="265" r:id="rId16"/>
+    <p:sldId id="270" r:id="rId17"/>
   </p:sldIdLst>
   <p:sldSz cx="9144000" cy="6858000" type="screen4x3"/>
   <p:notesSz cx="6858000" cy="9144000"/>
@@ -327,11 +328,11 @@
         </c:dLbls>
         <c:gapWidth val="150"/>
         <c:overlap val="100"/>
-        <c:axId val="141101056"/>
-        <c:axId val="139940928"/>
+        <c:axId val="120333824"/>
+        <c:axId val="169807808"/>
       </c:barChart>
       <c:catAx>
-        <c:axId val="141101056"/>
+        <c:axId val="120333824"/>
         <c:scaling>
           <c:orientation val="maxMin"/>
         </c:scaling>
@@ -353,7 +354,7 @@
             <a:endParaRPr lang="en-US"/>
           </a:p>
         </c:txPr>
-        <c:crossAx val="139940928"/>
+        <c:crossAx val="169807808"/>
         <c:crosses val="autoZero"/>
         <c:auto val="1"/>
         <c:lblAlgn val="ctr"/>
@@ -361,7 +362,7 @@
         <c:noMultiLvlLbl val="0"/>
       </c:catAx>
       <c:valAx>
-        <c:axId val="139940928"/>
+        <c:axId val="169807808"/>
         <c:scaling>
           <c:orientation val="minMax"/>
           <c:max val="43822"/>
@@ -374,7 +375,7 @@
         <c:majorTickMark val="out"/>
         <c:minorTickMark val="none"/>
         <c:tickLblPos val="nextTo"/>
-        <c:crossAx val="141101056"/>
+        <c:crossAx val="120333824"/>
         <c:crosses val="autoZero"/>
         <c:crossBetween val="between"/>
       </c:valAx>
@@ -471,7 +472,7 @@
           <a:p>
             <a:fld id="{CD0DEB88-85DA-457F-9CBE-F8E357BCE3EB}" type="datetimeFigureOut">
               <a:rPr lang="en-US" smtClean="0"/>
-              <a:t>12/25/2019</a:t>
+              <a:t>12/26/2019</a:t>
             </a:fld>
             <a:endParaRPr lang="en-US"/>
           </a:p>
@@ -1410,7 +1411,7 @@
           <a:p>
             <a:fld id="{779830E7-2CEB-45E4-A46C-10A5090F7B89}" type="slidenum">
               <a:rPr lang="en-US" smtClean="0"/>
-              <a:t>13</a:t>
+              <a:t>14</a:t>
             </a:fld>
             <a:endParaRPr lang="en-US"/>
           </a:p>
@@ -1879,7 +1880,7 @@
           <a:p>
             <a:fld id="{779830E7-2CEB-45E4-A46C-10A5090F7B89}" type="slidenum">
               <a:rPr lang="en-US" smtClean="0"/>
-              <a:t>14</a:t>
+              <a:t>15</a:t>
             </a:fld>
             <a:endParaRPr lang="en-US"/>
           </a:p>
@@ -2675,7 +2676,7 @@
           <a:p>
             <a:fld id="{779830E7-2CEB-45E4-A46C-10A5090F7B89}" type="slidenum">
               <a:rPr lang="en-US" smtClean="0"/>
-              <a:t>8</a:t>
+              <a:t>9</a:t>
             </a:fld>
             <a:endParaRPr lang="en-US"/>
           </a:p>
@@ -2759,7 +2760,7 @@
           <a:p>
             <a:fld id="{779830E7-2CEB-45E4-A46C-10A5090F7B89}" type="slidenum">
               <a:rPr lang="en-US" smtClean="0"/>
-              <a:t>9</a:t>
+              <a:t>10</a:t>
             </a:fld>
             <a:endParaRPr lang="en-US"/>
           </a:p>
@@ -3080,7 +3081,7 @@
           <a:p>
             <a:fld id="{779830E7-2CEB-45E4-A46C-10A5090F7B89}" type="slidenum">
               <a:rPr lang="en-US" smtClean="0"/>
-              <a:t>10</a:t>
+              <a:t>11</a:t>
             </a:fld>
             <a:endParaRPr lang="en-US"/>
           </a:p>
@@ -3330,7 +3331,7 @@
           <a:p>
             <a:fld id="{779830E7-2CEB-45E4-A46C-10A5090F7B89}" type="slidenum">
               <a:rPr lang="en-US" smtClean="0"/>
-              <a:t>11</a:t>
+              <a:t>12</a:t>
             </a:fld>
             <a:endParaRPr lang="en-US"/>
           </a:p>
@@ -3614,7 +3615,7 @@
           <a:p>
             <a:fld id="{779830E7-2CEB-45E4-A46C-10A5090F7B89}" type="slidenum">
               <a:rPr lang="en-US" smtClean="0"/>
-              <a:t>12</a:t>
+              <a:t>13</a:t>
             </a:fld>
             <a:endParaRPr lang="en-US"/>
           </a:p>
@@ -3825,7 +3826,7 @@
           <a:p>
             <a:fld id="{301F091A-B2A0-49AA-A710-4FD1242FB88E}" type="datetimeFigureOut">
               <a:rPr lang="en-US" smtClean="0"/>
-              <a:t>12/25/2019</a:t>
+              <a:t>12/26/2019</a:t>
             </a:fld>
             <a:endParaRPr lang="en-US"/>
           </a:p>
@@ -3990,7 +3991,7 @@
           <a:p>
             <a:fld id="{301F091A-B2A0-49AA-A710-4FD1242FB88E}" type="datetimeFigureOut">
               <a:rPr lang="en-US" smtClean="0"/>
-              <a:t>12/25/2019</a:t>
+              <a:t>12/26/2019</a:t>
             </a:fld>
             <a:endParaRPr lang="en-US"/>
           </a:p>
@@ -4165,7 +4166,7 @@
           <a:p>
             <a:fld id="{301F091A-B2A0-49AA-A710-4FD1242FB88E}" type="datetimeFigureOut">
               <a:rPr lang="en-US" smtClean="0"/>
-              <a:t>12/25/2019</a:t>
+              <a:t>12/26/2019</a:t>
             </a:fld>
             <a:endParaRPr lang="en-US"/>
           </a:p>
@@ -4348,7 +4349,7 @@
           <a:p>
             <a:fld id="{301F091A-B2A0-49AA-A710-4FD1242FB88E}" type="datetimeFigureOut">
               <a:rPr lang="en-US" smtClean="0"/>
-              <a:t>12/25/2019</a:t>
+              <a:t>12/26/2019</a:t>
             </a:fld>
             <a:endParaRPr lang="en-US"/>
           </a:p>
@@ -4610,7 +4611,7 @@
           <a:p>
             <a:fld id="{301F091A-B2A0-49AA-A710-4FD1242FB88E}" type="datetimeFigureOut">
               <a:rPr lang="en-US" smtClean="0"/>
-              <a:t>12/25/2019</a:t>
+              <a:t>12/26/2019</a:t>
             </a:fld>
             <a:endParaRPr lang="en-US"/>
           </a:p>
@@ -4958,7 +4959,7 @@
           <a:p>
             <a:fld id="{301F091A-B2A0-49AA-A710-4FD1242FB88E}" type="datetimeFigureOut">
               <a:rPr lang="en-US" smtClean="0"/>
-              <a:t>12/25/2019</a:t>
+              <a:t>12/26/2019</a:t>
             </a:fld>
             <a:endParaRPr lang="en-US"/>
           </a:p>
@@ -5266,7 +5267,7 @@
           <a:p>
             <a:fld id="{301F091A-B2A0-49AA-A710-4FD1242FB88E}" type="datetimeFigureOut">
               <a:rPr lang="en-US" smtClean="0"/>
-              <a:t>12/25/2019</a:t>
+              <a:t>12/26/2019</a:t>
             </a:fld>
             <a:endParaRPr lang="en-US"/>
           </a:p>
@@ -5493,7 +5494,7 @@
           <a:p>
             <a:fld id="{301F091A-B2A0-49AA-A710-4FD1242FB88E}" type="datetimeFigureOut">
               <a:rPr lang="en-US" smtClean="0"/>
-              <a:t>12/25/2019</a:t>
+              <a:t>12/26/2019</a:t>
             </a:fld>
             <a:endParaRPr lang="en-US"/>
           </a:p>
@@ -5583,7 +5584,7 @@
           <a:p>
             <a:fld id="{301F091A-B2A0-49AA-A710-4FD1242FB88E}" type="datetimeFigureOut">
               <a:rPr lang="en-US" smtClean="0"/>
-              <a:t>12/25/2019</a:t>
+              <a:t>12/26/2019</a:t>
             </a:fld>
             <a:endParaRPr lang="en-US"/>
           </a:p>
@@ -5871,7 +5872,7 @@
           <a:p>
             <a:fld id="{301F091A-B2A0-49AA-A710-4FD1242FB88E}" type="datetimeFigureOut">
               <a:rPr lang="en-US" smtClean="0"/>
-              <a:t>12/25/2019</a:t>
+              <a:t>12/26/2019</a:t>
             </a:fld>
             <a:endParaRPr lang="en-US"/>
           </a:p>
@@ -6140,7 +6141,7 @@
           <a:p>
             <a:fld id="{301F091A-B2A0-49AA-A710-4FD1242FB88E}" type="datetimeFigureOut">
               <a:rPr lang="en-US" smtClean="0"/>
-              <a:t>12/25/2019</a:t>
+              <a:t>12/26/2019</a:t>
             </a:fld>
             <a:endParaRPr lang="en-US"/>
           </a:p>
@@ -6350,7 +6351,7 @@
           <a:p>
             <a:fld id="{301F091A-B2A0-49AA-A710-4FD1242FB88E}" type="datetimeFigureOut">
               <a:rPr lang="en-US" smtClean="0"/>
-              <a:t>12/25/2019</a:t>
+              <a:t>12/26/2019</a:t>
             </a:fld>
             <a:endParaRPr lang="en-US"/>
           </a:p>
@@ -7007,6 +7008,482 @@
 </file>
 
 <file path=ppt/slides/slide10.xml><?xml version="1.0" encoding="utf-8"?>
+<p:sld xmlns:a="http://schemas.openxmlformats.org/drawingml/2006/main" xmlns:r="http://schemas.openxmlformats.org/officeDocument/2006/relationships" xmlns:p="http://schemas.openxmlformats.org/presentationml/2006/main">
+  <p:cSld>
+    <p:spTree>
+      <p:nvGrpSpPr>
+        <p:cNvPr id="1" name=""/>
+        <p:cNvGrpSpPr/>
+        <p:nvPr/>
+      </p:nvGrpSpPr>
+      <p:grpSpPr>
+        <a:xfrm>
+          <a:off x="0" y="0"/>
+          <a:ext cx="0" cy="0"/>
+          <a:chOff x="0" y="0"/>
+          <a:chExt cx="0" cy="0"/>
+        </a:xfrm>
+      </p:grpSpPr>
+      <p:sp>
+        <p:nvSpPr>
+          <p:cNvPr id="5" name="Title 1"/>
+          <p:cNvSpPr>
+            <a:spLocks noGrp="1"/>
+          </p:cNvSpPr>
+          <p:nvPr>
+            <p:ph type="title"/>
+          </p:nvPr>
+        </p:nvSpPr>
+        <p:spPr>
+          <a:xfrm>
+            <a:off x="395536" y="116632"/>
+            <a:ext cx="8229600" cy="475456"/>
+          </a:xfrm>
+        </p:spPr>
+        <p:txBody>
+          <a:bodyPr/>
+          <a:lstStyle/>
+          <a:p>
+            <a:r>
+              <a:rPr lang="en-US" sz="3000" b="1" smtClean="0">
+                <a:effectLst>
+                  <a:outerShdw blurRad="38100" dist="38100" dir="2700000" algn="tl">
+                    <a:srgbClr val="000000">
+                      <a:alpha val="43137"/>
+                    </a:srgbClr>
+                  </a:outerShdw>
+                </a:effectLst>
+                <a:latin typeface="Times New Roman" pitchFamily="18" charset="0"/>
+                <a:cs typeface="Times New Roman" pitchFamily="18" charset="0"/>
+              </a:rPr>
+              <a:t>Chức năng đăng ký</a:t>
+            </a:r>
+            <a:endParaRPr lang="en-US" sz="3000" b="1">
+              <a:effectLst>
+                <a:outerShdw blurRad="38100" dist="38100" dir="2700000" algn="tl">
+                  <a:srgbClr val="000000">
+                    <a:alpha val="43137"/>
+                  </a:srgbClr>
+                </a:outerShdw>
+              </a:effectLst>
+              <a:latin typeface="Times New Roman" pitchFamily="18" charset="0"/>
+              <a:cs typeface="Times New Roman" pitchFamily="18" charset="0"/>
+            </a:endParaRPr>
+          </a:p>
+        </p:txBody>
+      </p:sp>
+      <p:pic>
+        <p:nvPicPr>
+          <p:cNvPr id="6" name="Content Placeholder 5" descr="D:\httt\use đăng ký.png"/>
+          <p:cNvPicPr>
+            <a:picLocks noGrp="1"/>
+          </p:cNvPicPr>
+          <p:nvPr>
+            <p:ph idx="1"/>
+          </p:nvPr>
+        </p:nvPicPr>
+        <p:blipFill>
+          <a:blip r:embed="rId3">
+            <a:extLst>
+              <a:ext uri="{28A0092B-C50C-407E-A947-70E740481C1C}">
+                <a14:useLocalDpi xmlns:a14="http://schemas.microsoft.com/office/drawing/2010/main" val="0"/>
+              </a:ext>
+            </a:extLst>
+          </a:blip>
+          <a:srcRect/>
+          <a:stretch>
+            <a:fillRect/>
+          </a:stretch>
+        </p:blipFill>
+        <p:spPr bwMode="auto">
+          <a:xfrm>
+            <a:off x="683568" y="1700808"/>
+            <a:ext cx="8003232" cy="3130807"/>
+          </a:xfrm>
+          <a:prstGeom prst="rect">
+            <a:avLst/>
+          </a:prstGeom>
+          <a:noFill/>
+          <a:ln>
+            <a:noFill/>
+          </a:ln>
+        </p:spPr>
+      </p:pic>
+      <p:pic>
+        <p:nvPicPr>
+          <p:cNvPr id="7" name="Picture 6" descr="D:\WBN\hethongthongtin\ACT_Register.PNG"/>
+          <p:cNvPicPr/>
+          <p:nvPr/>
+        </p:nvPicPr>
+        <p:blipFill>
+          <a:blip r:embed="rId4">
+            <a:extLst>
+              <a:ext uri="{28A0092B-C50C-407E-A947-70E740481C1C}">
+                <a14:useLocalDpi xmlns:a14="http://schemas.microsoft.com/office/drawing/2010/main" val="0"/>
+              </a:ext>
+            </a:extLst>
+          </a:blip>
+          <a:srcRect/>
+          <a:stretch>
+            <a:fillRect/>
+          </a:stretch>
+        </p:blipFill>
+        <p:spPr bwMode="auto">
+          <a:xfrm>
+            <a:off x="827584" y="692696"/>
+            <a:ext cx="7488832" cy="5184575"/>
+          </a:xfrm>
+          <a:prstGeom prst="rect">
+            <a:avLst/>
+          </a:prstGeom>
+          <a:noFill/>
+          <a:ln>
+            <a:noFill/>
+          </a:ln>
+        </p:spPr>
+      </p:pic>
+      <p:pic>
+        <p:nvPicPr>
+          <p:cNvPr id="8" name="Picture 7"/>
+          <p:cNvPicPr/>
+          <p:nvPr/>
+        </p:nvPicPr>
+        <p:blipFill>
+          <a:blip r:embed="rId5">
+            <a:extLst>
+              <a:ext uri="{28A0092B-C50C-407E-A947-70E740481C1C}">
+                <a14:useLocalDpi xmlns:a14="http://schemas.microsoft.com/office/drawing/2010/main" val="0"/>
+              </a:ext>
+            </a:extLst>
+          </a:blip>
+          <a:srcRect/>
+          <a:stretch>
+            <a:fillRect/>
+          </a:stretch>
+        </p:blipFill>
+        <p:spPr bwMode="auto">
+          <a:xfrm>
+            <a:off x="827584" y="696020"/>
+            <a:ext cx="7416824" cy="5541292"/>
+          </a:xfrm>
+          <a:prstGeom prst="rect">
+            <a:avLst/>
+          </a:prstGeom>
+          <a:noFill/>
+          <a:ln>
+            <a:noFill/>
+          </a:ln>
+        </p:spPr>
+      </p:pic>
+    </p:spTree>
+    <p:extLst>
+      <p:ext uri="{BB962C8B-B14F-4D97-AF65-F5344CB8AC3E}">
+        <p14:creationId xmlns:p14="http://schemas.microsoft.com/office/powerpoint/2010/main" val="212308242"/>
+      </p:ext>
+    </p:extLst>
+  </p:cSld>
+  <p:clrMapOvr>
+    <a:masterClrMapping/>
+  </p:clrMapOvr>
+  <p:timing>
+    <p:tnLst>
+      <p:par>
+        <p:cTn id="1" dur="indefinite" restart="never" nodeType="tmRoot">
+          <p:childTnLst>
+            <p:seq concurrent="1" nextAc="seek">
+              <p:cTn id="2" dur="indefinite" nodeType="mainSeq">
+                <p:childTnLst>
+                  <p:par>
+                    <p:cTn id="3" fill="hold">
+                      <p:stCondLst>
+                        <p:cond delay="indefinite"/>
+                      </p:stCondLst>
+                      <p:childTnLst>
+                        <p:par>
+                          <p:cTn id="4" fill="hold">
+                            <p:stCondLst>
+                              <p:cond delay="0"/>
+                            </p:stCondLst>
+                            <p:childTnLst>
+                              <p:par>
+                                <p:cTn id="5" presetID="22" presetClass="entr" presetSubtype="4" fill="hold" nodeType="clickEffect">
+                                  <p:stCondLst>
+                                    <p:cond delay="0"/>
+                                  </p:stCondLst>
+                                  <p:childTnLst>
+                                    <p:set>
+                                      <p:cBhvr>
+                                        <p:cTn id="6" dur="1" fill="hold">
+                                          <p:stCondLst>
+                                            <p:cond delay="0"/>
+                                          </p:stCondLst>
+                                        </p:cTn>
+                                        <p:tgtEl>
+                                          <p:spTgt spid="6"/>
+                                        </p:tgtEl>
+                                        <p:attrNameLst>
+                                          <p:attrName>style.visibility</p:attrName>
+                                        </p:attrNameLst>
+                                      </p:cBhvr>
+                                      <p:to>
+                                        <p:strVal val="visible"/>
+                                      </p:to>
+                                    </p:set>
+                                    <p:animEffect transition="in" filter="wipe(down)">
+                                      <p:cBhvr>
+                                        <p:cTn id="7" dur="500"/>
+                                        <p:tgtEl>
+                                          <p:spTgt spid="6"/>
+                                        </p:tgtEl>
+                                      </p:cBhvr>
+                                    </p:animEffect>
+                                  </p:childTnLst>
+                                </p:cTn>
+                              </p:par>
+                            </p:childTnLst>
+                          </p:cTn>
+                        </p:par>
+                      </p:childTnLst>
+                    </p:cTn>
+                  </p:par>
+                  <p:par>
+                    <p:cTn id="8" fill="hold">
+                      <p:stCondLst>
+                        <p:cond delay="indefinite"/>
+                      </p:stCondLst>
+                      <p:childTnLst>
+                        <p:par>
+                          <p:cTn id="9" fill="hold">
+                            <p:stCondLst>
+                              <p:cond delay="0"/>
+                            </p:stCondLst>
+                            <p:childTnLst>
+                              <p:par>
+                                <p:cTn id="10" presetID="10" presetClass="exit" presetSubtype="0" fill="hold" nodeType="clickEffect">
+                                  <p:stCondLst>
+                                    <p:cond delay="0"/>
+                                  </p:stCondLst>
+                                  <p:childTnLst>
+                                    <p:animEffect transition="out" filter="fade">
+                                      <p:cBhvr>
+                                        <p:cTn id="11" dur="500"/>
+                                        <p:tgtEl>
+                                          <p:spTgt spid="6"/>
+                                        </p:tgtEl>
+                                      </p:cBhvr>
+                                    </p:animEffect>
+                                    <p:set>
+                                      <p:cBhvr>
+                                        <p:cTn id="12" dur="1" fill="hold">
+                                          <p:stCondLst>
+                                            <p:cond delay="499"/>
+                                          </p:stCondLst>
+                                        </p:cTn>
+                                        <p:tgtEl>
+                                          <p:spTgt spid="6"/>
+                                        </p:tgtEl>
+                                        <p:attrNameLst>
+                                          <p:attrName>style.visibility</p:attrName>
+                                        </p:attrNameLst>
+                                      </p:cBhvr>
+                                      <p:to>
+                                        <p:strVal val="hidden"/>
+                                      </p:to>
+                                    </p:set>
+                                  </p:childTnLst>
+                                </p:cTn>
+                              </p:par>
+                            </p:childTnLst>
+                          </p:cTn>
+                        </p:par>
+                      </p:childTnLst>
+                    </p:cTn>
+                  </p:par>
+                  <p:par>
+                    <p:cTn id="13" fill="hold">
+                      <p:stCondLst>
+                        <p:cond delay="indefinite"/>
+                      </p:stCondLst>
+                      <p:childTnLst>
+                        <p:par>
+                          <p:cTn id="14" fill="hold">
+                            <p:stCondLst>
+                              <p:cond delay="0"/>
+                            </p:stCondLst>
+                            <p:childTnLst>
+                              <p:par>
+                                <p:cTn id="15" presetID="21" presetClass="entr" presetSubtype="1" fill="hold" nodeType="clickEffect">
+                                  <p:stCondLst>
+                                    <p:cond delay="0"/>
+                                  </p:stCondLst>
+                                  <p:childTnLst>
+                                    <p:set>
+                                      <p:cBhvr>
+                                        <p:cTn id="16" dur="1" fill="hold">
+                                          <p:stCondLst>
+                                            <p:cond delay="0"/>
+                                          </p:stCondLst>
+                                        </p:cTn>
+                                        <p:tgtEl>
+                                          <p:spTgt spid="7"/>
+                                        </p:tgtEl>
+                                        <p:attrNameLst>
+                                          <p:attrName>style.visibility</p:attrName>
+                                        </p:attrNameLst>
+                                      </p:cBhvr>
+                                      <p:to>
+                                        <p:strVal val="visible"/>
+                                      </p:to>
+                                    </p:set>
+                                    <p:animEffect transition="in" filter="wheel(1)">
+                                      <p:cBhvr>
+                                        <p:cTn id="17" dur="2000"/>
+                                        <p:tgtEl>
+                                          <p:spTgt spid="7"/>
+                                        </p:tgtEl>
+                                      </p:cBhvr>
+                                    </p:animEffect>
+                                  </p:childTnLst>
+                                </p:cTn>
+                              </p:par>
+                            </p:childTnLst>
+                          </p:cTn>
+                        </p:par>
+                      </p:childTnLst>
+                    </p:cTn>
+                  </p:par>
+                  <p:par>
+                    <p:cTn id="18" fill="hold">
+                      <p:stCondLst>
+                        <p:cond delay="indefinite"/>
+                      </p:stCondLst>
+                      <p:childTnLst>
+                        <p:par>
+                          <p:cTn id="19" fill="hold">
+                            <p:stCondLst>
+                              <p:cond delay="0"/>
+                            </p:stCondLst>
+                            <p:childTnLst>
+                              <p:par>
+                                <p:cTn id="20" presetID="4" presetClass="exit" presetSubtype="32" fill="hold" nodeType="clickEffect">
+                                  <p:stCondLst>
+                                    <p:cond delay="0"/>
+                                  </p:stCondLst>
+                                  <p:childTnLst>
+                                    <p:animEffect transition="out" filter="box(out)">
+                                      <p:cBhvr>
+                                        <p:cTn id="21" dur="2000"/>
+                                        <p:tgtEl>
+                                          <p:spTgt spid="7"/>
+                                        </p:tgtEl>
+                                      </p:cBhvr>
+                                    </p:animEffect>
+                                    <p:set>
+                                      <p:cBhvr>
+                                        <p:cTn id="22" dur="1" fill="hold">
+                                          <p:stCondLst>
+                                            <p:cond delay="1999"/>
+                                          </p:stCondLst>
+                                        </p:cTn>
+                                        <p:tgtEl>
+                                          <p:spTgt spid="7"/>
+                                        </p:tgtEl>
+                                        <p:attrNameLst>
+                                          <p:attrName>style.visibility</p:attrName>
+                                        </p:attrNameLst>
+                                      </p:cBhvr>
+                                      <p:to>
+                                        <p:strVal val="hidden"/>
+                                      </p:to>
+                                    </p:set>
+                                  </p:childTnLst>
+                                </p:cTn>
+                              </p:par>
+                            </p:childTnLst>
+                          </p:cTn>
+                        </p:par>
+                      </p:childTnLst>
+                    </p:cTn>
+                  </p:par>
+                  <p:par>
+                    <p:cTn id="23" fill="hold">
+                      <p:stCondLst>
+                        <p:cond delay="indefinite"/>
+                      </p:stCondLst>
+                      <p:childTnLst>
+                        <p:par>
+                          <p:cTn id="24" fill="hold">
+                            <p:stCondLst>
+                              <p:cond delay="0"/>
+                            </p:stCondLst>
+                            <p:childTnLst>
+                              <p:par>
+                                <p:cTn id="25" presetID="16" presetClass="entr" presetSubtype="21" fill="hold" nodeType="clickEffect">
+                                  <p:stCondLst>
+                                    <p:cond delay="0"/>
+                                  </p:stCondLst>
+                                  <p:childTnLst>
+                                    <p:set>
+                                      <p:cBhvr>
+                                        <p:cTn id="26" dur="1" fill="hold">
+                                          <p:stCondLst>
+                                            <p:cond delay="0"/>
+                                          </p:stCondLst>
+                                        </p:cTn>
+                                        <p:tgtEl>
+                                          <p:spTgt spid="8"/>
+                                        </p:tgtEl>
+                                        <p:attrNameLst>
+                                          <p:attrName>style.visibility</p:attrName>
+                                        </p:attrNameLst>
+                                      </p:cBhvr>
+                                      <p:to>
+                                        <p:strVal val="visible"/>
+                                      </p:to>
+                                    </p:set>
+                                    <p:animEffect transition="in" filter="barn(inVertical)">
+                                      <p:cBhvr>
+                                        <p:cTn id="27" dur="500"/>
+                                        <p:tgtEl>
+                                          <p:spTgt spid="8"/>
+                                        </p:tgtEl>
+                                      </p:cBhvr>
+                                    </p:animEffect>
+                                  </p:childTnLst>
+                                </p:cTn>
+                              </p:par>
+                            </p:childTnLst>
+                          </p:cTn>
+                        </p:par>
+                      </p:childTnLst>
+                    </p:cTn>
+                  </p:par>
+                </p:childTnLst>
+              </p:cTn>
+              <p:prevCondLst>
+                <p:cond evt="onPrev" delay="0">
+                  <p:tgtEl>
+                    <p:sldTgt/>
+                  </p:tgtEl>
+                </p:cond>
+              </p:prevCondLst>
+              <p:nextCondLst>
+                <p:cond evt="onNext" delay="0">
+                  <p:tgtEl>
+                    <p:sldTgt/>
+                  </p:tgtEl>
+                </p:cond>
+              </p:nextCondLst>
+            </p:seq>
+          </p:childTnLst>
+        </p:cTn>
+      </p:par>
+    </p:tnLst>
+  </p:timing>
+</p:sld>
+</file>
+
+<file path=ppt/slides/slide11.xml><?xml version="1.0" encoding="utf-8"?>
 <p:sld xmlns:a="http://schemas.openxmlformats.org/drawingml/2006/main" xmlns:r="http://schemas.openxmlformats.org/officeDocument/2006/relationships" xmlns:p="http://schemas.openxmlformats.org/presentationml/2006/main">
   <p:cSld>
     <p:spTree>
@@ -7532,7 +8009,7 @@
 </p:sld>
 </file>
 
-<file path=ppt/slides/slide11.xml><?xml version="1.0" encoding="utf-8"?>
+<file path=ppt/slides/slide12.xml><?xml version="1.0" encoding="utf-8"?>
 <p:sld xmlns:a="http://schemas.openxmlformats.org/drawingml/2006/main" xmlns:r="http://schemas.openxmlformats.org/officeDocument/2006/relationships" xmlns:p="http://schemas.openxmlformats.org/presentationml/2006/main">
   <p:cSld>
     <p:spTree>
@@ -8029,7 +8506,7 @@
 </p:sld>
 </file>
 
-<file path=ppt/slides/slide12.xml><?xml version="1.0" encoding="utf-8"?>
+<file path=ppt/slides/slide13.xml><?xml version="1.0" encoding="utf-8"?>
 <p:sld xmlns:a="http://schemas.openxmlformats.org/drawingml/2006/main" xmlns:r="http://schemas.openxmlformats.org/officeDocument/2006/relationships" xmlns:p="http://schemas.openxmlformats.org/presentationml/2006/main">
   <p:cSld>
     <p:spTree>
@@ -8716,7 +9193,7 @@
 </p:sld>
 </file>
 
-<file path=ppt/slides/slide13.xml><?xml version="1.0" encoding="utf-8"?>
+<file path=ppt/slides/slide14.xml><?xml version="1.0" encoding="utf-8"?>
 <p:sld xmlns:a="http://schemas.openxmlformats.org/drawingml/2006/main" xmlns:r="http://schemas.openxmlformats.org/officeDocument/2006/relationships" xmlns:p="http://schemas.openxmlformats.org/presentationml/2006/main">
   <p:cSld>
     <p:spTree>
@@ -10508,7 +10985,7 @@
 </p:sld>
 </file>
 
-<file path=ppt/slides/slide14.xml><?xml version="1.0" encoding="utf-8"?>
+<file path=ppt/slides/slide15.xml><?xml version="1.0" encoding="utf-8"?>
 <p:sld xmlns:a="http://schemas.openxmlformats.org/drawingml/2006/main" xmlns:r="http://schemas.openxmlformats.org/officeDocument/2006/relationships" xmlns:p="http://schemas.openxmlformats.org/presentationml/2006/main">
   <p:cSld>
     <p:spTree>
@@ -11094,7 +11571,7 @@
 </p:sld>
 </file>
 
-<file path=ppt/slides/slide15.xml><?xml version="1.0" encoding="utf-8"?>
+<file path=ppt/slides/slide16.xml><?xml version="1.0" encoding="utf-8"?>
 <p:sld xmlns:a="http://schemas.openxmlformats.org/drawingml/2006/main" xmlns:r="http://schemas.openxmlformats.org/officeDocument/2006/relationships" xmlns:p="http://schemas.openxmlformats.org/presentationml/2006/main">
   <p:cSld>
     <p:spTree>
@@ -11855,13 +12332,6 @@
               </a:rPr>
               <a:t>Khách hàng: </a:t>
             </a:r>
-            <a:endParaRPr lang="en-US" smtClean="0">
-              <a:solidFill>
-                <a:schemeClr val="tx1"/>
-              </a:solidFill>
-              <a:latin typeface="Times New Roman" pitchFamily="18" charset="0"/>
-              <a:cs typeface="Times New Roman" pitchFamily="18" charset="0"/>
-            </a:endParaRPr>
           </a:p>
           <a:p>
             <a:pPr lvl="2" indent="-342900">
@@ -11910,13 +12380,6 @@
               </a:rPr>
               <a:t>Cập nhật thông tin</a:t>
             </a:r>
-            <a:endParaRPr lang="en-US" sz="2400" smtClean="0">
-              <a:solidFill>
-                <a:schemeClr val="tx1"/>
-              </a:solidFill>
-              <a:latin typeface="Times New Roman" pitchFamily="18" charset="0"/>
-              <a:cs typeface="Times New Roman" pitchFamily="18" charset="0"/>
-            </a:endParaRPr>
           </a:p>
           <a:p>
             <a:pPr marL="800100" lvl="2" indent="0">
@@ -11930,17 +12393,7 @@
                 <a:latin typeface="Times New Roman" pitchFamily="18" charset="0"/>
                 <a:cs typeface="Times New Roman" pitchFamily="18" charset="0"/>
               </a:rPr>
-              <a:t>-  </a:t>
-            </a:r>
-            <a:r>
-              <a:rPr lang="en-US" sz="2400" smtClean="0">
-                <a:solidFill>
-                  <a:schemeClr val="tx1"/>
-                </a:solidFill>
-                <a:latin typeface="Times New Roman" pitchFamily="18" charset="0"/>
-                <a:cs typeface="Times New Roman" pitchFamily="18" charset="0"/>
-              </a:rPr>
-              <a:t>Tìm kiếm Tour</a:t>
+              <a:t>-  Tìm kiếm Tour</a:t>
             </a:r>
           </a:p>
           <a:p>
@@ -11955,17 +12408,7 @@
                 <a:latin typeface="Times New Roman" pitchFamily="18" charset="0"/>
                 <a:cs typeface="Times New Roman" pitchFamily="18" charset="0"/>
               </a:rPr>
-              <a:t>-  Đặt </a:t>
-            </a:r>
-            <a:r>
-              <a:rPr lang="en-US" sz="2400" smtClean="0">
-                <a:solidFill>
-                  <a:schemeClr val="tx1"/>
-                </a:solidFill>
-                <a:latin typeface="Times New Roman" pitchFamily="18" charset="0"/>
-                <a:cs typeface="Times New Roman" pitchFamily="18" charset="0"/>
-              </a:rPr>
-              <a:t>Tour</a:t>
+              <a:t>-  Đặt Tour</a:t>
             </a:r>
           </a:p>
           <a:p>
@@ -11980,17 +12423,7 @@
                 <a:latin typeface="Times New Roman" pitchFamily="18" charset="0"/>
                 <a:cs typeface="Times New Roman" pitchFamily="18" charset="0"/>
               </a:rPr>
-              <a:t>-  Thanh </a:t>
-            </a:r>
-            <a:r>
-              <a:rPr lang="en-US" sz="2400" smtClean="0">
-                <a:solidFill>
-                  <a:schemeClr val="tx1"/>
-                </a:solidFill>
-                <a:latin typeface="Times New Roman" pitchFamily="18" charset="0"/>
-                <a:cs typeface="Times New Roman" pitchFamily="18" charset="0"/>
-              </a:rPr>
-              <a:t>toán Tour</a:t>
+              <a:t>-  Thanh toán Tour</a:t>
             </a:r>
           </a:p>
           <a:p>
@@ -13988,6 +14421,160 @@
         </p:nvSpPr>
         <p:spPr>
           <a:xfrm>
+            <a:off x="402917" y="116632"/>
+            <a:ext cx="8229600" cy="619472"/>
+          </a:xfrm>
+        </p:spPr>
+        <p:txBody>
+          <a:bodyPr/>
+          <a:lstStyle/>
+          <a:p>
+            <a:r>
+              <a:rPr lang="en-US" sz="3000" b="1" smtClean="0">
+                <a:latin typeface="Times New Roman" pitchFamily="18" charset="0"/>
+                <a:cs typeface="Times New Roman" pitchFamily="18" charset="0"/>
+              </a:rPr>
+              <a:t>Usecase chính</a:t>
+            </a:r>
+            <a:endParaRPr lang="en-US" sz="3000" b="1">
+              <a:latin typeface="Times New Roman" pitchFamily="18" charset="0"/>
+              <a:cs typeface="Times New Roman" pitchFamily="18" charset="0"/>
+            </a:endParaRPr>
+          </a:p>
+        </p:txBody>
+      </p:sp>
+      <p:sp>
+        <p:nvSpPr>
+          <p:cNvPr id="3" name="Content Placeholder 2"/>
+          <p:cNvSpPr>
+            <a:spLocks noGrp="1"/>
+          </p:cNvSpPr>
+          <p:nvPr>
+            <p:ph idx="1"/>
+          </p:nvPr>
+        </p:nvSpPr>
+        <p:spPr/>
+        <p:txBody>
+          <a:bodyPr/>
+          <a:lstStyle/>
+          <a:p>
+            <a:endParaRPr lang="en-US"/>
+          </a:p>
+        </p:txBody>
+      </p:sp>
+      <p:pic>
+        <p:nvPicPr>
+          <p:cNvPr id="1026" name="Picture 2"/>
+          <p:cNvPicPr>
+            <a:picLocks noChangeAspect="1" noChangeArrowheads="1"/>
+          </p:cNvPicPr>
+          <p:nvPr/>
+        </p:nvPicPr>
+        <p:blipFill>
+          <a:blip r:embed="rId2">
+            <a:extLst>
+              <a:ext uri="{28A0092B-C50C-407E-A947-70E740481C1C}">
+                <a14:useLocalDpi xmlns:a14="http://schemas.microsoft.com/office/drawing/2010/main" val="0"/>
+              </a:ext>
+            </a:extLst>
+          </a:blip>
+          <a:srcRect/>
+          <a:stretch>
+            <a:fillRect/>
+          </a:stretch>
+        </p:blipFill>
+        <p:spPr bwMode="auto">
+          <a:xfrm>
+            <a:off x="419100" y="980728"/>
+            <a:ext cx="8305800" cy="5400600"/>
+          </a:xfrm>
+          <a:prstGeom prst="rect">
+            <a:avLst/>
+          </a:prstGeom>
+          <a:noFill/>
+          <a:ln>
+            <a:noFill/>
+          </a:ln>
+          <a:effectLst/>
+          <a:extLst>
+            <a:ext uri="{909E8E84-426E-40DD-AFC4-6F175D3DCCD1}">
+              <a14:hiddenFill xmlns:a14="http://schemas.microsoft.com/office/drawing/2010/main">
+                <a:solidFill>
+                  <a:schemeClr val="accent1"/>
+                </a:solidFill>
+              </a14:hiddenFill>
+            </a:ext>
+            <a:ext uri="{91240B29-F687-4F45-9708-019B960494DF}">
+              <a14:hiddenLine xmlns:a14="http://schemas.microsoft.com/office/drawing/2010/main" w="9525">
+                <a:solidFill>
+                  <a:schemeClr val="tx1"/>
+                </a:solidFill>
+                <a:miter lim="800000"/>
+                <a:headEnd/>
+                <a:tailEnd/>
+              </a14:hiddenLine>
+            </a:ext>
+            <a:ext uri="{AF507438-7753-43E0-B8FC-AC1667EBCBE1}">
+              <a14:hiddenEffects xmlns:a14="http://schemas.microsoft.com/office/drawing/2010/main">
+                <a:effectLst>
+                  <a:outerShdw dist="35921" dir="2700000" algn="ctr" rotWithShape="0">
+                    <a:schemeClr val="bg2"/>
+                  </a:outerShdw>
+                </a:effectLst>
+              </a14:hiddenEffects>
+            </a:ext>
+          </a:extLst>
+        </p:spPr>
+      </p:pic>
+    </p:spTree>
+    <p:extLst>
+      <p:ext uri="{BB962C8B-B14F-4D97-AF65-F5344CB8AC3E}">
+        <p14:creationId xmlns:p14="http://schemas.microsoft.com/office/powerpoint/2010/main" val="2772734857"/>
+      </p:ext>
+    </p:extLst>
+  </p:cSld>
+  <p:clrMapOvr>
+    <a:masterClrMapping/>
+  </p:clrMapOvr>
+  <p:timing>
+    <p:tnLst>
+      <p:par>
+        <p:cTn id="1" dur="indefinite" restart="never" nodeType="tmRoot"/>
+      </p:par>
+    </p:tnLst>
+  </p:timing>
+</p:sld>
+</file>
+
+<file path=ppt/slides/slide9.xml><?xml version="1.0" encoding="utf-8"?>
+<p:sld xmlns:a="http://schemas.openxmlformats.org/drawingml/2006/main" xmlns:r="http://schemas.openxmlformats.org/officeDocument/2006/relationships" xmlns:p="http://schemas.openxmlformats.org/presentationml/2006/main">
+  <p:cSld>
+    <p:spTree>
+      <p:nvGrpSpPr>
+        <p:cNvPr id="1" name=""/>
+        <p:cNvGrpSpPr/>
+        <p:nvPr/>
+      </p:nvGrpSpPr>
+      <p:grpSpPr>
+        <a:xfrm>
+          <a:off x="0" y="0"/>
+          <a:ext cx="0" cy="0"/>
+          <a:chOff x="0" y="0"/>
+          <a:chExt cx="0" cy="0"/>
+        </a:xfrm>
+      </p:grpSpPr>
+      <p:sp>
+        <p:nvSpPr>
+          <p:cNvPr id="2" name="Title 1"/>
+          <p:cNvSpPr>
+            <a:spLocks noGrp="1"/>
+          </p:cNvSpPr>
+          <p:nvPr>
+            <p:ph type="title"/>
+          </p:nvPr>
+        </p:nvSpPr>
+        <p:spPr>
+          <a:xfrm>
             <a:off x="395536" y="116632"/>
             <a:ext cx="8229600" cy="475456"/>
           </a:xfrm>
@@ -14475,482 +15062,6 @@
                                         <p:cTn id="27" dur="2000"/>
                                         <p:tgtEl>
                                           <p:spTgt spid="6"/>
-                                        </p:tgtEl>
-                                      </p:cBhvr>
-                                    </p:animEffect>
-                                  </p:childTnLst>
-                                </p:cTn>
-                              </p:par>
-                            </p:childTnLst>
-                          </p:cTn>
-                        </p:par>
-                      </p:childTnLst>
-                    </p:cTn>
-                  </p:par>
-                </p:childTnLst>
-              </p:cTn>
-              <p:prevCondLst>
-                <p:cond evt="onPrev" delay="0">
-                  <p:tgtEl>
-                    <p:sldTgt/>
-                  </p:tgtEl>
-                </p:cond>
-              </p:prevCondLst>
-              <p:nextCondLst>
-                <p:cond evt="onNext" delay="0">
-                  <p:tgtEl>
-                    <p:sldTgt/>
-                  </p:tgtEl>
-                </p:cond>
-              </p:nextCondLst>
-            </p:seq>
-          </p:childTnLst>
-        </p:cTn>
-      </p:par>
-    </p:tnLst>
-  </p:timing>
-</p:sld>
-</file>
-
-<file path=ppt/slides/slide9.xml><?xml version="1.0" encoding="utf-8"?>
-<p:sld xmlns:a="http://schemas.openxmlformats.org/drawingml/2006/main" xmlns:r="http://schemas.openxmlformats.org/officeDocument/2006/relationships" xmlns:p="http://schemas.openxmlformats.org/presentationml/2006/main">
-  <p:cSld>
-    <p:spTree>
-      <p:nvGrpSpPr>
-        <p:cNvPr id="1" name=""/>
-        <p:cNvGrpSpPr/>
-        <p:nvPr/>
-      </p:nvGrpSpPr>
-      <p:grpSpPr>
-        <a:xfrm>
-          <a:off x="0" y="0"/>
-          <a:ext cx="0" cy="0"/>
-          <a:chOff x="0" y="0"/>
-          <a:chExt cx="0" cy="0"/>
-        </a:xfrm>
-      </p:grpSpPr>
-      <p:sp>
-        <p:nvSpPr>
-          <p:cNvPr id="5" name="Title 1"/>
-          <p:cNvSpPr>
-            <a:spLocks noGrp="1"/>
-          </p:cNvSpPr>
-          <p:nvPr>
-            <p:ph type="title"/>
-          </p:nvPr>
-        </p:nvSpPr>
-        <p:spPr>
-          <a:xfrm>
-            <a:off x="395536" y="116632"/>
-            <a:ext cx="8229600" cy="475456"/>
-          </a:xfrm>
-        </p:spPr>
-        <p:txBody>
-          <a:bodyPr/>
-          <a:lstStyle/>
-          <a:p>
-            <a:r>
-              <a:rPr lang="en-US" sz="3000" b="1" smtClean="0">
-                <a:effectLst>
-                  <a:outerShdw blurRad="38100" dist="38100" dir="2700000" algn="tl">
-                    <a:srgbClr val="000000">
-                      <a:alpha val="43137"/>
-                    </a:srgbClr>
-                  </a:outerShdw>
-                </a:effectLst>
-                <a:latin typeface="Times New Roman" pitchFamily="18" charset="0"/>
-                <a:cs typeface="Times New Roman" pitchFamily="18" charset="0"/>
-              </a:rPr>
-              <a:t>Chức năng đăng ký</a:t>
-            </a:r>
-            <a:endParaRPr lang="en-US" sz="3000" b="1">
-              <a:effectLst>
-                <a:outerShdw blurRad="38100" dist="38100" dir="2700000" algn="tl">
-                  <a:srgbClr val="000000">
-                    <a:alpha val="43137"/>
-                  </a:srgbClr>
-                </a:outerShdw>
-              </a:effectLst>
-              <a:latin typeface="Times New Roman" pitchFamily="18" charset="0"/>
-              <a:cs typeface="Times New Roman" pitchFamily="18" charset="0"/>
-            </a:endParaRPr>
-          </a:p>
-        </p:txBody>
-      </p:sp>
-      <p:pic>
-        <p:nvPicPr>
-          <p:cNvPr id="6" name="Content Placeholder 5" descr="D:\httt\use đăng ký.png"/>
-          <p:cNvPicPr>
-            <a:picLocks noGrp="1"/>
-          </p:cNvPicPr>
-          <p:nvPr>
-            <p:ph idx="1"/>
-          </p:nvPr>
-        </p:nvPicPr>
-        <p:blipFill>
-          <a:blip r:embed="rId3">
-            <a:extLst>
-              <a:ext uri="{28A0092B-C50C-407E-A947-70E740481C1C}">
-                <a14:useLocalDpi xmlns:a14="http://schemas.microsoft.com/office/drawing/2010/main" val="0"/>
-              </a:ext>
-            </a:extLst>
-          </a:blip>
-          <a:srcRect/>
-          <a:stretch>
-            <a:fillRect/>
-          </a:stretch>
-        </p:blipFill>
-        <p:spPr bwMode="auto">
-          <a:xfrm>
-            <a:off x="683568" y="1700808"/>
-            <a:ext cx="8003232" cy="3130807"/>
-          </a:xfrm>
-          <a:prstGeom prst="rect">
-            <a:avLst/>
-          </a:prstGeom>
-          <a:noFill/>
-          <a:ln>
-            <a:noFill/>
-          </a:ln>
-        </p:spPr>
-      </p:pic>
-      <p:pic>
-        <p:nvPicPr>
-          <p:cNvPr id="7" name="Picture 6" descr="D:\WBN\hethongthongtin\ACT_Register.PNG"/>
-          <p:cNvPicPr/>
-          <p:nvPr/>
-        </p:nvPicPr>
-        <p:blipFill>
-          <a:blip r:embed="rId4">
-            <a:extLst>
-              <a:ext uri="{28A0092B-C50C-407E-A947-70E740481C1C}">
-                <a14:useLocalDpi xmlns:a14="http://schemas.microsoft.com/office/drawing/2010/main" val="0"/>
-              </a:ext>
-            </a:extLst>
-          </a:blip>
-          <a:srcRect/>
-          <a:stretch>
-            <a:fillRect/>
-          </a:stretch>
-        </p:blipFill>
-        <p:spPr bwMode="auto">
-          <a:xfrm>
-            <a:off x="827584" y="692696"/>
-            <a:ext cx="7488832" cy="5184575"/>
-          </a:xfrm>
-          <a:prstGeom prst="rect">
-            <a:avLst/>
-          </a:prstGeom>
-          <a:noFill/>
-          <a:ln>
-            <a:noFill/>
-          </a:ln>
-        </p:spPr>
-      </p:pic>
-      <p:pic>
-        <p:nvPicPr>
-          <p:cNvPr id="8" name="Picture 7"/>
-          <p:cNvPicPr/>
-          <p:nvPr/>
-        </p:nvPicPr>
-        <p:blipFill>
-          <a:blip r:embed="rId5">
-            <a:extLst>
-              <a:ext uri="{28A0092B-C50C-407E-A947-70E740481C1C}">
-                <a14:useLocalDpi xmlns:a14="http://schemas.microsoft.com/office/drawing/2010/main" val="0"/>
-              </a:ext>
-            </a:extLst>
-          </a:blip>
-          <a:srcRect/>
-          <a:stretch>
-            <a:fillRect/>
-          </a:stretch>
-        </p:blipFill>
-        <p:spPr bwMode="auto">
-          <a:xfrm>
-            <a:off x="827584" y="696020"/>
-            <a:ext cx="7416824" cy="5541292"/>
-          </a:xfrm>
-          <a:prstGeom prst="rect">
-            <a:avLst/>
-          </a:prstGeom>
-          <a:noFill/>
-          <a:ln>
-            <a:noFill/>
-          </a:ln>
-        </p:spPr>
-      </p:pic>
-    </p:spTree>
-    <p:extLst>
-      <p:ext uri="{BB962C8B-B14F-4D97-AF65-F5344CB8AC3E}">
-        <p14:creationId xmlns:p14="http://schemas.microsoft.com/office/powerpoint/2010/main" val="212308242"/>
-      </p:ext>
-    </p:extLst>
-  </p:cSld>
-  <p:clrMapOvr>
-    <a:masterClrMapping/>
-  </p:clrMapOvr>
-  <p:timing>
-    <p:tnLst>
-      <p:par>
-        <p:cTn id="1" dur="indefinite" restart="never" nodeType="tmRoot">
-          <p:childTnLst>
-            <p:seq concurrent="1" nextAc="seek">
-              <p:cTn id="2" dur="indefinite" nodeType="mainSeq">
-                <p:childTnLst>
-                  <p:par>
-                    <p:cTn id="3" fill="hold">
-                      <p:stCondLst>
-                        <p:cond delay="indefinite"/>
-                      </p:stCondLst>
-                      <p:childTnLst>
-                        <p:par>
-                          <p:cTn id="4" fill="hold">
-                            <p:stCondLst>
-                              <p:cond delay="0"/>
-                            </p:stCondLst>
-                            <p:childTnLst>
-                              <p:par>
-                                <p:cTn id="5" presetID="22" presetClass="entr" presetSubtype="4" fill="hold" nodeType="clickEffect">
-                                  <p:stCondLst>
-                                    <p:cond delay="0"/>
-                                  </p:stCondLst>
-                                  <p:childTnLst>
-                                    <p:set>
-                                      <p:cBhvr>
-                                        <p:cTn id="6" dur="1" fill="hold">
-                                          <p:stCondLst>
-                                            <p:cond delay="0"/>
-                                          </p:stCondLst>
-                                        </p:cTn>
-                                        <p:tgtEl>
-                                          <p:spTgt spid="6"/>
-                                        </p:tgtEl>
-                                        <p:attrNameLst>
-                                          <p:attrName>style.visibility</p:attrName>
-                                        </p:attrNameLst>
-                                      </p:cBhvr>
-                                      <p:to>
-                                        <p:strVal val="visible"/>
-                                      </p:to>
-                                    </p:set>
-                                    <p:animEffect transition="in" filter="wipe(down)">
-                                      <p:cBhvr>
-                                        <p:cTn id="7" dur="500"/>
-                                        <p:tgtEl>
-                                          <p:spTgt spid="6"/>
-                                        </p:tgtEl>
-                                      </p:cBhvr>
-                                    </p:animEffect>
-                                  </p:childTnLst>
-                                </p:cTn>
-                              </p:par>
-                            </p:childTnLst>
-                          </p:cTn>
-                        </p:par>
-                      </p:childTnLst>
-                    </p:cTn>
-                  </p:par>
-                  <p:par>
-                    <p:cTn id="8" fill="hold">
-                      <p:stCondLst>
-                        <p:cond delay="indefinite"/>
-                      </p:stCondLst>
-                      <p:childTnLst>
-                        <p:par>
-                          <p:cTn id="9" fill="hold">
-                            <p:stCondLst>
-                              <p:cond delay="0"/>
-                            </p:stCondLst>
-                            <p:childTnLst>
-                              <p:par>
-                                <p:cTn id="10" presetID="10" presetClass="exit" presetSubtype="0" fill="hold" nodeType="clickEffect">
-                                  <p:stCondLst>
-                                    <p:cond delay="0"/>
-                                  </p:stCondLst>
-                                  <p:childTnLst>
-                                    <p:animEffect transition="out" filter="fade">
-                                      <p:cBhvr>
-                                        <p:cTn id="11" dur="500"/>
-                                        <p:tgtEl>
-                                          <p:spTgt spid="6"/>
-                                        </p:tgtEl>
-                                      </p:cBhvr>
-                                    </p:animEffect>
-                                    <p:set>
-                                      <p:cBhvr>
-                                        <p:cTn id="12" dur="1" fill="hold">
-                                          <p:stCondLst>
-                                            <p:cond delay="499"/>
-                                          </p:stCondLst>
-                                        </p:cTn>
-                                        <p:tgtEl>
-                                          <p:spTgt spid="6"/>
-                                        </p:tgtEl>
-                                        <p:attrNameLst>
-                                          <p:attrName>style.visibility</p:attrName>
-                                        </p:attrNameLst>
-                                      </p:cBhvr>
-                                      <p:to>
-                                        <p:strVal val="hidden"/>
-                                      </p:to>
-                                    </p:set>
-                                  </p:childTnLst>
-                                </p:cTn>
-                              </p:par>
-                            </p:childTnLst>
-                          </p:cTn>
-                        </p:par>
-                      </p:childTnLst>
-                    </p:cTn>
-                  </p:par>
-                  <p:par>
-                    <p:cTn id="13" fill="hold">
-                      <p:stCondLst>
-                        <p:cond delay="indefinite"/>
-                      </p:stCondLst>
-                      <p:childTnLst>
-                        <p:par>
-                          <p:cTn id="14" fill="hold">
-                            <p:stCondLst>
-                              <p:cond delay="0"/>
-                            </p:stCondLst>
-                            <p:childTnLst>
-                              <p:par>
-                                <p:cTn id="15" presetID="21" presetClass="entr" presetSubtype="1" fill="hold" nodeType="clickEffect">
-                                  <p:stCondLst>
-                                    <p:cond delay="0"/>
-                                  </p:stCondLst>
-                                  <p:childTnLst>
-                                    <p:set>
-                                      <p:cBhvr>
-                                        <p:cTn id="16" dur="1" fill="hold">
-                                          <p:stCondLst>
-                                            <p:cond delay="0"/>
-                                          </p:stCondLst>
-                                        </p:cTn>
-                                        <p:tgtEl>
-                                          <p:spTgt spid="7"/>
-                                        </p:tgtEl>
-                                        <p:attrNameLst>
-                                          <p:attrName>style.visibility</p:attrName>
-                                        </p:attrNameLst>
-                                      </p:cBhvr>
-                                      <p:to>
-                                        <p:strVal val="visible"/>
-                                      </p:to>
-                                    </p:set>
-                                    <p:animEffect transition="in" filter="wheel(1)">
-                                      <p:cBhvr>
-                                        <p:cTn id="17" dur="2000"/>
-                                        <p:tgtEl>
-                                          <p:spTgt spid="7"/>
-                                        </p:tgtEl>
-                                      </p:cBhvr>
-                                    </p:animEffect>
-                                  </p:childTnLst>
-                                </p:cTn>
-                              </p:par>
-                            </p:childTnLst>
-                          </p:cTn>
-                        </p:par>
-                      </p:childTnLst>
-                    </p:cTn>
-                  </p:par>
-                  <p:par>
-                    <p:cTn id="18" fill="hold">
-                      <p:stCondLst>
-                        <p:cond delay="indefinite"/>
-                      </p:stCondLst>
-                      <p:childTnLst>
-                        <p:par>
-                          <p:cTn id="19" fill="hold">
-                            <p:stCondLst>
-                              <p:cond delay="0"/>
-                            </p:stCondLst>
-                            <p:childTnLst>
-                              <p:par>
-                                <p:cTn id="20" presetID="4" presetClass="exit" presetSubtype="32" fill="hold" nodeType="clickEffect">
-                                  <p:stCondLst>
-                                    <p:cond delay="0"/>
-                                  </p:stCondLst>
-                                  <p:childTnLst>
-                                    <p:animEffect transition="out" filter="box(out)">
-                                      <p:cBhvr>
-                                        <p:cTn id="21" dur="2000"/>
-                                        <p:tgtEl>
-                                          <p:spTgt spid="7"/>
-                                        </p:tgtEl>
-                                      </p:cBhvr>
-                                    </p:animEffect>
-                                    <p:set>
-                                      <p:cBhvr>
-                                        <p:cTn id="22" dur="1" fill="hold">
-                                          <p:stCondLst>
-                                            <p:cond delay="1999"/>
-                                          </p:stCondLst>
-                                        </p:cTn>
-                                        <p:tgtEl>
-                                          <p:spTgt spid="7"/>
-                                        </p:tgtEl>
-                                        <p:attrNameLst>
-                                          <p:attrName>style.visibility</p:attrName>
-                                        </p:attrNameLst>
-                                      </p:cBhvr>
-                                      <p:to>
-                                        <p:strVal val="hidden"/>
-                                      </p:to>
-                                    </p:set>
-                                  </p:childTnLst>
-                                </p:cTn>
-                              </p:par>
-                            </p:childTnLst>
-                          </p:cTn>
-                        </p:par>
-                      </p:childTnLst>
-                    </p:cTn>
-                  </p:par>
-                  <p:par>
-                    <p:cTn id="23" fill="hold">
-                      <p:stCondLst>
-                        <p:cond delay="indefinite"/>
-                      </p:stCondLst>
-                      <p:childTnLst>
-                        <p:par>
-                          <p:cTn id="24" fill="hold">
-                            <p:stCondLst>
-                              <p:cond delay="0"/>
-                            </p:stCondLst>
-                            <p:childTnLst>
-                              <p:par>
-                                <p:cTn id="25" presetID="16" presetClass="entr" presetSubtype="21" fill="hold" nodeType="clickEffect">
-                                  <p:stCondLst>
-                                    <p:cond delay="0"/>
-                                  </p:stCondLst>
-                                  <p:childTnLst>
-                                    <p:set>
-                                      <p:cBhvr>
-                                        <p:cTn id="26" dur="1" fill="hold">
-                                          <p:stCondLst>
-                                            <p:cond delay="0"/>
-                                          </p:stCondLst>
-                                        </p:cTn>
-                                        <p:tgtEl>
-                                          <p:spTgt spid="8"/>
-                                        </p:tgtEl>
-                                        <p:attrNameLst>
-                                          <p:attrName>style.visibility</p:attrName>
-                                        </p:attrNameLst>
-                                      </p:cBhvr>
-                                      <p:to>
-                                        <p:strVal val="visible"/>
-                                      </p:to>
-                                    </p:set>
-                                    <p:animEffect transition="in" filter="barn(inVertical)">
-                                      <p:cBhvr>
-                                        <p:cTn id="27" dur="500"/>
-                                        <p:tgtEl>
-                                          <p:spTgt spid="8"/>
                                         </p:tgtEl>
                                       </p:cBhvr>
                                     </p:animEffect>

--- a/baocao.pptx
+++ b/baocao.pptx
@@ -328,11 +328,11 @@
         </c:dLbls>
         <c:gapWidth val="150"/>
         <c:overlap val="100"/>
-        <c:axId val="120333824"/>
-        <c:axId val="169807808"/>
+        <c:axId val="184696320"/>
+        <c:axId val="177493056"/>
       </c:barChart>
       <c:catAx>
-        <c:axId val="120333824"/>
+        <c:axId val="184696320"/>
         <c:scaling>
           <c:orientation val="maxMin"/>
         </c:scaling>
@@ -354,7 +354,7 @@
             <a:endParaRPr lang="en-US"/>
           </a:p>
         </c:txPr>
-        <c:crossAx val="169807808"/>
+        <c:crossAx val="177493056"/>
         <c:crosses val="autoZero"/>
         <c:auto val="1"/>
         <c:lblAlgn val="ctr"/>
@@ -362,7 +362,7 @@
         <c:noMultiLvlLbl val="0"/>
       </c:catAx>
       <c:valAx>
-        <c:axId val="169807808"/>
+        <c:axId val="177493056"/>
         <c:scaling>
           <c:orientation val="minMax"/>
           <c:max val="43822"/>
@@ -375,7 +375,7 @@
         <c:majorTickMark val="out"/>
         <c:minorTickMark val="none"/>
         <c:tickLblPos val="nextTo"/>
-        <c:crossAx val="120333824"/>
+        <c:crossAx val="184696320"/>
         <c:crosses val="autoZero"/>
         <c:crossBetween val="between"/>
       </c:valAx>
@@ -6922,26 +6922,27 @@
                 <a:solidFill>
                   <a:schemeClr val="tx1"/>
                 </a:solidFill>
-                <a:latin typeface="Times New Roman" pitchFamily="18" charset="0"/>
+                <a:latin typeface="+mn-lt"/>
                 <a:cs typeface="Times New Roman" pitchFamily="18" charset="0"/>
               </a:rPr>
               <a:t>Đề tài nhóm: Hệ thống đặt tour online</a:t>
             </a:r>
           </a:p>
           <a:p>
+            <a:pPr algn="l"/>
             <a:r>
               <a:rPr lang="en-US" sz="2000" b="1" smtClean="0">
                 <a:solidFill>
                   <a:schemeClr val="tx1"/>
                 </a:solidFill>
-                <a:latin typeface="Times New Roman" pitchFamily="18" charset="0"/>
+                <a:latin typeface="+mn-lt"/>
                 <a:cs typeface="Times New Roman" pitchFamily="18" charset="0"/>
               </a:rPr>
               <a:t>Thành viên thực hiện :</a:t>
             </a:r>
           </a:p>
           <a:p>
-            <a:pPr marL="342900" indent="-342900">
+            <a:pPr marL="342900" indent="-342900" algn="l">
               <a:buFont typeface="Arial" pitchFamily="34" charset="0"/>
               <a:buChar char="•"/>
             </a:pPr>
@@ -6950,14 +6951,14 @@
                 <a:solidFill>
                   <a:schemeClr val="tx1"/>
                 </a:solidFill>
-                <a:latin typeface="Times New Roman" pitchFamily="18" charset="0"/>
+                <a:latin typeface="+mn-lt"/>
                 <a:cs typeface="Times New Roman" pitchFamily="18" charset="0"/>
               </a:rPr>
               <a:t>Đào Quang Nhật- 17130151-DH17DTB</a:t>
             </a:r>
           </a:p>
           <a:p>
-            <a:pPr marL="342900" indent="-342900">
+            <a:pPr marL="342900" indent="-342900" algn="l">
               <a:buFont typeface="Arial" pitchFamily="34" charset="0"/>
               <a:buChar char="•"/>
             </a:pPr>
@@ -6966,7 +6967,7 @@
                 <a:solidFill>
                   <a:schemeClr val="tx1"/>
                 </a:solidFill>
-                <a:latin typeface="Times New Roman" pitchFamily="18" charset="0"/>
+                <a:latin typeface="+mn-lt"/>
                 <a:cs typeface="Times New Roman" pitchFamily="18" charset="0"/>
               </a:rPr>
               <a:t>Lê Thanh Nghị -17130131-DH17DTA</a:t>
@@ -6981,7 +6982,7 @@
               <a:solidFill>
                 <a:schemeClr val="tx1"/>
               </a:solidFill>
-              <a:latin typeface="Times New Roman" pitchFamily="18" charset="0"/>
+              <a:latin typeface="+mn-lt"/>
               <a:cs typeface="Times New Roman" pitchFamily="18" charset="0"/>
             </a:endParaRPr>
           </a:p>
@@ -8038,7 +8039,7 @@
         </p:nvSpPr>
         <p:spPr>
           <a:xfrm>
-            <a:off x="395536" y="260649"/>
+            <a:off x="421196" y="116632"/>
             <a:ext cx="8229600" cy="619472"/>
           </a:xfrm>
         </p:spPr>
@@ -11598,16 +11599,27 @@
             <p:ph type="title"/>
           </p:nvPr>
         </p:nvSpPr>
-        <p:spPr/>
+        <p:spPr>
+          <a:xfrm>
+            <a:off x="493204" y="188640"/>
+            <a:ext cx="8229600" cy="691480"/>
+          </a:xfrm>
+        </p:spPr>
         <p:txBody>
           <a:bodyPr/>
           <a:lstStyle/>
           <a:p>
             <a:r>
-              <a:rPr lang="en-US" smtClean="0"/>
+              <a:rPr lang="en-US" sz="3000" b="1" smtClean="0">
+                <a:latin typeface="Times New Roman" pitchFamily="18" charset="0"/>
+                <a:cs typeface="Times New Roman" pitchFamily="18" charset="0"/>
+              </a:rPr>
               <a:t>Thiết kế giao diện</a:t>
             </a:r>
-            <a:endParaRPr lang="en-US"/>
+            <a:endParaRPr lang="en-US" sz="3000" b="1">
+              <a:latin typeface="Times New Roman" pitchFamily="18" charset="0"/>
+              <a:cs typeface="Times New Roman" pitchFamily="18" charset="0"/>
+            </a:endParaRPr>
           </a:p>
         </p:txBody>
       </p:sp>
@@ -11636,8 +11648,8 @@
         </p:blipFill>
         <p:spPr bwMode="auto">
           <a:xfrm>
-            <a:off x="457200" y="1833351"/>
-            <a:ext cx="8229600" cy="4059660"/>
+            <a:off x="457200" y="908720"/>
+            <a:ext cx="8229600" cy="5472608"/>
           </a:xfrm>
           <a:prstGeom prst="rect">
             <a:avLst/>
@@ -11656,7 +11668,7 @@
         </p:nvSpPr>
         <p:spPr>
           <a:xfrm>
-            <a:off x="1259632" y="3496816"/>
+            <a:off x="1259632" y="3068960"/>
             <a:ext cx="6696744" cy="523220"/>
           </a:xfrm>
           <a:prstGeom prst="rect">
@@ -11786,14 +11798,67 @@
                             </p:stCondLst>
                             <p:childTnLst>
                               <p:par>
-                                <p:cTn id="10" presetID="16" presetClass="entr" presetSubtype="21" fill="hold" grpId="0" nodeType="clickEffect">
+                                <p:cTn id="10" presetID="14" presetClass="exit" presetSubtype="10" fill="hold" grpId="0" nodeType="clickEffect">
+                                  <p:stCondLst>
+                                    <p:cond delay="0"/>
+                                  </p:stCondLst>
+                                  <p:childTnLst>
+                                    <p:animEffect transition="out" filter="randombar(horizontal)">
+                                      <p:cBhvr>
+                                        <p:cTn id="11" dur="500"/>
+                                        <p:tgtEl>
+                                          <p:spTgt spid="2"/>
+                                        </p:tgtEl>
+                                      </p:cBhvr>
+                                    </p:animEffect>
+                                    <p:set>
+                                      <p:cBhvr>
+                                        <p:cTn id="12" dur="1" fill="hold">
+                                          <p:stCondLst>
+                                            <p:cond delay="499"/>
+                                          </p:stCondLst>
+                                        </p:cTn>
+                                        <p:tgtEl>
+                                          <p:spTgt spid="2"/>
+                                        </p:tgtEl>
+                                        <p:attrNameLst>
+                                          <p:attrName>style.visibility</p:attrName>
+                                        </p:attrNameLst>
+                                      </p:cBhvr>
+                                      <p:to>
+                                        <p:strVal val="hidden"/>
+                                      </p:to>
+                                    </p:set>
+                                  </p:childTnLst>
+                                </p:cTn>
+                              </p:par>
+                            </p:childTnLst>
+                          </p:cTn>
+                        </p:par>
+                      </p:childTnLst>
+                    </p:cTn>
+                  </p:par>
+                  <p:par>
+                    <p:cTn id="13" fill="hold">
+                      <p:stCondLst>
+                        <p:cond delay="indefinite"/>
+                      </p:stCondLst>
+                      <p:childTnLst>
+                        <p:par>
+                          <p:cTn id="14" fill="hold">
+                            <p:stCondLst>
+                              <p:cond delay="0"/>
+                            </p:stCondLst>
+                            <p:childTnLst>
+                              <p:par>
+                                <p:cTn id="15" presetID="6" presetClass="entr" presetSubtype="16" fill="hold" grpId="0" nodeType="clickEffect">
                                   <p:stCondLst>
                                     <p:cond delay="0"/>
                                   </p:stCondLst>
                                   <p:childTnLst>
                                     <p:set>
                                       <p:cBhvr>
-                                        <p:cTn id="11" dur="1" fill="hold">
+                                        <p:cTn id="16" dur="1" fill="hold">
                                           <p:stCondLst>
                                             <p:cond delay="0"/>
                                           </p:stCondLst>
@@ -11809,9 +11874,9 @@
                                         <p:strVal val="visible"/>
                                       </p:to>
                                     </p:set>
-                                    <p:animEffect transition="in" filter="barn(inVertical)">
+                                    <p:animEffect transition="in" filter="circle(in)">
                                       <p:cBhvr>
-                                        <p:cTn id="12" dur="500"/>
+                                        <p:cTn id="17" dur="2000"/>
                                         <p:tgtEl>
                                           <p:spTgt spid="5"/>
                                         </p:tgtEl>
@@ -11848,6 +11913,7 @@
       </p:par>
     </p:tnLst>
     <p:bldLst>
+      <p:bldP spid="2" grpId="0"/>
       <p:bldP spid="5" grpId="0" animBg="1"/>
     </p:bldLst>
   </p:timing>
@@ -12143,7 +12209,8 @@
                 <a:solidFill>
                   <a:schemeClr val="tx1"/>
                 </a:solidFill>
-                <a:latin typeface="+mn-lt"/>
+                <a:latin typeface="Times New Roman" pitchFamily="18" charset="0"/>
+                <a:cs typeface="Times New Roman" pitchFamily="18" charset="0"/>
               </a:rPr>
               <a:t>Vấn đề đặt ra</a:t>
             </a:r>
@@ -12154,7 +12221,8 @@
                 <a:solidFill>
                   <a:schemeClr val="tx1"/>
                 </a:solidFill>
-                <a:latin typeface="+mn-lt"/>
+                <a:latin typeface="Times New Roman" pitchFamily="18" charset="0"/>
+                <a:cs typeface="Times New Roman" pitchFamily="18" charset="0"/>
               </a:rPr>
               <a:t>Những yêu cầu về phần mềm</a:t>
             </a:r>
@@ -12165,7 +12233,8 @@
                 <a:solidFill>
                   <a:schemeClr val="tx1"/>
                 </a:solidFill>
-                <a:latin typeface="+mn-lt"/>
+                <a:latin typeface="Times New Roman" pitchFamily="18" charset="0"/>
+                <a:cs typeface="Times New Roman" pitchFamily="18" charset="0"/>
               </a:rPr>
               <a:t>Kế hoạch hoành thành dự án (grant)</a:t>
             </a:r>
@@ -12176,7 +12245,8 @@
                 <a:solidFill>
                   <a:schemeClr val="tx1"/>
                 </a:solidFill>
-                <a:latin typeface="+mn-lt"/>
+                <a:latin typeface="Times New Roman" pitchFamily="18" charset="0"/>
+                <a:cs typeface="Times New Roman" pitchFamily="18" charset="0"/>
               </a:rPr>
               <a:t>Mô hình hóa yêu cầu (use case, acitivity diagram)</a:t>
             </a:r>
@@ -12187,7 +12257,8 @@
                 <a:solidFill>
                   <a:schemeClr val="tx1"/>
                 </a:solidFill>
-                <a:latin typeface="+mn-lt"/>
+                <a:latin typeface="Times New Roman" pitchFamily="18" charset="0"/>
+                <a:cs typeface="Times New Roman" pitchFamily="18" charset="0"/>
               </a:rPr>
               <a:t>Mô hình khái niệm (domain model)</a:t>
             </a:r>
@@ -12198,7 +12269,8 @@
                 <a:solidFill>
                   <a:schemeClr val="tx1"/>
                 </a:solidFill>
-                <a:latin typeface="+mn-lt"/>
+                <a:latin typeface="Times New Roman" pitchFamily="18" charset="0"/>
+                <a:cs typeface="Times New Roman" pitchFamily="18" charset="0"/>
               </a:rPr>
               <a:t>Biểu đồ trình tự (sequence diagram)</a:t>
             </a:r>
@@ -12209,7 +12281,8 @@
                 <a:solidFill>
                   <a:schemeClr val="tx1"/>
                 </a:solidFill>
-                <a:latin typeface="+mn-lt"/>
+                <a:latin typeface="Times New Roman" pitchFamily="18" charset="0"/>
+                <a:cs typeface="Times New Roman" pitchFamily="18" charset="0"/>
               </a:rPr>
               <a:t>Biểu đồ lớp (class diagram)</a:t>
             </a:r>
@@ -12220,7 +12293,8 @@
                 <a:solidFill>
                   <a:schemeClr val="tx1"/>
                 </a:solidFill>
-                <a:latin typeface="+mn-lt"/>
+                <a:latin typeface="Times New Roman" pitchFamily="18" charset="0"/>
+                <a:cs typeface="Times New Roman" pitchFamily="18" charset="0"/>
               </a:rPr>
               <a:t>Thiết kế database</a:t>
             </a:r>
@@ -12231,7 +12305,8 @@
                 <a:solidFill>
                   <a:schemeClr val="tx1"/>
                 </a:solidFill>
-                <a:latin typeface="+mn-lt"/>
+                <a:latin typeface="Times New Roman" pitchFamily="18" charset="0"/>
+                <a:cs typeface="Times New Roman" pitchFamily="18" charset="0"/>
               </a:rPr>
               <a:t>Thiết kế giao diện</a:t>
             </a:r>
@@ -12242,7 +12317,8 @@
                 <a:solidFill>
                   <a:schemeClr val="tx1"/>
                 </a:solidFill>
-                <a:latin typeface="+mn-lt"/>
+                <a:latin typeface="Times New Roman" pitchFamily="18" charset="0"/>
+                <a:cs typeface="Times New Roman" pitchFamily="18" charset="0"/>
               </a:rPr>
               <a:t>Triển khai</a:t>
             </a:r>
@@ -12250,7 +12326,8 @@
               <a:solidFill>
                 <a:schemeClr val="tx1"/>
               </a:solidFill>
-              <a:latin typeface="+mn-lt"/>
+              <a:latin typeface="Times New Roman" pitchFamily="18" charset="0"/>
+              <a:cs typeface="Times New Roman" pitchFamily="18" charset="0"/>
             </a:endParaRPr>
           </a:p>
           <a:p>
@@ -12258,7 +12335,8 @@
               <a:solidFill>
                 <a:schemeClr val="tx1"/>
               </a:solidFill>
-              <a:latin typeface="+mn-lt"/>
+              <a:latin typeface="Times New Roman" pitchFamily="18" charset="0"/>
+              <a:cs typeface="Times New Roman" pitchFamily="18" charset="0"/>
             </a:endParaRPr>
           </a:p>
         </p:txBody>
@@ -12489,13 +12567,13 @@
           <a:lstStyle/>
           <a:p>
             <a:r>
-              <a:rPr lang="en-US" sz="3000" smtClean="0">
+              <a:rPr lang="en-US" sz="3000" b="1" smtClean="0">
                 <a:latin typeface="Times New Roman" pitchFamily="18" charset="0"/>
                 <a:cs typeface="Times New Roman" pitchFamily="18" charset="0"/>
               </a:rPr>
               <a:t>Chức năng hệ thống</a:t>
             </a:r>
-            <a:endParaRPr lang="en-US" sz="3000">
+            <a:endParaRPr lang="en-US" sz="3000" b="1">
               <a:latin typeface="Times New Roman" pitchFamily="18" charset="0"/>
               <a:cs typeface="Times New Roman" pitchFamily="18" charset="0"/>
             </a:endParaRPr>
@@ -12560,13 +12638,13 @@
           <a:lstStyle/>
           <a:p>
             <a:r>
-              <a:rPr lang="en-US" sz="3000" smtClean="0">
+              <a:rPr lang="en-US" sz="3000" b="1" smtClean="0">
                 <a:latin typeface="Times New Roman" pitchFamily="18" charset="0"/>
                 <a:cs typeface="Times New Roman" pitchFamily="18" charset="0"/>
               </a:rPr>
               <a:t>Biểu đồ Grant</a:t>
             </a:r>
-            <a:endParaRPr lang="en-US" sz="3000">
+            <a:endParaRPr lang="en-US" sz="3000" b="1">
               <a:latin typeface="Times New Roman" pitchFamily="18" charset="0"/>
               <a:cs typeface="Times New Roman" pitchFamily="18" charset="0"/>
             </a:endParaRPr>
@@ -14128,10 +14206,10 @@
           <a:lstStyle/>
           <a:p>
             <a:r>
-              <a:rPr lang="en-US" sz="3000" smtClean="0"/>
+              <a:rPr lang="en-US" sz="3000" b="1" smtClean="0"/>
               <a:t>Class Diagram tổng</a:t>
             </a:r>
-            <a:endParaRPr lang="en-US" sz="3000"/>
+            <a:endParaRPr lang="en-US" sz="3000" b="1"/>
           </a:p>
         </p:txBody>
       </p:sp>

--- a/baocao.pptx
+++ b/baocao.pptx
@@ -13,9 +13,9 @@
     <p:sldId id="257" r:id="rId4"/>
     <p:sldId id="259" r:id="rId5"/>
     <p:sldId id="260" r:id="rId6"/>
-    <p:sldId id="261" r:id="rId7"/>
-    <p:sldId id="266" r:id="rId8"/>
-    <p:sldId id="271" r:id="rId9"/>
+    <p:sldId id="271" r:id="rId7"/>
+    <p:sldId id="261" r:id="rId8"/>
+    <p:sldId id="266" r:id="rId9"/>
     <p:sldId id="267" r:id="rId10"/>
     <p:sldId id="268" r:id="rId11"/>
     <p:sldId id="269" r:id="rId12"/>
@@ -328,11 +328,11 @@
         </c:dLbls>
         <c:gapWidth val="150"/>
         <c:overlap val="100"/>
-        <c:axId val="184696320"/>
-        <c:axId val="177493056"/>
+        <c:axId val="180452352"/>
+        <c:axId val="171914304"/>
       </c:barChart>
       <c:catAx>
-        <c:axId val="184696320"/>
+        <c:axId val="180452352"/>
         <c:scaling>
           <c:orientation val="maxMin"/>
         </c:scaling>
@@ -354,7 +354,7 @@
             <a:endParaRPr lang="en-US"/>
           </a:p>
         </c:txPr>
-        <c:crossAx val="177493056"/>
+        <c:crossAx val="171914304"/>
         <c:crosses val="autoZero"/>
         <c:auto val="1"/>
         <c:lblAlgn val="ctr"/>
@@ -362,7 +362,7 @@
         <c:noMultiLvlLbl val="0"/>
       </c:catAx>
       <c:valAx>
-        <c:axId val="177493056"/>
+        <c:axId val="171914304"/>
         <c:scaling>
           <c:orientation val="minMax"/>
           <c:max val="43822"/>
@@ -375,7 +375,7 @@
         <c:majorTickMark val="out"/>
         <c:minorTickMark val="none"/>
         <c:tickLblPos val="nextTo"/>
-        <c:crossAx val="184696320"/>
+        <c:crossAx val="180452352"/>
         <c:crosses val="autoZero"/>
         <c:crossBetween val="between"/>
       </c:valAx>
@@ -928,10 +928,11 @@
                 <a:ea typeface="+mn-ea"/>
                 <a:cs typeface="+mn-cs"/>
               </a:rPr>
-              <a:t>Đặc tả Use Case “quản lý Tour”</a:t>
-            </a:r>
-          </a:p>
-          <a:p>
+              <a:t>Đặc tả Use Case “Đặt Tour”</a:t>
+            </a:r>
+          </a:p>
+          <a:p>
+            <a:pPr lvl="0"/>
             <a:r>
               <a:rPr lang="en-US" sz="1200" kern="1200" smtClean="0">
                 <a:solidFill>
@@ -942,10 +943,11 @@
                 <a:ea typeface="+mn-ea"/>
                 <a:cs typeface="+mn-cs"/>
               </a:rPr>
-              <a:t>- Tác nhân: người quản lý</a:t>
-            </a:r>
-          </a:p>
-          <a:p>
+              <a:t>Tác nhân: khách hàng.</a:t>
+            </a:r>
+          </a:p>
+          <a:p>
+            <a:pPr lvl="0"/>
             <a:r>
               <a:rPr lang="en-US" sz="1200" kern="1200" smtClean="0">
                 <a:solidFill>
@@ -956,10 +958,11 @@
                 <a:ea typeface="+mn-ea"/>
                 <a:cs typeface="+mn-cs"/>
               </a:rPr>
-              <a:t>- Mô tả khái quát: Các tour được chia ra thành từng danh mục, người quản trị cần quản lý danh mục với các thao tác: Thêm tour, sửa thông tin tour, xóa tour ra khỏi danh mục.</a:t>
-            </a:r>
-          </a:p>
-          <a:p>
+              <a:t>Mô tả khái quát: Ca sử dụng cho phép khách hàng chọn tour.</a:t>
+            </a:r>
+          </a:p>
+          <a:p>
+            <a:pPr lvl="0"/>
             <a:r>
               <a:rPr lang="en-US" sz="1200" kern="1200" smtClean="0">
                 <a:solidFill>
@@ -970,10 +973,11 @@
                 <a:ea typeface="+mn-ea"/>
                 <a:cs typeface="+mn-cs"/>
               </a:rPr>
-              <a:t>- Điều kiện đầu vào: Ca sử dụng bắt đầu khi người quản lý đăng nhập vào hệ thống thành công và chọn quản lý danh mục.</a:t>
-            </a:r>
-          </a:p>
-          <a:p>
+              <a:t>Điều kiện đầu vào: Ca sử dụng bắt đầu khi sản phẩm cần chọn đã hiển thị trên hệ thống.</a:t>
+            </a:r>
+          </a:p>
+          <a:p>
+            <a:pPr lvl="0"/>
             <a:r>
               <a:rPr lang="en-US" sz="1200" kern="1200" smtClean="0">
                 <a:solidFill>
@@ -984,7 +988,7 @@
                 <a:ea typeface="+mn-ea"/>
                 <a:cs typeface="+mn-cs"/>
               </a:rPr>
-              <a:t> </a:t>
+              <a:t>Dòng sự kiện chính:</a:t>
             </a:r>
           </a:p>
           <a:p>
@@ -999,7 +1003,7 @@
                 <a:ea typeface="+mn-ea"/>
                 <a:cs typeface="+mn-cs"/>
               </a:rPr>
-              <a:t>Dòng sự kiện chính :</a:t>
+              <a:t>Khách hàng chọn vào mục tour.</a:t>
             </a:r>
           </a:p>
           <a:p>
@@ -1014,7 +1018,7 @@
                 <a:ea typeface="+mn-ea"/>
                 <a:cs typeface="+mn-cs"/>
               </a:rPr>
-              <a:t>Ca sử dụng bắt đầu khi người quản lý đăng nhập vào hệ thống.</a:t>
+              <a:t>Hệ thống hiển thị các tour có trong đã chọn.</a:t>
             </a:r>
           </a:p>
           <a:p>
@@ -1029,7 +1033,7 @@
                 <a:ea typeface="+mn-ea"/>
                 <a:cs typeface="+mn-cs"/>
               </a:rPr>
-              <a:t>Hệ thống kiểm tra mật khẩu đúng hiển thị danh sách danh mục.</a:t>
+              <a:t>Khách hàng xem thông tin về tour cần đặt.</a:t>
             </a:r>
           </a:p>
           <a:p>
@@ -1044,10 +1048,11 @@
                 <a:ea typeface="+mn-ea"/>
                 <a:cs typeface="+mn-cs"/>
               </a:rPr>
-              <a:t>Hệ thống hiển thị chức năng người dùng có thể: Thêm, sửa, xóa tour + Nếu chọn “Thêm mới” thì sự kiện con “Thêm mới tour” được thực hiện.</a:t>
-            </a:r>
-          </a:p>
-          <a:p>
+              <a:t>Nếu hệ thống hiển thị có tour, khách hàng chọn vào tour cụ thể cần đặt.</a:t>
+            </a:r>
+          </a:p>
+          <a:p>
+            <a:pPr lvl="0"/>
             <a:r>
               <a:rPr lang="en-US" sz="1200" kern="1200" smtClean="0">
                 <a:solidFill>
@@ -1058,10 +1063,11 @@
                 <a:ea typeface="+mn-ea"/>
                 <a:cs typeface="+mn-cs"/>
               </a:rPr>
-              <a:t>+ Nếu chọn “Sửa” thì sự kiện con “Sửa thông tin tour” được thực hiện.</a:t>
-            </a:r>
-          </a:p>
-          <a:p>
+              <a:t>Ca sử dụng kết thúc</a:t>
+            </a:r>
+          </a:p>
+          <a:p>
+            <a:pPr lvl="0"/>
             <a:r>
               <a:rPr lang="en-US" sz="1200" kern="1200" smtClean="0">
                 <a:solidFill>
@@ -1072,10 +1078,11 @@
                 <a:ea typeface="+mn-ea"/>
                 <a:cs typeface="+mn-cs"/>
               </a:rPr>
-              <a:t>+ Nếu chọn “Xóa” thì sự kiện con “Xóa tour” được thực hiện.</a:t>
-            </a:r>
-          </a:p>
-          <a:p>
+              <a:t>Dòng sự kiện phụ:</a:t>
+            </a:r>
+          </a:p>
+          <a:p>
+            <a:pPr lvl="0"/>
             <a:r>
               <a:rPr lang="en-US" sz="1200" kern="1200" smtClean="0">
                 <a:solidFill>
@@ -1086,7 +1093,7 @@
                 <a:ea typeface="+mn-ea"/>
                 <a:cs typeface="+mn-cs"/>
               </a:rPr>
-              <a:t>+ Nếu chọn “Thoát” thì Ca sử dụng sẽ kết thúc.</a:t>
+              <a:t>Khách chọn đặt tour ở mục khác.</a:t>
             </a:r>
           </a:p>
           <a:p>
@@ -1101,292 +1108,7 @@
                 <a:ea typeface="+mn-ea"/>
                 <a:cs typeface="+mn-cs"/>
               </a:rPr>
-              <a:t>Dòng sự kiện con:</a:t>
-            </a:r>
-          </a:p>
-          <a:p>
-            <a:pPr lvl="0"/>
-            <a:r>
-              <a:rPr lang="en-US" sz="1200" kern="1200" smtClean="0">
-                <a:solidFill>
-                  <a:schemeClr val="tx1"/>
-                </a:solidFill>
-                <a:effectLst/>
-                <a:latin typeface="+mn-lt"/>
-                <a:ea typeface="+mn-ea"/>
-                <a:cs typeface="+mn-cs"/>
-              </a:rPr>
-              <a:t>Thêm mới tour trong danh mục:</a:t>
-            </a:r>
-          </a:p>
-          <a:p>
-            <a:pPr lvl="0"/>
-            <a:r>
-              <a:rPr lang="en-US" sz="1200" kern="1200" smtClean="0">
-                <a:solidFill>
-                  <a:schemeClr val="tx1"/>
-                </a:solidFill>
-                <a:effectLst/>
-                <a:latin typeface="+mn-lt"/>
-                <a:ea typeface="+mn-ea"/>
-                <a:cs typeface="+mn-cs"/>
-              </a:rPr>
-              <a:t>Hệ thống hiển thị from nhập thông tin tour.</a:t>
-            </a:r>
-          </a:p>
-          <a:p>
-            <a:pPr lvl="0"/>
-            <a:r>
-              <a:rPr lang="en-US" sz="1200" kern="1200" smtClean="0">
-                <a:solidFill>
-                  <a:schemeClr val="tx1"/>
-                </a:solidFill>
-                <a:effectLst/>
-                <a:latin typeface="+mn-lt"/>
-                <a:ea typeface="+mn-ea"/>
-                <a:cs typeface="+mn-cs"/>
-              </a:rPr>
-              <a:t>Người quản lý nhập thông tin tour.</a:t>
-            </a:r>
-          </a:p>
-          <a:p>
-            <a:pPr lvl="0"/>
-            <a:r>
-              <a:rPr lang="en-US" sz="1200" kern="1200" smtClean="0">
-                <a:solidFill>
-                  <a:schemeClr val="tx1"/>
-                </a:solidFill>
-                <a:effectLst/>
-                <a:latin typeface="+mn-lt"/>
-                <a:ea typeface="+mn-ea"/>
-                <a:cs typeface="+mn-cs"/>
-              </a:rPr>
-              <a:t>Nhấp nút lưu thông tin.</a:t>
-            </a:r>
-          </a:p>
-          <a:p>
-            <a:pPr lvl="0"/>
-            <a:r>
-              <a:rPr lang="en-US" sz="1200" kern="1200" smtClean="0">
-                <a:solidFill>
-                  <a:schemeClr val="tx1"/>
-                </a:solidFill>
-                <a:effectLst/>
-                <a:latin typeface="+mn-lt"/>
-                <a:ea typeface="+mn-ea"/>
-                <a:cs typeface="+mn-cs"/>
-              </a:rPr>
-              <a:t>Nếu nhập thành công thì thực hiện bước tiếp theo. Nếu sai thực hiện dòng sự kiện rẽ nhánh A1.</a:t>
-            </a:r>
-          </a:p>
-          <a:p>
-            <a:pPr lvl="0"/>
-            <a:r>
-              <a:rPr lang="en-US" sz="1200" kern="1200" smtClean="0">
-                <a:solidFill>
-                  <a:schemeClr val="tx1"/>
-                </a:solidFill>
-                <a:effectLst/>
-                <a:latin typeface="+mn-lt"/>
-                <a:ea typeface="+mn-ea"/>
-                <a:cs typeface="+mn-cs"/>
-              </a:rPr>
-              <a:t>Lưu thông tin tour.</a:t>
-            </a:r>
-          </a:p>
-          <a:p>
-            <a:pPr lvl="0"/>
-            <a:r>
-              <a:rPr lang="en-US" sz="1200" b="1" kern="1200" smtClean="0">
-                <a:solidFill>
-                  <a:schemeClr val="tx1"/>
-                </a:solidFill>
-                <a:effectLst/>
-                <a:latin typeface="+mn-lt"/>
-                <a:ea typeface="+mn-ea"/>
-                <a:cs typeface="+mn-cs"/>
-              </a:rPr>
-              <a:t>Biểu đồ Use case “Thêm Tour”</a:t>
-            </a:r>
-          </a:p>
-          <a:p>
-            <a:pPr lvl="0"/>
-            <a:r>
-              <a:rPr lang="en-US" sz="1200" kern="1200" smtClean="0">
-                <a:solidFill>
-                  <a:schemeClr val="tx1"/>
-                </a:solidFill>
-                <a:effectLst/>
-                <a:latin typeface="+mn-lt"/>
-                <a:ea typeface="+mn-ea"/>
-                <a:cs typeface="+mn-cs"/>
-              </a:rPr>
-              <a:t>Sửa thông tin Tour:</a:t>
-            </a:r>
-          </a:p>
-          <a:p>
-            <a:pPr lvl="0"/>
-            <a:r>
-              <a:rPr lang="en-US" sz="1200" kern="1200" smtClean="0">
-                <a:solidFill>
-                  <a:schemeClr val="tx1"/>
-                </a:solidFill>
-                <a:effectLst/>
-                <a:latin typeface="+mn-lt"/>
-                <a:ea typeface="+mn-ea"/>
-                <a:cs typeface="+mn-cs"/>
-              </a:rPr>
-              <a:t>Hệ thống hiển thị from sửa thông tin tour.</a:t>
-            </a:r>
-          </a:p>
-          <a:p>
-            <a:pPr lvl="0"/>
-            <a:r>
-              <a:rPr lang="en-US" sz="1200" kern="1200" smtClean="0">
-                <a:solidFill>
-                  <a:schemeClr val="tx1"/>
-                </a:solidFill>
-                <a:effectLst/>
-                <a:latin typeface="+mn-lt"/>
-                <a:ea typeface="+mn-ea"/>
-                <a:cs typeface="+mn-cs"/>
-              </a:rPr>
-              <a:t>Người quản lý nhập thông tin cần thay đổi.</a:t>
-            </a:r>
-          </a:p>
-          <a:p>
-            <a:pPr lvl="0"/>
-            <a:r>
-              <a:rPr lang="en-US" sz="1200" kern="1200" smtClean="0">
-                <a:solidFill>
-                  <a:schemeClr val="tx1"/>
-                </a:solidFill>
-                <a:effectLst/>
-                <a:latin typeface="+mn-lt"/>
-                <a:ea typeface="+mn-ea"/>
-                <a:cs typeface="+mn-cs"/>
-              </a:rPr>
-              <a:t>Nhấn nút lưu thông tin.</a:t>
-            </a:r>
-          </a:p>
-          <a:p>
-            <a:pPr lvl="0"/>
-            <a:r>
-              <a:rPr lang="en-US" sz="1200" kern="1200" smtClean="0">
-                <a:solidFill>
-                  <a:schemeClr val="tx1"/>
-                </a:solidFill>
-                <a:effectLst/>
-                <a:latin typeface="+mn-lt"/>
-                <a:ea typeface="+mn-ea"/>
-                <a:cs typeface="+mn-cs"/>
-              </a:rPr>
-              <a:t>Nếu việc sửa thành công thì thực hiên bước tiếp theo. Nếu sai thực hiện dòng sự kiện rẽ nhánh A1.</a:t>
-            </a:r>
-          </a:p>
-          <a:p>
-            <a:pPr lvl="0"/>
-            <a:r>
-              <a:rPr lang="en-US" sz="1200" kern="1200" smtClean="0">
-                <a:solidFill>
-                  <a:schemeClr val="tx1"/>
-                </a:solidFill>
-                <a:effectLst/>
-                <a:latin typeface="+mn-lt"/>
-                <a:ea typeface="+mn-ea"/>
-                <a:cs typeface="+mn-cs"/>
-              </a:rPr>
-              <a:t>Lưu thông tin tour.</a:t>
-            </a:r>
-          </a:p>
-          <a:p>
-            <a:pPr lvl="0"/>
-            <a:r>
-              <a:rPr lang="en-US" sz="1200" b="1" kern="1200" smtClean="0">
-                <a:solidFill>
-                  <a:schemeClr val="tx1"/>
-                </a:solidFill>
-                <a:effectLst/>
-                <a:latin typeface="+mn-lt"/>
-                <a:ea typeface="+mn-ea"/>
-                <a:cs typeface="+mn-cs"/>
-              </a:rPr>
-              <a:t>Biểu đồ Use case “Sửa Tour”</a:t>
-            </a:r>
-          </a:p>
-          <a:p>
-            <a:pPr lvl="0"/>
-            <a:r>
-              <a:rPr lang="en-US" sz="1200" kern="1200" smtClean="0">
-                <a:solidFill>
-                  <a:schemeClr val="tx1"/>
-                </a:solidFill>
-                <a:effectLst/>
-                <a:latin typeface="+mn-lt"/>
-                <a:ea typeface="+mn-ea"/>
-                <a:cs typeface="+mn-cs"/>
-              </a:rPr>
-              <a:t>Xóa tour:</a:t>
-            </a:r>
-          </a:p>
-          <a:p>
-            <a:pPr lvl="0"/>
-            <a:r>
-              <a:rPr lang="en-US" sz="1200" kern="1200" smtClean="0">
-                <a:solidFill>
-                  <a:schemeClr val="tx1"/>
-                </a:solidFill>
-                <a:effectLst/>
-                <a:latin typeface="+mn-lt"/>
-                <a:ea typeface="+mn-ea"/>
-                <a:cs typeface="+mn-cs"/>
-              </a:rPr>
-              <a:t>Người quản lý chọn tour cần xóa.</a:t>
-            </a:r>
-          </a:p>
-          <a:p>
-            <a:pPr lvl="0"/>
-            <a:r>
-              <a:rPr lang="en-US" sz="1200" kern="1200" smtClean="0">
-                <a:solidFill>
-                  <a:schemeClr val="tx1"/>
-                </a:solidFill>
-                <a:effectLst/>
-                <a:latin typeface="+mn-lt"/>
-                <a:ea typeface="+mn-ea"/>
-                <a:cs typeface="+mn-cs"/>
-              </a:rPr>
-              <a:t>Nhấn nút xóa để thực hiện loại tour.</a:t>
-            </a:r>
-          </a:p>
-          <a:p>
-            <a:pPr lvl="0"/>
-            <a:r>
-              <a:rPr lang="en-US" sz="1200" kern="1200" smtClean="0">
-                <a:solidFill>
-                  <a:schemeClr val="tx1"/>
-                </a:solidFill>
-                <a:effectLst/>
-                <a:latin typeface="+mn-lt"/>
-                <a:ea typeface="+mn-ea"/>
-                <a:cs typeface="+mn-cs"/>
-              </a:rPr>
-              <a:t>Hệ thống hiển thị thông tin báo xác nhận loại bỏ. Nếu người quản trị đồng ý thì hệ thống thông báo tour đã được xóa. Nếu không đồng ý thì hệ thống hiển thị lại danh sách tour.</a:t>
-            </a:r>
-          </a:p>
-          <a:p>
-            <a:pPr lvl="0"/>
-            <a:r>
-              <a:rPr lang="en-US" sz="1200" kern="1200" smtClean="0">
-                <a:solidFill>
-                  <a:schemeClr val="tx1"/>
-                </a:solidFill>
-                <a:effectLst/>
-                <a:latin typeface="+mn-lt"/>
-                <a:ea typeface="+mn-ea"/>
-                <a:cs typeface="+mn-cs"/>
-              </a:rPr>
-              <a:t>Ca sử dụng kết thúc.</a:t>
+              <a:t>Hệ thống hiển thị có tour đó.</a:t>
             </a:r>
           </a:p>
           <a:p>
@@ -1411,6 +1133,568 @@
           <a:p>
             <a:fld id="{779830E7-2CEB-45E4-A46C-10A5090F7B89}" type="slidenum">
               <a:rPr lang="en-US" smtClean="0"/>
+              <a:t>13</a:t>
+            </a:fld>
+            <a:endParaRPr lang="en-US"/>
+          </a:p>
+        </p:txBody>
+      </p:sp>
+    </p:spTree>
+    <p:extLst>
+      <p:ext uri="{BB962C8B-B14F-4D97-AF65-F5344CB8AC3E}">
+        <p14:creationId xmlns:p14="http://schemas.microsoft.com/office/powerpoint/2010/main" val="3248751063"/>
+      </p:ext>
+    </p:extLst>
+  </p:cSld>
+  <p:clrMapOvr>
+    <a:masterClrMapping/>
+  </p:clrMapOvr>
+</p:notes>
+</file>
+
+<file path=ppt/notesSlides/notesSlide11.xml><?xml version="1.0" encoding="utf-8"?>
+<p:notes xmlns:a="http://schemas.openxmlformats.org/drawingml/2006/main" xmlns:r="http://schemas.openxmlformats.org/officeDocument/2006/relationships" xmlns:p="http://schemas.openxmlformats.org/presentationml/2006/main">
+  <p:cSld>
+    <p:spTree>
+      <p:nvGrpSpPr>
+        <p:cNvPr id="1" name=""/>
+        <p:cNvGrpSpPr/>
+        <p:nvPr/>
+      </p:nvGrpSpPr>
+      <p:grpSpPr>
+        <a:xfrm>
+          <a:off x="0" y="0"/>
+          <a:ext cx="0" cy="0"/>
+          <a:chOff x="0" y="0"/>
+          <a:chExt cx="0" cy="0"/>
+        </a:xfrm>
+      </p:grpSpPr>
+      <p:sp>
+        <p:nvSpPr>
+          <p:cNvPr id="2" name="Slide Image Placeholder 1"/>
+          <p:cNvSpPr>
+            <a:spLocks noGrp="1" noRot="1" noChangeAspect="1"/>
+          </p:cNvSpPr>
+          <p:nvPr>
+            <p:ph type="sldImg"/>
+          </p:nvPr>
+        </p:nvSpPr>
+        <p:spPr>
+          <a:xfrm>
+            <a:off x="1143000" y="685800"/>
+            <a:ext cx="4572000" cy="3429000"/>
+          </a:xfrm>
+        </p:spPr>
+      </p:sp>
+      <p:sp>
+        <p:nvSpPr>
+          <p:cNvPr id="3" name="Notes Placeholder 2"/>
+          <p:cNvSpPr>
+            <a:spLocks noGrp="1"/>
+          </p:cNvSpPr>
+          <p:nvPr>
+            <p:ph type="body" idx="1"/>
+          </p:nvPr>
+        </p:nvSpPr>
+        <p:spPr/>
+        <p:txBody>
+          <a:bodyPr/>
+          <a:lstStyle/>
+          <a:p>
+            <a:pPr lvl="1"/>
+            <a:r>
+              <a:rPr lang="en-US" sz="1200" b="1" kern="1200" smtClean="0">
+                <a:solidFill>
+                  <a:schemeClr val="tx1"/>
+                </a:solidFill>
+                <a:effectLst/>
+                <a:latin typeface="+mn-lt"/>
+                <a:ea typeface="+mn-ea"/>
+                <a:cs typeface="+mn-cs"/>
+              </a:rPr>
+              <a:t>Đặc tả Use Case “quản lý Tour”</a:t>
+            </a:r>
+          </a:p>
+          <a:p>
+            <a:r>
+              <a:rPr lang="en-US" sz="1200" kern="1200" smtClean="0">
+                <a:solidFill>
+                  <a:schemeClr val="tx1"/>
+                </a:solidFill>
+                <a:effectLst/>
+                <a:latin typeface="+mn-lt"/>
+                <a:ea typeface="+mn-ea"/>
+                <a:cs typeface="+mn-cs"/>
+              </a:rPr>
+              <a:t>- Tác nhân: người quản lý</a:t>
+            </a:r>
+          </a:p>
+          <a:p>
+            <a:r>
+              <a:rPr lang="en-US" sz="1200" kern="1200" smtClean="0">
+                <a:solidFill>
+                  <a:schemeClr val="tx1"/>
+                </a:solidFill>
+                <a:effectLst/>
+                <a:latin typeface="+mn-lt"/>
+                <a:ea typeface="+mn-ea"/>
+                <a:cs typeface="+mn-cs"/>
+              </a:rPr>
+              <a:t>- Mô tả khái quát: Các tour được chia ra thành từng danh mục, người quản trị cần quản lý danh mục với các thao tác: Thêm tour, sửa thông tin tour, xóa tour ra khỏi danh mục.</a:t>
+            </a:r>
+          </a:p>
+          <a:p>
+            <a:r>
+              <a:rPr lang="en-US" sz="1200" kern="1200" smtClean="0">
+                <a:solidFill>
+                  <a:schemeClr val="tx1"/>
+                </a:solidFill>
+                <a:effectLst/>
+                <a:latin typeface="+mn-lt"/>
+                <a:ea typeface="+mn-ea"/>
+                <a:cs typeface="+mn-cs"/>
+              </a:rPr>
+              <a:t>- Điều kiện đầu vào: Ca sử dụng bắt đầu khi người quản lý đăng nhập vào hệ thống thành công và chọn quản lý danh mục.</a:t>
+            </a:r>
+          </a:p>
+          <a:p>
+            <a:r>
+              <a:rPr lang="en-US" sz="1200" kern="1200" smtClean="0">
+                <a:solidFill>
+                  <a:schemeClr val="tx1"/>
+                </a:solidFill>
+                <a:effectLst/>
+                <a:latin typeface="+mn-lt"/>
+                <a:ea typeface="+mn-ea"/>
+                <a:cs typeface="+mn-cs"/>
+              </a:rPr>
+              <a:t> </a:t>
+            </a:r>
+          </a:p>
+          <a:p>
+            <a:pPr lvl="0"/>
+            <a:r>
+              <a:rPr lang="en-US" sz="1200" kern="1200" smtClean="0">
+                <a:solidFill>
+                  <a:schemeClr val="tx1"/>
+                </a:solidFill>
+                <a:effectLst/>
+                <a:latin typeface="+mn-lt"/>
+                <a:ea typeface="+mn-ea"/>
+                <a:cs typeface="+mn-cs"/>
+              </a:rPr>
+              <a:t>Dòng sự kiện chính :</a:t>
+            </a:r>
+          </a:p>
+          <a:p>
+            <a:pPr lvl="0"/>
+            <a:r>
+              <a:rPr lang="en-US" sz="1200" kern="1200" smtClean="0">
+                <a:solidFill>
+                  <a:schemeClr val="tx1"/>
+                </a:solidFill>
+                <a:effectLst/>
+                <a:latin typeface="+mn-lt"/>
+                <a:ea typeface="+mn-ea"/>
+                <a:cs typeface="+mn-cs"/>
+              </a:rPr>
+              <a:t>Ca sử dụng bắt đầu khi người quản lý đăng nhập vào hệ thống.</a:t>
+            </a:r>
+          </a:p>
+          <a:p>
+            <a:pPr lvl="0"/>
+            <a:r>
+              <a:rPr lang="en-US" sz="1200" kern="1200" smtClean="0">
+                <a:solidFill>
+                  <a:schemeClr val="tx1"/>
+                </a:solidFill>
+                <a:effectLst/>
+                <a:latin typeface="+mn-lt"/>
+                <a:ea typeface="+mn-ea"/>
+                <a:cs typeface="+mn-cs"/>
+              </a:rPr>
+              <a:t>Hệ thống kiểm tra mật khẩu đúng hiển thị danh sách danh mục.</a:t>
+            </a:r>
+          </a:p>
+          <a:p>
+            <a:pPr lvl="0"/>
+            <a:r>
+              <a:rPr lang="en-US" sz="1200" kern="1200" smtClean="0">
+                <a:solidFill>
+                  <a:schemeClr val="tx1"/>
+                </a:solidFill>
+                <a:effectLst/>
+                <a:latin typeface="+mn-lt"/>
+                <a:ea typeface="+mn-ea"/>
+                <a:cs typeface="+mn-cs"/>
+              </a:rPr>
+              <a:t>Hệ thống hiển thị chức năng người dùng có thể: Thêm, sửa, xóa tour + Nếu chọn “Thêm mới” thì sự kiện con “Thêm mới tour” được thực hiện.</a:t>
+            </a:r>
+          </a:p>
+          <a:p>
+            <a:r>
+              <a:rPr lang="en-US" sz="1200" kern="1200" smtClean="0">
+                <a:solidFill>
+                  <a:schemeClr val="tx1"/>
+                </a:solidFill>
+                <a:effectLst/>
+                <a:latin typeface="+mn-lt"/>
+                <a:ea typeface="+mn-ea"/>
+                <a:cs typeface="+mn-cs"/>
+              </a:rPr>
+              <a:t>+ Nếu chọn “Sửa” thì sự kiện con “Sửa thông tin tour” được thực hiện.</a:t>
+            </a:r>
+          </a:p>
+          <a:p>
+            <a:r>
+              <a:rPr lang="en-US" sz="1200" kern="1200" smtClean="0">
+                <a:solidFill>
+                  <a:schemeClr val="tx1"/>
+                </a:solidFill>
+                <a:effectLst/>
+                <a:latin typeface="+mn-lt"/>
+                <a:ea typeface="+mn-ea"/>
+                <a:cs typeface="+mn-cs"/>
+              </a:rPr>
+              <a:t>+ Nếu chọn “Xóa” thì sự kiện con “Xóa tour” được thực hiện.</a:t>
+            </a:r>
+          </a:p>
+          <a:p>
+            <a:r>
+              <a:rPr lang="en-US" sz="1200" kern="1200" smtClean="0">
+                <a:solidFill>
+                  <a:schemeClr val="tx1"/>
+                </a:solidFill>
+                <a:effectLst/>
+                <a:latin typeface="+mn-lt"/>
+                <a:ea typeface="+mn-ea"/>
+                <a:cs typeface="+mn-cs"/>
+              </a:rPr>
+              <a:t>+ Nếu chọn “Thoát” thì Ca sử dụng sẽ kết thúc.</a:t>
+            </a:r>
+          </a:p>
+          <a:p>
+            <a:pPr lvl="0"/>
+            <a:r>
+              <a:rPr lang="en-US" sz="1200" kern="1200" smtClean="0">
+                <a:solidFill>
+                  <a:schemeClr val="tx1"/>
+                </a:solidFill>
+                <a:effectLst/>
+                <a:latin typeface="+mn-lt"/>
+                <a:ea typeface="+mn-ea"/>
+                <a:cs typeface="+mn-cs"/>
+              </a:rPr>
+              <a:t>Dòng sự kiện con:</a:t>
+            </a:r>
+          </a:p>
+          <a:p>
+            <a:pPr lvl="0"/>
+            <a:r>
+              <a:rPr lang="en-US" sz="1200" kern="1200" smtClean="0">
+                <a:solidFill>
+                  <a:schemeClr val="tx1"/>
+                </a:solidFill>
+                <a:effectLst/>
+                <a:latin typeface="+mn-lt"/>
+                <a:ea typeface="+mn-ea"/>
+                <a:cs typeface="+mn-cs"/>
+              </a:rPr>
+              <a:t>Thêm mới tour trong danh mục:</a:t>
+            </a:r>
+          </a:p>
+          <a:p>
+            <a:pPr lvl="0"/>
+            <a:r>
+              <a:rPr lang="en-US" sz="1200" kern="1200" smtClean="0">
+                <a:solidFill>
+                  <a:schemeClr val="tx1"/>
+                </a:solidFill>
+                <a:effectLst/>
+                <a:latin typeface="+mn-lt"/>
+                <a:ea typeface="+mn-ea"/>
+                <a:cs typeface="+mn-cs"/>
+              </a:rPr>
+              <a:t>Hệ thống hiển thị from nhập thông tin tour.</a:t>
+            </a:r>
+          </a:p>
+          <a:p>
+            <a:pPr lvl="0"/>
+            <a:r>
+              <a:rPr lang="en-US" sz="1200" kern="1200" smtClean="0">
+                <a:solidFill>
+                  <a:schemeClr val="tx1"/>
+                </a:solidFill>
+                <a:effectLst/>
+                <a:latin typeface="+mn-lt"/>
+                <a:ea typeface="+mn-ea"/>
+                <a:cs typeface="+mn-cs"/>
+              </a:rPr>
+              <a:t>Người quản lý nhập thông tin tour.</a:t>
+            </a:r>
+          </a:p>
+          <a:p>
+            <a:pPr lvl="0"/>
+            <a:r>
+              <a:rPr lang="en-US" sz="1200" kern="1200" smtClean="0">
+                <a:solidFill>
+                  <a:schemeClr val="tx1"/>
+                </a:solidFill>
+                <a:effectLst/>
+                <a:latin typeface="+mn-lt"/>
+                <a:ea typeface="+mn-ea"/>
+                <a:cs typeface="+mn-cs"/>
+              </a:rPr>
+              <a:t>Nhấp nút lưu thông tin.</a:t>
+            </a:r>
+          </a:p>
+          <a:p>
+            <a:pPr lvl="0"/>
+            <a:r>
+              <a:rPr lang="en-US" sz="1200" kern="1200" smtClean="0">
+                <a:solidFill>
+                  <a:schemeClr val="tx1"/>
+                </a:solidFill>
+                <a:effectLst/>
+                <a:latin typeface="+mn-lt"/>
+                <a:ea typeface="+mn-ea"/>
+                <a:cs typeface="+mn-cs"/>
+              </a:rPr>
+              <a:t>Nếu nhập thành công thì thực hiện bước tiếp theo. Nếu sai thực hiện dòng sự kiện rẽ nhánh A1.</a:t>
+            </a:r>
+          </a:p>
+          <a:p>
+            <a:pPr lvl="0"/>
+            <a:r>
+              <a:rPr lang="en-US" sz="1200" kern="1200" smtClean="0">
+                <a:solidFill>
+                  <a:schemeClr val="tx1"/>
+                </a:solidFill>
+                <a:effectLst/>
+                <a:latin typeface="+mn-lt"/>
+                <a:ea typeface="+mn-ea"/>
+                <a:cs typeface="+mn-cs"/>
+              </a:rPr>
+              <a:t>Lưu thông tin tour.</a:t>
+            </a:r>
+          </a:p>
+          <a:p>
+            <a:pPr lvl="0"/>
+            <a:r>
+              <a:rPr lang="en-US" sz="1200" b="1" kern="1200" smtClean="0">
+                <a:solidFill>
+                  <a:schemeClr val="tx1"/>
+                </a:solidFill>
+                <a:effectLst/>
+                <a:latin typeface="+mn-lt"/>
+                <a:ea typeface="+mn-ea"/>
+                <a:cs typeface="+mn-cs"/>
+              </a:rPr>
+              <a:t>Biểu đồ Use case “Thêm Tour”</a:t>
+            </a:r>
+          </a:p>
+          <a:p>
+            <a:pPr lvl="0"/>
+            <a:r>
+              <a:rPr lang="en-US" sz="1200" kern="1200" smtClean="0">
+                <a:solidFill>
+                  <a:schemeClr val="tx1"/>
+                </a:solidFill>
+                <a:effectLst/>
+                <a:latin typeface="+mn-lt"/>
+                <a:ea typeface="+mn-ea"/>
+                <a:cs typeface="+mn-cs"/>
+              </a:rPr>
+              <a:t>Sửa thông tin Tour:</a:t>
+            </a:r>
+          </a:p>
+          <a:p>
+            <a:pPr lvl="0"/>
+            <a:r>
+              <a:rPr lang="en-US" sz="1200" kern="1200" smtClean="0">
+                <a:solidFill>
+                  <a:schemeClr val="tx1"/>
+                </a:solidFill>
+                <a:effectLst/>
+                <a:latin typeface="+mn-lt"/>
+                <a:ea typeface="+mn-ea"/>
+                <a:cs typeface="+mn-cs"/>
+              </a:rPr>
+              <a:t>Hệ thống hiển thị from sửa thông tin tour.</a:t>
+            </a:r>
+          </a:p>
+          <a:p>
+            <a:pPr lvl="0"/>
+            <a:r>
+              <a:rPr lang="en-US" sz="1200" kern="1200" smtClean="0">
+                <a:solidFill>
+                  <a:schemeClr val="tx1"/>
+                </a:solidFill>
+                <a:effectLst/>
+                <a:latin typeface="+mn-lt"/>
+                <a:ea typeface="+mn-ea"/>
+                <a:cs typeface="+mn-cs"/>
+              </a:rPr>
+              <a:t>Người quản lý nhập thông tin cần thay đổi.</a:t>
+            </a:r>
+          </a:p>
+          <a:p>
+            <a:pPr lvl="0"/>
+            <a:r>
+              <a:rPr lang="en-US" sz="1200" kern="1200" smtClean="0">
+                <a:solidFill>
+                  <a:schemeClr val="tx1"/>
+                </a:solidFill>
+                <a:effectLst/>
+                <a:latin typeface="+mn-lt"/>
+                <a:ea typeface="+mn-ea"/>
+                <a:cs typeface="+mn-cs"/>
+              </a:rPr>
+              <a:t>Nhấn nút lưu thông tin.</a:t>
+            </a:r>
+          </a:p>
+          <a:p>
+            <a:pPr lvl="0"/>
+            <a:r>
+              <a:rPr lang="en-US" sz="1200" kern="1200" smtClean="0">
+                <a:solidFill>
+                  <a:schemeClr val="tx1"/>
+                </a:solidFill>
+                <a:effectLst/>
+                <a:latin typeface="+mn-lt"/>
+                <a:ea typeface="+mn-ea"/>
+                <a:cs typeface="+mn-cs"/>
+              </a:rPr>
+              <a:t>Nếu việc sửa thành công thì thực hiên bước tiếp theo. Nếu sai thực hiện dòng sự kiện rẽ nhánh A1.</a:t>
+            </a:r>
+          </a:p>
+          <a:p>
+            <a:pPr lvl="0"/>
+            <a:r>
+              <a:rPr lang="en-US" sz="1200" kern="1200" smtClean="0">
+                <a:solidFill>
+                  <a:schemeClr val="tx1"/>
+                </a:solidFill>
+                <a:effectLst/>
+                <a:latin typeface="+mn-lt"/>
+                <a:ea typeface="+mn-ea"/>
+                <a:cs typeface="+mn-cs"/>
+              </a:rPr>
+              <a:t>Lưu thông tin tour.</a:t>
+            </a:r>
+          </a:p>
+          <a:p>
+            <a:pPr lvl="0"/>
+            <a:r>
+              <a:rPr lang="en-US" sz="1200" b="1" kern="1200" smtClean="0">
+                <a:solidFill>
+                  <a:schemeClr val="tx1"/>
+                </a:solidFill>
+                <a:effectLst/>
+                <a:latin typeface="+mn-lt"/>
+                <a:ea typeface="+mn-ea"/>
+                <a:cs typeface="+mn-cs"/>
+              </a:rPr>
+              <a:t>Biểu đồ Use case “Sửa Tour”</a:t>
+            </a:r>
+          </a:p>
+          <a:p>
+            <a:pPr lvl="0"/>
+            <a:r>
+              <a:rPr lang="en-US" sz="1200" kern="1200" smtClean="0">
+                <a:solidFill>
+                  <a:schemeClr val="tx1"/>
+                </a:solidFill>
+                <a:effectLst/>
+                <a:latin typeface="+mn-lt"/>
+                <a:ea typeface="+mn-ea"/>
+                <a:cs typeface="+mn-cs"/>
+              </a:rPr>
+              <a:t>Xóa tour:</a:t>
+            </a:r>
+          </a:p>
+          <a:p>
+            <a:pPr lvl="0"/>
+            <a:r>
+              <a:rPr lang="en-US" sz="1200" kern="1200" smtClean="0">
+                <a:solidFill>
+                  <a:schemeClr val="tx1"/>
+                </a:solidFill>
+                <a:effectLst/>
+                <a:latin typeface="+mn-lt"/>
+                <a:ea typeface="+mn-ea"/>
+                <a:cs typeface="+mn-cs"/>
+              </a:rPr>
+              <a:t>Người quản lý chọn tour cần xóa.</a:t>
+            </a:r>
+          </a:p>
+          <a:p>
+            <a:pPr lvl="0"/>
+            <a:r>
+              <a:rPr lang="en-US" sz="1200" kern="1200" smtClean="0">
+                <a:solidFill>
+                  <a:schemeClr val="tx1"/>
+                </a:solidFill>
+                <a:effectLst/>
+                <a:latin typeface="+mn-lt"/>
+                <a:ea typeface="+mn-ea"/>
+                <a:cs typeface="+mn-cs"/>
+              </a:rPr>
+              <a:t>Nhấn nút xóa để thực hiện loại tour.</a:t>
+            </a:r>
+          </a:p>
+          <a:p>
+            <a:pPr lvl="0"/>
+            <a:r>
+              <a:rPr lang="en-US" sz="1200" kern="1200" smtClean="0">
+                <a:solidFill>
+                  <a:schemeClr val="tx1"/>
+                </a:solidFill>
+                <a:effectLst/>
+                <a:latin typeface="+mn-lt"/>
+                <a:ea typeface="+mn-ea"/>
+                <a:cs typeface="+mn-cs"/>
+              </a:rPr>
+              <a:t>Hệ thống hiển thị thông tin báo xác nhận loại bỏ. Nếu người quản trị đồng ý thì hệ thống thông báo tour đã được xóa. Nếu không đồng ý thì hệ thống hiển thị lại danh sách tour.</a:t>
+            </a:r>
+          </a:p>
+          <a:p>
+            <a:pPr lvl="0"/>
+            <a:r>
+              <a:rPr lang="en-US" sz="1200" kern="1200" smtClean="0">
+                <a:solidFill>
+                  <a:schemeClr val="tx1"/>
+                </a:solidFill>
+                <a:effectLst/>
+                <a:latin typeface="+mn-lt"/>
+                <a:ea typeface="+mn-ea"/>
+                <a:cs typeface="+mn-cs"/>
+              </a:rPr>
+              <a:t>Ca sử dụng kết thúc.</a:t>
+            </a:r>
+          </a:p>
+          <a:p>
+            <a:endParaRPr lang="en-US"/>
+          </a:p>
+        </p:txBody>
+      </p:sp>
+      <p:sp>
+        <p:nvSpPr>
+          <p:cNvPr id="4" name="Slide Number Placeholder 3"/>
+          <p:cNvSpPr>
+            <a:spLocks noGrp="1"/>
+          </p:cNvSpPr>
+          <p:nvPr>
+            <p:ph type="sldNum" sz="quarter" idx="10"/>
+          </p:nvPr>
+        </p:nvSpPr>
+        <p:spPr/>
+        <p:txBody>
+          <a:bodyPr/>
+          <a:lstStyle/>
+          <a:p>
+            <a:fld id="{779830E7-2CEB-45E4-A46C-10A5090F7B89}" type="slidenum">
+              <a:rPr lang="en-US" smtClean="0"/>
               <a:t>14</a:t>
             </a:fld>
             <a:endParaRPr lang="en-US"/>
@@ -1430,7 +1714,7 @@
 </p:notes>
 </file>
 
-<file path=ppt/notesSlides/notesSlide11.xml><?xml version="1.0" encoding="utf-8"?>
+<file path=ppt/notesSlides/notesSlide12.xml><?xml version="1.0" encoding="utf-8"?>
 <p:notes xmlns:a="http://schemas.openxmlformats.org/drawingml/2006/main" xmlns:r="http://schemas.openxmlformats.org/officeDocument/2006/relationships" xmlns:p="http://schemas.openxmlformats.org/presentationml/2006/main">
   <p:cSld>
     <p:spTree>
@@ -2366,12 +2650,7 @@
             <p:ph type="sldImg"/>
           </p:nvPr>
         </p:nvSpPr>
-        <p:spPr>
-          <a:xfrm>
-            <a:off x="1143000" y="685800"/>
-            <a:ext cx="4572000" cy="3429000"/>
-          </a:xfrm>
-        </p:spPr>
+        <p:spPr/>
       </p:sp>
       <p:sp>
         <p:nvSpPr>
@@ -2387,6 +2666,119 @@
         <p:txBody>
           <a:bodyPr/>
           <a:lstStyle/>
+          <a:p>
+            <a:pPr eaLnBrk="1" hangingPunct="1"/>
+            <a:r>
+              <a:rPr lang="en-US" altLang="vi-VN" smtClean="0"/>
+              <a:t>Quan hệ</a:t>
+            </a:r>
+            <a:r>
+              <a:rPr lang="en-US" altLang="vi-VN" baseline="0" smtClean="0"/>
+              <a:t> include</a:t>
+            </a:r>
+            <a:endParaRPr lang="en-US" altLang="vi-VN" smtClean="0"/>
+          </a:p>
+          <a:p>
+            <a:pPr eaLnBrk="1" hangingPunct="1"/>
+            <a:r>
+              <a:rPr lang="en-US" altLang="vi-VN" smtClean="0"/>
+              <a:t>Một use case </a:t>
+            </a:r>
+            <a:r>
+              <a:rPr lang="en-US" altLang="vi-VN" u="sng" smtClean="0">
+                <a:solidFill>
+                  <a:srgbClr val="3333FF"/>
+                </a:solidFill>
+              </a:rPr>
+              <a:t>luôn luôn bao gồm</a:t>
+            </a:r>
+            <a:r>
+              <a:rPr lang="en-US" altLang="vi-VN" smtClean="0"/>
+              <a:t> </a:t>
+            </a:r>
+            <a:r>
+              <a:rPr lang="en-US" altLang="vi-VN" i="1" smtClean="0"/>
+              <a:t>dãy các ứng xử của một use case khác</a:t>
+            </a:r>
+          </a:p>
+          <a:p>
+            <a:pPr eaLnBrk="1" hangingPunct="1"/>
+            <a:r>
+              <a:rPr lang="en-US" altLang="vi-VN" smtClean="0"/>
+              <a:t>Được dùng để tách một dãy các ứng xử giống nhau mà được dùng bởi nhiều use case</a:t>
+            </a:r>
+          </a:p>
+          <a:p>
+            <a:pPr eaLnBrk="1" hangingPunct="1"/>
+            <a:r>
+              <a:rPr lang="en-US" altLang="vi-VN" smtClean="0"/>
+              <a:t>Quan hệ</a:t>
+            </a:r>
+            <a:r>
+              <a:rPr lang="en-US" altLang="vi-VN" baseline="0" smtClean="0"/>
+              <a:t> Extend</a:t>
+            </a:r>
+          </a:p>
+          <a:p>
+            <a:pPr eaLnBrk="1" hangingPunct="1"/>
+            <a:r>
+              <a:rPr lang="en-US" altLang="vi-VN" smtClean="0"/>
+              <a:t>Một use case cung cấp </a:t>
+            </a:r>
+            <a:r>
+              <a:rPr lang="en-US" altLang="vi-VN" u="sng" smtClean="0">
+                <a:solidFill>
+                  <a:srgbClr val="3333FF"/>
+                </a:solidFill>
+              </a:rPr>
+              <a:t>thêm chức năng (ứng xử) có điều kiện</a:t>
+            </a:r>
+            <a:r>
+              <a:rPr lang="en-US" altLang="vi-VN" smtClean="0"/>
+              <a:t> </a:t>
+            </a:r>
+            <a:r>
+              <a:rPr lang="en-US" altLang="vi-VN" i="1" smtClean="0"/>
+              <a:t>cho một use case khác </a:t>
+            </a:r>
+          </a:p>
+          <a:p>
+            <a:pPr lvl="1" eaLnBrk="1" hangingPunct="1"/>
+            <a:r>
+              <a:rPr lang="en-US" altLang="vi-VN" smtClean="0"/>
+              <a:t>Biểu diễn ứng xử tùy chọn, nhiều công việc khác nhau được thực hiện phụ thuộc vào việc chọn lựa của actor.</a:t>
+            </a:r>
+          </a:p>
+          <a:p>
+            <a:pPr lvl="1" eaLnBrk="1" hangingPunct="1"/>
+            <a:r>
+              <a:rPr lang="en-US" altLang="vi-VN" smtClean="0"/>
+              <a:t>Chỉ được kích hoạt khi thỏa </a:t>
+            </a:r>
+            <a:r>
+              <a:rPr lang="en-US" altLang="vi-VN" u="sng" smtClean="0">
+                <a:solidFill>
+                  <a:srgbClr val="3333FF"/>
+                </a:solidFill>
+              </a:rPr>
+              <a:t>một điều kiện nào đó</a:t>
+            </a:r>
+            <a:r>
+              <a:rPr lang="en-US" altLang="vi-VN" smtClean="0"/>
+              <a:t>.</a:t>
+            </a:r>
+          </a:p>
+          <a:p>
+            <a:pPr lvl="1" eaLnBrk="1" hangingPunct="1"/>
+            <a:r>
+              <a:rPr lang="en-US" altLang="vi-VN" smtClean="0"/>
+              <a:t>Điểm mở rộng (extension points) trình bày điều kiện khi nào việc mở rộng xảy ra.</a:t>
+            </a:r>
+          </a:p>
+          <a:p>
+            <a:pPr eaLnBrk="1" hangingPunct="1"/>
+            <a:endParaRPr lang="en-US" altLang="vi-VN" smtClean="0"/>
+          </a:p>
           <a:p>
             <a:endParaRPr lang="en-US"/>
           </a:p>
@@ -2409,7 +2801,7 @@
           <a:p>
             <a:fld id="{779830E7-2CEB-45E4-A46C-10A5090F7B89}" type="slidenum">
               <a:rPr lang="en-US" smtClean="0"/>
-              <a:t>7</a:t>
+              <a:t>6</a:t>
             </a:fld>
             <a:endParaRPr lang="en-US"/>
           </a:p>
@@ -2418,7 +2810,7 @@
     </p:spTree>
     <p:extLst>
       <p:ext uri="{BB962C8B-B14F-4D97-AF65-F5344CB8AC3E}">
-        <p14:creationId xmlns:p14="http://schemas.microsoft.com/office/powerpoint/2010/main" val="3159996418"/>
+        <p14:creationId xmlns:p14="http://schemas.microsoft.com/office/powerpoint/2010/main" val="2380400530"/>
       </p:ext>
     </p:extLst>
   </p:cSld>
@@ -2455,7 +2847,12 @@
             <p:ph type="sldImg"/>
           </p:nvPr>
         </p:nvSpPr>
-        <p:spPr/>
+        <p:spPr>
+          <a:xfrm>
+            <a:off x="1143000" y="685800"/>
+            <a:ext cx="4572000" cy="3429000"/>
+          </a:xfrm>
+        </p:spPr>
       </p:sp>
       <p:sp>
         <p:nvSpPr>
@@ -2471,189 +2868,6 @@
         <p:txBody>
           <a:bodyPr/>
           <a:lstStyle/>
-          <a:p>
-            <a:pPr lvl="1"/>
-            <a:r>
-              <a:rPr lang="en-US" sz="1200" b="1" kern="1200" smtClean="0">
-                <a:solidFill>
-                  <a:schemeClr val="tx1"/>
-                </a:solidFill>
-                <a:effectLst/>
-                <a:latin typeface="+mn-lt"/>
-                <a:ea typeface="+mn-ea"/>
-                <a:cs typeface="+mn-cs"/>
-              </a:rPr>
-              <a:t>Đặc tả Use Case “Đăng nhập”</a:t>
-            </a:r>
-          </a:p>
-          <a:p>
-            <a:r>
-              <a:rPr lang="en-US" sz="1200" kern="1200" smtClean="0">
-                <a:solidFill>
-                  <a:schemeClr val="tx1"/>
-                </a:solidFill>
-                <a:effectLst/>
-                <a:latin typeface="+mn-lt"/>
-                <a:ea typeface="+mn-ea"/>
-                <a:cs typeface="+mn-cs"/>
-              </a:rPr>
-              <a:t>-	Tác nhân: Admin, Khách hàng thành viên.</a:t>
-            </a:r>
-          </a:p>
-          <a:p>
-            <a:r>
-              <a:rPr lang="en-US" sz="1200" kern="1200" smtClean="0">
-                <a:solidFill>
-                  <a:schemeClr val="tx1"/>
-                </a:solidFill>
-                <a:effectLst/>
-                <a:latin typeface="+mn-lt"/>
-                <a:ea typeface="+mn-ea"/>
-                <a:cs typeface="+mn-cs"/>
-              </a:rPr>
-              <a:t>-	Mô tả khái quát:</a:t>
-            </a:r>
-          </a:p>
-          <a:p>
-            <a:r>
-              <a:rPr lang="en-US" sz="1200" kern="1200" smtClean="0">
-                <a:solidFill>
-                  <a:schemeClr val="tx1"/>
-                </a:solidFill>
-                <a:effectLst/>
-                <a:latin typeface="+mn-lt"/>
-                <a:ea typeface="+mn-ea"/>
-                <a:cs typeface="+mn-cs"/>
-              </a:rPr>
-              <a:t>+ Admin truy cập vào trang quản trị để quản lý hệ thống của mình.</a:t>
-            </a:r>
-          </a:p>
-          <a:p>
-            <a:r>
-              <a:rPr lang="en-US" sz="1200" kern="1200" smtClean="0">
-                <a:solidFill>
-                  <a:schemeClr val="tx1"/>
-                </a:solidFill>
-                <a:effectLst/>
-                <a:latin typeface="+mn-lt"/>
-                <a:ea typeface="+mn-ea"/>
-                <a:cs typeface="+mn-cs"/>
-              </a:rPr>
-              <a:t>+ Khách hàng thành viên đăng nhập vào hệ thống.</a:t>
-            </a:r>
-          </a:p>
-          <a:p>
-            <a:r>
-              <a:rPr lang="en-US" sz="1200" kern="1200" smtClean="0">
-                <a:solidFill>
-                  <a:schemeClr val="tx1"/>
-                </a:solidFill>
-                <a:effectLst/>
-                <a:latin typeface="+mn-lt"/>
-                <a:ea typeface="+mn-ea"/>
-                <a:cs typeface="+mn-cs"/>
-              </a:rPr>
-              <a:t>Điều kiện đầu vào: Ca sử dụng bắt đầu khi người dùng muốn đăng nhập vào hệ thống.</a:t>
-            </a:r>
-          </a:p>
-          <a:p>
-            <a:r>
-              <a:rPr lang="en-US" sz="1200" kern="1200" smtClean="0">
-                <a:solidFill>
-                  <a:schemeClr val="tx1"/>
-                </a:solidFill>
-                <a:effectLst/>
-                <a:latin typeface="+mn-lt"/>
-                <a:ea typeface="+mn-ea"/>
-                <a:cs typeface="+mn-cs"/>
-              </a:rPr>
-              <a:t>-	Dòng sự kiện chính:</a:t>
-            </a:r>
-          </a:p>
-          <a:p>
-            <a:r>
-              <a:rPr lang="en-US" sz="1200" kern="1200" smtClean="0">
-                <a:solidFill>
-                  <a:schemeClr val="tx1"/>
-                </a:solidFill>
-                <a:effectLst/>
-                <a:latin typeface="+mn-lt"/>
-                <a:ea typeface="+mn-ea"/>
-                <a:cs typeface="+mn-cs"/>
-              </a:rPr>
-              <a:t>+ Hệ thống yêu cầu nhập tên đăng nhập và mật khẩu.</a:t>
-            </a:r>
-          </a:p>
-          <a:p>
-            <a:r>
-              <a:rPr lang="en-US" sz="1200" kern="1200" smtClean="0">
-                <a:solidFill>
-                  <a:schemeClr val="tx1"/>
-                </a:solidFill>
-                <a:effectLst/>
-                <a:latin typeface="+mn-lt"/>
-                <a:ea typeface="+mn-ea"/>
-                <a:cs typeface="+mn-cs"/>
-              </a:rPr>
-              <a:t>+ Người dùng nhập tên đăng nhập và mật khẩu.</a:t>
-            </a:r>
-          </a:p>
-          <a:p>
-            <a:r>
-              <a:rPr lang="en-US" sz="1200" kern="1200" smtClean="0">
-                <a:solidFill>
-                  <a:schemeClr val="tx1"/>
-                </a:solidFill>
-                <a:effectLst/>
-                <a:latin typeface="+mn-lt"/>
-                <a:ea typeface="+mn-ea"/>
-                <a:cs typeface="+mn-cs"/>
-              </a:rPr>
-              <a:t>+ Hệ thống kiểm tra tên và mật khẩu vừa nhập, nếu đúng sẽ cho phép vào hệ thống.</a:t>
-            </a:r>
-          </a:p>
-          <a:p>
-            <a:r>
-              <a:rPr lang="en-US" sz="1200" kern="1200" smtClean="0">
-                <a:solidFill>
-                  <a:schemeClr val="tx1"/>
-                </a:solidFill>
-                <a:effectLst/>
-                <a:latin typeface="+mn-lt"/>
-                <a:ea typeface="+mn-ea"/>
-                <a:cs typeface="+mn-cs"/>
-              </a:rPr>
-              <a:t>-	Dòng sự kiện phụ:</a:t>
-            </a:r>
-          </a:p>
-          <a:p>
-            <a:r>
-              <a:rPr lang="en-US" sz="1200" kern="1200" smtClean="0">
-                <a:solidFill>
-                  <a:schemeClr val="tx1"/>
-                </a:solidFill>
-                <a:effectLst/>
-                <a:latin typeface="+mn-lt"/>
-                <a:ea typeface="+mn-ea"/>
-                <a:cs typeface="+mn-cs"/>
-              </a:rPr>
-              <a:t>+ Nếu trong kịch bản chính tên hoặc mật khẩu bị sai thì hệ thống báo lỗi.</a:t>
-            </a:r>
-          </a:p>
-          <a:p>
-            <a:r>
-              <a:rPr lang="en-US" sz="1200" kern="1200" smtClean="0">
-                <a:solidFill>
-                  <a:schemeClr val="tx1"/>
-                </a:solidFill>
-                <a:effectLst/>
-                <a:latin typeface="+mn-lt"/>
-                <a:ea typeface="+mn-ea"/>
-                <a:cs typeface="+mn-cs"/>
-              </a:rPr>
-              <a:t>+ Người dùng có thể nhập lại hoặc hủy bỏ việc đăng nhập khi đó ca sử dụng sẽ kết thúc.</a:t>
-            </a:r>
-          </a:p>
           <a:p>
             <a:endParaRPr lang="en-US"/>
           </a:p>
@@ -2676,7 +2890,7 @@
           <a:p>
             <a:fld id="{779830E7-2CEB-45E4-A46C-10A5090F7B89}" type="slidenum">
               <a:rPr lang="en-US" smtClean="0"/>
-              <a:t>9</a:t>
+              <a:t>8</a:t>
             </a:fld>
             <a:endParaRPr lang="en-US"/>
           </a:p>
@@ -2685,7 +2899,7 @@
     </p:spTree>
     <p:extLst>
       <p:ext uri="{BB962C8B-B14F-4D97-AF65-F5344CB8AC3E}">
-        <p14:creationId xmlns:p14="http://schemas.microsoft.com/office/powerpoint/2010/main" val="3768976908"/>
+        <p14:creationId xmlns:p14="http://schemas.microsoft.com/office/powerpoint/2010/main" val="3159996418"/>
       </p:ext>
     </p:extLst>
   </p:cSld>
@@ -2739,6 +2953,189 @@
           <a:bodyPr/>
           <a:lstStyle/>
           <a:p>
+            <a:pPr lvl="1"/>
+            <a:r>
+              <a:rPr lang="en-US" sz="1200" b="1" kern="1200" smtClean="0">
+                <a:solidFill>
+                  <a:schemeClr val="tx1"/>
+                </a:solidFill>
+                <a:effectLst/>
+                <a:latin typeface="+mn-lt"/>
+                <a:ea typeface="+mn-ea"/>
+                <a:cs typeface="+mn-cs"/>
+              </a:rPr>
+              <a:t>Đặc tả Use Case “Đăng nhập”</a:t>
+            </a:r>
+          </a:p>
+          <a:p>
+            <a:r>
+              <a:rPr lang="en-US" sz="1200" kern="1200" smtClean="0">
+                <a:solidFill>
+                  <a:schemeClr val="tx1"/>
+                </a:solidFill>
+                <a:effectLst/>
+                <a:latin typeface="+mn-lt"/>
+                <a:ea typeface="+mn-ea"/>
+                <a:cs typeface="+mn-cs"/>
+              </a:rPr>
+              <a:t>-	Tác nhân: Admin, Khách hàng thành viên.</a:t>
+            </a:r>
+          </a:p>
+          <a:p>
+            <a:r>
+              <a:rPr lang="en-US" sz="1200" kern="1200" smtClean="0">
+                <a:solidFill>
+                  <a:schemeClr val="tx1"/>
+                </a:solidFill>
+                <a:effectLst/>
+                <a:latin typeface="+mn-lt"/>
+                <a:ea typeface="+mn-ea"/>
+                <a:cs typeface="+mn-cs"/>
+              </a:rPr>
+              <a:t>-	Mô tả khái quát:</a:t>
+            </a:r>
+          </a:p>
+          <a:p>
+            <a:r>
+              <a:rPr lang="en-US" sz="1200" kern="1200" smtClean="0">
+                <a:solidFill>
+                  <a:schemeClr val="tx1"/>
+                </a:solidFill>
+                <a:effectLst/>
+                <a:latin typeface="+mn-lt"/>
+                <a:ea typeface="+mn-ea"/>
+                <a:cs typeface="+mn-cs"/>
+              </a:rPr>
+              <a:t>+ Admin truy cập vào trang quản trị để quản lý hệ thống của mình.</a:t>
+            </a:r>
+          </a:p>
+          <a:p>
+            <a:r>
+              <a:rPr lang="en-US" sz="1200" kern="1200" smtClean="0">
+                <a:solidFill>
+                  <a:schemeClr val="tx1"/>
+                </a:solidFill>
+                <a:effectLst/>
+                <a:latin typeface="+mn-lt"/>
+                <a:ea typeface="+mn-ea"/>
+                <a:cs typeface="+mn-cs"/>
+              </a:rPr>
+              <a:t>+ Khách hàng thành viên đăng nhập vào hệ thống.</a:t>
+            </a:r>
+          </a:p>
+          <a:p>
+            <a:r>
+              <a:rPr lang="en-US" sz="1200" kern="1200" smtClean="0">
+                <a:solidFill>
+                  <a:schemeClr val="tx1"/>
+                </a:solidFill>
+                <a:effectLst/>
+                <a:latin typeface="+mn-lt"/>
+                <a:ea typeface="+mn-ea"/>
+                <a:cs typeface="+mn-cs"/>
+              </a:rPr>
+              <a:t>Điều kiện đầu vào: Ca sử dụng bắt đầu khi người dùng muốn đăng nhập vào hệ thống.</a:t>
+            </a:r>
+          </a:p>
+          <a:p>
+            <a:r>
+              <a:rPr lang="en-US" sz="1200" kern="1200" smtClean="0">
+                <a:solidFill>
+                  <a:schemeClr val="tx1"/>
+                </a:solidFill>
+                <a:effectLst/>
+                <a:latin typeface="+mn-lt"/>
+                <a:ea typeface="+mn-ea"/>
+                <a:cs typeface="+mn-cs"/>
+              </a:rPr>
+              <a:t>-	Dòng sự kiện chính:</a:t>
+            </a:r>
+          </a:p>
+          <a:p>
+            <a:r>
+              <a:rPr lang="en-US" sz="1200" kern="1200" smtClean="0">
+                <a:solidFill>
+                  <a:schemeClr val="tx1"/>
+                </a:solidFill>
+                <a:effectLst/>
+                <a:latin typeface="+mn-lt"/>
+                <a:ea typeface="+mn-ea"/>
+                <a:cs typeface="+mn-cs"/>
+              </a:rPr>
+              <a:t>+ Hệ thống yêu cầu nhập tên đăng nhập và mật khẩu.</a:t>
+            </a:r>
+          </a:p>
+          <a:p>
+            <a:r>
+              <a:rPr lang="en-US" sz="1200" kern="1200" smtClean="0">
+                <a:solidFill>
+                  <a:schemeClr val="tx1"/>
+                </a:solidFill>
+                <a:effectLst/>
+                <a:latin typeface="+mn-lt"/>
+                <a:ea typeface="+mn-ea"/>
+                <a:cs typeface="+mn-cs"/>
+              </a:rPr>
+              <a:t>+ Người dùng nhập tên đăng nhập và mật khẩu.</a:t>
+            </a:r>
+          </a:p>
+          <a:p>
+            <a:r>
+              <a:rPr lang="en-US" sz="1200" kern="1200" smtClean="0">
+                <a:solidFill>
+                  <a:schemeClr val="tx1"/>
+                </a:solidFill>
+                <a:effectLst/>
+                <a:latin typeface="+mn-lt"/>
+                <a:ea typeface="+mn-ea"/>
+                <a:cs typeface="+mn-cs"/>
+              </a:rPr>
+              <a:t>+ Hệ thống kiểm tra tên và mật khẩu vừa nhập, nếu đúng sẽ cho phép vào hệ thống.</a:t>
+            </a:r>
+          </a:p>
+          <a:p>
+            <a:r>
+              <a:rPr lang="en-US" sz="1200" kern="1200" smtClean="0">
+                <a:solidFill>
+                  <a:schemeClr val="tx1"/>
+                </a:solidFill>
+                <a:effectLst/>
+                <a:latin typeface="+mn-lt"/>
+                <a:ea typeface="+mn-ea"/>
+                <a:cs typeface="+mn-cs"/>
+              </a:rPr>
+              <a:t>-	Dòng sự kiện phụ:</a:t>
+            </a:r>
+          </a:p>
+          <a:p>
+            <a:r>
+              <a:rPr lang="en-US" sz="1200" kern="1200" smtClean="0">
+                <a:solidFill>
+                  <a:schemeClr val="tx1"/>
+                </a:solidFill>
+                <a:effectLst/>
+                <a:latin typeface="+mn-lt"/>
+                <a:ea typeface="+mn-ea"/>
+                <a:cs typeface="+mn-cs"/>
+              </a:rPr>
+              <a:t>+ Nếu trong kịch bản chính tên hoặc mật khẩu bị sai thì hệ thống báo lỗi.</a:t>
+            </a:r>
+          </a:p>
+          <a:p>
+            <a:r>
+              <a:rPr lang="en-US" sz="1200" kern="1200" smtClean="0">
+                <a:solidFill>
+                  <a:schemeClr val="tx1"/>
+                </a:solidFill>
+                <a:effectLst/>
+                <a:latin typeface="+mn-lt"/>
+                <a:ea typeface="+mn-ea"/>
+                <a:cs typeface="+mn-cs"/>
+              </a:rPr>
+              <a:t>+ Người dùng có thể nhập lại hoặc hủy bỏ việc đăng nhập khi đó ca sử dụng sẽ kết thúc.</a:t>
+            </a:r>
+          </a:p>
+          <a:p>
             <a:endParaRPr lang="en-US"/>
           </a:p>
         </p:txBody>
@@ -2760,7 +3157,7 @@
           <a:p>
             <a:fld id="{779830E7-2CEB-45E4-A46C-10A5090F7B89}" type="slidenum">
               <a:rPr lang="en-US" smtClean="0"/>
-              <a:t>10</a:t>
+              <a:t>9</a:t>
             </a:fld>
             <a:endParaRPr lang="en-US"/>
           </a:p>
@@ -2769,7 +3166,7 @@
     </p:spTree>
     <p:extLst>
       <p:ext uri="{BB962C8B-B14F-4D97-AF65-F5344CB8AC3E}">
-        <p14:creationId xmlns:p14="http://schemas.microsoft.com/office/powerpoint/2010/main" val="1566593338"/>
+        <p14:creationId xmlns:p14="http://schemas.microsoft.com/office/powerpoint/2010/main" val="3768976908"/>
       </p:ext>
     </p:extLst>
   </p:cSld>
@@ -2823,243 +3220,6 @@
           <a:bodyPr/>
           <a:lstStyle/>
           <a:p>
-            <a:pPr lvl="1"/>
-            <a:r>
-              <a:rPr lang="en-US" sz="1200" b="1" kern="1200" smtClean="0">
-                <a:solidFill>
-                  <a:schemeClr val="tx1"/>
-                </a:solidFill>
-                <a:effectLst/>
-                <a:latin typeface="+mn-lt"/>
-                <a:ea typeface="+mn-ea"/>
-                <a:cs typeface="+mn-cs"/>
-              </a:rPr>
-              <a:t>Đặc tả Use Case “Cập nhật thông tin”</a:t>
-            </a:r>
-          </a:p>
-          <a:p>
-            <a:pPr lvl="0"/>
-            <a:r>
-              <a:rPr lang="en-US" sz="1200" kern="1200" smtClean="0">
-                <a:solidFill>
-                  <a:schemeClr val="tx1"/>
-                </a:solidFill>
-                <a:effectLst/>
-                <a:latin typeface="+mn-lt"/>
-                <a:ea typeface="+mn-ea"/>
-                <a:cs typeface="+mn-cs"/>
-              </a:rPr>
-              <a:t>Tác nhân: Khách hàng.</a:t>
-            </a:r>
-          </a:p>
-          <a:p>
-            <a:pPr lvl="0"/>
-            <a:r>
-              <a:rPr lang="en-US" sz="1200" kern="1200" smtClean="0">
-                <a:solidFill>
-                  <a:schemeClr val="tx1"/>
-                </a:solidFill>
-                <a:effectLst/>
-                <a:latin typeface="+mn-lt"/>
-                <a:ea typeface="+mn-ea"/>
-                <a:cs typeface="+mn-cs"/>
-              </a:rPr>
-              <a:t>Mô tả khái quát: cho phép khách chỉnh sửa thông tin thành viên của hệ thống.</a:t>
-            </a:r>
-          </a:p>
-          <a:p>
-            <a:pPr lvl="0"/>
-            <a:r>
-              <a:rPr lang="en-US" sz="1200" kern="1200" smtClean="0">
-                <a:solidFill>
-                  <a:schemeClr val="tx1"/>
-                </a:solidFill>
-                <a:effectLst/>
-                <a:latin typeface="+mn-lt"/>
-                <a:ea typeface="+mn-ea"/>
-                <a:cs typeface="+mn-cs"/>
-              </a:rPr>
-              <a:t>Điều kiện đầu vào: Ca sử dụng bắt đầu khi khách hàng truy cập vào hệ thống và chọn cập nhật thông tin.</a:t>
-            </a:r>
-          </a:p>
-          <a:p>
-            <a:pPr lvl="0"/>
-            <a:r>
-              <a:rPr lang="en-US" sz="1200" kern="1200" smtClean="0">
-                <a:solidFill>
-                  <a:schemeClr val="tx1"/>
-                </a:solidFill>
-                <a:effectLst/>
-                <a:latin typeface="+mn-lt"/>
-                <a:ea typeface="+mn-ea"/>
-                <a:cs typeface="+mn-cs"/>
-              </a:rPr>
-              <a:t>Dòng sự kiện chính:</a:t>
-            </a:r>
-          </a:p>
-          <a:p>
-            <a:pPr lvl="0"/>
-            <a:r>
-              <a:rPr lang="en-US" sz="1200" kern="1200" smtClean="0">
-                <a:solidFill>
-                  <a:schemeClr val="tx1"/>
-                </a:solidFill>
-                <a:effectLst/>
-                <a:latin typeface="+mn-lt"/>
-                <a:ea typeface="+mn-ea"/>
-                <a:cs typeface="+mn-cs"/>
-              </a:rPr>
-              <a:t>Khách hàng chọn cập nhật thông tin.</a:t>
-            </a:r>
-          </a:p>
-          <a:p>
-            <a:pPr lvl="0"/>
-            <a:r>
-              <a:rPr lang="en-US" sz="1200" kern="1200" smtClean="0">
-                <a:solidFill>
-                  <a:schemeClr val="tx1"/>
-                </a:solidFill>
-                <a:effectLst/>
-                <a:latin typeface="+mn-lt"/>
-                <a:ea typeface="+mn-ea"/>
-                <a:cs typeface="+mn-cs"/>
-              </a:rPr>
-              <a:t>Form cập nhật thông tin hiển thị.</a:t>
-            </a:r>
-          </a:p>
-          <a:p>
-            <a:pPr lvl="0"/>
-            <a:r>
-              <a:rPr lang="en-US" sz="1200" kern="1200" smtClean="0">
-                <a:solidFill>
-                  <a:schemeClr val="tx1"/>
-                </a:solidFill>
-                <a:effectLst/>
-                <a:latin typeface="+mn-lt"/>
-                <a:ea typeface="+mn-ea"/>
-                <a:cs typeface="+mn-cs"/>
-              </a:rPr>
-              <a:t>Khách hàng nhập thông tin cá nhân cần thiết vào form cập nhật thông tin.</a:t>
-            </a:r>
-          </a:p>
-          <a:p>
-            <a:pPr lvl="0"/>
-            <a:r>
-              <a:rPr lang="en-US" sz="1200" kern="1200" smtClean="0">
-                <a:solidFill>
-                  <a:schemeClr val="tx1"/>
-                </a:solidFill>
-                <a:effectLst/>
-                <a:latin typeface="+mn-lt"/>
-                <a:ea typeface="+mn-ea"/>
-                <a:cs typeface="+mn-cs"/>
-              </a:rPr>
-              <a:t>Nhấn nút cập nhật thông tin.</a:t>
-            </a:r>
-          </a:p>
-          <a:p>
-            <a:pPr lvl="0"/>
-            <a:r>
-              <a:rPr lang="en-US" sz="1200" kern="1200" smtClean="0">
-                <a:solidFill>
-                  <a:schemeClr val="tx1"/>
-                </a:solidFill>
-                <a:effectLst/>
-                <a:latin typeface="+mn-lt"/>
-                <a:ea typeface="+mn-ea"/>
-                <a:cs typeface="+mn-cs"/>
-              </a:rPr>
-              <a:t>Hệ thống thống báo kết quả quá trình nhập thông tin cá nhân. Nếu thông tin nhập chính xác thì hệ thống cập nhật thông tin khách hàng vào danh sách khách hàng thành viên.</a:t>
-            </a:r>
-          </a:p>
-          <a:p>
-            <a:pPr lvl="0"/>
-            <a:r>
-              <a:rPr lang="en-US" sz="1200" kern="1200" smtClean="0">
-                <a:solidFill>
-                  <a:schemeClr val="tx1"/>
-                </a:solidFill>
-                <a:effectLst/>
-                <a:latin typeface="+mn-lt"/>
-                <a:ea typeface="+mn-ea"/>
-                <a:cs typeface="+mn-cs"/>
-              </a:rPr>
-              <a:t>Ca sử dụng kết thúc khi khách hàng chọn “Thoát”.</a:t>
-            </a:r>
-          </a:p>
-          <a:p>
-            <a:pPr lvl="0"/>
-            <a:r>
-              <a:rPr lang="en-US" sz="1200" kern="1200" smtClean="0">
-                <a:solidFill>
-                  <a:schemeClr val="tx1"/>
-                </a:solidFill>
-                <a:effectLst/>
-                <a:latin typeface="+mn-lt"/>
-                <a:ea typeface="+mn-ea"/>
-                <a:cs typeface="+mn-cs"/>
-              </a:rPr>
-              <a:t>Dòng sự kiện phụ:</a:t>
-            </a:r>
-          </a:p>
-          <a:p>
-            <a:pPr lvl="0"/>
-            <a:r>
-              <a:rPr lang="en-US" sz="1200" kern="1200" smtClean="0">
-                <a:solidFill>
-                  <a:schemeClr val="tx1"/>
-                </a:solidFill>
-                <a:effectLst/>
-                <a:latin typeface="+mn-lt"/>
-                <a:ea typeface="+mn-ea"/>
-                <a:cs typeface="+mn-cs"/>
-              </a:rPr>
-              <a:t>Quá trình nhập thông tin không chính xác.</a:t>
-            </a:r>
-          </a:p>
-          <a:p>
-            <a:r>
-              <a:rPr lang="en-US" sz="1200" kern="1200" smtClean="0">
-                <a:solidFill>
-                  <a:schemeClr val="tx1"/>
-                </a:solidFill>
-                <a:effectLst/>
-                <a:latin typeface="+mn-lt"/>
-                <a:ea typeface="+mn-ea"/>
-                <a:cs typeface="+mn-cs"/>
-              </a:rPr>
-              <a:t>+ Hệ thống thông báo nhập thông tin không chính xác.</a:t>
-            </a:r>
-          </a:p>
-          <a:p>
-            <a:r>
-              <a:rPr lang="en-US" sz="1200" kern="1200" smtClean="0">
-                <a:solidFill>
-                  <a:schemeClr val="tx1"/>
-                </a:solidFill>
-                <a:effectLst/>
-                <a:latin typeface="+mn-lt"/>
-                <a:ea typeface="+mn-ea"/>
-                <a:cs typeface="+mn-cs"/>
-              </a:rPr>
-              <a:t>+ Hệ thống yêu cầu khách hàng xem lại thông tin.</a:t>
-            </a:r>
-          </a:p>
-          <a:p>
-            <a:r>
-              <a:rPr lang="en-US" sz="1200" kern="1200" smtClean="0">
-                <a:solidFill>
-                  <a:schemeClr val="tx1"/>
-                </a:solidFill>
-                <a:effectLst/>
-                <a:latin typeface="+mn-lt"/>
-                <a:ea typeface="+mn-ea"/>
-                <a:cs typeface="+mn-cs"/>
-              </a:rPr>
-              <a:t>+ Khách hàng đồng ý thì nhập lại thông tin, nếu không đồng ý thì ca sử dụng kết thúc.</a:t>
-            </a:r>
-          </a:p>
-          <a:p>
             <a:endParaRPr lang="en-US"/>
           </a:p>
         </p:txBody>
@@ -3081,7 +3241,7 @@
           <a:p>
             <a:fld id="{779830E7-2CEB-45E4-A46C-10A5090F7B89}" type="slidenum">
               <a:rPr lang="en-US" smtClean="0"/>
-              <a:t>11</a:t>
+              <a:t>10</a:t>
             </a:fld>
             <a:endParaRPr lang="en-US"/>
           </a:p>
@@ -3090,7 +3250,7 @@
     </p:spTree>
     <p:extLst>
       <p:ext uri="{BB962C8B-B14F-4D97-AF65-F5344CB8AC3E}">
-        <p14:creationId xmlns:p14="http://schemas.microsoft.com/office/powerpoint/2010/main" val="2319338406"/>
+        <p14:creationId xmlns:p14="http://schemas.microsoft.com/office/powerpoint/2010/main" val="1566593338"/>
       </p:ext>
     </p:extLst>
   </p:cSld>
@@ -3127,12 +3287,7 @@
             <p:ph type="sldImg"/>
           </p:nvPr>
         </p:nvSpPr>
-        <p:spPr>
-          <a:xfrm>
-            <a:off x="1143000" y="685800"/>
-            <a:ext cx="4572000" cy="3429000"/>
-          </a:xfrm>
-        </p:spPr>
+        <p:spPr/>
       </p:sp>
       <p:sp>
         <p:nvSpPr>
@@ -3160,7 +3315,7 @@
                 <a:ea typeface="+mn-ea"/>
                 <a:cs typeface="+mn-cs"/>
               </a:rPr>
-              <a:t>Đặc tả Use Case “Tìm kiếm”</a:t>
+              <a:t>Đặc tả Use Case “Cập nhật thông tin”</a:t>
             </a:r>
           </a:p>
           <a:p>
@@ -3175,7 +3330,7 @@
                 <a:ea typeface="+mn-ea"/>
                 <a:cs typeface="+mn-cs"/>
               </a:rPr>
-              <a:t>Tác nhân: Khách hàng, Admin.</a:t>
+              <a:t>Tác nhân: Khách hàng.</a:t>
             </a:r>
           </a:p>
           <a:p>
@@ -3190,7 +3345,7 @@
                 <a:ea typeface="+mn-ea"/>
                 <a:cs typeface="+mn-cs"/>
               </a:rPr>
-              <a:t>Mô tả khái quát: Thông tin cần tìm kiếm được hiển thị.</a:t>
+              <a:t>Mô tả khái quát: cho phép khách chỉnh sửa thông tin thành viên của hệ thống.</a:t>
             </a:r>
           </a:p>
           <a:p>
@@ -3205,7 +3360,7 @@
                 <a:ea typeface="+mn-ea"/>
                 <a:cs typeface="+mn-cs"/>
               </a:rPr>
-              <a:t>Điều kiện đầu vào: Người dùng truy cập vào hệ thống website nhập thông tin cần tìm kiếm, hệ thống sẽ tự động thực hiện yêu cầu tìm kiếm.</a:t>
+              <a:t>Điều kiện đầu vào: Ca sử dụng bắt đầu khi khách hàng truy cập vào hệ thống và chọn cập nhật thông tin.</a:t>
             </a:r>
           </a:p>
           <a:p>
@@ -3224,6 +3379,7 @@
             </a:r>
           </a:p>
           <a:p>
+            <a:pPr lvl="0"/>
             <a:r>
               <a:rPr lang="en-US" sz="1200" kern="1200" smtClean="0">
                 <a:solidFill>
@@ -3234,10 +3390,11 @@
                 <a:ea typeface="+mn-ea"/>
                 <a:cs typeface="+mn-cs"/>
               </a:rPr>
-              <a:t>- Ca sử dụng bắt đầu khi người dùng truy cập vào website của hệ thống và chọn tìm kiếm. Sau đó người dùng điền từ khóa và hệ thống sẽ kiểm tra nếu từ khóa hợp lệ:</a:t>
-            </a:r>
-          </a:p>
-          <a:p>
+              <a:t>Khách hàng chọn cập nhật thông tin.</a:t>
+            </a:r>
+          </a:p>
+          <a:p>
+            <a:pPr lvl="0"/>
             <a:r>
               <a:rPr lang="en-US" sz="1200" kern="1200" smtClean="0">
                 <a:solidFill>
@@ -3248,10 +3405,11 @@
                 <a:ea typeface="+mn-ea"/>
                 <a:cs typeface="+mn-cs"/>
               </a:rPr>
-              <a:t>+ Hệ thống bắt đầu hiển thị thông tin sản phẩm hoặc thông tin bài viết được tìm thấy.</a:t>
-            </a:r>
-          </a:p>
-          <a:p>
+              <a:t>Form cập nhật thông tin hiển thị.</a:t>
+            </a:r>
+          </a:p>
+          <a:p>
+            <a:pPr lvl="0"/>
             <a:r>
               <a:rPr lang="en-US" sz="1200" kern="1200" smtClean="0">
                 <a:solidFill>
@@ -3262,7 +3420,7 @@
                 <a:ea typeface="+mn-ea"/>
                 <a:cs typeface="+mn-cs"/>
               </a:rPr>
-              <a:t>+ Người dùng có thể chọn xem thông tin hoặc chọn “Thoát” khi đó ca sử dụng kết thúc.</a:t>
+              <a:t>Khách hàng nhập thông tin cá nhân cần thiết vào form cập nhật thông tin.</a:t>
             </a:r>
           </a:p>
           <a:p>
@@ -3277,7 +3435,7 @@
                 <a:ea typeface="+mn-ea"/>
                 <a:cs typeface="+mn-cs"/>
               </a:rPr>
-              <a:t>Dòng sự kiện phụ:</a:t>
+              <a:t>Nhấn nút cập nhật thông tin.</a:t>
             </a:r>
           </a:p>
           <a:p>
@@ -3292,10 +3450,11 @@
                 <a:ea typeface="+mn-ea"/>
                 <a:cs typeface="+mn-cs"/>
               </a:rPr>
-              <a:t>Từ khóa không hợp lệ:</a:t>
-            </a:r>
-          </a:p>
-          <a:p>
+              <a:t>Hệ thống thống báo kết quả quá trình nhập thông tin cá nhân. Nếu thông tin nhập chính xác thì hệ thống cập nhật thông tin khách hàng vào danh sách khách hàng thành viên.</a:t>
+            </a:r>
+          </a:p>
+          <a:p>
+            <a:pPr lvl="0"/>
             <a:r>
               <a:rPr lang="en-US" sz="1200" kern="1200" smtClean="0">
                 <a:solidFill>
@@ -3306,7 +3465,79 @@
                 <a:ea typeface="+mn-ea"/>
                 <a:cs typeface="+mn-cs"/>
               </a:rPr>
-              <a:t>+ Người dùng có thể điền lại từ khóa hoặc hủy bỏ tìm kiếm, khi đó ca sử dụng kết thúc.</a:t>
+              <a:t>Ca sử dụng kết thúc khi khách hàng chọn “Thoát”.</a:t>
+            </a:r>
+          </a:p>
+          <a:p>
+            <a:pPr lvl="0"/>
+            <a:r>
+              <a:rPr lang="en-US" sz="1200" kern="1200" smtClean="0">
+                <a:solidFill>
+                  <a:schemeClr val="tx1"/>
+                </a:solidFill>
+                <a:effectLst/>
+                <a:latin typeface="+mn-lt"/>
+                <a:ea typeface="+mn-ea"/>
+                <a:cs typeface="+mn-cs"/>
+              </a:rPr>
+              <a:t>Dòng sự kiện phụ:</a:t>
+            </a:r>
+          </a:p>
+          <a:p>
+            <a:pPr lvl="0"/>
+            <a:r>
+              <a:rPr lang="en-US" sz="1200" kern="1200" smtClean="0">
+                <a:solidFill>
+                  <a:schemeClr val="tx1"/>
+                </a:solidFill>
+                <a:effectLst/>
+                <a:latin typeface="+mn-lt"/>
+                <a:ea typeface="+mn-ea"/>
+                <a:cs typeface="+mn-cs"/>
+              </a:rPr>
+              <a:t>Quá trình nhập thông tin không chính xác.</a:t>
+            </a:r>
+          </a:p>
+          <a:p>
+            <a:r>
+              <a:rPr lang="en-US" sz="1200" kern="1200" smtClean="0">
+                <a:solidFill>
+                  <a:schemeClr val="tx1"/>
+                </a:solidFill>
+                <a:effectLst/>
+                <a:latin typeface="+mn-lt"/>
+                <a:ea typeface="+mn-ea"/>
+                <a:cs typeface="+mn-cs"/>
+              </a:rPr>
+              <a:t>+ Hệ thống thông báo nhập thông tin không chính xác.</a:t>
+            </a:r>
+          </a:p>
+          <a:p>
+            <a:r>
+              <a:rPr lang="en-US" sz="1200" kern="1200" smtClean="0">
+                <a:solidFill>
+                  <a:schemeClr val="tx1"/>
+                </a:solidFill>
+                <a:effectLst/>
+                <a:latin typeface="+mn-lt"/>
+                <a:ea typeface="+mn-ea"/>
+                <a:cs typeface="+mn-cs"/>
+              </a:rPr>
+              <a:t>+ Hệ thống yêu cầu khách hàng xem lại thông tin.</a:t>
+            </a:r>
+          </a:p>
+          <a:p>
+            <a:r>
+              <a:rPr lang="en-US" sz="1200" kern="1200" smtClean="0">
+                <a:solidFill>
+                  <a:schemeClr val="tx1"/>
+                </a:solidFill>
+                <a:effectLst/>
+                <a:latin typeface="+mn-lt"/>
+                <a:ea typeface="+mn-ea"/>
+                <a:cs typeface="+mn-cs"/>
+              </a:rPr>
+              <a:t>+ Khách hàng đồng ý thì nhập lại thông tin, nếu không đồng ý thì ca sử dụng kết thúc.</a:t>
             </a:r>
           </a:p>
           <a:p>
@@ -3331,7 +3562,7 @@
           <a:p>
             <a:fld id="{779830E7-2CEB-45E4-A46C-10A5090F7B89}" type="slidenum">
               <a:rPr lang="en-US" smtClean="0"/>
-              <a:t>12</a:t>
+              <a:t>11</a:t>
             </a:fld>
             <a:endParaRPr lang="en-US"/>
           </a:p>
@@ -3340,7 +3571,7 @@
     </p:spTree>
     <p:extLst>
       <p:ext uri="{BB962C8B-B14F-4D97-AF65-F5344CB8AC3E}">
-        <p14:creationId xmlns:p14="http://schemas.microsoft.com/office/powerpoint/2010/main" val="347563953"/>
+        <p14:creationId xmlns:p14="http://schemas.microsoft.com/office/powerpoint/2010/main" val="2319338406"/>
       </p:ext>
     </p:extLst>
   </p:cSld>
@@ -3410,7 +3641,7 @@
                 <a:ea typeface="+mn-ea"/>
                 <a:cs typeface="+mn-cs"/>
               </a:rPr>
-              <a:t>Đặc tả Use Case “Đặt Tour”</a:t>
+              <a:t>Đặc tả Use Case “Tìm kiếm”</a:t>
             </a:r>
           </a:p>
           <a:p>
@@ -3425,7 +3656,7 @@
                 <a:ea typeface="+mn-ea"/>
                 <a:cs typeface="+mn-cs"/>
               </a:rPr>
-              <a:t>Tác nhân: khách hàng.</a:t>
+              <a:t>Tác nhân: Khách hàng, Admin.</a:t>
             </a:r>
           </a:p>
           <a:p>
@@ -3440,7 +3671,7 @@
                 <a:ea typeface="+mn-ea"/>
                 <a:cs typeface="+mn-cs"/>
               </a:rPr>
-              <a:t>Mô tả khái quát: Ca sử dụng cho phép khách hàng chọn tour.</a:t>
+              <a:t>Mô tả khái quát: Thông tin cần tìm kiếm được hiển thị.</a:t>
             </a:r>
           </a:p>
           <a:p>
@@ -3455,7 +3686,7 @@
                 <a:ea typeface="+mn-ea"/>
                 <a:cs typeface="+mn-cs"/>
               </a:rPr>
-              <a:t>Điều kiện đầu vào: Ca sử dụng bắt đầu khi sản phẩm cần chọn đã hiển thị trên hệ thống.</a:t>
+              <a:t>Điều kiện đầu vào: Người dùng truy cập vào hệ thống website nhập thông tin cần tìm kiếm, hệ thống sẽ tự động thực hiện yêu cầu tìm kiếm.</a:t>
             </a:r>
           </a:p>
           <a:p>
@@ -3474,7 +3705,6 @@
             </a:r>
           </a:p>
           <a:p>
-            <a:pPr lvl="0"/>
             <a:r>
               <a:rPr lang="en-US" sz="1200" kern="1200" smtClean="0">
                 <a:solidFill>
@@ -3485,11 +3715,10 @@
                 <a:ea typeface="+mn-ea"/>
                 <a:cs typeface="+mn-cs"/>
               </a:rPr>
-              <a:t>Khách hàng chọn vào mục tour.</a:t>
-            </a:r>
-          </a:p>
-          <a:p>
-            <a:pPr lvl="0"/>
+              <a:t>- Ca sử dụng bắt đầu khi người dùng truy cập vào website của hệ thống và chọn tìm kiếm. Sau đó người dùng điền từ khóa và hệ thống sẽ kiểm tra nếu từ khóa hợp lệ:</a:t>
+            </a:r>
+          </a:p>
+          <a:p>
             <a:r>
               <a:rPr lang="en-US" sz="1200" kern="1200" smtClean="0">
                 <a:solidFill>
@@ -3500,11 +3729,10 @@
                 <a:ea typeface="+mn-ea"/>
                 <a:cs typeface="+mn-cs"/>
               </a:rPr>
-              <a:t>Hệ thống hiển thị các tour có trong đã chọn.</a:t>
-            </a:r>
-          </a:p>
-          <a:p>
-            <a:pPr lvl="0"/>
+              <a:t>+ Hệ thống bắt đầu hiển thị thông tin sản phẩm hoặc thông tin bài viết được tìm thấy.</a:t>
+            </a:r>
+          </a:p>
+          <a:p>
             <a:r>
               <a:rPr lang="en-US" sz="1200" kern="1200" smtClean="0">
                 <a:solidFill>
@@ -3515,7 +3743,7 @@
                 <a:ea typeface="+mn-ea"/>
                 <a:cs typeface="+mn-cs"/>
               </a:rPr>
-              <a:t>Khách hàng xem thông tin về tour cần đặt.</a:t>
+              <a:t>+ Người dùng có thể chọn xem thông tin hoặc chọn “Thoát” khi đó ca sử dụng kết thúc.</a:t>
             </a:r>
           </a:p>
           <a:p>
@@ -3530,7 +3758,7 @@
                 <a:ea typeface="+mn-ea"/>
                 <a:cs typeface="+mn-cs"/>
               </a:rPr>
-              <a:t>Nếu hệ thống hiển thị có tour, khách hàng chọn vào tour cụ thể cần đặt.</a:t>
+              <a:t>Dòng sự kiện phụ:</a:t>
             </a:r>
           </a:p>
           <a:p>
@@ -3545,11 +3773,10 @@
                 <a:ea typeface="+mn-ea"/>
                 <a:cs typeface="+mn-cs"/>
               </a:rPr>
-              <a:t>Ca sử dụng kết thúc</a:t>
-            </a:r>
-          </a:p>
-          <a:p>
-            <a:pPr lvl="0"/>
+              <a:t>Từ khóa không hợp lệ:</a:t>
+            </a:r>
+          </a:p>
+          <a:p>
             <a:r>
               <a:rPr lang="en-US" sz="1200" kern="1200" smtClean="0">
                 <a:solidFill>
@@ -3560,37 +3787,7 @@
                 <a:ea typeface="+mn-ea"/>
                 <a:cs typeface="+mn-cs"/>
               </a:rPr>
-              <a:t>Dòng sự kiện phụ:</a:t>
-            </a:r>
-          </a:p>
-          <a:p>
-            <a:pPr lvl="0"/>
-            <a:r>
-              <a:rPr lang="en-US" sz="1200" kern="1200" smtClean="0">
-                <a:solidFill>
-                  <a:schemeClr val="tx1"/>
-                </a:solidFill>
-                <a:effectLst/>
-                <a:latin typeface="+mn-lt"/>
-                <a:ea typeface="+mn-ea"/>
-                <a:cs typeface="+mn-cs"/>
-              </a:rPr>
-              <a:t>Khách chọn đặt tour ở mục khác.</a:t>
-            </a:r>
-          </a:p>
-          <a:p>
-            <a:pPr lvl="0"/>
-            <a:r>
-              <a:rPr lang="en-US" sz="1200" kern="1200" smtClean="0">
-                <a:solidFill>
-                  <a:schemeClr val="tx1"/>
-                </a:solidFill>
-                <a:effectLst/>
-                <a:latin typeface="+mn-lt"/>
-                <a:ea typeface="+mn-ea"/>
-                <a:cs typeface="+mn-cs"/>
-              </a:rPr>
-              <a:t>Hệ thống hiển thị có tour đó.</a:t>
+              <a:t>+ Người dùng có thể điền lại từ khóa hoặc hủy bỏ tìm kiếm, khi đó ca sử dụng kết thúc.</a:t>
             </a:r>
           </a:p>
           <a:p>
@@ -3615,7 +3812,7 @@
           <a:p>
             <a:fld id="{779830E7-2CEB-45E4-A46C-10A5090F7B89}" type="slidenum">
               <a:rPr lang="en-US" smtClean="0"/>
-              <a:t>13</a:t>
+              <a:t>12</a:t>
             </a:fld>
             <a:endParaRPr lang="en-US"/>
           </a:p>
@@ -3624,7 +3821,7 @@
     </p:spTree>
     <p:extLst>
       <p:ext uri="{BB962C8B-B14F-4D97-AF65-F5344CB8AC3E}">
-        <p14:creationId xmlns:p14="http://schemas.microsoft.com/office/powerpoint/2010/main" val="3248751063"/>
+        <p14:creationId xmlns:p14="http://schemas.microsoft.com/office/powerpoint/2010/main" val="347563953"/>
       </p:ext>
     </p:extLst>
   </p:cSld>
@@ -14197,8 +14394,8 @@
         </p:nvSpPr>
         <p:spPr>
           <a:xfrm>
-            <a:off x="395536" y="116632"/>
-            <a:ext cx="8229600" cy="547464"/>
+            <a:off x="402917" y="116632"/>
+            <a:ext cx="8229600" cy="619472"/>
           </a:xfrm>
         </p:spPr>
         <p:txBody>
@@ -14206,10 +14403,16 @@
           <a:lstStyle/>
           <a:p>
             <a:r>
-              <a:rPr lang="en-US" sz="3000" b="1" smtClean="0"/>
-              <a:t>Class Diagram tổng</a:t>
-            </a:r>
-            <a:endParaRPr lang="en-US" sz="3000" b="1"/>
+              <a:rPr lang="en-US" sz="3000" b="1" smtClean="0">
+                <a:latin typeface="Times New Roman" pitchFamily="18" charset="0"/>
+                <a:cs typeface="Times New Roman" pitchFamily="18" charset="0"/>
+              </a:rPr>
+              <a:t>Usecase chính</a:t>
+            </a:r>
+            <a:endParaRPr lang="en-US" sz="3000" b="1">
+              <a:latin typeface="Times New Roman" pitchFamily="18" charset="0"/>
+              <a:cs typeface="Times New Roman" pitchFamily="18" charset="0"/>
+            </a:endParaRPr>
           </a:p>
         </p:txBody>
       </p:sp>
@@ -14241,7 +14444,7 @@
           <p:nvPr/>
         </p:nvPicPr>
         <p:blipFill>
-          <a:blip r:embed="rId2">
+          <a:blip r:embed="rId3">
             <a:extLst>
               <a:ext uri="{28A0092B-C50C-407E-A947-70E740481C1C}">
                 <a14:useLocalDpi xmlns:a14="http://schemas.microsoft.com/office/drawing/2010/main" val="0"/>
@@ -14255,8 +14458,8 @@
         </p:blipFill>
         <p:spPr bwMode="auto">
           <a:xfrm>
-            <a:off x="4544" y="836712"/>
-            <a:ext cx="9139456" cy="5760640"/>
+            <a:off x="419100" y="980728"/>
+            <a:ext cx="8305800" cy="5400600"/>
           </a:xfrm>
           <a:prstGeom prst="rect">
             <a:avLst/>
@@ -14299,7 +14502,7 @@
     </p:spTree>
     <p:extLst>
       <p:ext uri="{BB962C8B-B14F-4D97-AF65-F5344CB8AC3E}">
-        <p14:creationId xmlns:p14="http://schemas.microsoft.com/office/powerpoint/2010/main" val="592771144"/>
+        <p14:creationId xmlns:p14="http://schemas.microsoft.com/office/powerpoint/2010/main" val="2772734857"/>
       </p:ext>
     </p:extLst>
   </p:cSld>
@@ -14345,8 +14548,8 @@
         </p:nvSpPr>
         <p:spPr>
           <a:xfrm>
-            <a:off x="452160" y="260648"/>
-            <a:ext cx="8229600" cy="763488"/>
+            <a:off x="395536" y="116632"/>
+            <a:ext cx="8229600" cy="547464"/>
           </a:xfrm>
         </p:spPr>
         <p:txBody>
@@ -14354,16 +14557,10 @@
           <a:lstStyle/>
           <a:p>
             <a:r>
-              <a:rPr lang="en-US" sz="3000" b="1" smtClean="0">
-                <a:latin typeface="Times New Roman" pitchFamily="18" charset="0"/>
-                <a:cs typeface="Times New Roman" pitchFamily="18" charset="0"/>
-              </a:rPr>
-              <a:t>Database tổng</a:t>
-            </a:r>
-            <a:endParaRPr lang="en-US" sz="3000" b="1">
-              <a:latin typeface="Times New Roman" pitchFamily="18" charset="0"/>
-              <a:cs typeface="Times New Roman" pitchFamily="18" charset="0"/>
-            </a:endParaRPr>
+              <a:rPr lang="en-US" sz="3000" b="1" smtClean="0"/>
+              <a:t>Class Diagram tổng</a:t>
+            </a:r>
+            <a:endParaRPr lang="en-US" sz="3000" b="1"/>
           </a:p>
         </p:txBody>
       </p:sp>
@@ -14388,14 +14585,14 @@
       </p:sp>
       <p:pic>
         <p:nvPicPr>
-          <p:cNvPr id="3074" name="Picture 2"/>
+          <p:cNvPr id="1026" name="Picture 2"/>
           <p:cNvPicPr>
             <a:picLocks noChangeAspect="1" noChangeArrowheads="1"/>
           </p:cNvPicPr>
           <p:nvPr/>
         </p:nvPicPr>
         <p:blipFill>
-          <a:blip r:embed="rId3">
+          <a:blip r:embed="rId2">
             <a:extLst>
               <a:ext uri="{28A0092B-C50C-407E-A947-70E740481C1C}">
                 <a14:useLocalDpi xmlns:a14="http://schemas.microsoft.com/office/drawing/2010/main" val="0"/>
@@ -14409,8 +14606,8 @@
         </p:blipFill>
         <p:spPr bwMode="auto">
           <a:xfrm>
-            <a:off x="395537" y="1196753"/>
-            <a:ext cx="8423523" cy="5123681"/>
+            <a:off x="4544" y="836712"/>
+            <a:ext cx="9139456" cy="5760640"/>
           </a:xfrm>
           <a:prstGeom prst="rect">
             <a:avLst/>
@@ -14453,7 +14650,7 @@
     </p:spTree>
     <p:extLst>
       <p:ext uri="{BB962C8B-B14F-4D97-AF65-F5344CB8AC3E}">
-        <p14:creationId xmlns:p14="http://schemas.microsoft.com/office/powerpoint/2010/main" val="3037532577"/>
+        <p14:creationId xmlns:p14="http://schemas.microsoft.com/office/powerpoint/2010/main" val="592771144"/>
       </p:ext>
     </p:extLst>
   </p:cSld>
@@ -14499,8 +14696,8 @@
         </p:nvSpPr>
         <p:spPr>
           <a:xfrm>
-            <a:off x="402917" y="116632"/>
-            <a:ext cx="8229600" cy="619472"/>
+            <a:off x="452160" y="260648"/>
+            <a:ext cx="8229600" cy="763488"/>
           </a:xfrm>
         </p:spPr>
         <p:txBody>
@@ -14512,7 +14709,7 @@
                 <a:latin typeface="Times New Roman" pitchFamily="18" charset="0"/>
                 <a:cs typeface="Times New Roman" pitchFamily="18" charset="0"/>
               </a:rPr>
-              <a:t>Usecase chính</a:t>
+              <a:t>Database tổng</a:t>
             </a:r>
             <a:endParaRPr lang="en-US" sz="3000" b="1">
               <a:latin typeface="Times New Roman" pitchFamily="18" charset="0"/>
@@ -14549,7 +14746,7 @@
           <p:nvPr/>
         </p:nvPicPr>
         <p:blipFill>
-          <a:blip r:embed="rId2">
+          <a:blip r:embed="rId3">
             <a:extLst>
               <a:ext uri="{28A0092B-C50C-407E-A947-70E740481C1C}">
                 <a14:useLocalDpi xmlns:a14="http://schemas.microsoft.com/office/drawing/2010/main" val="0"/>
@@ -14563,8 +14760,8 @@
         </p:blipFill>
         <p:spPr bwMode="auto">
           <a:xfrm>
-            <a:off x="419100" y="980728"/>
-            <a:ext cx="8305800" cy="5400600"/>
+            <a:off x="1014413" y="1138238"/>
+            <a:ext cx="7115175" cy="4581525"/>
           </a:xfrm>
           <a:prstGeom prst="rect">
             <a:avLst/>
@@ -14607,7 +14804,7 @@
     </p:spTree>
     <p:extLst>
       <p:ext uri="{BB962C8B-B14F-4D97-AF65-F5344CB8AC3E}">
-        <p14:creationId xmlns:p14="http://schemas.microsoft.com/office/powerpoint/2010/main" val="2772734857"/>
+        <p14:creationId xmlns:p14="http://schemas.microsoft.com/office/powerpoint/2010/main" val="3037532577"/>
       </p:ext>
     </p:extLst>
   </p:cSld>
